--- a/Text2Json.pptx
+++ b/Text2Json.pptx
@@ -6721,15 +6721,6 @@
             <a:r>
               <a:rPr lang="en-US" dirty="0" smtClean="0"/>
               <a:t> object</a:t>
-            </a:r>
-          </a:p>
-          <a:p>
-            <a:pPr marL="514350" indent="-514350" algn="l" rtl="0">
-              <a:buAutoNum type="arabicPeriod"/>
-            </a:pPr>
-            <a:r>
-              <a:rPr lang="en-US" dirty="0" smtClean="0"/>
-              <a:t>Line - A set of functions to manipulate the text.</a:t>
             </a:r>
           </a:p>
           <a:p>

--- a/Text2Json.pptx
+++ b/Text2Json.pptx
@@ -5,22 +5,26 @@
     <p:sldMasterId id="2147483660" r:id="rId4"/>
   </p:sldMasterIdLst>
   <p:notesMasterIdLst>
-    <p:notesMasterId r:id="rId15"/>
+    <p:notesMasterId r:id="rId19"/>
   </p:notesMasterIdLst>
   <p:handoutMasterIdLst>
-    <p:handoutMasterId r:id="rId16"/>
+    <p:handoutMasterId r:id="rId20"/>
   </p:handoutMasterIdLst>
   <p:sldIdLst>
     <p:sldId id="257" r:id="rId5"/>
     <p:sldId id="268" r:id="rId6"/>
     <p:sldId id="272" r:id="rId7"/>
     <p:sldId id="273" r:id="rId8"/>
-    <p:sldId id="274" r:id="rId9"/>
-    <p:sldId id="259" r:id="rId10"/>
-    <p:sldId id="275" r:id="rId11"/>
-    <p:sldId id="276" r:id="rId12"/>
-    <p:sldId id="277" r:id="rId13"/>
-    <p:sldId id="278" r:id="rId14"/>
+    <p:sldId id="279" r:id="rId9"/>
+    <p:sldId id="274" r:id="rId10"/>
+    <p:sldId id="280" r:id="rId11"/>
+    <p:sldId id="281" r:id="rId12"/>
+    <p:sldId id="259" r:id="rId13"/>
+    <p:sldId id="275" r:id="rId14"/>
+    <p:sldId id="276" r:id="rId15"/>
+    <p:sldId id="277" r:id="rId16"/>
+    <p:sldId id="282" r:id="rId17"/>
+    <p:sldId id="278" r:id="rId18"/>
   </p:sldIdLst>
   <p:sldSz cx="12188825" cy="6858000"/>
   <p:notesSz cx="6858000" cy="9144000"/>
@@ -1150,7 +1154,7 @@
     </p:spTree>
     <p:extLst>
       <p:ext uri="{BB962C8B-B14F-4D97-AF65-F5344CB8AC3E}">
-        <p14:creationId xmlns:p14="http://schemas.microsoft.com/office/powerpoint/2010/main" val="103823260"/>
+        <p14:creationId xmlns:p14="http://schemas.microsoft.com/office/powerpoint/2010/main" val="2829970736"/>
       </p:ext>
     </p:extLst>
   </p:cSld>
@@ -1239,7 +1243,274 @@
     </p:spTree>
     <p:extLst>
       <p:ext uri="{BB962C8B-B14F-4D97-AF65-F5344CB8AC3E}">
+        <p14:creationId xmlns:p14="http://schemas.microsoft.com/office/powerpoint/2010/main" val="103823260"/>
+      </p:ext>
+    </p:extLst>
+  </p:cSld>
+  <p:clrMapOvr>
+    <a:masterClrMapping/>
+  </p:clrMapOvr>
+</p:notes>
+</file>
+
+<file path=ppt/notesSlides/notesSlide7.xml><?xml version="1.0" encoding="utf-8"?>
+<p:notes xmlns:a="http://schemas.openxmlformats.org/drawingml/2006/main" xmlns:r="http://schemas.openxmlformats.org/officeDocument/2006/relationships" xmlns:p="http://schemas.openxmlformats.org/presentationml/2006/main">
+  <p:cSld>
+    <p:spTree>
+      <p:nvGrpSpPr>
+        <p:cNvPr id="1" name=""/>
+        <p:cNvGrpSpPr/>
+        <p:nvPr/>
+      </p:nvGrpSpPr>
+      <p:grpSpPr>
+        <a:xfrm>
+          <a:off x="0" y="0"/>
+          <a:ext cx="0" cy="0"/>
+          <a:chOff x="0" y="0"/>
+          <a:chExt cx="0" cy="0"/>
+        </a:xfrm>
+      </p:grpSpPr>
+      <p:sp>
+        <p:nvSpPr>
+          <p:cNvPr id="2" name="מציין מיקום של תמונת שקופית 1"/>
+          <p:cNvSpPr>
+            <a:spLocks noGrp="1" noRot="1" noChangeAspect="1"/>
+          </p:cNvSpPr>
+          <p:nvPr>
+            <p:ph type="sldImg"/>
+          </p:nvPr>
+        </p:nvSpPr>
+        <p:spPr/>
+      </p:sp>
+      <p:sp>
+        <p:nvSpPr>
+          <p:cNvPr id="3" name="מציין מיקום של הערות 2"/>
+          <p:cNvSpPr>
+            <a:spLocks noGrp="1"/>
+          </p:cNvSpPr>
+          <p:nvPr>
+            <p:ph type="body" idx="1"/>
+          </p:nvPr>
+        </p:nvSpPr>
+        <p:spPr/>
+        <p:txBody>
+          <a:bodyPr/>
+          <a:lstStyle/>
+          <a:p>
+            <a:endParaRPr lang="he-IL" noProof="0" dirty="0">
+              <a:latin typeface="Tahoma" panose="020B0604030504040204" pitchFamily="34" charset="0"/>
+              <a:ea typeface="Tahoma" panose="020B0604030504040204" pitchFamily="34" charset="0"/>
+              <a:cs typeface="Tahoma" panose="020B0604030504040204" pitchFamily="34" charset="0"/>
+            </a:endParaRPr>
+          </a:p>
+        </p:txBody>
+      </p:sp>
+      <p:sp>
+        <p:nvSpPr>
+          <p:cNvPr id="4" name="מציין מיקום של מספר שקופית 3"/>
+          <p:cNvSpPr>
+            <a:spLocks noGrp="1"/>
+          </p:cNvSpPr>
+          <p:nvPr>
+            <p:ph type="sldNum" sz="quarter" idx="10"/>
+          </p:nvPr>
+        </p:nvSpPr>
+        <p:spPr/>
+        <p:txBody>
+          <a:bodyPr/>
+          <a:lstStyle/>
+          <a:p>
+            <a:pPr rtl="1"/>
+            <a:fld id="{3EBA5BD7-F043-4D1B-AA17-CD412FC534DE}" type="slidenum">
+              <a:rPr lang="he-IL" smtClean="0"/>
+              <a:t>7</a:t>
+            </a:fld>
+            <a:endParaRPr lang="he-IL" dirty="0"/>
+          </a:p>
+        </p:txBody>
+      </p:sp>
+    </p:spTree>
+    <p:extLst>
+      <p:ext uri="{BB962C8B-B14F-4D97-AF65-F5344CB8AC3E}">
+        <p14:creationId xmlns:p14="http://schemas.microsoft.com/office/powerpoint/2010/main" val="2600801702"/>
+      </p:ext>
+    </p:extLst>
+  </p:cSld>
+  <p:clrMapOvr>
+    <a:masterClrMapping/>
+  </p:clrMapOvr>
+</p:notes>
+</file>
+
+<file path=ppt/notesSlides/notesSlide8.xml><?xml version="1.0" encoding="utf-8"?>
+<p:notes xmlns:a="http://schemas.openxmlformats.org/drawingml/2006/main" xmlns:r="http://schemas.openxmlformats.org/officeDocument/2006/relationships" xmlns:p="http://schemas.openxmlformats.org/presentationml/2006/main">
+  <p:cSld>
+    <p:spTree>
+      <p:nvGrpSpPr>
+        <p:cNvPr id="1" name=""/>
+        <p:cNvGrpSpPr/>
+        <p:nvPr/>
+      </p:nvGrpSpPr>
+      <p:grpSpPr>
+        <a:xfrm>
+          <a:off x="0" y="0"/>
+          <a:ext cx="0" cy="0"/>
+          <a:chOff x="0" y="0"/>
+          <a:chExt cx="0" cy="0"/>
+        </a:xfrm>
+      </p:grpSpPr>
+      <p:sp>
+        <p:nvSpPr>
+          <p:cNvPr id="2" name="מציין מיקום של תמונת שקופית 1"/>
+          <p:cNvSpPr>
+            <a:spLocks noGrp="1" noRot="1" noChangeAspect="1"/>
+          </p:cNvSpPr>
+          <p:nvPr>
+            <p:ph type="sldImg"/>
+          </p:nvPr>
+        </p:nvSpPr>
+        <p:spPr/>
+      </p:sp>
+      <p:sp>
+        <p:nvSpPr>
+          <p:cNvPr id="3" name="מציין מיקום של הערות 2"/>
+          <p:cNvSpPr>
+            <a:spLocks noGrp="1"/>
+          </p:cNvSpPr>
+          <p:nvPr>
+            <p:ph type="body" idx="1"/>
+          </p:nvPr>
+        </p:nvSpPr>
+        <p:spPr/>
+        <p:txBody>
+          <a:bodyPr/>
+          <a:lstStyle/>
+          <a:p>
+            <a:endParaRPr lang="he-IL" noProof="0" dirty="0">
+              <a:latin typeface="Tahoma" panose="020B0604030504040204" pitchFamily="34" charset="0"/>
+              <a:ea typeface="Tahoma" panose="020B0604030504040204" pitchFamily="34" charset="0"/>
+              <a:cs typeface="Tahoma" panose="020B0604030504040204" pitchFamily="34" charset="0"/>
+            </a:endParaRPr>
+          </a:p>
+        </p:txBody>
+      </p:sp>
+      <p:sp>
+        <p:nvSpPr>
+          <p:cNvPr id="4" name="מציין מיקום של מספר שקופית 3"/>
+          <p:cNvSpPr>
+            <a:spLocks noGrp="1"/>
+          </p:cNvSpPr>
+          <p:nvPr>
+            <p:ph type="sldNum" sz="quarter" idx="10"/>
+          </p:nvPr>
+        </p:nvSpPr>
+        <p:spPr/>
+        <p:txBody>
+          <a:bodyPr/>
+          <a:lstStyle/>
+          <a:p>
+            <a:pPr rtl="1"/>
+            <a:fld id="{3EBA5BD7-F043-4D1B-AA17-CD412FC534DE}" type="slidenum">
+              <a:rPr lang="he-IL" smtClean="0"/>
+              <a:t>9</a:t>
+            </a:fld>
+            <a:endParaRPr lang="he-IL" dirty="0"/>
+          </a:p>
+        </p:txBody>
+      </p:sp>
+    </p:spTree>
+    <p:extLst>
+      <p:ext uri="{BB962C8B-B14F-4D97-AF65-F5344CB8AC3E}">
         <p14:creationId xmlns:p14="http://schemas.microsoft.com/office/powerpoint/2010/main" val="2790573086"/>
+      </p:ext>
+    </p:extLst>
+  </p:cSld>
+  <p:clrMapOvr>
+    <a:masterClrMapping/>
+  </p:clrMapOvr>
+</p:notes>
+</file>
+
+<file path=ppt/notesSlides/notesSlide9.xml><?xml version="1.0" encoding="utf-8"?>
+<p:notes xmlns:a="http://schemas.openxmlformats.org/drawingml/2006/main" xmlns:r="http://schemas.openxmlformats.org/officeDocument/2006/relationships" xmlns:p="http://schemas.openxmlformats.org/presentationml/2006/main">
+  <p:cSld>
+    <p:spTree>
+      <p:nvGrpSpPr>
+        <p:cNvPr id="1" name=""/>
+        <p:cNvGrpSpPr/>
+        <p:nvPr/>
+      </p:nvGrpSpPr>
+      <p:grpSpPr>
+        <a:xfrm>
+          <a:off x="0" y="0"/>
+          <a:ext cx="0" cy="0"/>
+          <a:chOff x="0" y="0"/>
+          <a:chExt cx="0" cy="0"/>
+        </a:xfrm>
+      </p:grpSpPr>
+      <p:sp>
+        <p:nvSpPr>
+          <p:cNvPr id="2" name="מציין מיקום של תמונת שקופית 1"/>
+          <p:cNvSpPr>
+            <a:spLocks noGrp="1" noRot="1" noChangeAspect="1"/>
+          </p:cNvSpPr>
+          <p:nvPr>
+            <p:ph type="sldImg"/>
+          </p:nvPr>
+        </p:nvSpPr>
+        <p:spPr/>
+      </p:sp>
+      <p:sp>
+        <p:nvSpPr>
+          <p:cNvPr id="3" name="מציין מיקום של הערות 2"/>
+          <p:cNvSpPr>
+            <a:spLocks noGrp="1"/>
+          </p:cNvSpPr>
+          <p:nvPr>
+            <p:ph type="body" idx="1"/>
+          </p:nvPr>
+        </p:nvSpPr>
+        <p:spPr/>
+        <p:txBody>
+          <a:bodyPr/>
+          <a:lstStyle/>
+          <a:p>
+            <a:endParaRPr lang="he-IL" noProof="0" dirty="0">
+              <a:latin typeface="Tahoma" panose="020B0604030504040204" pitchFamily="34" charset="0"/>
+              <a:ea typeface="Tahoma" panose="020B0604030504040204" pitchFamily="34" charset="0"/>
+              <a:cs typeface="Tahoma" panose="020B0604030504040204" pitchFamily="34" charset="0"/>
+            </a:endParaRPr>
+          </a:p>
+        </p:txBody>
+      </p:sp>
+      <p:sp>
+        <p:nvSpPr>
+          <p:cNvPr id="4" name="מציין מיקום של מספר שקופית 3"/>
+          <p:cNvSpPr>
+            <a:spLocks noGrp="1"/>
+          </p:cNvSpPr>
+          <p:nvPr>
+            <p:ph type="sldNum" sz="quarter" idx="10"/>
+          </p:nvPr>
+        </p:nvSpPr>
+        <p:spPr/>
+        <p:txBody>
+          <a:bodyPr/>
+          <a:lstStyle/>
+          <a:p>
+            <a:pPr rtl="1"/>
+            <a:fld id="{3EBA5BD7-F043-4D1B-AA17-CD412FC534DE}" type="slidenum">
+              <a:rPr lang="he-IL" smtClean="0"/>
+              <a:t>13</a:t>
+            </a:fld>
+            <a:endParaRPr lang="he-IL" dirty="0"/>
+          </a:p>
+        </p:txBody>
+      </p:sp>
+    </p:spTree>
+    <p:extLst>
+      <p:ext uri="{BB962C8B-B14F-4D97-AF65-F5344CB8AC3E}">
+        <p14:creationId xmlns:p14="http://schemas.microsoft.com/office/powerpoint/2010/main" val="1822354863"/>
       </p:ext>
     </p:extLst>
   </p:cSld>
@@ -4832,11 +5103,10 @@
       <p:bgPr>
         <a:gradFill flip="none" rotWithShape="1">
           <a:gsLst>
-            <a:gs pos="0">
-              <a:schemeClr val="bg2">
-                <a:tint val="100000"/>
-                <a:shade val="0"/>
-                <a:satMod val="100000"/>
+            <a:gs pos="8000">
+              <a:schemeClr val="bg1">
+                <a:lumMod val="65000"/>
+                <a:lumOff val="35000"/>
               </a:schemeClr>
             </a:gs>
             <a:gs pos="85000">
@@ -5832,12 +6102,12 @@
   <p:extLst mod="1">
     <p:ext uri="{27BBF7A9-308A-43DC-89C8-2F10F3537804}">
       <p15:sldGuideLst xmlns:p15="http://schemas.microsoft.com/office/powerpoint/2012/main">
-        <p15:guide id="1" orient="horz" pos="2160" userDrawn="1">
+        <p15:guide id="1" orient="horz" pos="2160">
           <p15:clr>
             <a:srgbClr val="F26B43"/>
           </p15:clr>
         </p15:guide>
-        <p15:guide id="2" pos="3839" userDrawn="1">
+        <p15:guide id="2" pos="3839">
           <p15:clr>
             <a:srgbClr val="F26B43"/>
           </p15:clr>
@@ -5882,14 +6152,10 @@
           <a:p>
             <a:pPr algn="l" rtl="1"/>
             <a:r>
-              <a:rPr lang="en-US" dirty="0" smtClean="0"/>
+              <a:rPr lang="en-US" b="1" dirty="0" smtClean="0"/>
               <a:t>Text2Json</a:t>
             </a:r>
-            <a:endParaRPr lang="he-IL" dirty="0">
-              <a:latin typeface="Tahoma" panose="020B0604030504040204" pitchFamily="34" charset="0"/>
-              <a:ea typeface="Tahoma" panose="020B0604030504040204" pitchFamily="34" charset="0"/>
-              <a:cs typeface="Tahoma" panose="020B0604030504040204" pitchFamily="34" charset="0"/>
-            </a:endParaRPr>
+            <a:endParaRPr lang="he-IL" b="1" dirty="0"/>
           </a:p>
         </p:txBody>
       </p:sp>
@@ -5910,14 +6176,14 @@
           <a:p>
             <a:pPr algn="l" rtl="1"/>
             <a:r>
-              <a:rPr lang="en-US" dirty="0" smtClean="0">
+              <a:rPr lang="en-US" b="1" dirty="0" smtClean="0">
                 <a:latin typeface="Tahoma" panose="020B0604030504040204" pitchFamily="34" charset="0"/>
                 <a:ea typeface="Tahoma" panose="020B0604030504040204" pitchFamily="34" charset="0"/>
                 <a:cs typeface="Tahoma" panose="020B0604030504040204" pitchFamily="34" charset="0"/>
               </a:rPr>
               <a:t>Project presentation</a:t>
             </a:r>
-            <a:endParaRPr lang="he-IL" dirty="0">
+            <a:endParaRPr lang="he-IL" b="1" dirty="0">
               <a:latin typeface="Tahoma" panose="020B0604030504040204" pitchFamily="34" charset="0"/>
               <a:ea typeface="Tahoma" panose="020B0604030504040204" pitchFamily="34" charset="0"/>
               <a:cs typeface="Tahoma" panose="020B0604030504040204" pitchFamily="34" charset="0"/>
@@ -6025,852 +6291,17 @@
       </p:transition>
     </mc:Fallback>
   </mc:AlternateContent>
+  <p:timing>
+    <p:tnLst>
+      <p:par>
+        <p:cTn id="1" dur="indefinite" restart="never" nodeType="tmRoot"/>
+      </p:par>
+    </p:tnLst>
+  </p:timing>
 </p:sld>
 </file>
 
 <file path=ppt/slides/slide10.xml><?xml version="1.0" encoding="utf-8"?>
-<p:sld xmlns:a="http://schemas.openxmlformats.org/drawingml/2006/main" xmlns:r="http://schemas.openxmlformats.org/officeDocument/2006/relationships" xmlns:p="http://schemas.openxmlformats.org/presentationml/2006/main">
-  <p:cSld>
-    <p:spTree>
-      <p:nvGrpSpPr>
-        <p:cNvPr id="1" name=""/>
-        <p:cNvGrpSpPr/>
-        <p:nvPr/>
-      </p:nvGrpSpPr>
-      <p:grpSpPr>
-        <a:xfrm>
-          <a:off x="0" y="0"/>
-          <a:ext cx="0" cy="0"/>
-          <a:chOff x="0" y="0"/>
-          <a:chExt cx="0" cy="0"/>
-        </a:xfrm>
-      </p:grpSpPr>
-      <p:sp>
-        <p:nvSpPr>
-          <p:cNvPr id="2" name="כותרת 1"/>
-          <p:cNvSpPr>
-            <a:spLocks noGrp="1"/>
-          </p:cNvSpPr>
-          <p:nvPr>
-            <p:ph type="title"/>
-          </p:nvPr>
-        </p:nvSpPr>
-        <p:spPr>
-          <a:xfrm>
-            <a:off x="1598612" y="838200"/>
-            <a:ext cx="9142412" cy="2667000"/>
-          </a:xfrm>
-        </p:spPr>
-        <p:txBody>
-          <a:bodyPr>
-            <a:normAutofit/>
-          </a:bodyPr>
-          <a:lstStyle/>
-          <a:p>
-            <a:pPr algn="l" rtl="0"/>
-            <a:r>
-              <a:rPr lang="en-US" sz="3200" dirty="0" smtClean="0"/>
-              <a:t>For </a:t>
-            </a:r>
-            <a:r>
-              <a:rPr lang="en-US" sz="3200" dirty="0"/>
-              <a:t>m</a:t>
-            </a:r>
-            <a:r>
-              <a:rPr lang="en-US" sz="3200" dirty="0" smtClean="0"/>
-              <a:t>ore information: </a:t>
-            </a:r>
-            <a:r>
-              <a:rPr lang="en-US" sz="3200" dirty="0" smtClean="0">
-                <a:hlinkClick r:id="rId2"/>
-              </a:rPr>
-              <a:t>https</a:t>
-            </a:r>
-            <a:r>
-              <a:rPr lang="en-US" sz="3200" dirty="0">
-                <a:hlinkClick r:id="rId2"/>
-              </a:rPr>
-              <a:t>://github.com/TechnionTDK/jbs-text2json</a:t>
-            </a:r>
-            <a:endParaRPr lang="he-IL" sz="3200" dirty="0"/>
-          </a:p>
-        </p:txBody>
-      </p:sp>
-    </p:spTree>
-    <p:extLst>
-      <p:ext uri="{BB962C8B-B14F-4D97-AF65-F5344CB8AC3E}">
-        <p14:creationId xmlns:p14="http://schemas.microsoft.com/office/powerpoint/2010/main" val="2191021414"/>
-      </p:ext>
-    </p:extLst>
-  </p:cSld>
-  <p:clrMapOvr>
-    <a:masterClrMapping/>
-  </p:clrMapOvr>
-  <mc:AlternateContent xmlns:mc="http://schemas.openxmlformats.org/markup-compatibility/2006" xmlns:p14="http://schemas.microsoft.com/office/powerpoint/2010/main">
-    <mc:Choice Requires="p14">
-      <p:transition spd="med" p14:dur="700">
-        <p:fade/>
-      </p:transition>
-    </mc:Choice>
-    <mc:Fallback xmlns="">
-      <p:transition spd="med">
-        <p:fade/>
-      </p:transition>
-    </mc:Fallback>
-  </mc:AlternateContent>
-</p:sld>
-</file>
-
-<file path=ppt/slides/slide2.xml><?xml version="1.0" encoding="utf-8"?>
-<p:sld xmlns:a="http://schemas.openxmlformats.org/drawingml/2006/main" xmlns:r="http://schemas.openxmlformats.org/officeDocument/2006/relationships" xmlns:p="http://schemas.openxmlformats.org/presentationml/2006/main">
-  <p:cSld>
-    <p:spTree>
-      <p:nvGrpSpPr>
-        <p:cNvPr id="1" name=""/>
-        <p:cNvGrpSpPr/>
-        <p:nvPr/>
-      </p:nvGrpSpPr>
-      <p:grpSpPr>
-        <a:xfrm>
-          <a:off x="0" y="0"/>
-          <a:ext cx="0" cy="0"/>
-          <a:chOff x="0" y="0"/>
-          <a:chExt cx="0" cy="0"/>
-        </a:xfrm>
-      </p:grpSpPr>
-      <p:sp>
-        <p:nvSpPr>
-          <p:cNvPr id="13" name="כותרת 12"/>
-          <p:cNvSpPr>
-            <a:spLocks noGrp="1"/>
-          </p:cNvSpPr>
-          <p:nvPr>
-            <p:ph type="title"/>
-          </p:nvPr>
-        </p:nvSpPr>
-        <p:spPr/>
-        <p:txBody>
-          <a:bodyPr rtlCol="1"/>
-          <a:lstStyle/>
-          <a:p>
-            <a:pPr algn="l" rtl="1"/>
-            <a:r>
-              <a:rPr lang="en-US" dirty="0" smtClean="0">
-                <a:latin typeface="Tahoma" panose="020B0604030504040204" pitchFamily="34" charset="0"/>
-                <a:ea typeface="Tahoma" panose="020B0604030504040204" pitchFamily="34" charset="0"/>
-                <a:cs typeface="Tahoma" panose="020B0604030504040204" pitchFamily="34" charset="0"/>
-              </a:rPr>
-              <a:t>O</a:t>
-            </a:r>
-            <a:r>
-              <a:rPr lang="en-US" dirty="0" smtClean="0"/>
-              <a:t>VERVIEW</a:t>
-            </a:r>
-            <a:endParaRPr lang="he-IL" dirty="0">
-              <a:latin typeface="Tahoma" panose="020B0604030504040204" pitchFamily="34" charset="0"/>
-              <a:ea typeface="Tahoma" panose="020B0604030504040204" pitchFamily="34" charset="0"/>
-              <a:cs typeface="Tahoma" panose="020B0604030504040204" pitchFamily="34" charset="0"/>
-            </a:endParaRPr>
-          </a:p>
-        </p:txBody>
-      </p:sp>
-      <p:sp>
-        <p:nvSpPr>
-          <p:cNvPr id="14" name="מציין מיקום תוכן 13"/>
-          <p:cNvSpPr>
-            <a:spLocks noGrp="1"/>
-          </p:cNvSpPr>
-          <p:nvPr>
-            <p:ph idx="1"/>
-          </p:nvPr>
-        </p:nvSpPr>
-        <p:spPr/>
-        <p:txBody>
-          <a:bodyPr rtlCol="1"/>
-          <a:lstStyle/>
-          <a:p>
-            <a:pPr algn="l" rtl="0"/>
-            <a:r>
-              <a:rPr lang="en-US" dirty="0" smtClean="0">
-                <a:latin typeface="Tahoma" panose="020B0604030504040204" pitchFamily="34" charset="0"/>
-                <a:ea typeface="Tahoma" panose="020B0604030504040204" pitchFamily="34" charset="0"/>
-                <a:cs typeface="Tahoma" panose="020B0604030504040204" pitchFamily="34" charset="0"/>
-              </a:rPr>
-              <a:t>T</a:t>
-            </a:r>
-            <a:r>
-              <a:rPr lang="en-US" dirty="0" smtClean="0"/>
-              <a:t>ext2Json is a general parsing tool for developers</a:t>
-            </a:r>
-          </a:p>
-          <a:p>
-            <a:pPr algn="l" rtl="0"/>
-            <a:r>
-              <a:rPr lang="en-US" dirty="0" smtClean="0"/>
-              <a:t>Using Text2Json a programmer can almost effortlessly convert any text file to an easy-to-work-with </a:t>
-            </a:r>
-            <a:r>
-              <a:rPr lang="en-US" dirty="0" err="1" smtClean="0"/>
-              <a:t>json</a:t>
-            </a:r>
-            <a:r>
-              <a:rPr lang="en-US" dirty="0" smtClean="0"/>
-              <a:t> format file </a:t>
-            </a:r>
-            <a:endParaRPr lang="he-IL" dirty="0">
-              <a:latin typeface="Tahoma" panose="020B0604030504040204" pitchFamily="34" charset="0"/>
-              <a:ea typeface="Tahoma" panose="020B0604030504040204" pitchFamily="34" charset="0"/>
-              <a:cs typeface="Tahoma" panose="020B0604030504040204" pitchFamily="34" charset="0"/>
-            </a:endParaRPr>
-          </a:p>
-          <a:p>
-            <a:pPr algn="l" rtl="0"/>
-            <a:r>
-              <a:rPr lang="en-US" dirty="0" smtClean="0"/>
-              <a:t>The library was developed as part of the JBS project in the </a:t>
-            </a:r>
-            <a:r>
-              <a:rPr lang="en-US" dirty="0" err="1" smtClean="0"/>
-              <a:t>Technions</a:t>
-            </a:r>
-            <a:r>
-              <a:rPr lang="en-US" dirty="0" smtClean="0"/>
-              <a:t> TDK lab</a:t>
-            </a:r>
-            <a:endParaRPr lang="he-IL" dirty="0">
-              <a:latin typeface="Tahoma" panose="020B0604030504040204" pitchFamily="34" charset="0"/>
-              <a:ea typeface="Tahoma" panose="020B0604030504040204" pitchFamily="34" charset="0"/>
-              <a:cs typeface="Tahoma" panose="020B0604030504040204" pitchFamily="34" charset="0"/>
-            </a:endParaRPr>
-          </a:p>
-          <a:p>
-            <a:pPr algn="l" rtl="0"/>
-            <a:r>
-              <a:rPr lang="en-US" dirty="0" smtClean="0">
-                <a:latin typeface="Tahoma" panose="020B0604030504040204" pitchFamily="34" charset="0"/>
-                <a:ea typeface="Tahoma" panose="020B0604030504040204" pitchFamily="34" charset="0"/>
-                <a:cs typeface="Tahoma" panose="020B0604030504040204" pitchFamily="34" charset="0"/>
-              </a:rPr>
-              <a:t>W</a:t>
-            </a:r>
-            <a:r>
-              <a:rPr lang="en-US" dirty="0" smtClean="0"/>
-              <a:t>ith the help of this tool dozens of </a:t>
-            </a:r>
-            <a:r>
-              <a:rPr lang="en-US" dirty="0" err="1" smtClean="0"/>
-              <a:t>jewish</a:t>
-            </a:r>
-            <a:r>
-              <a:rPr lang="en-US" dirty="0" smtClean="0"/>
-              <a:t> books wer</a:t>
-            </a:r>
-            <a:r>
-              <a:rPr lang="en-US" dirty="0" smtClean="0"/>
-              <a:t>e “translated” to </a:t>
-            </a:r>
-            <a:r>
-              <a:rPr lang="en-US" dirty="0" err="1" smtClean="0"/>
-              <a:t>json</a:t>
-            </a:r>
-            <a:r>
-              <a:rPr lang="en-US" dirty="0" smtClean="0"/>
-              <a:t> format and used in the project to create a semantic web database of the </a:t>
-            </a:r>
-            <a:r>
-              <a:rPr lang="en-US" dirty="0" err="1" smtClean="0"/>
-              <a:t>jewish</a:t>
-            </a:r>
-            <a:r>
-              <a:rPr lang="en-US" dirty="0" smtClean="0"/>
-              <a:t> books</a:t>
-            </a:r>
-            <a:endParaRPr lang="he-IL" dirty="0">
-              <a:latin typeface="Tahoma" panose="020B0604030504040204" pitchFamily="34" charset="0"/>
-              <a:ea typeface="Tahoma" panose="020B0604030504040204" pitchFamily="34" charset="0"/>
-              <a:cs typeface="Tahoma" panose="020B0604030504040204" pitchFamily="34" charset="0"/>
-            </a:endParaRPr>
-          </a:p>
-        </p:txBody>
-      </p:sp>
-    </p:spTree>
-    <p:extLst>
-      <p:ext uri="{BB962C8B-B14F-4D97-AF65-F5344CB8AC3E}">
-        <p14:creationId xmlns:p14="http://schemas.microsoft.com/office/powerpoint/2010/main" val="3529114326"/>
-      </p:ext>
-    </p:extLst>
-  </p:cSld>
-  <p:clrMapOvr>
-    <a:masterClrMapping/>
-  </p:clrMapOvr>
-  <mc:AlternateContent xmlns:mc="http://schemas.openxmlformats.org/markup-compatibility/2006" xmlns:p14="http://schemas.microsoft.com/office/powerpoint/2010/main">
-    <mc:Choice Requires="p14">
-      <p:transition spd="med" p14:dur="700">
-        <p:fade/>
-      </p:transition>
-    </mc:Choice>
-    <mc:Fallback xmlns="">
-      <p:transition spd="med">
-        <p:fade/>
-      </p:transition>
-    </mc:Fallback>
-  </mc:AlternateContent>
-</p:sld>
-</file>
-
-<file path=ppt/slides/slide3.xml><?xml version="1.0" encoding="utf-8"?>
-<p:sld xmlns:a="http://schemas.openxmlformats.org/drawingml/2006/main" xmlns:r="http://schemas.openxmlformats.org/officeDocument/2006/relationships" xmlns:p="http://schemas.openxmlformats.org/presentationml/2006/main">
-  <p:cSld>
-    <p:spTree>
-      <p:nvGrpSpPr>
-        <p:cNvPr id="1" name=""/>
-        <p:cNvGrpSpPr/>
-        <p:nvPr/>
-      </p:nvGrpSpPr>
-      <p:grpSpPr>
-        <a:xfrm>
-          <a:off x="0" y="0"/>
-          <a:ext cx="0" cy="0"/>
-          <a:chOff x="0" y="0"/>
-          <a:chExt cx="0" cy="0"/>
-        </a:xfrm>
-      </p:grpSpPr>
-      <p:sp>
-        <p:nvSpPr>
-          <p:cNvPr id="13" name="כותרת 12"/>
-          <p:cNvSpPr>
-            <a:spLocks noGrp="1"/>
-          </p:cNvSpPr>
-          <p:nvPr>
-            <p:ph type="title"/>
-          </p:nvPr>
-        </p:nvSpPr>
-        <p:spPr/>
-        <p:txBody>
-          <a:bodyPr rtlCol="1"/>
-          <a:lstStyle/>
-          <a:p>
-            <a:pPr algn="l" rtl="1"/>
-            <a:r>
-              <a:rPr lang="en-US" dirty="0" smtClean="0">
-                <a:latin typeface="Tahoma" panose="020B0604030504040204" pitchFamily="34" charset="0"/>
-                <a:ea typeface="Tahoma" panose="020B0604030504040204" pitchFamily="34" charset="0"/>
-                <a:cs typeface="Tahoma" panose="020B0604030504040204" pitchFamily="34" charset="0"/>
-              </a:rPr>
-              <a:t>USING Text2Json</a:t>
-            </a:r>
-            <a:endParaRPr lang="he-IL" dirty="0">
-              <a:latin typeface="Tahoma" panose="020B0604030504040204" pitchFamily="34" charset="0"/>
-              <a:ea typeface="Tahoma" panose="020B0604030504040204" pitchFamily="34" charset="0"/>
-              <a:cs typeface="Tahoma" panose="020B0604030504040204" pitchFamily="34" charset="0"/>
-            </a:endParaRPr>
-          </a:p>
-        </p:txBody>
-      </p:sp>
-      <p:sp>
-        <p:nvSpPr>
-          <p:cNvPr id="14" name="מציין מיקום תוכן 13"/>
-          <p:cNvSpPr>
-            <a:spLocks noGrp="1"/>
-          </p:cNvSpPr>
-          <p:nvPr>
-            <p:ph idx="1"/>
-          </p:nvPr>
-        </p:nvSpPr>
-        <p:spPr/>
-        <p:txBody>
-          <a:bodyPr rtlCol="1"/>
-          <a:lstStyle/>
-          <a:p>
-            <a:pPr marL="514350" indent="-514350" algn="l" rtl="0">
-              <a:buAutoNum type="arabicPeriod"/>
-            </a:pPr>
-            <a:r>
-              <a:rPr lang="en-US" dirty="0" smtClean="0"/>
-              <a:t>Create a new parser inheriting from the parser class</a:t>
-            </a:r>
-          </a:p>
-          <a:p>
-            <a:pPr marL="514350" indent="-514350" algn="l" rtl="0">
-              <a:buAutoNum type="arabicPeriod"/>
-            </a:pPr>
-            <a:r>
-              <a:rPr lang="en-US" dirty="0" smtClean="0"/>
-              <a:t>Define pattern matchers</a:t>
-            </a:r>
-          </a:p>
-          <a:p>
-            <a:pPr marL="514350" indent="-514350" algn="l" rtl="0">
-              <a:buAutoNum type="arabicPeriod"/>
-            </a:pPr>
-            <a:r>
-              <a:rPr lang="en-US" dirty="0" smtClean="0"/>
-              <a:t>Define actions to be taken upon match</a:t>
-            </a:r>
-          </a:p>
-          <a:p>
-            <a:pPr marL="514350" indent="-514350" algn="l" rtl="0">
-              <a:buAutoNum type="arabicPeriod"/>
-            </a:pPr>
-            <a:endParaRPr lang="en-US" dirty="0" smtClean="0"/>
-          </a:p>
-          <a:p>
-            <a:pPr marL="514350" indent="-514350" algn="l" rtl="0">
-              <a:buAutoNum type="arabicPeriod"/>
-            </a:pPr>
-            <a:endParaRPr lang="en-US" dirty="0" smtClean="0"/>
-          </a:p>
-          <a:p>
-            <a:pPr marL="514350" indent="-514350" algn="l" rtl="0">
-              <a:buAutoNum type="arabicPeriod"/>
-            </a:pPr>
-            <a:endParaRPr lang="he-IL" dirty="0">
-              <a:latin typeface="Tahoma" panose="020B0604030504040204" pitchFamily="34" charset="0"/>
-              <a:ea typeface="Tahoma" panose="020B0604030504040204" pitchFamily="34" charset="0"/>
-              <a:cs typeface="Tahoma" panose="020B0604030504040204" pitchFamily="34" charset="0"/>
-            </a:endParaRPr>
-          </a:p>
-        </p:txBody>
-      </p:sp>
-      <p:pic>
-        <p:nvPicPr>
-          <p:cNvPr id="3" name="תמונה 2"/>
-          <p:cNvPicPr>
-            <a:picLocks noChangeAspect="1"/>
-          </p:cNvPicPr>
-          <p:nvPr/>
-        </p:nvPicPr>
-        <p:blipFill rotWithShape="1">
-          <a:blip r:embed="rId3"/>
-          <a:srcRect b="35109"/>
-          <a:stretch/>
-        </p:blipFill>
-        <p:spPr>
-          <a:xfrm>
-            <a:off x="1293811" y="3581400"/>
-            <a:ext cx="5668615" cy="2209799"/>
-          </a:xfrm>
-          <a:prstGeom prst="rect">
-            <a:avLst/>
-          </a:prstGeom>
-        </p:spPr>
-      </p:pic>
-    </p:spTree>
-    <p:extLst>
-      <p:ext uri="{BB962C8B-B14F-4D97-AF65-F5344CB8AC3E}">
-        <p14:creationId xmlns:p14="http://schemas.microsoft.com/office/powerpoint/2010/main" val="928119428"/>
-      </p:ext>
-    </p:extLst>
-  </p:cSld>
-  <p:clrMapOvr>
-    <a:masterClrMapping/>
-  </p:clrMapOvr>
-  <mc:AlternateContent xmlns:mc="http://schemas.openxmlformats.org/markup-compatibility/2006" xmlns:p14="http://schemas.microsoft.com/office/powerpoint/2010/main">
-    <mc:Choice Requires="p14">
-      <p:transition spd="med" p14:dur="700">
-        <p:fade/>
-      </p:transition>
-    </mc:Choice>
-    <mc:Fallback xmlns="">
-      <p:transition spd="med">
-        <p:fade/>
-      </p:transition>
-    </mc:Fallback>
-  </mc:AlternateContent>
-</p:sld>
-</file>
-
-<file path=ppt/slides/slide4.xml><?xml version="1.0" encoding="utf-8"?>
-<p:sld xmlns:a="http://schemas.openxmlformats.org/drawingml/2006/main" xmlns:r="http://schemas.openxmlformats.org/officeDocument/2006/relationships" xmlns:p="http://schemas.openxmlformats.org/presentationml/2006/main">
-  <p:cSld>
-    <p:spTree>
-      <p:nvGrpSpPr>
-        <p:cNvPr id="1" name=""/>
-        <p:cNvGrpSpPr/>
-        <p:nvPr/>
-      </p:nvGrpSpPr>
-      <p:grpSpPr>
-        <a:xfrm>
-          <a:off x="0" y="0"/>
-          <a:ext cx="0" cy="0"/>
-          <a:chOff x="0" y="0"/>
-          <a:chExt cx="0" cy="0"/>
-        </a:xfrm>
-      </p:grpSpPr>
-      <p:sp>
-        <p:nvSpPr>
-          <p:cNvPr id="13" name="כותרת 12"/>
-          <p:cNvSpPr>
-            <a:spLocks noGrp="1"/>
-          </p:cNvSpPr>
-          <p:nvPr>
-            <p:ph type="title"/>
-          </p:nvPr>
-        </p:nvSpPr>
-        <p:spPr/>
-        <p:txBody>
-          <a:bodyPr rtlCol="1"/>
-          <a:lstStyle/>
-          <a:p>
-            <a:pPr algn="l" rtl="1"/>
-            <a:r>
-              <a:rPr lang="en-US" dirty="0" smtClean="0"/>
-              <a:t>Register Matchers</a:t>
-            </a:r>
-            <a:endParaRPr lang="he-IL" dirty="0">
-              <a:latin typeface="Tahoma" panose="020B0604030504040204" pitchFamily="34" charset="0"/>
-              <a:ea typeface="Tahoma" panose="020B0604030504040204" pitchFamily="34" charset="0"/>
-              <a:cs typeface="Tahoma" panose="020B0604030504040204" pitchFamily="34" charset="0"/>
-            </a:endParaRPr>
-          </a:p>
-        </p:txBody>
-      </p:sp>
-      <p:sp>
-        <p:nvSpPr>
-          <p:cNvPr id="14" name="מציין מיקום תוכן 13"/>
-          <p:cNvSpPr>
-            <a:spLocks noGrp="1"/>
-          </p:cNvSpPr>
-          <p:nvPr>
-            <p:ph idx="1"/>
-          </p:nvPr>
-        </p:nvSpPr>
-        <p:spPr/>
-        <p:txBody>
-          <a:bodyPr rtlCol="1"/>
-          <a:lstStyle/>
-          <a:p>
-            <a:pPr marL="514350" indent="-514350" algn="l" rtl="0">
-              <a:buFont typeface="Arial" pitchFamily="34" charset="0"/>
-              <a:buAutoNum type="arabicPeriod"/>
-            </a:pPr>
-            <a:r>
-              <a:rPr lang="en-US" dirty="0" err="1" smtClean="0"/>
-              <a:t>LineMatche</a:t>
-            </a:r>
-            <a:r>
-              <a:rPr lang="en-US" dirty="0" smtClean="0"/>
-              <a:t> - interface </a:t>
-            </a:r>
-            <a:r>
-              <a:rPr lang="en-US" dirty="0"/>
-              <a:t>for </a:t>
-            </a:r>
-            <a:r>
-              <a:rPr lang="en-US" dirty="0" smtClean="0"/>
-              <a:t>pattern matching.</a:t>
-            </a:r>
-          </a:p>
-          <a:p>
-            <a:pPr marL="514350" indent="-514350" algn="l" rtl="0">
-              <a:buAutoNum type="arabicPeriod"/>
-            </a:pPr>
-            <a:r>
-              <a:rPr lang="en-US" dirty="0" smtClean="0"/>
-              <a:t>Line - A class with a set of functions for examining the text.</a:t>
-            </a:r>
-          </a:p>
-          <a:p>
-            <a:pPr marL="0" indent="0" algn="l" rtl="0">
-              <a:buNone/>
-            </a:pPr>
-            <a:endParaRPr lang="en-US" dirty="0" smtClean="0"/>
-          </a:p>
-          <a:p>
-            <a:pPr marL="514350" indent="-514350" algn="l" rtl="0">
-              <a:buAutoNum type="arabicPeriod"/>
-            </a:pPr>
-            <a:endParaRPr lang="en-US" dirty="0" smtClean="0"/>
-          </a:p>
-          <a:p>
-            <a:pPr marL="0" indent="0" algn="l" rtl="0">
-              <a:buNone/>
-            </a:pPr>
-            <a:endParaRPr lang="he-IL" dirty="0">
-              <a:latin typeface="Tahoma" panose="020B0604030504040204" pitchFamily="34" charset="0"/>
-              <a:ea typeface="Tahoma" panose="020B0604030504040204" pitchFamily="34" charset="0"/>
-              <a:cs typeface="Tahoma" panose="020B0604030504040204" pitchFamily="34" charset="0"/>
-            </a:endParaRPr>
-          </a:p>
-        </p:txBody>
-      </p:sp>
-      <p:pic>
-        <p:nvPicPr>
-          <p:cNvPr id="2" name="תמונה 1"/>
-          <p:cNvPicPr>
-            <a:picLocks noChangeAspect="1"/>
-          </p:cNvPicPr>
-          <p:nvPr/>
-        </p:nvPicPr>
-        <p:blipFill rotWithShape="1">
-          <a:blip r:embed="rId3"/>
-          <a:srcRect b="15573"/>
-          <a:stretch/>
-        </p:blipFill>
-        <p:spPr>
-          <a:xfrm>
-            <a:off x="1293811" y="2895600"/>
-            <a:ext cx="4121989" cy="3429000"/>
-          </a:xfrm>
-          <a:prstGeom prst="rect">
-            <a:avLst/>
-          </a:prstGeom>
-        </p:spPr>
-      </p:pic>
-    </p:spTree>
-    <p:extLst>
-      <p:ext uri="{BB962C8B-B14F-4D97-AF65-F5344CB8AC3E}">
-        <p14:creationId xmlns:p14="http://schemas.microsoft.com/office/powerpoint/2010/main" val="333347440"/>
-      </p:ext>
-    </p:extLst>
-  </p:cSld>
-  <p:clrMapOvr>
-    <a:masterClrMapping/>
-  </p:clrMapOvr>
-  <mc:AlternateContent xmlns:mc="http://schemas.openxmlformats.org/markup-compatibility/2006" xmlns:p14="http://schemas.microsoft.com/office/powerpoint/2010/main">
-    <mc:Choice Requires="p14">
-      <p:transition spd="med" p14:dur="700">
-        <p:fade/>
-      </p:transition>
-    </mc:Choice>
-    <mc:Fallback xmlns="">
-      <p:transition spd="med">
-        <p:fade/>
-      </p:transition>
-    </mc:Fallback>
-  </mc:AlternateContent>
-</p:sld>
-</file>
-
-<file path=ppt/slides/slide5.xml><?xml version="1.0" encoding="utf-8"?>
-<p:sld xmlns:a="http://schemas.openxmlformats.org/drawingml/2006/main" xmlns:r="http://schemas.openxmlformats.org/officeDocument/2006/relationships" xmlns:p="http://schemas.openxmlformats.org/presentationml/2006/main">
-  <p:cSld>
-    <p:spTree>
-      <p:nvGrpSpPr>
-        <p:cNvPr id="1" name=""/>
-        <p:cNvGrpSpPr/>
-        <p:nvPr/>
-      </p:nvGrpSpPr>
-      <p:grpSpPr>
-        <a:xfrm>
-          <a:off x="0" y="0"/>
-          <a:ext cx="0" cy="0"/>
-          <a:chOff x="0" y="0"/>
-          <a:chExt cx="0" cy="0"/>
-        </a:xfrm>
-      </p:grpSpPr>
-      <p:sp>
-        <p:nvSpPr>
-          <p:cNvPr id="13" name="כותרת 12"/>
-          <p:cNvSpPr>
-            <a:spLocks noGrp="1"/>
-          </p:cNvSpPr>
-          <p:nvPr>
-            <p:ph type="title"/>
-          </p:nvPr>
-        </p:nvSpPr>
-        <p:spPr/>
-        <p:txBody>
-          <a:bodyPr rtlCol="1"/>
-          <a:lstStyle/>
-          <a:p>
-            <a:pPr algn="l" rtl="1"/>
-            <a:r>
-              <a:rPr lang="en-US" dirty="0" smtClean="0"/>
-              <a:t>On Line Match</a:t>
-            </a:r>
-            <a:endParaRPr lang="he-IL" dirty="0">
-              <a:latin typeface="Tahoma" panose="020B0604030504040204" pitchFamily="34" charset="0"/>
-              <a:ea typeface="Tahoma" panose="020B0604030504040204" pitchFamily="34" charset="0"/>
-              <a:cs typeface="Tahoma" panose="020B0604030504040204" pitchFamily="34" charset="0"/>
-            </a:endParaRPr>
-          </a:p>
-        </p:txBody>
-      </p:sp>
-      <p:sp>
-        <p:nvSpPr>
-          <p:cNvPr id="14" name="מציין מיקום תוכן 13"/>
-          <p:cNvSpPr>
-            <a:spLocks noGrp="1"/>
-          </p:cNvSpPr>
-          <p:nvPr>
-            <p:ph idx="1"/>
-          </p:nvPr>
-        </p:nvSpPr>
-        <p:spPr/>
-        <p:txBody>
-          <a:bodyPr rtlCol="1"/>
-          <a:lstStyle/>
-          <a:p>
-            <a:pPr marL="514350" indent="-514350" algn="l" rtl="0">
-              <a:buFont typeface="Arial" pitchFamily="34" charset="0"/>
-              <a:buAutoNum type="arabicPeriod"/>
-            </a:pPr>
-            <a:r>
-              <a:rPr lang="en-US" dirty="0" err="1" smtClean="0"/>
-              <a:t>JsonObject</a:t>
-            </a:r>
-            <a:r>
-              <a:rPr lang="en-US" dirty="0" smtClean="0"/>
-              <a:t> – A class for easily writing a </a:t>
-            </a:r>
-            <a:r>
-              <a:rPr lang="en-US" dirty="0" err="1" smtClean="0"/>
-              <a:t>json</a:t>
-            </a:r>
-            <a:r>
-              <a:rPr lang="en-US" dirty="0" smtClean="0"/>
-              <a:t> object</a:t>
-            </a:r>
-          </a:p>
-          <a:p>
-            <a:pPr marL="0" indent="0" algn="l" rtl="0">
-              <a:buNone/>
-            </a:pPr>
-            <a:endParaRPr lang="en-US" dirty="0" smtClean="0"/>
-          </a:p>
-          <a:p>
-            <a:pPr marL="514350" indent="-514350" algn="l" rtl="0">
-              <a:buAutoNum type="arabicPeriod"/>
-            </a:pPr>
-            <a:endParaRPr lang="en-US" dirty="0" smtClean="0"/>
-          </a:p>
-          <a:p>
-            <a:pPr marL="0" indent="0" algn="l" rtl="0">
-              <a:buNone/>
-            </a:pPr>
-            <a:endParaRPr lang="he-IL" dirty="0">
-              <a:latin typeface="Tahoma" panose="020B0604030504040204" pitchFamily="34" charset="0"/>
-              <a:ea typeface="Tahoma" panose="020B0604030504040204" pitchFamily="34" charset="0"/>
-              <a:cs typeface="Tahoma" panose="020B0604030504040204" pitchFamily="34" charset="0"/>
-            </a:endParaRPr>
-          </a:p>
-        </p:txBody>
-      </p:sp>
-      <p:pic>
-        <p:nvPicPr>
-          <p:cNvPr id="3" name="תמונה 2"/>
-          <p:cNvPicPr>
-            <a:picLocks noChangeAspect="1"/>
-          </p:cNvPicPr>
-          <p:nvPr/>
-        </p:nvPicPr>
-        <p:blipFill>
-          <a:blip r:embed="rId3"/>
-          <a:stretch>
-            <a:fillRect/>
-          </a:stretch>
-        </p:blipFill>
-        <p:spPr>
-          <a:xfrm>
-            <a:off x="1293812" y="3200400"/>
-            <a:ext cx="5438775" cy="2619375"/>
-          </a:xfrm>
-          <a:prstGeom prst="rect">
-            <a:avLst/>
-          </a:prstGeom>
-        </p:spPr>
-      </p:pic>
-    </p:spTree>
-    <p:extLst>
-      <p:ext uri="{BB962C8B-B14F-4D97-AF65-F5344CB8AC3E}">
-        <p14:creationId xmlns:p14="http://schemas.microsoft.com/office/powerpoint/2010/main" val="834813226"/>
-      </p:ext>
-    </p:extLst>
-  </p:cSld>
-  <p:clrMapOvr>
-    <a:masterClrMapping/>
-  </p:clrMapOvr>
-  <mc:AlternateContent xmlns:mc="http://schemas.openxmlformats.org/markup-compatibility/2006" xmlns:p14="http://schemas.microsoft.com/office/powerpoint/2010/main">
-    <mc:Choice Requires="p14">
-      <p:transition spd="med" p14:dur="700">
-        <p:fade/>
-      </p:transition>
-    </mc:Choice>
-    <mc:Fallback xmlns="">
-      <p:transition spd="med">
-        <p:fade/>
-      </p:transition>
-    </mc:Fallback>
-  </mc:AlternateContent>
-</p:sld>
-</file>
-
-<file path=ppt/slides/slide6.xml><?xml version="1.0" encoding="utf-8"?>
-<p:sld xmlns:a="http://schemas.openxmlformats.org/drawingml/2006/main" xmlns:r="http://schemas.openxmlformats.org/officeDocument/2006/relationships" xmlns:p="http://schemas.openxmlformats.org/presentationml/2006/main">
-  <p:cSld>
-    <p:spTree>
-      <p:nvGrpSpPr>
-        <p:cNvPr id="1" name=""/>
-        <p:cNvGrpSpPr/>
-        <p:nvPr/>
-      </p:nvGrpSpPr>
-      <p:grpSpPr>
-        <a:xfrm>
-          <a:off x="0" y="0"/>
-          <a:ext cx="0" cy="0"/>
-          <a:chOff x="0" y="0"/>
-          <a:chExt cx="0" cy="0"/>
-        </a:xfrm>
-      </p:grpSpPr>
-      <p:sp>
-        <p:nvSpPr>
-          <p:cNvPr id="4" name="כותרת 3"/>
-          <p:cNvSpPr>
-            <a:spLocks noGrp="1"/>
-          </p:cNvSpPr>
-          <p:nvPr>
-            <p:ph type="title"/>
-          </p:nvPr>
-        </p:nvSpPr>
-        <p:spPr/>
-        <p:txBody>
-          <a:bodyPr rtlCol="1"/>
-          <a:lstStyle/>
-          <a:p>
-            <a:pPr algn="l" rtl="1"/>
-            <a:r>
-              <a:rPr lang="en-US" dirty="0" smtClean="0"/>
-              <a:t>Some </a:t>
-            </a:r>
-            <a:r>
-              <a:rPr lang="en-US" sz="6600" dirty="0" smtClean="0"/>
-              <a:t>results</a:t>
-            </a:r>
-            <a:endParaRPr lang="he-IL" dirty="0">
-              <a:latin typeface="Tahoma" panose="020B0604030504040204" pitchFamily="34" charset="0"/>
-              <a:ea typeface="Tahoma" panose="020B0604030504040204" pitchFamily="34" charset="0"/>
-              <a:cs typeface="Tahoma" panose="020B0604030504040204" pitchFamily="34" charset="0"/>
-            </a:endParaRPr>
-          </a:p>
-        </p:txBody>
-      </p:sp>
-    </p:spTree>
-    <p:extLst>
-      <p:ext uri="{BB962C8B-B14F-4D97-AF65-F5344CB8AC3E}">
-        <p14:creationId xmlns:p14="http://schemas.microsoft.com/office/powerpoint/2010/main" val="4264977537"/>
-      </p:ext>
-    </p:extLst>
-  </p:cSld>
-  <p:clrMapOvr>
-    <a:masterClrMapping/>
-  </p:clrMapOvr>
-  <mc:AlternateContent xmlns:mc="http://schemas.openxmlformats.org/markup-compatibility/2006" xmlns:p14="http://schemas.microsoft.com/office/powerpoint/2010/main">
-    <mc:Choice Requires="p14">
-      <p:transition spd="med" p14:dur="700">
-        <p:fade/>
-      </p:transition>
-    </mc:Choice>
-    <mc:Fallback xmlns="">
-      <p:transition spd="med">
-        <p:fade/>
-      </p:transition>
-    </mc:Fallback>
-  </mc:AlternateContent>
-</p:sld>
-</file>
-
-<file path=ppt/slides/slide7.xml><?xml version="1.0" encoding="utf-8"?>
 <p:sld xmlns:a="http://schemas.openxmlformats.org/drawingml/2006/main" xmlns:r="http://schemas.openxmlformats.org/officeDocument/2006/relationships" xmlns:p="http://schemas.openxmlformats.org/presentationml/2006/main">
   <p:cSld>
     <p:spTree>
@@ -6988,7 +6419,7 @@
         </p:nvSpPr>
         <p:spPr>
           <a:xfrm rot="1874637">
-            <a:off x="1289146" y="4826909"/>
+            <a:off x="1451943" y="4918117"/>
             <a:ext cx="2017048" cy="546014"/>
           </a:xfrm>
           <a:prstGeom prst="rect">
@@ -7233,6 +6664,47 @@
           </a:p>
         </p:txBody>
       </p:sp>
+      <p:pic>
+        <p:nvPicPr>
+          <p:cNvPr id="7170" name="Picture 2" descr="Image result for ‫תנך‬‎"/>
+          <p:cNvPicPr>
+            <a:picLocks noChangeAspect="1" noChangeArrowheads="1"/>
+          </p:cNvPicPr>
+          <p:nvPr/>
+        </p:nvPicPr>
+        <p:blipFill>
+          <a:blip r:embed="rId4" cstate="print">
+            <a:extLst>
+              <a:ext uri="{28A0092B-C50C-407E-A947-70E740481C1C}">
+                <a14:useLocalDpi xmlns:a14="http://schemas.microsoft.com/office/drawing/2010/main" val="0"/>
+              </a:ext>
+            </a:extLst>
+          </a:blip>
+          <a:srcRect/>
+          <a:stretch>
+            <a:fillRect/>
+          </a:stretch>
+        </p:blipFill>
+        <p:spPr bwMode="auto">
+          <a:xfrm>
+            <a:off x="186294" y="5647102"/>
+            <a:ext cx="1033477" cy="1042988"/>
+          </a:xfrm>
+          <a:prstGeom prst="rect">
+            <a:avLst/>
+          </a:prstGeom>
+          <a:noFill/>
+          <a:extLst>
+            <a:ext uri="{909E8E84-426E-40DD-AFC4-6F175D3DCCD1}">
+              <a14:hiddenFill xmlns:a14="http://schemas.microsoft.com/office/drawing/2010/main">
+                <a:solidFill>
+                  <a:srgbClr val="FFFFFF"/>
+                </a:solidFill>
+              </a14:hiddenFill>
+            </a:ext>
+          </a:extLst>
+        </p:spPr>
+      </p:pic>
     </p:spTree>
     <p:extLst>
       <p:ext uri="{BB962C8B-B14F-4D97-AF65-F5344CB8AC3E}">
@@ -7255,10 +6727,17 @@
       </p:transition>
     </mc:Fallback>
   </mc:AlternateContent>
+  <p:timing>
+    <p:tnLst>
+      <p:par>
+        <p:cTn id="1" dur="indefinite" restart="never" nodeType="tmRoot"/>
+      </p:par>
+    </p:tnLst>
+  </p:timing>
 </p:sld>
 </file>
 
-<file path=ppt/slides/slide8.xml><?xml version="1.0" encoding="utf-8"?>
+<file path=ppt/slides/slide11.xml><?xml version="1.0" encoding="utf-8"?>
 <p:sld xmlns:a="http://schemas.openxmlformats.org/drawingml/2006/main" xmlns:r="http://schemas.openxmlformats.org/officeDocument/2006/relationships" xmlns:p="http://schemas.openxmlformats.org/presentationml/2006/main">
   <p:cSld>
     <p:spTree>
@@ -7622,6 +7101,45 @@
           </a:p>
         </p:txBody>
       </p:sp>
+      <p:pic>
+        <p:nvPicPr>
+          <p:cNvPr id="8194" name="Picture 2" descr="Image result for ‫תלמוד בבלי‬‎"/>
+          <p:cNvPicPr>
+            <a:picLocks noChangeAspect="1" noChangeArrowheads="1"/>
+          </p:cNvPicPr>
+          <p:nvPr/>
+        </p:nvPicPr>
+        <p:blipFill rotWithShape="1">
+          <a:blip r:embed="rId4" cstate="print">
+            <a:extLst>
+              <a:ext uri="{28A0092B-C50C-407E-A947-70E740481C1C}">
+                <a14:useLocalDpi xmlns:a14="http://schemas.microsoft.com/office/drawing/2010/main" val="0"/>
+              </a:ext>
+            </a:extLst>
+          </a:blip>
+          <a:srcRect l="37295" t="17516" r="36156" b="16408"/>
+          <a:stretch/>
+        </p:blipFill>
+        <p:spPr bwMode="auto">
+          <a:xfrm>
+            <a:off x="150812" y="5676900"/>
+            <a:ext cx="762000" cy="1066800"/>
+          </a:xfrm>
+          <a:prstGeom prst="rect">
+            <a:avLst/>
+          </a:prstGeom>
+          <a:noFill/>
+          <a:extLst>
+            <a:ext uri="{909E8E84-426E-40DD-AFC4-6F175D3DCCD1}">
+              <a14:hiddenFill xmlns:a14="http://schemas.microsoft.com/office/drawing/2010/main">
+                <a:solidFill>
+                  <a:srgbClr val="FFFFFF"/>
+                </a:solidFill>
+              </a14:hiddenFill>
+            </a:ext>
+          </a:extLst>
+        </p:spPr>
+      </p:pic>
     </p:spTree>
     <p:extLst>
       <p:ext uri="{BB962C8B-B14F-4D97-AF65-F5344CB8AC3E}">
@@ -7644,10 +7162,17 @@
       </p:transition>
     </mc:Fallback>
   </mc:AlternateContent>
+  <p:timing>
+    <p:tnLst>
+      <p:par>
+        <p:cTn id="1" dur="indefinite" restart="never" nodeType="tmRoot"/>
+      </p:par>
+    </p:tnLst>
+  </p:timing>
 </p:sld>
 </file>
 
-<file path=ppt/slides/slide9.xml><?xml version="1.0" encoding="utf-8"?>
+<file path=ppt/slides/slide12.xml><?xml version="1.0" encoding="utf-8"?>
 <p:sld xmlns:a="http://schemas.openxmlformats.org/drawingml/2006/main" xmlns:r="http://schemas.openxmlformats.org/officeDocument/2006/relationships" xmlns:p="http://schemas.openxmlformats.org/presentationml/2006/main">
   <p:cSld>
     <p:spTree>
@@ -7987,14 +7512,14 @@
           <a:p>
             <a:pPr algn="l" rtl="1"/>
             <a:r>
-              <a:rPr lang="en-US" sz="4400" dirty="0" err="1" smtClean="0"/>
+              <a:rPr lang="en-US" sz="4400" b="1" dirty="0" err="1" smtClean="0"/>
               <a:t>Json</a:t>
             </a:r>
             <a:r>
-              <a:rPr lang="en-US" sz="4400" dirty="0" smtClean="0"/>
+              <a:rPr lang="en-US" sz="4400" b="1" dirty="0" smtClean="0"/>
               <a:t> file for package data</a:t>
             </a:r>
-            <a:endParaRPr lang="he-IL" sz="4400" dirty="0"/>
+            <a:endParaRPr lang="he-IL" sz="4400" b="1" dirty="0"/>
           </a:p>
         </p:txBody>
       </p:sp>
@@ -8044,6 +7569,1808 @@
       </p:transition>
     </mc:Fallback>
   </mc:AlternateContent>
+  <p:timing>
+    <p:tnLst>
+      <p:par>
+        <p:cTn id="1" dur="indefinite" restart="never" nodeType="tmRoot"/>
+      </p:par>
+    </p:tnLst>
+  </p:timing>
+</p:sld>
+</file>
+
+<file path=ppt/slides/slide13.xml><?xml version="1.0" encoding="utf-8"?>
+<p:sld xmlns:a="http://schemas.openxmlformats.org/drawingml/2006/main" xmlns:r="http://schemas.openxmlformats.org/officeDocument/2006/relationships" xmlns:p="http://schemas.openxmlformats.org/presentationml/2006/main">
+  <p:cSld>
+    <p:spTree>
+      <p:nvGrpSpPr>
+        <p:cNvPr id="1" name=""/>
+        <p:cNvGrpSpPr/>
+        <p:nvPr/>
+      </p:nvGrpSpPr>
+      <p:grpSpPr>
+        <a:xfrm>
+          <a:off x="0" y="0"/>
+          <a:ext cx="0" cy="0"/>
+          <a:chOff x="0" y="0"/>
+          <a:chExt cx="0" cy="0"/>
+        </a:xfrm>
+      </p:grpSpPr>
+      <p:sp>
+        <p:nvSpPr>
+          <p:cNvPr id="13" name="כותרת 12"/>
+          <p:cNvSpPr>
+            <a:spLocks noGrp="1"/>
+          </p:cNvSpPr>
+          <p:nvPr>
+            <p:ph type="title"/>
+          </p:nvPr>
+        </p:nvSpPr>
+        <p:spPr/>
+        <p:txBody>
+          <a:bodyPr rtlCol="1"/>
+          <a:lstStyle/>
+          <a:p>
+            <a:pPr algn="l" rtl="1"/>
+            <a:r>
+              <a:rPr lang="en-US" b="1" dirty="0" smtClean="0"/>
+              <a:t>Working process</a:t>
+            </a:r>
+            <a:endParaRPr lang="he-IL" b="1" dirty="0"/>
+          </a:p>
+        </p:txBody>
+      </p:sp>
+      <p:sp>
+        <p:nvSpPr>
+          <p:cNvPr id="14" name="מציין מיקום תוכן 13"/>
+          <p:cNvSpPr>
+            <a:spLocks noGrp="1"/>
+          </p:cNvSpPr>
+          <p:nvPr>
+            <p:ph idx="1"/>
+          </p:nvPr>
+        </p:nvSpPr>
+        <p:spPr/>
+        <p:txBody>
+          <a:bodyPr rtlCol="1">
+            <a:normAutofit/>
+          </a:bodyPr>
+          <a:lstStyle/>
+          <a:p>
+            <a:pPr algn="l" rtl="0"/>
+            <a:r>
+              <a:rPr lang="en-US" dirty="0" smtClean="0"/>
+              <a:t>“Feel the ground”: created a specific parser before creating the tool</a:t>
+            </a:r>
+          </a:p>
+          <a:p>
+            <a:pPr algn="l" rtl="0"/>
+            <a:r>
+              <a:rPr lang="en-US" dirty="0" smtClean="0"/>
+              <a:t>Insights: encoding, Hebrew </a:t>
+            </a:r>
+            <a:r>
+              <a:rPr lang="en-US" dirty="0" err="1" smtClean="0"/>
+              <a:t>nikud</a:t>
+            </a:r>
+            <a:r>
+              <a:rPr lang="en-US" dirty="0" smtClean="0"/>
+              <a:t>, </a:t>
+            </a:r>
+            <a:r>
+              <a:rPr lang="en-US" dirty="0" err="1" smtClean="0"/>
+              <a:t>Gson</a:t>
+            </a:r>
+            <a:r>
+              <a:rPr lang="en-US" dirty="0" smtClean="0"/>
+              <a:t> library and more…</a:t>
+            </a:r>
+          </a:p>
+          <a:p>
+            <a:pPr algn="l" rtl="0"/>
+            <a:r>
+              <a:rPr lang="en-US" dirty="0" smtClean="0"/>
+              <a:t>Created a general parser – the Parser class</a:t>
+            </a:r>
+          </a:p>
+          <a:p>
+            <a:pPr algn="l" rtl="0"/>
+            <a:r>
+              <a:rPr lang="en-US" dirty="0" smtClean="0"/>
+              <a:t>Started parsing </a:t>
+            </a:r>
+            <a:r>
+              <a:rPr lang="en-US" dirty="0" err="1" smtClean="0"/>
+              <a:t>jewish</a:t>
+            </a:r>
+            <a:r>
+              <a:rPr lang="en-US" dirty="0" smtClean="0"/>
+              <a:t> books</a:t>
+            </a:r>
+          </a:p>
+          <a:p>
+            <a:pPr algn="l" rtl="0"/>
+            <a:r>
+              <a:rPr lang="en-US" dirty="0" smtClean="0"/>
+              <a:t>Simultaneously created helping tools for the general parser and utilities specifically for the </a:t>
+            </a:r>
+            <a:r>
+              <a:rPr lang="en-US" dirty="0" err="1" smtClean="0"/>
+              <a:t>jewish</a:t>
+            </a:r>
+            <a:r>
+              <a:rPr lang="en-US" dirty="0" smtClean="0"/>
+              <a:t> bookshelf parsing. </a:t>
+            </a:r>
+          </a:p>
+          <a:p>
+            <a:pPr algn="l" rtl="0"/>
+            <a:r>
+              <a:rPr lang="en-US" dirty="0" smtClean="0"/>
+              <a:t>Dealt with changes along the way</a:t>
+            </a:r>
+          </a:p>
+          <a:p>
+            <a:pPr marL="0" indent="0" algn="l" rtl="0">
+              <a:buNone/>
+            </a:pPr>
+            <a:endParaRPr lang="en-US" dirty="0" smtClean="0"/>
+          </a:p>
+          <a:p>
+            <a:pPr marL="514350" indent="-514350" algn="l" rtl="0">
+              <a:buAutoNum type="arabicPeriod"/>
+            </a:pPr>
+            <a:endParaRPr lang="en-US" dirty="0" smtClean="0"/>
+          </a:p>
+          <a:p>
+            <a:pPr marL="0" indent="0" algn="l" rtl="0">
+              <a:buNone/>
+            </a:pPr>
+            <a:endParaRPr lang="he-IL" dirty="0">
+              <a:latin typeface="Tahoma" panose="020B0604030504040204" pitchFamily="34" charset="0"/>
+              <a:ea typeface="Tahoma" panose="020B0604030504040204" pitchFamily="34" charset="0"/>
+              <a:cs typeface="Tahoma" panose="020B0604030504040204" pitchFamily="34" charset="0"/>
+            </a:endParaRPr>
+          </a:p>
+        </p:txBody>
+      </p:sp>
+    </p:spTree>
+    <p:extLst>
+      <p:ext uri="{BB962C8B-B14F-4D97-AF65-F5344CB8AC3E}">
+        <p14:creationId xmlns:p14="http://schemas.microsoft.com/office/powerpoint/2010/main" val="1474945440"/>
+      </p:ext>
+    </p:extLst>
+  </p:cSld>
+  <p:clrMapOvr>
+    <a:masterClrMapping/>
+  </p:clrMapOvr>
+  <mc:AlternateContent xmlns:mc="http://schemas.openxmlformats.org/markup-compatibility/2006" xmlns:p14="http://schemas.microsoft.com/office/powerpoint/2010/main">
+    <mc:Choice Requires="p14">
+      <p:transition spd="med" p14:dur="700">
+        <p:fade/>
+      </p:transition>
+    </mc:Choice>
+    <mc:Fallback xmlns="">
+      <p:transition spd="med">
+        <p:fade/>
+      </p:transition>
+    </mc:Fallback>
+  </mc:AlternateContent>
+  <p:timing>
+    <p:tnLst>
+      <p:par>
+        <p:cTn id="1" dur="indefinite" restart="never" nodeType="tmRoot"/>
+      </p:par>
+    </p:tnLst>
+  </p:timing>
+</p:sld>
+</file>
+
+<file path=ppt/slides/slide14.xml><?xml version="1.0" encoding="utf-8"?>
+<p:sld xmlns:a="http://schemas.openxmlformats.org/drawingml/2006/main" xmlns:r="http://schemas.openxmlformats.org/officeDocument/2006/relationships" xmlns:p="http://schemas.openxmlformats.org/presentationml/2006/main">
+  <p:cSld>
+    <p:spTree>
+      <p:nvGrpSpPr>
+        <p:cNvPr id="1" name=""/>
+        <p:cNvGrpSpPr/>
+        <p:nvPr/>
+      </p:nvGrpSpPr>
+      <p:grpSpPr>
+        <a:xfrm>
+          <a:off x="0" y="0"/>
+          <a:ext cx="0" cy="0"/>
+          <a:chOff x="0" y="0"/>
+          <a:chExt cx="0" cy="0"/>
+        </a:xfrm>
+      </p:grpSpPr>
+      <p:sp>
+        <p:nvSpPr>
+          <p:cNvPr id="2" name="כותרת 1"/>
+          <p:cNvSpPr>
+            <a:spLocks noGrp="1"/>
+          </p:cNvSpPr>
+          <p:nvPr>
+            <p:ph type="title"/>
+          </p:nvPr>
+        </p:nvSpPr>
+        <p:spPr>
+          <a:xfrm>
+            <a:off x="1674812" y="2057400"/>
+            <a:ext cx="9142412" cy="2667000"/>
+          </a:xfrm>
+        </p:spPr>
+        <p:txBody>
+          <a:bodyPr>
+            <a:normAutofit/>
+          </a:bodyPr>
+          <a:lstStyle/>
+          <a:p>
+            <a:pPr algn="l" rtl="0"/>
+            <a:r>
+              <a:rPr lang="en-US" sz="3200" dirty="0" smtClean="0"/>
+              <a:t>THANK YOU!</a:t>
+            </a:r>
+            <a:br>
+              <a:rPr lang="en-US" sz="3200" dirty="0" smtClean="0"/>
+            </a:br>
+            <a:r>
+              <a:rPr lang="en-US" sz="3200" dirty="0" smtClean="0"/>
+              <a:t/>
+            </a:r>
+            <a:br>
+              <a:rPr lang="en-US" sz="3200" dirty="0" smtClean="0"/>
+            </a:br>
+            <a:r>
+              <a:rPr lang="en-US" sz="3200" dirty="0"/>
+              <a:t/>
+            </a:r>
+            <a:br>
+              <a:rPr lang="en-US" sz="3200" dirty="0"/>
+            </a:br>
+            <a:r>
+              <a:rPr lang="en-US" sz="3200" dirty="0" smtClean="0"/>
+              <a:t>For </a:t>
+            </a:r>
+            <a:r>
+              <a:rPr lang="en-US" sz="3200" dirty="0"/>
+              <a:t>m</a:t>
+            </a:r>
+            <a:r>
+              <a:rPr lang="en-US" sz="3200" dirty="0" smtClean="0"/>
+              <a:t>ore information: </a:t>
+            </a:r>
+            <a:r>
+              <a:rPr lang="en-US" sz="3200" dirty="0" smtClean="0">
+                <a:hlinkClick r:id="rId2"/>
+              </a:rPr>
+              <a:t>https</a:t>
+            </a:r>
+            <a:r>
+              <a:rPr lang="en-US" sz="3200" dirty="0">
+                <a:hlinkClick r:id="rId2"/>
+              </a:rPr>
+              <a:t>://github.com/TechnionTDK/jbs-text2json</a:t>
+            </a:r>
+            <a:endParaRPr lang="he-IL" sz="3200" dirty="0"/>
+          </a:p>
+        </p:txBody>
+      </p:sp>
+      <p:pic>
+        <p:nvPicPr>
+          <p:cNvPr id="2050" name="Picture 2" descr="Image result for thank you for your time presentation"/>
+          <p:cNvPicPr>
+            <a:picLocks noChangeAspect="1" noChangeArrowheads="1"/>
+          </p:cNvPicPr>
+          <p:nvPr/>
+        </p:nvPicPr>
+        <p:blipFill rotWithShape="1">
+          <a:blip r:embed="rId3">
+            <a:extLst>
+              <a:ext uri="{28A0092B-C50C-407E-A947-70E740481C1C}">
+                <a14:useLocalDpi xmlns:a14="http://schemas.microsoft.com/office/drawing/2010/main" val="0"/>
+              </a:ext>
+            </a:extLst>
+          </a:blip>
+          <a:srcRect t="4666" r="6000" b="10000"/>
+          <a:stretch/>
+        </p:blipFill>
+        <p:spPr bwMode="auto">
+          <a:xfrm>
+            <a:off x="6704012" y="685800"/>
+            <a:ext cx="3581400" cy="2438400"/>
+          </a:xfrm>
+          <a:prstGeom prst="rect">
+            <a:avLst/>
+          </a:prstGeom>
+          <a:noFill/>
+          <a:extLst>
+            <a:ext uri="{909E8E84-426E-40DD-AFC4-6F175D3DCCD1}">
+              <a14:hiddenFill xmlns:a14="http://schemas.microsoft.com/office/drawing/2010/main">
+                <a:solidFill>
+                  <a:srgbClr val="FFFFFF"/>
+                </a:solidFill>
+              </a14:hiddenFill>
+            </a:ext>
+          </a:extLst>
+        </p:spPr>
+      </p:pic>
+    </p:spTree>
+    <p:extLst>
+      <p:ext uri="{BB962C8B-B14F-4D97-AF65-F5344CB8AC3E}">
+        <p14:creationId xmlns:p14="http://schemas.microsoft.com/office/powerpoint/2010/main" val="2191021414"/>
+      </p:ext>
+    </p:extLst>
+  </p:cSld>
+  <p:clrMapOvr>
+    <a:masterClrMapping/>
+  </p:clrMapOvr>
+  <mc:AlternateContent xmlns:mc="http://schemas.openxmlformats.org/markup-compatibility/2006" xmlns:p14="http://schemas.microsoft.com/office/powerpoint/2010/main">
+    <mc:Choice Requires="p14">
+      <p:transition spd="med" p14:dur="700">
+        <p:fade/>
+      </p:transition>
+    </mc:Choice>
+    <mc:Fallback xmlns="">
+      <p:transition spd="med">
+        <p:fade/>
+      </p:transition>
+    </mc:Fallback>
+  </mc:AlternateContent>
+  <p:timing>
+    <p:tnLst>
+      <p:par>
+        <p:cTn id="1" dur="indefinite" restart="never" nodeType="tmRoot"/>
+      </p:par>
+    </p:tnLst>
+  </p:timing>
+</p:sld>
+</file>
+
+<file path=ppt/slides/slide2.xml><?xml version="1.0" encoding="utf-8"?>
+<p:sld xmlns:a="http://schemas.openxmlformats.org/drawingml/2006/main" xmlns:r="http://schemas.openxmlformats.org/officeDocument/2006/relationships" xmlns:p="http://schemas.openxmlformats.org/presentationml/2006/main">
+  <p:cSld>
+    <p:spTree>
+      <p:nvGrpSpPr>
+        <p:cNvPr id="1" name=""/>
+        <p:cNvGrpSpPr/>
+        <p:nvPr/>
+      </p:nvGrpSpPr>
+      <p:grpSpPr>
+        <a:xfrm>
+          <a:off x="0" y="0"/>
+          <a:ext cx="0" cy="0"/>
+          <a:chOff x="0" y="0"/>
+          <a:chExt cx="0" cy="0"/>
+        </a:xfrm>
+      </p:grpSpPr>
+      <p:sp>
+        <p:nvSpPr>
+          <p:cNvPr id="13" name="כותרת 12"/>
+          <p:cNvSpPr>
+            <a:spLocks noGrp="1"/>
+          </p:cNvSpPr>
+          <p:nvPr>
+            <p:ph type="title"/>
+          </p:nvPr>
+        </p:nvSpPr>
+        <p:spPr/>
+        <p:txBody>
+          <a:bodyPr rtlCol="1">
+            <a:normAutofit/>
+          </a:bodyPr>
+          <a:lstStyle/>
+          <a:p>
+            <a:pPr algn="l" rtl="1"/>
+            <a:r>
+              <a:rPr lang="en-US" sz="4000" b="1" dirty="0" smtClean="0"/>
+              <a:t>OVERVIEW</a:t>
+            </a:r>
+            <a:endParaRPr lang="he-IL" sz="4000" b="1" dirty="0"/>
+          </a:p>
+        </p:txBody>
+      </p:sp>
+      <p:sp>
+        <p:nvSpPr>
+          <p:cNvPr id="14" name="מציין מיקום תוכן 13"/>
+          <p:cNvSpPr>
+            <a:spLocks noGrp="1"/>
+          </p:cNvSpPr>
+          <p:nvPr>
+            <p:ph idx="1"/>
+          </p:nvPr>
+        </p:nvSpPr>
+        <p:spPr/>
+        <p:txBody>
+          <a:bodyPr rtlCol="1"/>
+          <a:lstStyle/>
+          <a:p>
+            <a:pPr algn="l" rtl="0"/>
+            <a:r>
+              <a:rPr lang="en-US" dirty="0" smtClean="0">
+                <a:latin typeface="Tahoma" panose="020B0604030504040204" pitchFamily="34" charset="0"/>
+                <a:ea typeface="Tahoma" panose="020B0604030504040204" pitchFamily="34" charset="0"/>
+                <a:cs typeface="Tahoma" panose="020B0604030504040204" pitchFamily="34" charset="0"/>
+              </a:rPr>
+              <a:t>T</a:t>
+            </a:r>
+            <a:r>
+              <a:rPr lang="en-US" dirty="0" smtClean="0"/>
+              <a:t>ext2Json is a general parsing tool for developers</a:t>
+            </a:r>
+          </a:p>
+          <a:p>
+            <a:pPr algn="l" rtl="0"/>
+            <a:r>
+              <a:rPr lang="en-US" dirty="0" smtClean="0"/>
+              <a:t>Using Text2Json a programmer can almost effortlessly convert any text file to an easy-to-work-with </a:t>
+            </a:r>
+            <a:r>
+              <a:rPr lang="en-US" dirty="0" err="1" smtClean="0"/>
+              <a:t>json</a:t>
+            </a:r>
+            <a:r>
+              <a:rPr lang="en-US" dirty="0" smtClean="0"/>
+              <a:t> format file </a:t>
+            </a:r>
+            <a:endParaRPr lang="he-IL" dirty="0">
+              <a:latin typeface="Tahoma" panose="020B0604030504040204" pitchFamily="34" charset="0"/>
+              <a:ea typeface="Tahoma" panose="020B0604030504040204" pitchFamily="34" charset="0"/>
+              <a:cs typeface="Tahoma" panose="020B0604030504040204" pitchFamily="34" charset="0"/>
+            </a:endParaRPr>
+          </a:p>
+          <a:p>
+            <a:pPr algn="l" rtl="0"/>
+            <a:r>
+              <a:rPr lang="en-US" dirty="0" smtClean="0"/>
+              <a:t>The library was developed as part of the JBS project in the </a:t>
+            </a:r>
+            <a:r>
+              <a:rPr lang="en-US" dirty="0" err="1" smtClean="0"/>
+              <a:t>Technions</a:t>
+            </a:r>
+            <a:r>
+              <a:rPr lang="en-US" dirty="0" smtClean="0"/>
+              <a:t> TDK lab</a:t>
+            </a:r>
+            <a:endParaRPr lang="he-IL" dirty="0">
+              <a:latin typeface="Tahoma" panose="020B0604030504040204" pitchFamily="34" charset="0"/>
+              <a:ea typeface="Tahoma" panose="020B0604030504040204" pitchFamily="34" charset="0"/>
+              <a:cs typeface="Tahoma" panose="020B0604030504040204" pitchFamily="34" charset="0"/>
+            </a:endParaRPr>
+          </a:p>
+          <a:p>
+            <a:pPr algn="l" rtl="0"/>
+            <a:r>
+              <a:rPr lang="en-US" dirty="0" smtClean="0">
+                <a:latin typeface="Tahoma" panose="020B0604030504040204" pitchFamily="34" charset="0"/>
+                <a:ea typeface="Tahoma" panose="020B0604030504040204" pitchFamily="34" charset="0"/>
+                <a:cs typeface="Tahoma" panose="020B0604030504040204" pitchFamily="34" charset="0"/>
+              </a:rPr>
+              <a:t>W</a:t>
+            </a:r>
+            <a:r>
+              <a:rPr lang="en-US" dirty="0" smtClean="0"/>
+              <a:t>ith the help of this tool dozens of </a:t>
+            </a:r>
+            <a:r>
+              <a:rPr lang="en-US" dirty="0" err="1" smtClean="0"/>
+              <a:t>jewish</a:t>
+            </a:r>
+            <a:r>
+              <a:rPr lang="en-US" dirty="0" smtClean="0"/>
+              <a:t> books were “translated” to </a:t>
+            </a:r>
+            <a:r>
+              <a:rPr lang="en-US" dirty="0" err="1" smtClean="0"/>
+              <a:t>json</a:t>
+            </a:r>
+            <a:r>
+              <a:rPr lang="en-US" dirty="0" smtClean="0"/>
+              <a:t> format and used in the project to create a semantic web database of the </a:t>
+            </a:r>
+            <a:r>
+              <a:rPr lang="en-US" dirty="0" err="1" smtClean="0"/>
+              <a:t>jewish</a:t>
+            </a:r>
+            <a:r>
+              <a:rPr lang="en-US" dirty="0" smtClean="0"/>
+              <a:t> books</a:t>
+            </a:r>
+            <a:endParaRPr lang="he-IL" dirty="0">
+              <a:latin typeface="Tahoma" panose="020B0604030504040204" pitchFamily="34" charset="0"/>
+              <a:ea typeface="Tahoma" panose="020B0604030504040204" pitchFamily="34" charset="0"/>
+              <a:cs typeface="Tahoma" panose="020B0604030504040204" pitchFamily="34" charset="0"/>
+            </a:endParaRPr>
+          </a:p>
+        </p:txBody>
+      </p:sp>
+    </p:spTree>
+    <p:extLst>
+      <p:ext uri="{BB962C8B-B14F-4D97-AF65-F5344CB8AC3E}">
+        <p14:creationId xmlns:p14="http://schemas.microsoft.com/office/powerpoint/2010/main" val="3529114326"/>
+      </p:ext>
+    </p:extLst>
+  </p:cSld>
+  <p:clrMapOvr>
+    <a:masterClrMapping/>
+  </p:clrMapOvr>
+  <mc:AlternateContent xmlns:mc="http://schemas.openxmlformats.org/markup-compatibility/2006" xmlns:p14="http://schemas.microsoft.com/office/powerpoint/2010/main">
+    <mc:Choice Requires="p14">
+      <p:transition spd="med" p14:dur="700">
+        <p:fade/>
+      </p:transition>
+    </mc:Choice>
+    <mc:Fallback xmlns="">
+      <p:transition spd="med">
+        <p:fade/>
+      </p:transition>
+    </mc:Fallback>
+  </mc:AlternateContent>
+  <p:timing>
+    <p:tnLst>
+      <p:par>
+        <p:cTn id="1" dur="indefinite" restart="never" nodeType="tmRoot"/>
+      </p:par>
+    </p:tnLst>
+  </p:timing>
+</p:sld>
+</file>
+
+<file path=ppt/slides/slide3.xml><?xml version="1.0" encoding="utf-8"?>
+<p:sld xmlns:a="http://schemas.openxmlformats.org/drawingml/2006/main" xmlns:r="http://schemas.openxmlformats.org/officeDocument/2006/relationships" xmlns:p="http://schemas.openxmlformats.org/presentationml/2006/main">
+  <p:cSld>
+    <p:spTree>
+      <p:nvGrpSpPr>
+        <p:cNvPr id="1" name=""/>
+        <p:cNvGrpSpPr/>
+        <p:nvPr/>
+      </p:nvGrpSpPr>
+      <p:grpSpPr>
+        <a:xfrm>
+          <a:off x="0" y="0"/>
+          <a:ext cx="0" cy="0"/>
+          <a:chOff x="0" y="0"/>
+          <a:chExt cx="0" cy="0"/>
+        </a:xfrm>
+      </p:grpSpPr>
+      <p:sp>
+        <p:nvSpPr>
+          <p:cNvPr id="13" name="כותרת 12"/>
+          <p:cNvSpPr>
+            <a:spLocks noGrp="1"/>
+          </p:cNvSpPr>
+          <p:nvPr>
+            <p:ph type="title"/>
+          </p:nvPr>
+        </p:nvSpPr>
+        <p:spPr/>
+        <p:txBody>
+          <a:bodyPr rtlCol="1"/>
+          <a:lstStyle/>
+          <a:p>
+            <a:pPr algn="l" rtl="1"/>
+            <a:r>
+              <a:rPr lang="en-US" b="1" dirty="0" smtClean="0">
+                <a:latin typeface="Tahoma" panose="020B0604030504040204" pitchFamily="34" charset="0"/>
+                <a:ea typeface="Tahoma" panose="020B0604030504040204" pitchFamily="34" charset="0"/>
+                <a:cs typeface="Tahoma" panose="020B0604030504040204" pitchFamily="34" charset="0"/>
+              </a:rPr>
+              <a:t>USING Text2Json</a:t>
+            </a:r>
+            <a:endParaRPr lang="he-IL" b="1" dirty="0">
+              <a:latin typeface="Tahoma" panose="020B0604030504040204" pitchFamily="34" charset="0"/>
+              <a:ea typeface="Tahoma" panose="020B0604030504040204" pitchFamily="34" charset="0"/>
+              <a:cs typeface="Tahoma" panose="020B0604030504040204" pitchFamily="34" charset="0"/>
+            </a:endParaRPr>
+          </a:p>
+        </p:txBody>
+      </p:sp>
+      <p:sp>
+        <p:nvSpPr>
+          <p:cNvPr id="14" name="מציין מיקום תוכן 13"/>
+          <p:cNvSpPr>
+            <a:spLocks noGrp="1"/>
+          </p:cNvSpPr>
+          <p:nvPr>
+            <p:ph idx="1"/>
+          </p:nvPr>
+        </p:nvSpPr>
+        <p:spPr/>
+        <p:txBody>
+          <a:bodyPr rtlCol="1"/>
+          <a:lstStyle/>
+          <a:p>
+            <a:pPr marL="514350" indent="-514350" algn="l" rtl="0">
+              <a:buAutoNum type="arabicPeriod"/>
+            </a:pPr>
+            <a:r>
+              <a:rPr lang="en-US" dirty="0" smtClean="0"/>
+              <a:t>Create a new parser inheriting from the parser class</a:t>
+            </a:r>
+          </a:p>
+          <a:p>
+            <a:pPr marL="514350" indent="-514350" algn="l" rtl="0">
+              <a:buAutoNum type="arabicPeriod"/>
+            </a:pPr>
+            <a:r>
+              <a:rPr lang="en-US" dirty="0" smtClean="0"/>
+              <a:t>Define pattern matchers</a:t>
+            </a:r>
+          </a:p>
+          <a:p>
+            <a:pPr marL="514350" indent="-514350" algn="l" rtl="0">
+              <a:buAutoNum type="arabicPeriod"/>
+            </a:pPr>
+            <a:r>
+              <a:rPr lang="en-US" dirty="0" smtClean="0"/>
+              <a:t>Define actions to be taken upon match</a:t>
+            </a:r>
+          </a:p>
+          <a:p>
+            <a:pPr marL="514350" indent="-514350" algn="l" rtl="0">
+              <a:buAutoNum type="arabicPeriod"/>
+            </a:pPr>
+            <a:endParaRPr lang="en-US" dirty="0" smtClean="0"/>
+          </a:p>
+          <a:p>
+            <a:pPr marL="514350" indent="-514350" algn="l" rtl="0">
+              <a:buAutoNum type="arabicPeriod"/>
+            </a:pPr>
+            <a:endParaRPr lang="en-US" dirty="0" smtClean="0"/>
+          </a:p>
+          <a:p>
+            <a:pPr marL="514350" indent="-514350" algn="l" rtl="0">
+              <a:buAutoNum type="arabicPeriod"/>
+            </a:pPr>
+            <a:endParaRPr lang="he-IL" dirty="0">
+              <a:latin typeface="Tahoma" panose="020B0604030504040204" pitchFamily="34" charset="0"/>
+              <a:ea typeface="Tahoma" panose="020B0604030504040204" pitchFamily="34" charset="0"/>
+              <a:cs typeface="Tahoma" panose="020B0604030504040204" pitchFamily="34" charset="0"/>
+            </a:endParaRPr>
+          </a:p>
+        </p:txBody>
+      </p:sp>
+      <p:pic>
+        <p:nvPicPr>
+          <p:cNvPr id="3" name="תמונה 2"/>
+          <p:cNvPicPr>
+            <a:picLocks noChangeAspect="1"/>
+          </p:cNvPicPr>
+          <p:nvPr/>
+        </p:nvPicPr>
+        <p:blipFill rotWithShape="1">
+          <a:blip r:embed="rId3"/>
+          <a:srcRect b="35109"/>
+          <a:stretch/>
+        </p:blipFill>
+        <p:spPr>
+          <a:xfrm>
+            <a:off x="1293811" y="3581400"/>
+            <a:ext cx="5668615" cy="2209799"/>
+          </a:xfrm>
+          <a:prstGeom prst="rect">
+            <a:avLst/>
+          </a:prstGeom>
+        </p:spPr>
+      </p:pic>
+      <p:pic>
+        <p:nvPicPr>
+          <p:cNvPr id="1026" name="Picture 2" descr="Image result for json"/>
+          <p:cNvPicPr>
+            <a:picLocks noChangeAspect="1" noChangeArrowheads="1"/>
+          </p:cNvPicPr>
+          <p:nvPr/>
+        </p:nvPicPr>
+        <p:blipFill>
+          <a:blip r:embed="rId4" cstate="print">
+            <a:extLst>
+              <a:ext uri="{28A0092B-C50C-407E-A947-70E740481C1C}">
+                <a14:useLocalDpi xmlns:a14="http://schemas.microsoft.com/office/drawing/2010/main" val="0"/>
+              </a:ext>
+            </a:extLst>
+          </a:blip>
+          <a:srcRect/>
+          <a:stretch>
+            <a:fillRect/>
+          </a:stretch>
+        </p:blipFill>
+        <p:spPr bwMode="auto">
+          <a:xfrm>
+            <a:off x="9980612" y="4018648"/>
+            <a:ext cx="1747837" cy="1747837"/>
+          </a:xfrm>
+          <a:prstGeom prst="rect">
+            <a:avLst/>
+          </a:prstGeom>
+          <a:noFill/>
+          <a:extLst>
+            <a:ext uri="{909E8E84-426E-40DD-AFC4-6F175D3DCCD1}">
+              <a14:hiddenFill xmlns:a14="http://schemas.microsoft.com/office/drawing/2010/main">
+                <a:solidFill>
+                  <a:srgbClr val="FFFFFF"/>
+                </a:solidFill>
+              </a14:hiddenFill>
+            </a:ext>
+          </a:extLst>
+        </p:spPr>
+      </p:pic>
+      <p:pic>
+        <p:nvPicPr>
+          <p:cNvPr id="1028" name="Picture 4" descr="Image result for txt"/>
+          <p:cNvPicPr>
+            <a:picLocks noChangeAspect="1" noChangeArrowheads="1"/>
+          </p:cNvPicPr>
+          <p:nvPr/>
+        </p:nvPicPr>
+        <p:blipFill>
+          <a:blip r:embed="rId5" cstate="print">
+            <a:biLevel thresh="75000"/>
+            <a:extLst>
+              <a:ext uri="{28A0092B-C50C-407E-A947-70E740481C1C}">
+                <a14:useLocalDpi xmlns:a14="http://schemas.microsoft.com/office/drawing/2010/main" val="0"/>
+              </a:ext>
+            </a:extLst>
+          </a:blip>
+          <a:srcRect/>
+          <a:stretch>
+            <a:fillRect/>
+          </a:stretch>
+        </p:blipFill>
+        <p:spPr bwMode="auto">
+          <a:xfrm>
+            <a:off x="7237412" y="4048758"/>
+            <a:ext cx="1717727" cy="1717727"/>
+          </a:xfrm>
+          <a:prstGeom prst="rect">
+            <a:avLst/>
+          </a:prstGeom>
+          <a:noFill/>
+          <a:extLst>
+            <a:ext uri="{909E8E84-426E-40DD-AFC4-6F175D3DCCD1}">
+              <a14:hiddenFill xmlns:a14="http://schemas.microsoft.com/office/drawing/2010/main">
+                <a:solidFill>
+                  <a:srgbClr val="FFFFFF"/>
+                </a:solidFill>
+              </a14:hiddenFill>
+            </a:ext>
+          </a:extLst>
+        </p:spPr>
+      </p:pic>
+      <p:sp>
+        <p:nvSpPr>
+          <p:cNvPr id="2" name="חץ ימינה 1"/>
+          <p:cNvSpPr/>
+          <p:nvPr/>
+        </p:nvSpPr>
+        <p:spPr>
+          <a:xfrm>
+            <a:off x="9066212" y="4800600"/>
+            <a:ext cx="685800" cy="381000"/>
+          </a:xfrm>
+          <a:prstGeom prst="rightArrow">
+            <a:avLst/>
+          </a:prstGeom>
+        </p:spPr>
+        <p:style>
+          <a:lnRef idx="2">
+            <a:schemeClr val="accent1">
+              <a:shade val="50000"/>
+            </a:schemeClr>
+          </a:lnRef>
+          <a:fillRef idx="1">
+            <a:schemeClr val="accent1"/>
+          </a:fillRef>
+          <a:effectRef idx="0">
+            <a:schemeClr val="accent1"/>
+          </a:effectRef>
+          <a:fontRef idx="minor">
+            <a:schemeClr val="lt1"/>
+          </a:fontRef>
+        </p:style>
+        <p:txBody>
+          <a:bodyPr rtlCol="0" anchor="ctr"/>
+          <a:lstStyle/>
+          <a:p>
+            <a:pPr algn="ctr"/>
+            <a:endParaRPr lang="he-IL" sz="2800"/>
+          </a:p>
+        </p:txBody>
+      </p:sp>
+    </p:spTree>
+    <p:extLst>
+      <p:ext uri="{BB962C8B-B14F-4D97-AF65-F5344CB8AC3E}">
+        <p14:creationId xmlns:p14="http://schemas.microsoft.com/office/powerpoint/2010/main" val="928119428"/>
+      </p:ext>
+    </p:extLst>
+  </p:cSld>
+  <p:clrMapOvr>
+    <a:masterClrMapping/>
+  </p:clrMapOvr>
+  <mc:AlternateContent xmlns:mc="http://schemas.openxmlformats.org/markup-compatibility/2006" xmlns:p14="http://schemas.microsoft.com/office/powerpoint/2010/main">
+    <mc:Choice Requires="p14">
+      <p:transition spd="med" p14:dur="700">
+        <p:fade/>
+      </p:transition>
+    </mc:Choice>
+    <mc:Fallback xmlns="">
+      <p:transition spd="med">
+        <p:fade/>
+      </p:transition>
+    </mc:Fallback>
+  </mc:AlternateContent>
+  <p:timing>
+    <p:tnLst>
+      <p:par>
+        <p:cTn id="1" dur="indefinite" restart="never" nodeType="tmRoot"/>
+      </p:par>
+    </p:tnLst>
+  </p:timing>
+</p:sld>
+</file>
+
+<file path=ppt/slides/slide4.xml><?xml version="1.0" encoding="utf-8"?>
+<p:sld xmlns:a="http://schemas.openxmlformats.org/drawingml/2006/main" xmlns:r="http://schemas.openxmlformats.org/officeDocument/2006/relationships" xmlns:p="http://schemas.openxmlformats.org/presentationml/2006/main">
+  <p:cSld>
+    <p:spTree>
+      <p:nvGrpSpPr>
+        <p:cNvPr id="1" name=""/>
+        <p:cNvGrpSpPr/>
+        <p:nvPr/>
+      </p:nvGrpSpPr>
+      <p:grpSpPr>
+        <a:xfrm>
+          <a:off x="0" y="0"/>
+          <a:ext cx="0" cy="0"/>
+          <a:chOff x="0" y="0"/>
+          <a:chExt cx="0" cy="0"/>
+        </a:xfrm>
+      </p:grpSpPr>
+      <p:sp>
+        <p:nvSpPr>
+          <p:cNvPr id="13" name="כותרת 12"/>
+          <p:cNvSpPr>
+            <a:spLocks noGrp="1"/>
+          </p:cNvSpPr>
+          <p:nvPr>
+            <p:ph type="title"/>
+          </p:nvPr>
+        </p:nvSpPr>
+        <p:spPr/>
+        <p:txBody>
+          <a:bodyPr rtlCol="1"/>
+          <a:lstStyle/>
+          <a:p>
+            <a:pPr algn="l" rtl="1"/>
+            <a:r>
+              <a:rPr lang="en-US" b="1" dirty="0" smtClean="0"/>
+              <a:t>Register Matchers</a:t>
+            </a:r>
+            <a:endParaRPr lang="he-IL" b="1" dirty="0"/>
+          </a:p>
+        </p:txBody>
+      </p:sp>
+      <p:sp>
+        <p:nvSpPr>
+          <p:cNvPr id="14" name="מציין מיקום תוכן 13"/>
+          <p:cNvSpPr>
+            <a:spLocks noGrp="1"/>
+          </p:cNvSpPr>
+          <p:nvPr>
+            <p:ph idx="1"/>
+          </p:nvPr>
+        </p:nvSpPr>
+        <p:spPr/>
+        <p:txBody>
+          <a:bodyPr rtlCol="1"/>
+          <a:lstStyle/>
+          <a:p>
+            <a:pPr marL="514350" indent="-514350" algn="l" rtl="0">
+              <a:buFont typeface="Arial" pitchFamily="34" charset="0"/>
+              <a:buAutoNum type="arabicPeriod"/>
+            </a:pPr>
+            <a:r>
+              <a:rPr lang="en-US" dirty="0" err="1" smtClean="0"/>
+              <a:t>LineMatcher</a:t>
+            </a:r>
+            <a:r>
+              <a:rPr lang="en-US" dirty="0" smtClean="0"/>
+              <a:t> </a:t>
+            </a:r>
+            <a:r>
+              <a:rPr lang="en-US" dirty="0" smtClean="0"/>
+              <a:t>- interface </a:t>
+            </a:r>
+            <a:r>
+              <a:rPr lang="en-US" dirty="0"/>
+              <a:t>for </a:t>
+            </a:r>
+            <a:r>
+              <a:rPr lang="en-US" dirty="0" smtClean="0"/>
+              <a:t>pattern matching.</a:t>
+            </a:r>
+          </a:p>
+          <a:p>
+            <a:pPr marL="514350" indent="-514350" algn="l" rtl="0">
+              <a:buAutoNum type="arabicPeriod"/>
+            </a:pPr>
+            <a:r>
+              <a:rPr lang="en-US" dirty="0" smtClean="0"/>
+              <a:t>Line - A class with a set of functions for examining the text.</a:t>
+            </a:r>
+          </a:p>
+          <a:p>
+            <a:pPr marL="0" indent="0" algn="l" rtl="0">
+              <a:buNone/>
+            </a:pPr>
+            <a:endParaRPr lang="en-US" dirty="0" smtClean="0"/>
+          </a:p>
+          <a:p>
+            <a:pPr marL="514350" indent="-514350" algn="l" rtl="0">
+              <a:buAutoNum type="arabicPeriod"/>
+            </a:pPr>
+            <a:endParaRPr lang="en-US" dirty="0" smtClean="0"/>
+          </a:p>
+          <a:p>
+            <a:pPr marL="0" indent="0" algn="l" rtl="0">
+              <a:buNone/>
+            </a:pPr>
+            <a:endParaRPr lang="he-IL" dirty="0">
+              <a:latin typeface="Tahoma" panose="020B0604030504040204" pitchFamily="34" charset="0"/>
+              <a:ea typeface="Tahoma" panose="020B0604030504040204" pitchFamily="34" charset="0"/>
+              <a:cs typeface="Tahoma" panose="020B0604030504040204" pitchFamily="34" charset="0"/>
+            </a:endParaRPr>
+          </a:p>
+        </p:txBody>
+      </p:sp>
+      <p:pic>
+        <p:nvPicPr>
+          <p:cNvPr id="2" name="תמונה 1"/>
+          <p:cNvPicPr>
+            <a:picLocks noChangeAspect="1"/>
+          </p:cNvPicPr>
+          <p:nvPr/>
+        </p:nvPicPr>
+        <p:blipFill rotWithShape="1">
+          <a:blip r:embed="rId3"/>
+          <a:srcRect b="15573"/>
+          <a:stretch/>
+        </p:blipFill>
+        <p:spPr>
+          <a:xfrm>
+            <a:off x="1293811" y="2895600"/>
+            <a:ext cx="4121989" cy="3429000"/>
+          </a:xfrm>
+          <a:prstGeom prst="rect">
+            <a:avLst/>
+          </a:prstGeom>
+        </p:spPr>
+      </p:pic>
+      <p:pic>
+        <p:nvPicPr>
+          <p:cNvPr id="4098" name="Picture 2" descr="Related image"/>
+          <p:cNvPicPr>
+            <a:picLocks noChangeAspect="1" noChangeArrowheads="1"/>
+          </p:cNvPicPr>
+          <p:nvPr/>
+        </p:nvPicPr>
+        <p:blipFill>
+          <a:blip r:embed="rId4" cstate="print">
+            <a:extLst>
+              <a:ext uri="{28A0092B-C50C-407E-A947-70E740481C1C}">
+                <a14:useLocalDpi xmlns:a14="http://schemas.microsoft.com/office/drawing/2010/main" val="0"/>
+              </a:ext>
+            </a:extLst>
+          </a:blip>
+          <a:srcRect/>
+          <a:stretch>
+            <a:fillRect/>
+          </a:stretch>
+        </p:blipFill>
+        <p:spPr bwMode="auto">
+          <a:xfrm>
+            <a:off x="9622098" y="4876800"/>
+            <a:ext cx="1447800" cy="1447800"/>
+          </a:xfrm>
+          <a:prstGeom prst="rect">
+            <a:avLst/>
+          </a:prstGeom>
+          <a:noFill/>
+          <a:extLst>
+            <a:ext uri="{909E8E84-426E-40DD-AFC4-6F175D3DCCD1}">
+              <a14:hiddenFill xmlns:a14="http://schemas.microsoft.com/office/drawing/2010/main">
+                <a:solidFill>
+                  <a:srgbClr val="FFFFFF"/>
+                </a:solidFill>
+              </a14:hiddenFill>
+            </a:ext>
+          </a:extLst>
+        </p:spPr>
+      </p:pic>
+    </p:spTree>
+    <p:extLst>
+      <p:ext uri="{BB962C8B-B14F-4D97-AF65-F5344CB8AC3E}">
+        <p14:creationId xmlns:p14="http://schemas.microsoft.com/office/powerpoint/2010/main" val="333347440"/>
+      </p:ext>
+    </p:extLst>
+  </p:cSld>
+  <p:clrMapOvr>
+    <a:masterClrMapping/>
+  </p:clrMapOvr>
+  <mc:AlternateContent xmlns:mc="http://schemas.openxmlformats.org/markup-compatibility/2006" xmlns:p14="http://schemas.microsoft.com/office/powerpoint/2010/main">
+    <mc:Choice Requires="p14">
+      <p:transition spd="med" p14:dur="700">
+        <p:fade/>
+      </p:transition>
+    </mc:Choice>
+    <mc:Fallback xmlns="">
+      <p:transition spd="med">
+        <p:fade/>
+      </p:transition>
+    </mc:Fallback>
+  </mc:AlternateContent>
+  <p:timing>
+    <p:tnLst>
+      <p:par>
+        <p:cTn id="1" dur="indefinite" restart="never" nodeType="tmRoot"/>
+      </p:par>
+    </p:tnLst>
+  </p:timing>
+</p:sld>
+</file>
+
+<file path=ppt/slides/slide5.xml><?xml version="1.0" encoding="utf-8"?>
+<p:sld xmlns:a="http://schemas.openxmlformats.org/drawingml/2006/main" xmlns:r="http://schemas.openxmlformats.org/officeDocument/2006/relationships" xmlns:p="http://schemas.openxmlformats.org/presentationml/2006/main">
+  <p:cSld>
+    <p:spTree>
+      <p:nvGrpSpPr>
+        <p:cNvPr id="1" name=""/>
+        <p:cNvGrpSpPr/>
+        <p:nvPr/>
+      </p:nvGrpSpPr>
+      <p:grpSpPr>
+        <a:xfrm>
+          <a:off x="0" y="0"/>
+          <a:ext cx="0" cy="0"/>
+          <a:chOff x="0" y="0"/>
+          <a:chExt cx="0" cy="0"/>
+        </a:xfrm>
+      </p:grpSpPr>
+      <p:sp>
+        <p:nvSpPr>
+          <p:cNvPr id="13" name="כותרת 12"/>
+          <p:cNvSpPr>
+            <a:spLocks noGrp="1"/>
+          </p:cNvSpPr>
+          <p:nvPr>
+            <p:ph type="title"/>
+          </p:nvPr>
+        </p:nvSpPr>
+        <p:spPr/>
+        <p:txBody>
+          <a:bodyPr rtlCol="1"/>
+          <a:lstStyle/>
+          <a:p>
+            <a:pPr algn="l" rtl="1"/>
+            <a:r>
+              <a:rPr lang="en-US" b="1" dirty="0" smtClean="0"/>
+              <a:t>Some of the functions provided by the Line class</a:t>
+            </a:r>
+            <a:endParaRPr lang="he-IL" b="1" dirty="0"/>
+          </a:p>
+        </p:txBody>
+      </p:sp>
+      <p:sp>
+        <p:nvSpPr>
+          <p:cNvPr id="14" name="מציין מיקום תוכן 13"/>
+          <p:cNvSpPr>
+            <a:spLocks noGrp="1"/>
+          </p:cNvSpPr>
+          <p:nvPr>
+            <p:ph idx="1"/>
+          </p:nvPr>
+        </p:nvSpPr>
+        <p:spPr/>
+        <p:txBody>
+          <a:bodyPr rtlCol="1"/>
+          <a:lstStyle/>
+          <a:p>
+            <a:pPr algn="l" rtl="0"/>
+            <a:r>
+              <a:rPr lang="en-US" dirty="0" smtClean="0"/>
+              <a:t>Get line</a:t>
+            </a:r>
+          </a:p>
+          <a:p>
+            <a:pPr algn="l" rtl="0"/>
+            <a:r>
+              <a:rPr lang="en-US" dirty="0" smtClean="0"/>
+              <a:t>Begins with</a:t>
+            </a:r>
+          </a:p>
+          <a:p>
+            <a:pPr algn="l" rtl="0"/>
+            <a:r>
+              <a:rPr lang="en-US" dirty="0" smtClean="0"/>
+              <a:t>Ends with</a:t>
+            </a:r>
+          </a:p>
+          <a:p>
+            <a:pPr algn="l" rtl="0"/>
+            <a:r>
+              <a:rPr lang="en-US" dirty="0" smtClean="0"/>
+              <a:t>Contains</a:t>
+            </a:r>
+          </a:p>
+          <a:p>
+            <a:pPr algn="l" rtl="0"/>
+            <a:r>
+              <a:rPr lang="en-US" dirty="0" smtClean="0"/>
+              <a:t>Word count</a:t>
+            </a:r>
+          </a:p>
+          <a:p>
+            <a:pPr algn="l" rtl="0"/>
+            <a:r>
+              <a:rPr lang="en-US" dirty="0" smtClean="0"/>
+              <a:t>Extract</a:t>
+            </a:r>
+          </a:p>
+          <a:p>
+            <a:pPr algn="l" rtl="0"/>
+            <a:r>
+              <a:rPr lang="en-US" dirty="0" smtClean="0"/>
+              <a:t>Get first word</a:t>
+            </a:r>
+          </a:p>
+          <a:p>
+            <a:pPr marL="514350" indent="-514350" algn="l" rtl="0">
+              <a:buAutoNum type="arabicPeriod"/>
+            </a:pPr>
+            <a:endParaRPr lang="en-US" dirty="0" smtClean="0"/>
+          </a:p>
+          <a:p>
+            <a:pPr marL="0" indent="0" algn="l" rtl="0">
+              <a:buNone/>
+            </a:pPr>
+            <a:endParaRPr lang="en-US" dirty="0" smtClean="0"/>
+          </a:p>
+          <a:p>
+            <a:pPr marL="514350" indent="-514350" algn="l" rtl="0">
+              <a:buAutoNum type="arabicPeriod"/>
+            </a:pPr>
+            <a:endParaRPr lang="en-US" dirty="0" smtClean="0"/>
+          </a:p>
+          <a:p>
+            <a:pPr marL="0" indent="0" algn="l" rtl="0">
+              <a:buNone/>
+            </a:pPr>
+            <a:endParaRPr lang="he-IL" dirty="0">
+              <a:latin typeface="Tahoma" panose="020B0604030504040204" pitchFamily="34" charset="0"/>
+              <a:ea typeface="Tahoma" panose="020B0604030504040204" pitchFamily="34" charset="0"/>
+              <a:cs typeface="Tahoma" panose="020B0604030504040204" pitchFamily="34" charset="0"/>
+            </a:endParaRPr>
+          </a:p>
+        </p:txBody>
+      </p:sp>
+      <p:pic>
+        <p:nvPicPr>
+          <p:cNvPr id="3074" name="Picture 2" descr="Image result for parser icon"/>
+          <p:cNvPicPr>
+            <a:picLocks noChangeAspect="1" noChangeArrowheads="1"/>
+          </p:cNvPicPr>
+          <p:nvPr/>
+        </p:nvPicPr>
+        <p:blipFill>
+          <a:blip r:embed="rId3">
+            <a:extLst>
+              <a:ext uri="{28A0092B-C50C-407E-A947-70E740481C1C}">
+                <a14:useLocalDpi xmlns:a14="http://schemas.microsoft.com/office/drawing/2010/main" val="0"/>
+              </a:ext>
+            </a:extLst>
+          </a:blip>
+          <a:srcRect/>
+          <a:stretch>
+            <a:fillRect/>
+          </a:stretch>
+        </p:blipFill>
+        <p:spPr bwMode="auto">
+          <a:xfrm>
+            <a:off x="9752012" y="4800600"/>
+            <a:ext cx="1676400" cy="1676400"/>
+          </a:xfrm>
+          <a:prstGeom prst="rect">
+            <a:avLst/>
+          </a:prstGeom>
+          <a:noFill/>
+          <a:extLst>
+            <a:ext uri="{909E8E84-426E-40DD-AFC4-6F175D3DCCD1}">
+              <a14:hiddenFill xmlns:a14="http://schemas.microsoft.com/office/drawing/2010/main">
+                <a:solidFill>
+                  <a:srgbClr val="FFFFFF"/>
+                </a:solidFill>
+              </a14:hiddenFill>
+            </a:ext>
+          </a:extLst>
+        </p:spPr>
+      </p:pic>
+    </p:spTree>
+    <p:extLst>
+      <p:ext uri="{BB962C8B-B14F-4D97-AF65-F5344CB8AC3E}">
+        <p14:creationId xmlns:p14="http://schemas.microsoft.com/office/powerpoint/2010/main" val="698322799"/>
+      </p:ext>
+    </p:extLst>
+  </p:cSld>
+  <p:clrMapOvr>
+    <a:masterClrMapping/>
+  </p:clrMapOvr>
+  <mc:AlternateContent xmlns:mc="http://schemas.openxmlformats.org/markup-compatibility/2006" xmlns:p14="http://schemas.microsoft.com/office/powerpoint/2010/main">
+    <mc:Choice Requires="p14">
+      <p:transition spd="med" p14:dur="700">
+        <p:fade/>
+      </p:transition>
+    </mc:Choice>
+    <mc:Fallback xmlns="">
+      <p:transition spd="med">
+        <p:fade/>
+      </p:transition>
+    </mc:Fallback>
+  </mc:AlternateContent>
+  <p:timing>
+    <p:tnLst>
+      <p:par>
+        <p:cTn id="1" dur="indefinite" restart="never" nodeType="tmRoot"/>
+      </p:par>
+    </p:tnLst>
+  </p:timing>
+</p:sld>
+</file>
+
+<file path=ppt/slides/slide6.xml><?xml version="1.0" encoding="utf-8"?>
+<p:sld xmlns:a="http://schemas.openxmlformats.org/drawingml/2006/main" xmlns:r="http://schemas.openxmlformats.org/officeDocument/2006/relationships" xmlns:p="http://schemas.openxmlformats.org/presentationml/2006/main">
+  <p:cSld>
+    <p:spTree>
+      <p:nvGrpSpPr>
+        <p:cNvPr id="1" name=""/>
+        <p:cNvGrpSpPr/>
+        <p:nvPr/>
+      </p:nvGrpSpPr>
+      <p:grpSpPr>
+        <a:xfrm>
+          <a:off x="0" y="0"/>
+          <a:ext cx="0" cy="0"/>
+          <a:chOff x="0" y="0"/>
+          <a:chExt cx="0" cy="0"/>
+        </a:xfrm>
+      </p:grpSpPr>
+      <p:sp>
+        <p:nvSpPr>
+          <p:cNvPr id="13" name="כותרת 12"/>
+          <p:cNvSpPr>
+            <a:spLocks noGrp="1"/>
+          </p:cNvSpPr>
+          <p:nvPr>
+            <p:ph type="title"/>
+          </p:nvPr>
+        </p:nvSpPr>
+        <p:spPr/>
+        <p:txBody>
+          <a:bodyPr rtlCol="1"/>
+          <a:lstStyle/>
+          <a:p>
+            <a:pPr algn="l" rtl="1"/>
+            <a:r>
+              <a:rPr lang="en-US" b="1" dirty="0" smtClean="0"/>
+              <a:t>On Line Match</a:t>
+            </a:r>
+            <a:endParaRPr lang="he-IL" b="1" dirty="0"/>
+          </a:p>
+        </p:txBody>
+      </p:sp>
+      <p:sp>
+        <p:nvSpPr>
+          <p:cNvPr id="14" name="מציין מיקום תוכן 13"/>
+          <p:cNvSpPr>
+            <a:spLocks noGrp="1"/>
+          </p:cNvSpPr>
+          <p:nvPr>
+            <p:ph idx="1"/>
+          </p:nvPr>
+        </p:nvSpPr>
+        <p:spPr/>
+        <p:txBody>
+          <a:bodyPr rtlCol="1"/>
+          <a:lstStyle/>
+          <a:p>
+            <a:pPr marL="514350" indent="-514350" algn="l" rtl="0">
+              <a:buFont typeface="Arial" pitchFamily="34" charset="0"/>
+              <a:buAutoNum type="arabicPeriod"/>
+            </a:pPr>
+            <a:r>
+              <a:rPr lang="en-US" dirty="0" err="1" smtClean="0"/>
+              <a:t>JsonObject</a:t>
+            </a:r>
+            <a:r>
+              <a:rPr lang="en-US" dirty="0" smtClean="0"/>
+              <a:t> – A class for easily writing </a:t>
+            </a:r>
+            <a:r>
+              <a:rPr lang="en-US" dirty="0" smtClean="0"/>
+              <a:t>to a </a:t>
+            </a:r>
+            <a:r>
+              <a:rPr lang="en-US" dirty="0" err="1" smtClean="0"/>
+              <a:t>json</a:t>
+            </a:r>
+            <a:r>
+              <a:rPr lang="en-US" dirty="0" smtClean="0"/>
+              <a:t> </a:t>
+            </a:r>
+            <a:r>
+              <a:rPr lang="en-US" dirty="0" smtClean="0"/>
+              <a:t>file </a:t>
+            </a:r>
+            <a:endParaRPr lang="en-US" dirty="0" smtClean="0"/>
+          </a:p>
+          <a:p>
+            <a:pPr marL="0" indent="0" algn="l" rtl="0">
+              <a:buNone/>
+            </a:pPr>
+            <a:endParaRPr lang="en-US" dirty="0" smtClean="0"/>
+          </a:p>
+          <a:p>
+            <a:pPr marL="514350" indent="-514350" algn="l" rtl="0">
+              <a:buAutoNum type="arabicPeriod"/>
+            </a:pPr>
+            <a:endParaRPr lang="en-US" dirty="0" smtClean="0"/>
+          </a:p>
+          <a:p>
+            <a:pPr marL="0" indent="0" algn="l" rtl="0">
+              <a:buNone/>
+            </a:pPr>
+            <a:endParaRPr lang="he-IL" dirty="0">
+              <a:latin typeface="Tahoma" panose="020B0604030504040204" pitchFamily="34" charset="0"/>
+              <a:ea typeface="Tahoma" panose="020B0604030504040204" pitchFamily="34" charset="0"/>
+              <a:cs typeface="Tahoma" panose="020B0604030504040204" pitchFamily="34" charset="0"/>
+            </a:endParaRPr>
+          </a:p>
+        </p:txBody>
+      </p:sp>
+      <p:pic>
+        <p:nvPicPr>
+          <p:cNvPr id="3" name="תמונה 2"/>
+          <p:cNvPicPr>
+            <a:picLocks noChangeAspect="1"/>
+          </p:cNvPicPr>
+          <p:nvPr/>
+        </p:nvPicPr>
+        <p:blipFill>
+          <a:blip r:embed="rId3"/>
+          <a:stretch>
+            <a:fillRect/>
+          </a:stretch>
+        </p:blipFill>
+        <p:spPr>
+          <a:xfrm>
+            <a:off x="1293812" y="3200400"/>
+            <a:ext cx="5438775" cy="2619375"/>
+          </a:xfrm>
+          <a:prstGeom prst="rect">
+            <a:avLst/>
+          </a:prstGeom>
+        </p:spPr>
+      </p:pic>
+    </p:spTree>
+    <p:extLst>
+      <p:ext uri="{BB962C8B-B14F-4D97-AF65-F5344CB8AC3E}">
+        <p14:creationId xmlns:p14="http://schemas.microsoft.com/office/powerpoint/2010/main" val="834813226"/>
+      </p:ext>
+    </p:extLst>
+  </p:cSld>
+  <p:clrMapOvr>
+    <a:masterClrMapping/>
+  </p:clrMapOvr>
+  <mc:AlternateContent xmlns:mc="http://schemas.openxmlformats.org/markup-compatibility/2006" xmlns:p14="http://schemas.microsoft.com/office/powerpoint/2010/main">
+    <mc:Choice Requires="p14">
+      <p:transition spd="med" p14:dur="700">
+        <p:fade/>
+      </p:transition>
+    </mc:Choice>
+    <mc:Fallback xmlns="">
+      <p:transition spd="med">
+        <p:fade/>
+      </p:transition>
+    </mc:Fallback>
+  </mc:AlternateContent>
+  <p:timing>
+    <p:tnLst>
+      <p:par>
+        <p:cTn id="1" dur="indefinite" restart="never" nodeType="tmRoot"/>
+      </p:par>
+    </p:tnLst>
+  </p:timing>
+</p:sld>
+</file>
+
+<file path=ppt/slides/slide7.xml><?xml version="1.0" encoding="utf-8"?>
+<p:sld xmlns:a="http://schemas.openxmlformats.org/drawingml/2006/main" xmlns:r="http://schemas.openxmlformats.org/officeDocument/2006/relationships" xmlns:p="http://schemas.openxmlformats.org/presentationml/2006/main">
+  <p:cSld>
+    <p:spTree>
+      <p:nvGrpSpPr>
+        <p:cNvPr id="1" name=""/>
+        <p:cNvGrpSpPr/>
+        <p:nvPr/>
+      </p:nvGrpSpPr>
+      <p:grpSpPr>
+        <a:xfrm>
+          <a:off x="0" y="0"/>
+          <a:ext cx="0" cy="0"/>
+          <a:chOff x="0" y="0"/>
+          <a:chExt cx="0" cy="0"/>
+        </a:xfrm>
+      </p:grpSpPr>
+      <p:sp>
+        <p:nvSpPr>
+          <p:cNvPr id="13" name="כותרת 12"/>
+          <p:cNvSpPr>
+            <a:spLocks noGrp="1"/>
+          </p:cNvSpPr>
+          <p:nvPr>
+            <p:ph type="title"/>
+          </p:nvPr>
+        </p:nvSpPr>
+        <p:spPr/>
+        <p:txBody>
+          <a:bodyPr rtlCol="1"/>
+          <a:lstStyle/>
+          <a:p>
+            <a:pPr algn="l" rtl="1"/>
+            <a:r>
+              <a:rPr lang="en-US" b="1" dirty="0" smtClean="0"/>
+              <a:t>Some of the functions provided by the </a:t>
+            </a:r>
+            <a:r>
+              <a:rPr lang="en-US" b="1" dirty="0" err="1" smtClean="0"/>
+              <a:t>json</a:t>
+            </a:r>
+            <a:r>
+              <a:rPr lang="en-US" b="1" dirty="0" smtClean="0"/>
+              <a:t> object class</a:t>
+            </a:r>
+            <a:endParaRPr lang="he-IL" b="1" dirty="0"/>
+          </a:p>
+        </p:txBody>
+      </p:sp>
+      <p:sp>
+        <p:nvSpPr>
+          <p:cNvPr id="14" name="מציין מיקום תוכן 13"/>
+          <p:cNvSpPr>
+            <a:spLocks noGrp="1"/>
+          </p:cNvSpPr>
+          <p:nvPr>
+            <p:ph idx="1"/>
+          </p:nvPr>
+        </p:nvSpPr>
+        <p:spPr/>
+        <p:txBody>
+          <a:bodyPr rtlCol="1">
+            <a:normAutofit/>
+          </a:bodyPr>
+          <a:lstStyle/>
+          <a:p>
+            <a:pPr algn="l" rtl="0"/>
+            <a:r>
+              <a:rPr lang="en-US" dirty="0"/>
+              <a:t>A</a:t>
+            </a:r>
+            <a:r>
+              <a:rPr lang="en-US" dirty="0" smtClean="0"/>
+              <a:t>dd</a:t>
+            </a:r>
+          </a:p>
+          <a:p>
+            <a:pPr algn="l" rtl="0"/>
+            <a:r>
+              <a:rPr lang="en-US" dirty="0" smtClean="0"/>
+              <a:t>Append</a:t>
+            </a:r>
+          </a:p>
+          <a:p>
+            <a:pPr algn="l" rtl="0"/>
+            <a:r>
+              <a:rPr lang="en-US" dirty="0" smtClean="0"/>
+              <a:t>Has key</a:t>
+            </a:r>
+          </a:p>
+          <a:p>
+            <a:pPr algn="l" rtl="0"/>
+            <a:r>
+              <a:rPr lang="en-US" dirty="0" smtClean="0"/>
+              <a:t>Write</a:t>
+            </a:r>
+          </a:p>
+          <a:p>
+            <a:pPr marL="0" indent="0" algn="l" rtl="0">
+              <a:buNone/>
+            </a:pPr>
+            <a:endParaRPr lang="en-US" dirty="0" smtClean="0"/>
+          </a:p>
+          <a:p>
+            <a:pPr marL="514350" indent="-514350" algn="l" rtl="0">
+              <a:buAutoNum type="arabicPeriod"/>
+            </a:pPr>
+            <a:endParaRPr lang="en-US" dirty="0" smtClean="0"/>
+          </a:p>
+          <a:p>
+            <a:pPr marL="0" indent="0" algn="l" rtl="0">
+              <a:buNone/>
+            </a:pPr>
+            <a:endParaRPr lang="he-IL" dirty="0">
+              <a:latin typeface="Tahoma" panose="020B0604030504040204" pitchFamily="34" charset="0"/>
+              <a:ea typeface="Tahoma" panose="020B0604030504040204" pitchFamily="34" charset="0"/>
+              <a:cs typeface="Tahoma" panose="020B0604030504040204" pitchFamily="34" charset="0"/>
+            </a:endParaRPr>
+          </a:p>
+        </p:txBody>
+      </p:sp>
+      <p:pic>
+        <p:nvPicPr>
+          <p:cNvPr id="4" name="Picture 6" descr="Image result for parsing icon"/>
+          <p:cNvPicPr>
+            <a:picLocks noChangeAspect="1" noChangeArrowheads="1"/>
+          </p:cNvPicPr>
+          <p:nvPr/>
+        </p:nvPicPr>
+        <p:blipFill>
+          <a:blip r:embed="rId3">
+            <a:extLst>
+              <a:ext uri="{28A0092B-C50C-407E-A947-70E740481C1C}">
+                <a14:useLocalDpi xmlns:a14="http://schemas.microsoft.com/office/drawing/2010/main" val="0"/>
+              </a:ext>
+            </a:extLst>
+          </a:blip>
+          <a:srcRect/>
+          <a:stretch>
+            <a:fillRect/>
+          </a:stretch>
+        </p:blipFill>
+        <p:spPr bwMode="auto">
+          <a:xfrm>
+            <a:off x="9447212" y="5029200"/>
+            <a:ext cx="1905000" cy="1428750"/>
+          </a:xfrm>
+          <a:prstGeom prst="rect">
+            <a:avLst/>
+          </a:prstGeom>
+          <a:noFill/>
+          <a:extLst>
+            <a:ext uri="{909E8E84-426E-40DD-AFC4-6F175D3DCCD1}">
+              <a14:hiddenFill xmlns:a14="http://schemas.microsoft.com/office/drawing/2010/main">
+                <a:solidFill>
+                  <a:srgbClr val="FFFFFF"/>
+                </a:solidFill>
+              </a14:hiddenFill>
+            </a:ext>
+          </a:extLst>
+        </p:spPr>
+      </p:pic>
+    </p:spTree>
+    <p:extLst>
+      <p:ext uri="{BB962C8B-B14F-4D97-AF65-F5344CB8AC3E}">
+        <p14:creationId xmlns:p14="http://schemas.microsoft.com/office/powerpoint/2010/main" val="2047596920"/>
+      </p:ext>
+    </p:extLst>
+  </p:cSld>
+  <p:clrMapOvr>
+    <a:masterClrMapping/>
+  </p:clrMapOvr>
+  <mc:AlternateContent xmlns:mc="http://schemas.openxmlformats.org/markup-compatibility/2006" xmlns:p14="http://schemas.microsoft.com/office/powerpoint/2010/main">
+    <mc:Choice Requires="p14">
+      <p:transition spd="med" p14:dur="700">
+        <p:fade/>
+      </p:transition>
+    </mc:Choice>
+    <mc:Fallback xmlns="">
+      <p:transition spd="med">
+        <p:fade/>
+      </p:transition>
+    </mc:Fallback>
+  </mc:AlternateContent>
+  <p:timing>
+    <p:tnLst>
+      <p:par>
+        <p:cTn id="1" dur="indefinite" restart="never" nodeType="tmRoot"/>
+      </p:par>
+    </p:tnLst>
+  </p:timing>
+</p:sld>
+</file>
+
+<file path=ppt/slides/slide8.xml><?xml version="1.0" encoding="utf-8"?>
+<p:sld xmlns:a="http://schemas.openxmlformats.org/drawingml/2006/main" xmlns:r="http://schemas.openxmlformats.org/officeDocument/2006/relationships" xmlns:p="http://schemas.openxmlformats.org/presentationml/2006/main">
+  <p:cSld>
+    <p:spTree>
+      <p:nvGrpSpPr>
+        <p:cNvPr id="1" name=""/>
+        <p:cNvGrpSpPr/>
+        <p:nvPr/>
+      </p:nvGrpSpPr>
+      <p:grpSpPr>
+        <a:xfrm>
+          <a:off x="0" y="0"/>
+          <a:ext cx="0" cy="0"/>
+          <a:chOff x="0" y="0"/>
+          <a:chExt cx="0" cy="0"/>
+        </a:xfrm>
+      </p:grpSpPr>
+      <p:pic>
+        <p:nvPicPr>
+          <p:cNvPr id="4" name="תמונה 3"/>
+          <p:cNvPicPr>
+            <a:picLocks noChangeAspect="1"/>
+          </p:cNvPicPr>
+          <p:nvPr/>
+        </p:nvPicPr>
+        <p:blipFill>
+          <a:blip r:embed="rId2"/>
+          <a:stretch>
+            <a:fillRect/>
+          </a:stretch>
+        </p:blipFill>
+        <p:spPr>
+          <a:xfrm>
+            <a:off x="4189412" y="32951"/>
+            <a:ext cx="4724400" cy="6705864"/>
+          </a:xfrm>
+          <a:prstGeom prst="rect">
+            <a:avLst/>
+          </a:prstGeom>
+        </p:spPr>
+      </p:pic>
+    </p:spTree>
+    <p:extLst>
+      <p:ext uri="{BB962C8B-B14F-4D97-AF65-F5344CB8AC3E}">
+        <p14:creationId xmlns:p14="http://schemas.microsoft.com/office/powerpoint/2010/main" val="4025278764"/>
+      </p:ext>
+    </p:extLst>
+  </p:cSld>
+  <p:clrMapOvr>
+    <a:masterClrMapping/>
+  </p:clrMapOvr>
+  <mc:AlternateContent xmlns:mc="http://schemas.openxmlformats.org/markup-compatibility/2006" xmlns:p14="http://schemas.microsoft.com/office/powerpoint/2010/main">
+    <mc:Choice Requires="p14">
+      <p:transition spd="med" p14:dur="700">
+        <p:fade/>
+      </p:transition>
+    </mc:Choice>
+    <mc:Fallback xmlns="">
+      <p:transition spd="med">
+        <p:fade/>
+      </p:transition>
+    </mc:Fallback>
+  </mc:AlternateContent>
+  <p:timing>
+    <p:tnLst>
+      <p:par>
+        <p:cTn id="1" dur="indefinite" restart="never" nodeType="tmRoot"/>
+      </p:par>
+    </p:tnLst>
+  </p:timing>
+</p:sld>
+</file>
+
+<file path=ppt/slides/slide9.xml><?xml version="1.0" encoding="utf-8"?>
+<p:sld xmlns:a="http://schemas.openxmlformats.org/drawingml/2006/main" xmlns:r="http://schemas.openxmlformats.org/officeDocument/2006/relationships" xmlns:p="http://schemas.openxmlformats.org/presentationml/2006/main">
+  <p:cSld>
+    <p:spTree>
+      <p:nvGrpSpPr>
+        <p:cNvPr id="1" name=""/>
+        <p:cNvGrpSpPr/>
+        <p:nvPr/>
+      </p:nvGrpSpPr>
+      <p:grpSpPr>
+        <a:xfrm>
+          <a:off x="0" y="0"/>
+          <a:ext cx="0" cy="0"/>
+          <a:chOff x="0" y="0"/>
+          <a:chExt cx="0" cy="0"/>
+        </a:xfrm>
+      </p:grpSpPr>
+      <p:sp>
+        <p:nvSpPr>
+          <p:cNvPr id="4" name="כותרת 3"/>
+          <p:cNvSpPr>
+            <a:spLocks noGrp="1"/>
+          </p:cNvSpPr>
+          <p:nvPr>
+            <p:ph type="title"/>
+          </p:nvPr>
+        </p:nvSpPr>
+        <p:spPr/>
+        <p:txBody>
+          <a:bodyPr rtlCol="1">
+            <a:normAutofit/>
+          </a:bodyPr>
+          <a:lstStyle/>
+          <a:p>
+            <a:pPr algn="l" rtl="1"/>
+            <a:r>
+              <a:rPr lang="en-US" sz="8000" b="1" dirty="0" smtClean="0"/>
+              <a:t>Some results</a:t>
+            </a:r>
+            <a:endParaRPr lang="he-IL" sz="8000" b="1" dirty="0"/>
+          </a:p>
+        </p:txBody>
+      </p:sp>
+      <p:pic>
+        <p:nvPicPr>
+          <p:cNvPr id="5122" name="Picture 2" descr="Image result for ‫תנך‬‎"/>
+          <p:cNvPicPr>
+            <a:picLocks noChangeAspect="1" noChangeArrowheads="1"/>
+          </p:cNvPicPr>
+          <p:nvPr/>
+        </p:nvPicPr>
+        <p:blipFill>
+          <a:blip r:embed="rId3" cstate="print">
+            <a:extLst>
+              <a:ext uri="{28A0092B-C50C-407E-A947-70E740481C1C}">
+                <a14:useLocalDpi xmlns:a14="http://schemas.microsoft.com/office/drawing/2010/main" val="0"/>
+              </a:ext>
+            </a:extLst>
+          </a:blip>
+          <a:srcRect/>
+          <a:stretch>
+            <a:fillRect/>
+          </a:stretch>
+        </p:blipFill>
+        <p:spPr bwMode="auto">
+          <a:xfrm>
+            <a:off x="6763952" y="838200"/>
+            <a:ext cx="3750060" cy="1676400"/>
+          </a:xfrm>
+          <a:prstGeom prst="rect">
+            <a:avLst/>
+          </a:prstGeom>
+          <a:noFill/>
+          <a:extLst>
+            <a:ext uri="{909E8E84-426E-40DD-AFC4-6F175D3DCCD1}">
+              <a14:hiddenFill xmlns:a14="http://schemas.microsoft.com/office/drawing/2010/main">
+                <a:solidFill>
+                  <a:srgbClr val="FFFFFF"/>
+                </a:solidFill>
+              </a14:hiddenFill>
+            </a:ext>
+          </a:extLst>
+        </p:spPr>
+      </p:pic>
+    </p:spTree>
+    <p:extLst>
+      <p:ext uri="{BB962C8B-B14F-4D97-AF65-F5344CB8AC3E}">
+        <p14:creationId xmlns:p14="http://schemas.microsoft.com/office/powerpoint/2010/main" val="4264977537"/>
+      </p:ext>
+    </p:extLst>
+  </p:cSld>
+  <p:clrMapOvr>
+    <a:masterClrMapping/>
+  </p:clrMapOvr>
+  <mc:AlternateContent xmlns:mc="http://schemas.openxmlformats.org/markup-compatibility/2006" xmlns:p14="http://schemas.microsoft.com/office/powerpoint/2010/main">
+    <mc:Choice Requires="p14">
+      <p:transition spd="med" p14:dur="700">
+        <p:fade/>
+      </p:transition>
+    </mc:Choice>
+    <mc:Fallback xmlns="">
+      <p:transition spd="med">
+        <p:fade/>
+      </p:transition>
+    </mc:Fallback>
+  </mc:AlternateContent>
+  <p:timing>
+    <p:tnLst>
+      <p:par>
+        <p:cTn id="1" dur="indefinite" restart="never" nodeType="tmRoot"/>
+      </p:par>
+    </p:tnLst>
+  </p:timing>
 </p:sld>
 </file>
 
@@ -8998,12 +10325,1043 @@
 </file>
 
 <file path=customXml/item1.xml><?xml version="1.0" encoding="utf-8"?>
-<?mso-contentType ?>
-<FormTemplates xmlns="http://schemas.microsoft.com/sharepoint/v3/contenttype/forms">
-  <Display>DocumentLibraryForm</Display>
-  <Edit>AssetEditForm</Edit>
-  <New>DocumentLibraryForm</New>
-</FormTemplates>
+<ct:contentTypeSchema xmlns:ct="http://schemas.microsoft.com/office/2006/metadata/contentType" xmlns:ma="http://schemas.microsoft.com/office/2006/metadata/properties/metaAttributes" ct:_="" ma:_="" ma:contentTypeName="TemplateFile" ma:contentTypeID="0x0101006EDDDB5EE6D98C44930B742096920B300400F5B6D36B3EF94B4E9A635CDF2A18F5B8" ma:contentTypeVersion="72" ma:contentTypeDescription="Create a new document." ma:contentTypeScope="" ma:versionID="a23e56308344d904b51738559c3d67c9">
+  <xsd:schema xmlns:xsd="http://www.w3.org/2001/XMLSchema" xmlns:xs="http://www.w3.org/2001/XMLSchema" xmlns:p="http://schemas.microsoft.com/office/2006/metadata/properties" xmlns:ns2="4873beb7-5857-4685-be1f-d57550cc96cc" targetNamespace="http://schemas.microsoft.com/office/2006/metadata/properties" ma:root="true" ma:fieldsID="cd0908cc4600e77bf5da051303e00c8d" ns2:_="">
+    <xsd:import namespace="4873beb7-5857-4685-be1f-d57550cc96cc"/>
+    <xsd:element name="properties">
+      <xsd:complexType>
+        <xsd:sequence>
+          <xsd:element name="documentManagement">
+            <xsd:complexType>
+              <xsd:all>
+                <xsd:element ref="ns2:AcquiredFrom" minOccurs="0"/>
+                <xsd:element ref="ns2:UACurrentWords" minOccurs="0"/>
+                <xsd:element ref="ns2:TPApplication" minOccurs="0"/>
+                <xsd:element ref="ns2:ApprovalLog" minOccurs="0"/>
+                <xsd:element ref="ns2:ApprovalStatus" minOccurs="0"/>
+                <xsd:element ref="ns2:AssetStart" minOccurs="0"/>
+                <xsd:element ref="ns2:AssetExpire" minOccurs="0"/>
+                <xsd:element ref="ns2:AssetId" minOccurs="0"/>
+                <xsd:element ref="ns2:IsSearchable" minOccurs="0"/>
+                <xsd:element ref="ns2:AssetType" minOccurs="0"/>
+                <xsd:element ref="ns2:APAuthor" minOccurs="0"/>
+                <xsd:element ref="ns2:AverageRating" minOccurs="0"/>
+                <xsd:element ref="ns2:BlockPublish" minOccurs="0"/>
+                <xsd:element ref="ns2:BugNumber" minOccurs="0"/>
+                <xsd:element ref="ns2:CampaignTagsTaxHTField0" minOccurs="0"/>
+                <xsd:element ref="ns2:TPClientViewer" minOccurs="0"/>
+                <xsd:element ref="ns2:ClipArtFilename" minOccurs="0"/>
+                <xsd:element ref="ns2:TPCommandLine" minOccurs="0"/>
+                <xsd:element ref="ns2:TPComponent" minOccurs="0"/>
+                <xsd:element ref="ns2:ContentItem" minOccurs="0"/>
+                <xsd:element ref="ns2:CrawlForDependencies" minOccurs="0"/>
+                <xsd:element ref="ns2:CSXHash" minOccurs="0"/>
+                <xsd:element ref="ns2:CSXSubmissionMarket" minOccurs="0"/>
+                <xsd:element ref="ns2:CSXUpdate" minOccurs="0"/>
+                <xsd:element ref="ns2:IntlLangReviewDate" minOccurs="0"/>
+                <xsd:element ref="ns2:IsDeleted" minOccurs="0"/>
+                <xsd:element ref="ns2:APDescription" minOccurs="0"/>
+                <xsd:element ref="ns2:DirectSourceMarket" minOccurs="0"/>
+                <xsd:element ref="ns2:Downloads" minOccurs="0"/>
+                <xsd:element ref="ns2:DSATActionTaken" minOccurs="0"/>
+                <xsd:element ref="ns2:APEditor" minOccurs="0"/>
+                <xsd:element ref="ns2:EditorialStatus" minOccurs="0"/>
+                <xsd:element ref="ns2:EditorialTags" minOccurs="0"/>
+                <xsd:element ref="ns2:TPExecutable" minOccurs="0"/>
+                <xsd:element ref="ns2:FeatureTagsTaxHTField0" minOccurs="0"/>
+                <xsd:element ref="ns2:TPFriendlyName" minOccurs="0"/>
+                <xsd:element ref="ns2:FriendlyTitle" minOccurs="0"/>
+                <xsd:element ref="ns2:PrimaryImageGen" minOccurs="0"/>
+                <xsd:element ref="ns2:HandoffToMSDN" minOccurs="0"/>
+                <xsd:element ref="ns2:InProjectListLookup" minOccurs="0"/>
+                <xsd:element ref="ns2:TPInstallLocation" minOccurs="0"/>
+                <xsd:element ref="ns2:InternalTagsTaxHTField0" minOccurs="0"/>
+                <xsd:element ref="ns2:IntlLangReview" minOccurs="0"/>
+                <xsd:element ref="ns2:IntlLangReviewer" minOccurs="0"/>
+                <xsd:element ref="ns2:MarketSpecific" minOccurs="0"/>
+                <xsd:element ref="ns2:LastCompleteVersionLookup" minOccurs="0"/>
+                <xsd:element ref="ns2:LastHandOff" minOccurs="0"/>
+                <xsd:element ref="ns2:LastModifiedDateTime" minOccurs="0"/>
+                <xsd:element ref="ns2:LastPreviewErrorLookup" minOccurs="0"/>
+                <xsd:element ref="ns2:LastPreviewResultLookup" minOccurs="0"/>
+                <xsd:element ref="ns2:LastPreviewAttemptDateLookup" minOccurs="0"/>
+                <xsd:element ref="ns2:LastPreviewedByLookup" minOccurs="0"/>
+                <xsd:element ref="ns2:LastPreviewTimeLookup" minOccurs="0"/>
+                <xsd:element ref="ns2:LastPreviewVersionLookup" minOccurs="0"/>
+                <xsd:element ref="ns2:LastPublishErrorLookup" minOccurs="0"/>
+                <xsd:element ref="ns2:LastPublishResultLookup" minOccurs="0"/>
+                <xsd:element ref="ns2:LastPublishAttemptDateLookup" minOccurs="0"/>
+                <xsd:element ref="ns2:LastPublishedByLookup" minOccurs="0"/>
+                <xsd:element ref="ns2:LastPublishTimeLookup" minOccurs="0"/>
+                <xsd:element ref="ns2:LastPublishVersionLookup" minOccurs="0"/>
+                <xsd:element ref="ns2:TPLaunchHelpLinkType" minOccurs="0"/>
+                <xsd:element ref="ns2:LegacyData" minOccurs="0"/>
+                <xsd:element ref="ns2:TPLaunchHelpLink" minOccurs="0"/>
+                <xsd:element ref="ns2:LocComments" minOccurs="0"/>
+                <xsd:element ref="ns2:LocLastLocAttemptVersionLookup" minOccurs="0"/>
+                <xsd:element ref="ns2:LocLastLocAttemptVersionTypeLookup" minOccurs="0"/>
+                <xsd:element ref="ns2:LocManualTestRequired" minOccurs="0"/>
+                <xsd:element ref="ns2:LocMarketGroupTiers2" minOccurs="0"/>
+                <xsd:element ref="ns2:LocNewPublishedVersionLookup" minOccurs="0"/>
+                <xsd:element ref="ns2:LocOverallHandbackStatusLookup" minOccurs="0"/>
+                <xsd:element ref="ns2:LocOverallLocStatusLookup" minOccurs="0"/>
+                <xsd:element ref="ns2:LocOverallPreviewStatusLookup" minOccurs="0"/>
+                <xsd:element ref="ns2:LocOverallPublishStatusLookup" minOccurs="0"/>
+                <xsd:element ref="ns2:IntlLocPriority" minOccurs="0"/>
+                <xsd:element ref="ns2:LocProcessedForHandoffsLookup" minOccurs="0"/>
+                <xsd:element ref="ns2:LocProcessedForMarketsLookup" minOccurs="0"/>
+                <xsd:element ref="ns2:LocPublishedDependentAssetsLookup" minOccurs="0"/>
+                <xsd:element ref="ns2:LocPublishedLinkedAssetsLookup" minOccurs="0"/>
+                <xsd:element ref="ns2:LocRecommendedHandoff" minOccurs="0"/>
+                <xsd:element ref="ns2:LocalizationTagsTaxHTField0" minOccurs="0"/>
+                <xsd:element ref="ns2:MachineTranslated" minOccurs="0"/>
+                <xsd:element ref="ns2:Manager" minOccurs="0"/>
+                <xsd:element ref="ns2:Markets" minOccurs="0"/>
+                <xsd:element ref="ns2:Milestone" minOccurs="0"/>
+                <xsd:element ref="ns2:TPNamespace" minOccurs="0"/>
+                <xsd:element ref="ns2:NumericId" minOccurs="0"/>
+                <xsd:element ref="ns2:NumOfRatingsLookup" minOccurs="0"/>
+                <xsd:element ref="ns2:OOCacheId" minOccurs="0"/>
+                <xsd:element ref="ns2:OpenTemplate" minOccurs="0"/>
+                <xsd:element ref="ns2:OriginAsset" minOccurs="0"/>
+                <xsd:element ref="ns2:OriginalRelease" minOccurs="0"/>
+                <xsd:element ref="ns2:OriginalSourceMarket" minOccurs="0"/>
+                <xsd:element ref="ns2:OutputCachingOn" minOccurs="0"/>
+                <xsd:element ref="ns2:ParentAssetId" minOccurs="0"/>
+                <xsd:element ref="ns2:PlannedPubDate" minOccurs="0"/>
+                <xsd:element ref="ns2:PolicheckWords" minOccurs="0"/>
+                <xsd:element ref="ns2:BusinessGroup" minOccurs="0"/>
+                <xsd:element ref="ns2:UAProjectedTotalWords" minOccurs="0"/>
+                <xsd:element ref="ns2:Provider" minOccurs="0"/>
+                <xsd:element ref="ns2:Providers" minOccurs="0"/>
+                <xsd:element ref="ns2:PublishStatusLookup" minOccurs="0"/>
+                <xsd:element ref="ns2:PublishTargets" minOccurs="0"/>
+                <xsd:element ref="ns2:RecommendationsModifier" minOccurs="0"/>
+                <xsd:element ref="ns2:ArtSampleDocs" minOccurs="0"/>
+                <xsd:element ref="ns2:ScenarioTagsTaxHTField0" minOccurs="0"/>
+                <xsd:element ref="ns2:ShowIn" minOccurs="0"/>
+                <xsd:element ref="ns2:SourceTitle" minOccurs="0"/>
+                <xsd:element ref="ns2:CSXSubmissionDate" minOccurs="0"/>
+                <xsd:element ref="ns2:SubmitterId" minOccurs="0"/>
+                <xsd:element ref="ns2:TaxCatchAll" minOccurs="0"/>
+                <xsd:element ref="ns2:TaxCatchAllLabel" minOccurs="0"/>
+                <xsd:element ref="ns2:TemplateStatus" minOccurs="0"/>
+                <xsd:element ref="ns2:TemplateTemplateType" minOccurs="0"/>
+                <xsd:element ref="ns2:ThumbnailAssetId" minOccurs="0"/>
+                <xsd:element ref="ns2:TimesCloned" minOccurs="0"/>
+                <xsd:element ref="ns2:TrustLevel" minOccurs="0"/>
+                <xsd:element ref="ns2:UALocComments" minOccurs="0"/>
+                <xsd:element ref="ns2:UALocRecommendation" minOccurs="0"/>
+                <xsd:element ref="ns2:UANotes" minOccurs="0"/>
+                <xsd:element ref="ns2:TPAppVersion" minOccurs="0"/>
+                <xsd:element ref="ns2:VoteCount" minOccurs="0"/>
+              </xsd:all>
+            </xsd:complexType>
+          </xsd:element>
+        </xsd:sequence>
+      </xsd:complexType>
+    </xsd:element>
+  </xsd:schema>
+  <xsd:schema xmlns:xsd="http://www.w3.org/2001/XMLSchema" xmlns:xs="http://www.w3.org/2001/XMLSchema" xmlns:dms="http://schemas.microsoft.com/office/2006/documentManagement/types" xmlns:pc="http://schemas.microsoft.com/office/infopath/2007/PartnerControls" targetNamespace="4873beb7-5857-4685-be1f-d57550cc96cc" elementFormDefault="qualified">
+    <xsd:import namespace="http://schemas.microsoft.com/office/2006/documentManagement/types"/>
+    <xsd:import namespace="http://schemas.microsoft.com/office/infopath/2007/PartnerControls"/>
+    <xsd:element name="AcquiredFrom" ma:index="1" nillable="true" ma:displayName="Acquired From" ma:default="Internal MS" ma:internalName="AcquiredFrom" ma:readOnly="false">
+      <xsd:simpleType>
+        <xsd:restriction base="dms:Choice">
+          <xsd:enumeration value="Internal MS"/>
+          <xsd:enumeration value="Community"/>
+          <xsd:enumeration value="MVP"/>
+          <xsd:enumeration value="Publisher"/>
+          <xsd:enumeration value="Partner"/>
+          <xsd:enumeration value="None"/>
+        </xsd:restriction>
+      </xsd:simpleType>
+    </xsd:element>
+    <xsd:element name="UACurrentWords" ma:index="2" nillable="true" ma:displayName="Actual Word Count" ma:default="" ma:internalName="UACurrentWords" ma:readOnly="false">
+      <xsd:simpleType>
+        <xsd:restriction base="dms:Unknown"/>
+      </xsd:simpleType>
+    </xsd:element>
+    <xsd:element name="TPApplication" ma:index="3" nillable="true" ma:displayName="Application to Open Template With" ma:default="" ma:internalName="TPApplication">
+      <xsd:simpleType>
+        <xsd:restriction base="dms:Text"/>
+      </xsd:simpleType>
+    </xsd:element>
+    <xsd:element name="ApprovalLog" ma:index="4" nillable="true" ma:displayName="Approval Log" ma:default="" ma:hidden="true" ma:internalName="ApprovalLog" ma:readOnly="false">
+      <xsd:simpleType>
+        <xsd:restriction base="dms:Note"/>
+      </xsd:simpleType>
+    </xsd:element>
+    <xsd:element name="ApprovalStatus" ma:index="5" nillable="true" ma:displayName="Approval Status" ma:default="InProgress" ma:internalName="ApprovalStatus" ma:readOnly="false">
+      <xsd:simpleType>
+        <xsd:restriction base="dms:Choice">
+          <xsd:enumeration value="InProgress"/>
+          <xsd:enumeration value="Rejected"/>
+          <xsd:enumeration value="Questionable"/>
+          <xsd:enumeration value="ApprovedAutomatic"/>
+          <xsd:enumeration value="ApprovedManual"/>
+          <xsd:enumeration value="On Hold"/>
+          <xsd:enumeration value="Needs Review"/>
+          <xsd:enumeration value="A Violation"/>
+          <xsd:enumeration value="Unpublished Violation"/>
+        </xsd:restriction>
+      </xsd:simpleType>
+    </xsd:element>
+    <xsd:element name="AssetStart" ma:index="6" nillable="true" ma:displayName="Asset Begin Date" ma:default="[Today]" ma:internalName="AssetStart" ma:readOnly="false">
+      <xsd:simpleType>
+        <xsd:restriction base="dms:DateTime"/>
+      </xsd:simpleType>
+    </xsd:element>
+    <xsd:element name="AssetExpire" ma:index="7" nillable="true" ma:displayName="Asset End Date" ma:default="2029-01-01T08:00:00Z" ma:format="DateTime" ma:internalName="AssetExpire" ma:readOnly="false">
+      <xsd:simpleType>
+        <xsd:restriction base="dms:DateTime"/>
+      </xsd:simpleType>
+    </xsd:element>
+    <xsd:element name="AssetId" ma:index="8" nillable="true" ma:displayName="Asset ID" ma:default="" ma:indexed="true" ma:internalName="AssetId" ma:readOnly="false">
+      <xsd:simpleType>
+        <xsd:restriction base="dms:Text">
+          <xsd:maxLength value="255"/>
+        </xsd:restriction>
+      </xsd:simpleType>
+    </xsd:element>
+    <xsd:element name="IsSearchable" ma:index="9" nillable="true" ma:displayName="Asset Searchable?" ma:default="true" ma:internalName="IsSearchable" ma:readOnly="false">
+      <xsd:simpleType>
+        <xsd:restriction base="dms:Boolean"/>
+      </xsd:simpleType>
+    </xsd:element>
+    <xsd:element name="AssetType" ma:index="10" nillable="true" ma:displayName="Asset Type" ma:default="" ma:internalName="AssetType" ma:readOnly="false">
+      <xsd:simpleType>
+        <xsd:restriction base="dms:Unknown"/>
+      </xsd:simpleType>
+    </xsd:element>
+    <xsd:element name="APAuthor" ma:index="11" nillable="true" ma:displayName="Author" ma:default="" ma:list="UserInfo" ma:internalName="APAuthor" ma:readOnly="false">
+      <xsd:complexType>
+        <xsd:complexContent>
+          <xsd:extension base="dms:User">
+            <xsd:sequence>
+              <xsd:element name="UserInfo" minOccurs="0" maxOccurs="unbounded">
+                <xsd:complexType>
+                  <xsd:sequence>
+                    <xsd:element name="DisplayName" type="xsd:string" minOccurs="0"/>
+                    <xsd:element name="AccountId" type="dms:UserId" minOccurs="0" nillable="true"/>
+                    <xsd:element name="AccountType" type="xsd:string" minOccurs="0"/>
+                  </xsd:sequence>
+                </xsd:complexType>
+              </xsd:element>
+            </xsd:sequence>
+          </xsd:extension>
+        </xsd:complexContent>
+      </xsd:complexType>
+    </xsd:element>
+    <xsd:element name="AverageRating" ma:index="12" nillable="true" ma:displayName="Average Rating" ma:internalName="AverageRating" ma:readOnly="false">
+      <xsd:simpleType>
+        <xsd:restriction base="dms:Text"/>
+      </xsd:simpleType>
+    </xsd:element>
+    <xsd:element name="BlockPublish" ma:index="13" nillable="true" ma:displayName="Block from Publishing?" ma:default="" ma:internalName="BlockPublish" ma:readOnly="false">
+      <xsd:simpleType>
+        <xsd:restriction base="dms:Boolean"/>
+      </xsd:simpleType>
+    </xsd:element>
+    <xsd:element name="BugNumber" ma:index="14" nillable="true" ma:displayName="Bug Number" ma:default="" ma:internalName="BugNumber" ma:readOnly="false">
+      <xsd:simpleType>
+        <xsd:restriction base="dms:Text"/>
+      </xsd:simpleType>
+    </xsd:element>
+    <xsd:element name="CampaignTagsTaxHTField0" ma:index="16" nillable="true" ma:taxonomy="true" ma:internalName="CampaignTagsTaxHTField0" ma:taxonomyFieldName="CampaignTags" ma:displayName="Campaigns" ma:readOnly="false" ma:default="" ma:fieldId="{1df42cc3-2301-4f11-a52a-6ead923c29ed}" ma:taxonomyMulti="true" ma:sspId="8f79753a-75d3-41f5-8ca3-40b843941b4f" ma:termSetId="ca0e50d4-faa1-44ce-961e-bb1441c60e66" ma:anchorId="00000000-0000-0000-0000-000000000000" ma:open="false" ma:isKeyword="false">
+      <xsd:complexType>
+        <xsd:sequence>
+          <xsd:element ref="pc:Terms" minOccurs="0" maxOccurs="1"/>
+        </xsd:sequence>
+      </xsd:complexType>
+    </xsd:element>
+    <xsd:element name="TPClientViewer" ma:index="17" nillable="true" ma:displayName="Client Viewer" ma:default="" ma:internalName="TPClientViewer">
+      <xsd:simpleType>
+        <xsd:restriction base="dms:Text"/>
+      </xsd:simpleType>
+    </xsd:element>
+    <xsd:element name="ClipArtFilename" ma:index="18" nillable="true" ma:displayName="Clip Art Name" ma:default="" ma:internalName="ClipArtFilename" ma:readOnly="false">
+      <xsd:simpleType>
+        <xsd:restriction base="dms:Text"/>
+      </xsd:simpleType>
+    </xsd:element>
+    <xsd:element name="TPCommandLine" ma:index="19" nillable="true" ma:displayName="Command Line" ma:default="" ma:internalName="TPCommandLine">
+      <xsd:simpleType>
+        <xsd:restriction base="dms:Text"/>
+      </xsd:simpleType>
+    </xsd:element>
+    <xsd:element name="TPComponent" ma:index="20" nillable="true" ma:displayName="Component" ma:default="" ma:internalName="TPComponent">
+      <xsd:simpleType>
+        <xsd:restriction base="dms:Text"/>
+      </xsd:simpleType>
+    </xsd:element>
+    <xsd:element name="ContentItem" ma:index="21" nillable="true" ma:displayName="Content Item" ma:default="" ma:hidden="true" ma:internalName="ContentItem" ma:readOnly="false">
+      <xsd:simpleType>
+        <xsd:restriction base="dms:Unknown"/>
+      </xsd:simpleType>
+    </xsd:element>
+    <xsd:element name="CrawlForDependencies" ma:index="23" nillable="true" ma:displayName="Crawl for Dependencies?" ma:default="true" ma:internalName="CrawlForDependencies" ma:readOnly="false">
+      <xsd:simpleType>
+        <xsd:restriction base="dms:Boolean"/>
+      </xsd:simpleType>
+    </xsd:element>
+    <xsd:element name="CSXHash" ma:index="26" nillable="true" ma:displayName="CSX Hash" ma:default="" ma:indexed="true" ma:internalName="CSXHash" ma:readOnly="false">
+      <xsd:simpleType>
+        <xsd:restriction base="dms:Text"/>
+      </xsd:simpleType>
+    </xsd:element>
+    <xsd:element name="CSXSubmissionMarket" ma:index="27" nillable="true" ma:displayName="CSX Submission Market" ma:default="" ma:list="{2FBD1B11-2ACE-4FDC-B5A3-635D4ADF6F1B}" ma:internalName="CSXSubmissionMarket" ma:readOnly="false" ma:showField="MarketName" ma:web="4873beb7-5857-4685-be1f-d57550cc96cc">
+      <xsd:simpleType>
+        <xsd:restriction base="dms:Lookup"/>
+      </xsd:simpleType>
+    </xsd:element>
+    <xsd:element name="CSXUpdate" ma:index="28" nillable="true" ma:displayName="CSX Updated?" ma:default="false" ma:internalName="CSXUpdate" ma:readOnly="false">
+      <xsd:simpleType>
+        <xsd:restriction base="dms:Boolean"/>
+      </xsd:simpleType>
+    </xsd:element>
+    <xsd:element name="IntlLangReviewDate" ma:index="29" nillable="true" ma:displayName="Date to Complete Intl QA" ma:default="" ma:internalName="IntlLangReviewDate" ma:readOnly="false">
+      <xsd:simpleType>
+        <xsd:restriction base="dms:DateTime"/>
+      </xsd:simpleType>
+    </xsd:element>
+    <xsd:element name="IsDeleted" ma:index="30" nillable="true" ma:displayName="Deleted?" ma:default="" ma:internalName="IsDeleted" ma:readOnly="false">
+      <xsd:simpleType>
+        <xsd:restriction base="dms:Boolean"/>
+      </xsd:simpleType>
+    </xsd:element>
+    <xsd:element name="APDescription" ma:index="31" nillable="true" ma:displayName="Description" ma:default="" ma:internalName="APDescription" ma:readOnly="false">
+      <xsd:simpleType>
+        <xsd:restriction base="dms:Note"/>
+      </xsd:simpleType>
+    </xsd:element>
+    <xsd:element name="DirectSourceMarket" ma:index="32" nillable="true" ma:displayName="Direct Source Market Group" ma:default="" ma:internalName="DirectSourceMarket" ma:readOnly="false">
+      <xsd:simpleType>
+        <xsd:restriction base="dms:Text"/>
+      </xsd:simpleType>
+    </xsd:element>
+    <xsd:element name="Downloads" ma:index="33" nillable="true" ma:displayName="Downloads" ma:default="0" ma:hidden="true" ma:internalName="Downloads" ma:readOnly="false">
+      <xsd:simpleType>
+        <xsd:restriction base="dms:Unknown"/>
+      </xsd:simpleType>
+    </xsd:element>
+    <xsd:element name="DSATActionTaken" ma:index="34" nillable="true" ma:displayName="DSAT Action Taken" ma:default="" ma:internalName="DSATActionTaken" ma:readOnly="false">
+      <xsd:simpleType>
+        <xsd:restriction base="dms:Choice">
+          <xsd:enumeration value="Best Bets"/>
+          <xsd:enumeration value="Expire"/>
+          <xsd:enumeration value="Hide"/>
+          <xsd:enumeration value="None"/>
+        </xsd:restriction>
+      </xsd:simpleType>
+    </xsd:element>
+    <xsd:element name="APEditor" ma:index="35" nillable="true" ma:displayName="Editor" ma:default="" ma:list="UserInfo" ma:internalName="APEditor" ma:readOnly="false">
+      <xsd:complexType>
+        <xsd:complexContent>
+          <xsd:extension base="dms:User">
+            <xsd:sequence>
+              <xsd:element name="UserInfo" minOccurs="0" maxOccurs="unbounded">
+                <xsd:complexType>
+                  <xsd:sequence>
+                    <xsd:element name="DisplayName" type="xsd:string" minOccurs="0"/>
+                    <xsd:element name="AccountId" type="dms:UserId" minOccurs="0" nillable="true"/>
+                    <xsd:element name="AccountType" type="xsd:string" minOccurs="0"/>
+                  </xsd:sequence>
+                </xsd:complexType>
+              </xsd:element>
+            </xsd:sequence>
+          </xsd:extension>
+        </xsd:complexContent>
+      </xsd:complexType>
+    </xsd:element>
+    <xsd:element name="EditorialStatus" ma:index="36" nillable="true" ma:displayName="Editorial Status" ma:default="" ma:internalName="EditorialStatus" ma:readOnly="false">
+      <xsd:simpleType>
+        <xsd:restriction base="dms:Unknown"/>
+      </xsd:simpleType>
+    </xsd:element>
+    <xsd:element name="EditorialTags" ma:index="37" nillable="true" ma:displayName="Editorial Tags" ma:default="" ma:internalName="EditorialTags">
+      <xsd:simpleType>
+        <xsd:restriction base="dms:Unknown"/>
+      </xsd:simpleType>
+    </xsd:element>
+    <xsd:element name="TPExecutable" ma:index="38" nillable="true" ma:displayName="Executable" ma:default="" ma:internalName="TPExecutable">
+      <xsd:simpleType>
+        <xsd:restriction base="dms:Text"/>
+      </xsd:simpleType>
+    </xsd:element>
+    <xsd:element name="FeatureTagsTaxHTField0" ma:index="40" nillable="true" ma:taxonomy="true" ma:internalName="FeatureTagsTaxHTField0" ma:taxonomyFieldName="FeatureTags" ma:displayName="Features" ma:readOnly="false" ma:default="" ma:fieldId="{7fc0d542-15c6-4882-a8e3-13bca44403fb}" ma:taxonomyMulti="true" ma:sspId="8f79753a-75d3-41f5-8ca3-40b843941b4f" ma:termSetId="f1ab6845-967d-4854-a0ba-4ec07f0f8113" ma:anchorId="00000000-0000-0000-0000-000000000000" ma:open="false" ma:isKeyword="false">
+      <xsd:complexType>
+        <xsd:sequence>
+          <xsd:element ref="pc:Terms" minOccurs="0" maxOccurs="1"/>
+        </xsd:sequence>
+      </xsd:complexType>
+    </xsd:element>
+    <xsd:element name="TPFriendlyName" ma:index="41" nillable="true" ma:displayName="Friendly Name" ma:default="" ma:internalName="TPFriendlyName">
+      <xsd:simpleType>
+        <xsd:restriction base="dms:Text"/>
+      </xsd:simpleType>
+    </xsd:element>
+    <xsd:element name="FriendlyTitle" ma:index="42" nillable="true" ma:displayName="Friendly Title" ma:default="" ma:description="Shorter title to be used when displaying search results" ma:internalName="FriendlyTitle" ma:readOnly="false">
+      <xsd:simpleType>
+        <xsd:restriction base="dms:Text"/>
+      </xsd:simpleType>
+    </xsd:element>
+    <xsd:element name="PrimaryImageGen" ma:index="43" nillable="true" ma:displayName="Generate Images?" ma:default="true" ma:internalName="PrimaryImageGen">
+      <xsd:simpleType>
+        <xsd:restriction base="dms:Boolean"/>
+      </xsd:simpleType>
+    </xsd:element>
+    <xsd:element name="HandoffToMSDN" ma:index="44" nillable="true" ma:displayName="Handoff To MSDN Date" ma:default="" ma:internalName="HandoffToMSDN" ma:readOnly="false">
+      <xsd:simpleType>
+        <xsd:restriction base="dms:DateTime"/>
+      </xsd:simpleType>
+    </xsd:element>
+    <xsd:element name="InProjectListLookup" ma:index="45" nillable="true" ma:displayName="InProjectListLookup" ma:list="{9E343742-310B-4684-A24C-1D137CB4B230}" ma:internalName="InProjectListLookup" ma:readOnly="true" ma:showField="InProjectList" ma:web="4873beb7-5857-4685-be1f-d57550cc96cc">
+      <xsd:complexType>
+        <xsd:complexContent>
+          <xsd:extension base="dms:MultiChoiceLookup">
+            <xsd:sequence>
+              <xsd:element name="Value" type="dms:Lookup" maxOccurs="unbounded" minOccurs="0" nillable="true"/>
+            </xsd:sequence>
+          </xsd:extension>
+        </xsd:complexContent>
+      </xsd:complexType>
+    </xsd:element>
+    <xsd:element name="TPInstallLocation" ma:index="46" nillable="true" ma:displayName="Install Location" ma:default="" ma:internalName="TPInstallLocation">
+      <xsd:simpleType>
+        <xsd:restriction base="dms:Text"/>
+      </xsd:simpleType>
+    </xsd:element>
+    <xsd:element name="InternalTagsTaxHTField0" ma:index="48" nillable="true" ma:taxonomy="true" ma:internalName="InternalTagsTaxHTField0" ma:taxonomyFieldName="InternalTags" ma:displayName="Internal Tags" ma:readOnly="false" ma:default="" ma:fieldId="{1490b8a4-2706-41ec-b5e3-73176dccf34e}" ma:taxonomyMulti="true" ma:sspId="8f79753a-75d3-41f5-8ca3-40b843941b4f" ma:termSetId="82b6639e-f7fc-4c18-ad2d-003a6e707765" ma:anchorId="00000000-0000-0000-0000-000000000000" ma:open="false" ma:isKeyword="false">
+      <xsd:complexType>
+        <xsd:sequence>
+          <xsd:element ref="pc:Terms" minOccurs="0" maxOccurs="1"/>
+        </xsd:sequence>
+      </xsd:complexType>
+    </xsd:element>
+    <xsd:element name="IntlLangReview" ma:index="49" nillable="true" ma:displayName="Intl Lang QA Review Required?" ma:default="" ma:internalName="IntlLangReview" ma:readOnly="false">
+      <xsd:simpleType>
+        <xsd:restriction base="dms:Boolean"/>
+      </xsd:simpleType>
+    </xsd:element>
+    <xsd:element name="IntlLangReviewer" ma:index="50" nillable="true" ma:displayName="Intl Lang QA Reviewer" ma:default="" ma:internalName="IntlLangReviewer" ma:readOnly="false">
+      <xsd:simpleType>
+        <xsd:restriction base="dms:Text"/>
+      </xsd:simpleType>
+    </xsd:element>
+    <xsd:element name="MarketSpecific" ma:index="51" nillable="true" ma:displayName="Is Market Specific?" ma:default="" ma:internalName="MarketSpecific" ma:readOnly="false">
+      <xsd:simpleType>
+        <xsd:restriction base="dms:Boolean"/>
+      </xsd:simpleType>
+    </xsd:element>
+    <xsd:element name="LastCompleteVersionLookup" ma:index="52" nillable="true" ma:displayName="Last Complete Version Lookup" ma:default="" ma:list="{9E343742-310B-4684-A24C-1D137CB4B230}" ma:internalName="LastCompleteVersionLookup" ma:readOnly="true" ma:showField="LastCompleteVersion" ma:web="4873beb7-5857-4685-be1f-d57550cc96cc">
+      <xsd:complexType>
+        <xsd:complexContent>
+          <xsd:extension base="dms:MultiChoiceLookup">
+            <xsd:sequence>
+              <xsd:element name="Value" type="dms:Lookup" maxOccurs="unbounded" minOccurs="0" nillable="true"/>
+            </xsd:sequence>
+          </xsd:extension>
+        </xsd:complexContent>
+      </xsd:complexType>
+    </xsd:element>
+    <xsd:element name="LastHandOff" ma:index="53" nillable="true" ma:displayName="Last Hand-off" ma:default="" ma:internalName="LastHandOff" ma:readOnly="false">
+      <xsd:simpleType>
+        <xsd:restriction base="dms:DateTime"/>
+      </xsd:simpleType>
+    </xsd:element>
+    <xsd:element name="LastModifiedDateTime" ma:index="54" nillable="true" ma:displayName="Last Modified Date" ma:default="" ma:internalName="LastModifiedDateTime" ma:readOnly="false">
+      <xsd:simpleType>
+        <xsd:restriction base="dms:DateTime"/>
+      </xsd:simpleType>
+    </xsd:element>
+    <xsd:element name="LastPreviewErrorLookup" ma:index="55" nillable="true" ma:displayName="Last Preview Attempt Error" ma:default="" ma:list="{9E343742-310B-4684-A24C-1D137CB4B230}" ma:internalName="LastPreviewErrorLookup" ma:readOnly="true" ma:showField="LastPreviewError" ma:web="4873beb7-5857-4685-be1f-d57550cc96cc">
+      <xsd:complexType>
+        <xsd:complexContent>
+          <xsd:extension base="dms:MultiChoiceLookup">
+            <xsd:sequence>
+              <xsd:element name="Value" type="dms:Lookup" maxOccurs="unbounded" minOccurs="0" nillable="true"/>
+            </xsd:sequence>
+          </xsd:extension>
+        </xsd:complexContent>
+      </xsd:complexType>
+    </xsd:element>
+    <xsd:element name="LastPreviewResultLookup" ma:index="56" nillable="true" ma:displayName="Last Preview Attempt Result" ma:default="" ma:list="{9E343742-310B-4684-A24C-1D137CB4B230}" ma:internalName="LastPreviewResultLookup" ma:readOnly="true" ma:showField="LastPreviewResult" ma:web="4873beb7-5857-4685-be1f-d57550cc96cc">
+      <xsd:complexType>
+        <xsd:complexContent>
+          <xsd:extension base="dms:MultiChoiceLookup">
+            <xsd:sequence>
+              <xsd:element name="Value" type="dms:Lookup" maxOccurs="unbounded" minOccurs="0" nillable="true"/>
+            </xsd:sequence>
+          </xsd:extension>
+        </xsd:complexContent>
+      </xsd:complexType>
+    </xsd:element>
+    <xsd:element name="LastPreviewAttemptDateLookup" ma:index="57" nillable="true" ma:displayName="Last Preview Attempted On" ma:default="" ma:list="{9E343742-310B-4684-A24C-1D137CB4B230}" ma:internalName="LastPreviewAttemptDateLookup" ma:readOnly="true" ma:showField="LastPreviewAttemptDate" ma:web="4873beb7-5857-4685-be1f-d57550cc96cc">
+      <xsd:complexType>
+        <xsd:complexContent>
+          <xsd:extension base="dms:MultiChoiceLookup">
+            <xsd:sequence>
+              <xsd:element name="Value" type="dms:Lookup" maxOccurs="unbounded" minOccurs="0" nillable="true"/>
+            </xsd:sequence>
+          </xsd:extension>
+        </xsd:complexContent>
+      </xsd:complexType>
+    </xsd:element>
+    <xsd:element name="LastPreviewedByLookup" ma:index="58" nillable="true" ma:displayName="Last Previewed By" ma:default="" ma:list="{9E343742-310B-4684-A24C-1D137CB4B230}" ma:internalName="LastPreviewedByLookup" ma:readOnly="true" ma:showField="LastPreviewedBy" ma:web="4873beb7-5857-4685-be1f-d57550cc96cc">
+      <xsd:complexType>
+        <xsd:complexContent>
+          <xsd:extension base="dms:MultiChoiceLookup">
+            <xsd:sequence>
+              <xsd:element name="Value" type="dms:Lookup" maxOccurs="unbounded" minOccurs="0" nillable="true"/>
+            </xsd:sequence>
+          </xsd:extension>
+        </xsd:complexContent>
+      </xsd:complexType>
+    </xsd:element>
+    <xsd:element name="LastPreviewTimeLookup" ma:index="59" nillable="true" ma:displayName="Last Previewed Date" ma:default="" ma:list="{9E343742-310B-4684-A24C-1D137CB4B230}" ma:internalName="LastPreviewTimeLookup" ma:readOnly="true" ma:showField="LastPreviewTime" ma:web="4873beb7-5857-4685-be1f-d57550cc96cc">
+      <xsd:complexType>
+        <xsd:complexContent>
+          <xsd:extension base="dms:MultiChoiceLookup">
+            <xsd:sequence>
+              <xsd:element name="Value" type="dms:Lookup" maxOccurs="unbounded" minOccurs="0" nillable="true"/>
+            </xsd:sequence>
+          </xsd:extension>
+        </xsd:complexContent>
+      </xsd:complexType>
+    </xsd:element>
+    <xsd:element name="LastPreviewVersionLookup" ma:index="60" nillable="true" ma:displayName="Last Previewed Version" ma:default="" ma:list="{9E343742-310B-4684-A24C-1D137CB4B230}" ma:internalName="LastPreviewVersionLookup" ma:readOnly="true" ma:showField="LastPreviewVersion" ma:web="4873beb7-5857-4685-be1f-d57550cc96cc">
+      <xsd:complexType>
+        <xsd:complexContent>
+          <xsd:extension base="dms:MultiChoiceLookup">
+            <xsd:sequence>
+              <xsd:element name="Value" type="dms:Lookup" maxOccurs="unbounded" minOccurs="0" nillable="true"/>
+            </xsd:sequence>
+          </xsd:extension>
+        </xsd:complexContent>
+      </xsd:complexType>
+    </xsd:element>
+    <xsd:element name="LastPublishErrorLookup" ma:index="61" nillable="true" ma:displayName="Last Publish Attempt Error" ma:default="" ma:list="{9E343742-310B-4684-A24C-1D137CB4B230}" ma:internalName="LastPublishErrorLookup" ma:readOnly="true" ma:showField="LastPublishError" ma:web="4873beb7-5857-4685-be1f-d57550cc96cc">
+      <xsd:complexType>
+        <xsd:complexContent>
+          <xsd:extension base="dms:MultiChoiceLookup">
+            <xsd:sequence>
+              <xsd:element name="Value" type="dms:Lookup" maxOccurs="unbounded" minOccurs="0" nillable="true"/>
+            </xsd:sequence>
+          </xsd:extension>
+        </xsd:complexContent>
+      </xsd:complexType>
+    </xsd:element>
+    <xsd:element name="LastPublishResultLookup" ma:index="62" nillable="true" ma:displayName="Last Publish Attempt Result" ma:default="" ma:list="{9E343742-310B-4684-A24C-1D137CB4B230}" ma:internalName="LastPublishResultLookup" ma:readOnly="true" ma:showField="LastPublishResult" ma:web="4873beb7-5857-4685-be1f-d57550cc96cc">
+      <xsd:complexType>
+        <xsd:complexContent>
+          <xsd:extension base="dms:MultiChoiceLookup">
+            <xsd:sequence>
+              <xsd:element name="Value" type="dms:Lookup" maxOccurs="unbounded" minOccurs="0" nillable="true"/>
+            </xsd:sequence>
+          </xsd:extension>
+        </xsd:complexContent>
+      </xsd:complexType>
+    </xsd:element>
+    <xsd:element name="LastPublishAttemptDateLookup" ma:index="63" nillable="true" ma:displayName="Last Publish Attempted On" ma:default="" ma:list="{9E343742-310B-4684-A24C-1D137CB4B230}" ma:internalName="LastPublishAttemptDateLookup" ma:readOnly="true" ma:showField="LastPublishAttemptDate" ma:web="4873beb7-5857-4685-be1f-d57550cc96cc">
+      <xsd:complexType>
+        <xsd:complexContent>
+          <xsd:extension base="dms:MultiChoiceLookup">
+            <xsd:sequence>
+              <xsd:element name="Value" type="dms:Lookup" maxOccurs="unbounded" minOccurs="0" nillable="true"/>
+            </xsd:sequence>
+          </xsd:extension>
+        </xsd:complexContent>
+      </xsd:complexType>
+    </xsd:element>
+    <xsd:element name="LastPublishedByLookup" ma:index="64" nillable="true" ma:displayName="Last Published By" ma:default="" ma:list="{9E343742-310B-4684-A24C-1D137CB4B230}" ma:internalName="LastPublishedByLookup" ma:readOnly="true" ma:showField="LastPublishedBy" ma:web="4873beb7-5857-4685-be1f-d57550cc96cc">
+      <xsd:complexType>
+        <xsd:complexContent>
+          <xsd:extension base="dms:MultiChoiceLookup">
+            <xsd:sequence>
+              <xsd:element name="Value" type="dms:Lookup" maxOccurs="unbounded" minOccurs="0" nillable="true"/>
+            </xsd:sequence>
+          </xsd:extension>
+        </xsd:complexContent>
+      </xsd:complexType>
+    </xsd:element>
+    <xsd:element name="LastPublishTimeLookup" ma:index="65" nillable="true" ma:displayName="Last Published Date" ma:default="" ma:list="{9E343742-310B-4684-A24C-1D137CB4B230}" ma:internalName="LastPublishTimeLookup" ma:readOnly="true" ma:showField="LastPublishTime" ma:web="4873beb7-5857-4685-be1f-d57550cc96cc">
+      <xsd:complexType>
+        <xsd:complexContent>
+          <xsd:extension base="dms:MultiChoiceLookup">
+            <xsd:sequence>
+              <xsd:element name="Value" type="dms:Lookup" maxOccurs="unbounded" minOccurs="0" nillable="true"/>
+            </xsd:sequence>
+          </xsd:extension>
+        </xsd:complexContent>
+      </xsd:complexType>
+    </xsd:element>
+    <xsd:element name="LastPublishVersionLookup" ma:index="66" nillable="true" ma:displayName="Last Published Version" ma:default="" ma:list="{9E343742-310B-4684-A24C-1D137CB4B230}" ma:internalName="LastPublishVersionLookup" ma:readOnly="true" ma:showField="LastPublishVersion" ma:web="4873beb7-5857-4685-be1f-d57550cc96cc">
+      <xsd:complexType>
+        <xsd:complexContent>
+          <xsd:extension base="dms:MultiChoiceLookup">
+            <xsd:sequence>
+              <xsd:element name="Value" type="dms:Lookup" maxOccurs="unbounded" minOccurs="0" nillable="true"/>
+            </xsd:sequence>
+          </xsd:extension>
+        </xsd:complexContent>
+      </xsd:complexType>
+    </xsd:element>
+    <xsd:element name="TPLaunchHelpLinkType" ma:index="67" nillable="true" ma:displayName="Launch Help Link Type" ma:default="Template" ma:internalName="TPLaunchHelpLinkType">
+      <xsd:simpleType>
+        <xsd:restriction base="dms:Choice">
+          <xsd:enumeration value="Template"/>
+          <xsd:enumeration value="Training"/>
+          <xsd:enumeration value="URL"/>
+          <xsd:enumeration value="None"/>
+        </xsd:restriction>
+      </xsd:simpleType>
+    </xsd:element>
+    <xsd:element name="LegacyData" ma:index="68" nillable="true" ma:displayName="Legacy Data" ma:default="" ma:internalName="LegacyData" ma:readOnly="false">
+      <xsd:simpleType>
+        <xsd:restriction base="dms:Note"/>
+      </xsd:simpleType>
+    </xsd:element>
+    <xsd:element name="TPLaunchHelpLink" ma:index="69" nillable="true" ma:displayName="Link to Launch Help Topic" ma:default="" ma:internalName="TPLaunchHelpLink">
+      <xsd:simpleType>
+        <xsd:restriction base="dms:Text"/>
+      </xsd:simpleType>
+    </xsd:element>
+    <xsd:element name="LocComments" ma:index="70" nillable="true" ma:displayName="Loc Approval Comments" ma:default="" ma:internalName="LocComments" ma:readOnly="false">
+      <xsd:simpleType>
+        <xsd:restriction base="dms:Note"/>
+      </xsd:simpleType>
+    </xsd:element>
+    <xsd:element name="LocLastLocAttemptVersionLookup" ma:index="71" nillable="true" ma:displayName="Loc Last Loc Attempt Version" ma:default="" ma:list="{7DD1DCEC-E449-43D3-891F-7DC62F62AD21}" ma:internalName="LocLastLocAttemptVersionLookup" ma:readOnly="false" ma:showField="LastLocAttemptVersion" ma:web="4873beb7-5857-4685-be1f-d57550cc96cc">
+      <xsd:simpleType>
+        <xsd:restriction base="dms:Lookup"/>
+      </xsd:simpleType>
+    </xsd:element>
+    <xsd:element name="LocLastLocAttemptVersionTypeLookup" ma:index="72" nillable="true" ma:displayName="Loc Last Loc Attempt Version Type" ma:default="" ma:list="{7DD1DCEC-E449-43D3-891F-7DC62F62AD21}" ma:internalName="LocLastLocAttemptVersionTypeLookup" ma:readOnly="true" ma:showField="LastLocAttemptVersionType" ma:web="4873beb7-5857-4685-be1f-d57550cc96cc">
+      <xsd:simpleType>
+        <xsd:restriction base="dms:Lookup"/>
+      </xsd:simpleType>
+    </xsd:element>
+    <xsd:element name="LocManualTestRequired" ma:index="73" nillable="true" ma:displayName="Loc Manual Test Required" ma:default="" ma:internalName="LocManualTestRequired" ma:readOnly="false">
+      <xsd:simpleType>
+        <xsd:restriction base="dms:Boolean"/>
+      </xsd:simpleType>
+    </xsd:element>
+    <xsd:element name="LocMarketGroupTiers2" ma:index="74" nillable="true" ma:displayName="Loc Market Group Tiers" ma:internalName="LocMarketGroupTiers2" ma:readOnly="false">
+      <xsd:simpleType>
+        <xsd:restriction base="dms:Unknown"/>
+      </xsd:simpleType>
+    </xsd:element>
+    <xsd:element name="LocNewPublishedVersionLookup" ma:index="75" nillable="true" ma:displayName="Loc New Published Version Lookup" ma:default="" ma:list="{7DD1DCEC-E449-43D3-891F-7DC62F62AD21}" ma:internalName="LocNewPublishedVersionLookup" ma:readOnly="true" ma:showField="NewPublishedVersion" ma:web="4873beb7-5857-4685-be1f-d57550cc96cc">
+      <xsd:simpleType>
+        <xsd:restriction base="dms:Lookup"/>
+      </xsd:simpleType>
+    </xsd:element>
+    <xsd:element name="LocOverallHandbackStatusLookup" ma:index="76" nillable="true" ma:displayName="Loc Overall Handback Status" ma:default="" ma:list="{7DD1DCEC-E449-43D3-891F-7DC62F62AD21}" ma:internalName="LocOverallHandbackStatusLookup" ma:readOnly="true" ma:showField="OverallHandbackStatus" ma:web="4873beb7-5857-4685-be1f-d57550cc96cc">
+      <xsd:simpleType>
+        <xsd:restriction base="dms:Lookup"/>
+      </xsd:simpleType>
+    </xsd:element>
+    <xsd:element name="LocOverallLocStatusLookup" ma:index="77" nillable="true" ma:displayName="Loc Overall Localize Status" ma:default="" ma:list="{7DD1DCEC-E449-43D3-891F-7DC62F62AD21}" ma:internalName="LocOverallLocStatusLookup" ma:readOnly="true" ma:showField="OverallLocStatus" ma:web="4873beb7-5857-4685-be1f-d57550cc96cc">
+      <xsd:simpleType>
+        <xsd:restriction base="dms:Lookup"/>
+      </xsd:simpleType>
+    </xsd:element>
+    <xsd:element name="LocOverallPreviewStatusLookup" ma:index="78" nillable="true" ma:displayName="Loc Overall Preview Status" ma:default="" ma:list="{7DD1DCEC-E449-43D3-891F-7DC62F62AD21}" ma:internalName="LocOverallPreviewStatusLookup" ma:readOnly="true" ma:showField="OverallPreviewStatus" ma:web="4873beb7-5857-4685-be1f-d57550cc96cc">
+      <xsd:simpleType>
+        <xsd:restriction base="dms:Lookup"/>
+      </xsd:simpleType>
+    </xsd:element>
+    <xsd:element name="LocOverallPublishStatusLookup" ma:index="79" nillable="true" ma:displayName="Loc Overall Publish Status" ma:default="" ma:list="{7DD1DCEC-E449-43D3-891F-7DC62F62AD21}" ma:internalName="LocOverallPublishStatusLookup" ma:readOnly="true" ma:showField="OverallPublishStatus" ma:web="4873beb7-5857-4685-be1f-d57550cc96cc">
+      <xsd:simpleType>
+        <xsd:restriction base="dms:Lookup"/>
+      </xsd:simpleType>
+    </xsd:element>
+    <xsd:element name="IntlLocPriority" ma:index="80" nillable="true" ma:displayName="Loc Priority" ma:default="" ma:internalName="IntlLocPriority" ma:readOnly="false">
+      <xsd:simpleType>
+        <xsd:restriction base="dms:Unknown"/>
+      </xsd:simpleType>
+    </xsd:element>
+    <xsd:element name="LocProcessedForHandoffsLookup" ma:index="81" nillable="true" ma:displayName="Loc Processed For Handoffs" ma:default="" ma:list="{7DD1DCEC-E449-43D3-891F-7DC62F62AD21}" ma:internalName="LocProcessedForHandoffsLookup" ma:readOnly="true" ma:showField="ProcessedForHandoffs" ma:web="4873beb7-5857-4685-be1f-d57550cc96cc">
+      <xsd:simpleType>
+        <xsd:restriction base="dms:Lookup"/>
+      </xsd:simpleType>
+    </xsd:element>
+    <xsd:element name="LocProcessedForMarketsLookup" ma:index="82" nillable="true" ma:displayName="Loc Processed For Markets" ma:default="" ma:list="{7DD1DCEC-E449-43D3-891F-7DC62F62AD21}" ma:internalName="LocProcessedForMarketsLookup" ma:readOnly="true" ma:showField="ProcessedForMarkets" ma:web="4873beb7-5857-4685-be1f-d57550cc96cc">
+      <xsd:simpleType>
+        <xsd:restriction base="dms:Lookup"/>
+      </xsd:simpleType>
+    </xsd:element>
+    <xsd:element name="LocPublishedDependentAssetsLookup" ma:index="83" nillable="true" ma:displayName="Loc Published Dependent Assets" ma:default="" ma:list="{7DD1DCEC-E449-43D3-891F-7DC62F62AD21}" ma:internalName="LocPublishedDependentAssetsLookup" ma:readOnly="true" ma:showField="PublishedDependentAssets" ma:web="4873beb7-5857-4685-be1f-d57550cc96cc">
+      <xsd:simpleType>
+        <xsd:restriction base="dms:Lookup"/>
+      </xsd:simpleType>
+    </xsd:element>
+    <xsd:element name="LocPublishedLinkedAssetsLookup" ma:index="84" nillable="true" ma:displayName="Loc Published Linked Assets" ma:default="" ma:list="{7DD1DCEC-E449-43D3-891F-7DC62F62AD21}" ma:internalName="LocPublishedLinkedAssetsLookup" ma:readOnly="true" ma:showField="PublishedLinkedAssets" ma:web="4873beb7-5857-4685-be1f-d57550cc96cc">
+      <xsd:simpleType>
+        <xsd:restriction base="dms:Lookup"/>
+      </xsd:simpleType>
+    </xsd:element>
+    <xsd:element name="LocRecommendedHandoff" ma:index="85" nillable="true" ma:displayName="Loc Recommended Handoff" ma:default="" ma:indexed="true" ma:internalName="LocRecommendedHandoff" ma:readOnly="false">
+      <xsd:simpleType>
+        <xsd:restriction base="dms:Text"/>
+      </xsd:simpleType>
+    </xsd:element>
+    <xsd:element name="LocalizationTagsTaxHTField0" ma:index="87" nillable="true" ma:taxonomy="true" ma:internalName="LocalizationTagsTaxHTField0" ma:taxonomyFieldName="LocalizationTags" ma:displayName="Localization Tags" ma:readOnly="false" ma:default="" ma:fieldId="{00f02cb3-2c7c-424a-9c61-10e9b6878429}" ma:taxonomyMulti="true" ma:sspId="8f79753a-75d3-41f5-8ca3-40b843941b4f" ma:termSetId="5b7703a5-8e8b-4b58-8b31-1cea35331da3" ma:anchorId="00000000-0000-0000-0000-000000000000" ma:open="false" ma:isKeyword="false">
+      <xsd:complexType>
+        <xsd:sequence>
+          <xsd:element ref="pc:Terms" minOccurs="0" maxOccurs="1"/>
+        </xsd:sequence>
+      </xsd:complexType>
+    </xsd:element>
+    <xsd:element name="MachineTranslated" ma:index="88" nillable="true" ma:displayName="Machine Translated" ma:default="" ma:internalName="MachineTranslated" ma:readOnly="false">
+      <xsd:simpleType>
+        <xsd:restriction base="dms:Boolean"/>
+      </xsd:simpleType>
+    </xsd:element>
+    <xsd:element name="Manager" ma:index="89" nillable="true" ma:displayName="Manager" ma:hidden="true" ma:internalName="Manager" ma:readOnly="false">
+      <xsd:simpleType>
+        <xsd:restriction base="dms:Text"/>
+      </xsd:simpleType>
+    </xsd:element>
+    <xsd:element name="Markets" ma:index="90" nillable="true" ma:displayName="Markets" ma:default="" ma:description="Leave blank to show in all markets" ma:list="{2FBD1B11-2ACE-4FDC-B5A3-635D4ADF6F1B}" ma:internalName="Markets" ma:readOnly="false" ma:showField="MarketName" ma:web="4873beb7-5857-4685-be1f-d57550cc96cc">
+      <xsd:complexType>
+        <xsd:complexContent>
+          <xsd:extension base="dms:MultiChoiceLookup">
+            <xsd:sequence>
+              <xsd:element name="Value" type="dms:Lookup" maxOccurs="unbounded" minOccurs="0" nillable="true"/>
+            </xsd:sequence>
+          </xsd:extension>
+        </xsd:complexContent>
+      </xsd:complexType>
+    </xsd:element>
+    <xsd:element name="Milestone" ma:index="91" nillable="true" ma:displayName="Milestone" ma:default="" ma:internalName="Milestone" ma:readOnly="false">
+      <xsd:simpleType>
+        <xsd:restriction base="dms:Unknown"/>
+      </xsd:simpleType>
+    </xsd:element>
+    <xsd:element name="TPNamespace" ma:index="94" nillable="true" ma:displayName="Namespace" ma:default="" ma:internalName="TPNamespace">
+      <xsd:simpleType>
+        <xsd:restriction base="dms:Text"/>
+      </xsd:simpleType>
+    </xsd:element>
+    <xsd:element name="NumericId" ma:index="95" nillable="true" ma:displayName="Numeric ID" ma:default="" ma:indexed="true" ma:internalName="NumericId" ma:readOnly="false">
+      <xsd:simpleType>
+        <xsd:restriction base="dms:Number"/>
+      </xsd:simpleType>
+    </xsd:element>
+    <xsd:element name="NumOfRatingsLookup" ma:index="96" nillable="true" ma:displayName="NumOfRatings" ma:default="" ma:list="{9E343742-310B-4684-A24C-1D137CB4B230}" ma:internalName="NumOfRatingsLookup" ma:readOnly="true" ma:showField="NumOfRatings" ma:web="4873beb7-5857-4685-be1f-d57550cc96cc">
+      <xsd:complexType>
+        <xsd:complexContent>
+          <xsd:extension base="dms:MultiChoiceLookup">
+            <xsd:sequence>
+              <xsd:element name="Value" type="dms:Lookup" maxOccurs="unbounded" minOccurs="0" nillable="true"/>
+            </xsd:sequence>
+          </xsd:extension>
+        </xsd:complexContent>
+      </xsd:complexType>
+    </xsd:element>
+    <xsd:element name="OOCacheId" ma:index="97" nillable="true" ma:displayName="OOCacheId" ma:internalName="OOCacheId" ma:readOnly="false">
+      <xsd:simpleType>
+        <xsd:restriction base="dms:Text"/>
+      </xsd:simpleType>
+    </xsd:element>
+    <xsd:element name="OpenTemplate" ma:index="98" nillable="true" ma:displayName="Open Template" ma:default="true" ma:internalName="OpenTemplate">
+      <xsd:simpleType>
+        <xsd:restriction base="dms:Boolean"/>
+      </xsd:simpleType>
+    </xsd:element>
+    <xsd:element name="OriginAsset" ma:index="99" nillable="true" ma:displayName="Origin Asset" ma:default="" ma:internalName="OriginAsset" ma:readOnly="false">
+      <xsd:simpleType>
+        <xsd:restriction base="dms:Text"/>
+      </xsd:simpleType>
+    </xsd:element>
+    <xsd:element name="OriginalRelease" ma:index="100" nillable="true" ma:displayName="Original Release" ma:default="15" ma:internalName="OriginalRelease" ma:readOnly="false">
+      <xsd:simpleType>
+        <xsd:restriction base="dms:Choice">
+          <xsd:enumeration value="14"/>
+          <xsd:enumeration value="15"/>
+          <xsd:enumeration value="16"/>
+        </xsd:restriction>
+      </xsd:simpleType>
+    </xsd:element>
+    <xsd:element name="OriginalSourceMarket" ma:index="101" nillable="true" ma:displayName="Original Source Market Group" ma:default="" ma:internalName="OriginalSourceMarket" ma:readOnly="false">
+      <xsd:simpleType>
+        <xsd:restriction base="dms:Text"/>
+      </xsd:simpleType>
+    </xsd:element>
+    <xsd:element name="OutputCachingOn" ma:index="102" nillable="true" ma:displayName="Output Caching" ma:default="true" ma:hidden="true" ma:internalName="OutputCachingOn" ma:readOnly="false">
+      <xsd:simpleType>
+        <xsd:restriction base="dms:Boolean"/>
+      </xsd:simpleType>
+    </xsd:element>
+    <xsd:element name="ParentAssetId" ma:index="103" nillable="true" ma:displayName="Parent Asset Id" ma:default="" ma:internalName="ParentAssetId" ma:readOnly="false">
+      <xsd:simpleType>
+        <xsd:restriction base="dms:Text"/>
+      </xsd:simpleType>
+    </xsd:element>
+    <xsd:element name="PlannedPubDate" ma:index="104" nillable="true" ma:displayName="Planned Publish Date" ma:default="" ma:indexed="true" ma:internalName="PlannedPubDate" ma:readOnly="false">
+      <xsd:simpleType>
+        <xsd:restriction base="dms:DateTime"/>
+      </xsd:simpleType>
+    </xsd:element>
+    <xsd:element name="PolicheckWords" ma:index="105" nillable="true" ma:displayName="Policheck Words" ma:default="" ma:internalName="PolicheckWords" ma:readOnly="false">
+      <xsd:simpleType>
+        <xsd:restriction base="dms:Text"/>
+      </xsd:simpleType>
+    </xsd:element>
+    <xsd:element name="BusinessGroup" ma:index="106" nillable="true" ma:displayName="Product Division Owner" ma:default="" ma:internalName="BusinessGroup" ma:readOnly="false">
+      <xsd:simpleType>
+        <xsd:restriction base="dms:Unknown"/>
+      </xsd:simpleType>
+    </xsd:element>
+    <xsd:element name="UAProjectedTotalWords" ma:index="107" nillable="true" ma:displayName="Projected Word Count" ma:default="" ma:internalName="UAProjectedTotalWords" ma:readOnly="false">
+      <xsd:simpleType>
+        <xsd:restriction base="dms:Unknown"/>
+      </xsd:simpleType>
+    </xsd:element>
+    <xsd:element name="Provider" ma:index="108" nillable="true" ma:displayName="Provider" ma:default="" ma:internalName="Provider" ma:readOnly="false">
+      <xsd:simpleType>
+        <xsd:restriction base="dms:Unknown"/>
+      </xsd:simpleType>
+    </xsd:element>
+    <xsd:element name="Providers" ma:index="109" nillable="true" ma:displayName="Providers" ma:default="" ma:internalName="Providers">
+      <xsd:simpleType>
+        <xsd:restriction base="dms:Unknown"/>
+      </xsd:simpleType>
+    </xsd:element>
+    <xsd:element name="PublishStatusLookup" ma:index="110" nillable="true" ma:displayName="Publish Status" ma:default="" ma:list="{9E343742-310B-4684-A24C-1D137CB4B230}" ma:internalName="PublishStatusLookup" ma:readOnly="false" ma:showField="PublishStatus" ma:web="4873beb7-5857-4685-be1f-d57550cc96cc">
+      <xsd:complexType>
+        <xsd:complexContent>
+          <xsd:extension base="dms:MultiChoiceLookup">
+            <xsd:sequence>
+              <xsd:element name="Value" type="dms:Lookup" maxOccurs="unbounded" minOccurs="0" nillable="true"/>
+            </xsd:sequence>
+          </xsd:extension>
+        </xsd:complexContent>
+      </xsd:complexType>
+    </xsd:element>
+    <xsd:element name="PublishTargets" ma:index="111" nillable="true" ma:displayName="Publish Target" ma:default="OfficeOnlineVNext" ma:internalName="PublishTargets" ma:readOnly="false">
+      <xsd:simpleType>
+        <xsd:restriction base="dms:Unknown"/>
+      </xsd:simpleType>
+    </xsd:element>
+    <xsd:element name="RecommendationsModifier" ma:index="112" nillable="true" ma:displayName="Recommendations Modifier" ma:default="" ma:internalName="RecommendationsModifier" ma:readOnly="false">
+      <xsd:simpleType>
+        <xsd:restriction base="dms:Number"/>
+      </xsd:simpleType>
+    </xsd:element>
+    <xsd:element name="ArtSampleDocs" ma:index="113" nillable="true" ma:displayName="Sample Docs" ma:default="" ma:hidden="true" ma:internalName="ArtSampleDocs" ma:readOnly="false">
+      <xsd:simpleType>
+        <xsd:restriction base="dms:Text"/>
+      </xsd:simpleType>
+    </xsd:element>
+    <xsd:element name="ScenarioTagsTaxHTField0" ma:index="115" nillable="true" ma:taxonomy="true" ma:internalName="ScenarioTagsTaxHTField0" ma:taxonomyFieldName="ScenarioTags" ma:displayName="Scenarios" ma:readOnly="false" ma:default="" ma:fieldId="{93aef74d-6c78-4815-8310-51477dceeccc}" ma:taxonomyMulti="true" ma:sspId="8f79753a-75d3-41f5-8ca3-40b843941b4f" ma:termSetId="4b7d5f16-e2f2-4fc0-bab3-6e8b931e57d6" ma:anchorId="00000000-0000-0000-0000-000000000000" ma:open="false" ma:isKeyword="false">
+      <xsd:complexType>
+        <xsd:sequence>
+          <xsd:element ref="pc:Terms" minOccurs="0" maxOccurs="1"/>
+        </xsd:sequence>
+      </xsd:complexType>
+    </xsd:element>
+    <xsd:element name="ShowIn" ma:index="117" nillable="true" ma:displayName="Show In" ma:default="Show everywhere" ma:internalName="ShowIn" ma:readOnly="false">
+      <xsd:simpleType>
+        <xsd:restriction base="dms:Choice">
+          <xsd:enumeration value="Hide on web"/>
+          <xsd:enumeration value="On Web no search"/>
+          <xsd:enumeration value="Show everywhere"/>
+          <xsd:enumeration value="Special use only"/>
+        </xsd:restriction>
+      </xsd:simpleType>
+    </xsd:element>
+    <xsd:element name="SourceTitle" ma:index="118" nillable="true" ma:displayName="Source Title" ma:default="" ma:indexed="true" ma:internalName="SourceTitle" ma:readOnly="false">
+      <xsd:simpleType>
+        <xsd:restriction base="dms:Text"/>
+      </xsd:simpleType>
+    </xsd:element>
+    <xsd:element name="CSXSubmissionDate" ma:index="119" nillable="true" ma:displayName="Submission Date" ma:default="" ma:internalName="CSXSubmissionDate" ma:readOnly="false">
+      <xsd:simpleType>
+        <xsd:restriction base="dms:DateTime"/>
+      </xsd:simpleType>
+    </xsd:element>
+    <xsd:element name="SubmitterId" ma:index="120" nillable="true" ma:displayName="Submitter ID" ma:default="" ma:internalName="SubmitterId" ma:readOnly="false">
+      <xsd:simpleType>
+        <xsd:restriction base="dms:Text"/>
+      </xsd:simpleType>
+    </xsd:element>
+    <xsd:element name="TaxCatchAll" ma:index="121" nillable="true" ma:displayName="Taxonomy Catch All Column" ma:hidden="true" ma:list="{530f955b-6704-4601-bd83-f81d87f1e440}" ma:internalName="TaxCatchAll" ma:showField="CatchAllData" ma:web="4873beb7-5857-4685-be1f-d57550cc96cc">
+      <xsd:complexType>
+        <xsd:complexContent>
+          <xsd:extension base="dms:MultiChoiceLookup">
+            <xsd:sequence>
+              <xsd:element name="Value" type="dms:Lookup" maxOccurs="unbounded" minOccurs="0" nillable="true"/>
+            </xsd:sequence>
+          </xsd:extension>
+        </xsd:complexContent>
+      </xsd:complexType>
+    </xsd:element>
+    <xsd:element name="TaxCatchAllLabel" ma:index="122" nillable="true" ma:displayName="Taxonomy Catch All Column1" ma:hidden="true" ma:list="{530f955b-6704-4601-bd83-f81d87f1e440}" ma:internalName="TaxCatchAllLabel" ma:readOnly="true" ma:showField="CatchAllDataLabel" ma:web="4873beb7-5857-4685-be1f-d57550cc96cc">
+      <xsd:complexType>
+        <xsd:complexContent>
+          <xsd:extension base="dms:MultiChoiceLookup">
+            <xsd:sequence>
+              <xsd:element name="Value" type="dms:Lookup" maxOccurs="unbounded" minOccurs="0" nillable="true"/>
+            </xsd:sequence>
+          </xsd:extension>
+        </xsd:complexContent>
+      </xsd:complexType>
+    </xsd:element>
+    <xsd:element name="TemplateStatus" ma:index="123" nillable="true" ma:displayName="Template Status" ma:default="" ma:internalName="TemplateStatus">
+      <xsd:simpleType>
+        <xsd:restriction base="dms:Unknown"/>
+      </xsd:simpleType>
+    </xsd:element>
+    <xsd:element name="TemplateTemplateType" ma:index="124" nillable="true" ma:displayName="Template Type" ma:default="" ma:internalName="TemplateTemplateType">
+      <xsd:simpleType>
+        <xsd:restriction base="dms:Unknown"/>
+      </xsd:simpleType>
+    </xsd:element>
+    <xsd:element name="ThumbnailAssetId" ma:index="125" nillable="true" ma:displayName="Thumbnail Image Asset" ma:default="" ma:internalName="ThumbnailAssetId" ma:readOnly="false">
+      <xsd:simpleType>
+        <xsd:restriction base="dms:Text"/>
+      </xsd:simpleType>
+    </xsd:element>
+    <xsd:element name="TimesCloned" ma:index="126" nillable="true" ma:displayName="Times Cloned" ma:default="" ma:internalName="TimesCloned" ma:readOnly="false">
+      <xsd:simpleType>
+        <xsd:restriction base="dms:Number"/>
+      </xsd:simpleType>
+    </xsd:element>
+    <xsd:element name="TrustLevel" ma:index="128" nillable="true" ma:displayName="Trust Level" ma:default="1 Microsoft Managed Content" ma:internalName="TrustLevel" ma:readOnly="false">
+      <xsd:simpleType>
+        <xsd:restriction base="dms:Unknown"/>
+      </xsd:simpleType>
+    </xsd:element>
+    <xsd:element name="UALocComments" ma:index="129" nillable="true" ma:displayName="UA Loc Comments" ma:default="" ma:internalName="UALocComments" ma:readOnly="false">
+      <xsd:simpleType>
+        <xsd:restriction base="dms:Note"/>
+      </xsd:simpleType>
+    </xsd:element>
+    <xsd:element name="UALocRecommendation" ma:index="130" nillable="true" ma:displayName="UA Loc Recommendation" ma:default="Localize" ma:internalName="UALocRecommendation" ma:readOnly="false">
+      <xsd:simpleType>
+        <xsd:restriction base="dms:Choice">
+          <xsd:enumeration value="Localize"/>
+          <xsd:enumeration value="Never Localize"/>
+          <xsd:enumeration value="Priority Localize"/>
+        </xsd:restriction>
+      </xsd:simpleType>
+    </xsd:element>
+    <xsd:element name="UANotes" ma:index="131" nillable="true" ma:displayName="UA Notes" ma:default="" ma:internalName="UANotes" ma:readOnly="false">
+      <xsd:simpleType>
+        <xsd:restriction base="dms:Note"/>
+      </xsd:simpleType>
+    </xsd:element>
+    <xsd:element name="TPAppVersion" ma:index="132" nillable="true" ma:displayName="Version" ma:default="" ma:internalName="TPAppVersion">
+      <xsd:simpleType>
+        <xsd:restriction base="dms:Text"/>
+      </xsd:simpleType>
+    </xsd:element>
+    <xsd:element name="VoteCount" ma:index="133" nillable="true" ma:displayName="Vote Count" ma:default="" ma:internalName="VoteCount" ma:readOnly="false">
+      <xsd:simpleType>
+        <xsd:restriction base="dms:Unknown"/>
+      </xsd:simpleType>
+    </xsd:element>
+  </xsd:schema>
+  <xsd:schema xmlns="http://schemas.openxmlformats.org/package/2006/metadata/core-properties" xmlns:xsd="http://www.w3.org/2001/XMLSchema" xmlns:xsi="http://www.w3.org/2001/XMLSchema-instance" xmlns:dc="http://purl.org/dc/elements/1.1/" xmlns:dcterms="http://purl.org/dc/terms/" xmlns:odoc="http://schemas.microsoft.com/internal/obd" targetNamespace="http://schemas.openxmlformats.org/package/2006/metadata/core-properties" elementFormDefault="qualified" attributeFormDefault="unqualified" blockDefault="#all">
+    <xsd:import namespace="http://purl.org/dc/elements/1.1/" schemaLocation="http://dublincore.org/schemas/xmls/qdc/2003/04/02/dc.xsd"/>
+    <xsd:import namespace="http://purl.org/dc/terms/" schemaLocation="http://dublincore.org/schemas/xmls/qdc/2003/04/02/dcterms.xsd"/>
+    <xsd:element name="coreProperties" type="CT_coreProperties"/>
+    <xsd:complexType name="CT_coreProperties">
+      <xsd:all>
+        <xsd:element ref="dc:creator" minOccurs="0" maxOccurs="1"/>
+        <xsd:element ref="dcterms:created" minOccurs="0" maxOccurs="1"/>
+        <xsd:element ref="dc:identifier" minOccurs="0" maxOccurs="1"/>
+        <xsd:element name="contentType" minOccurs="0" maxOccurs="1" type="xsd:string" ma:index="22" ma:displayName="Content Type"/>
+        <xsd:element ref="dc:title" minOccurs="0" maxOccurs="1" ma:index="127" ma:displayName="Title"/>
+        <xsd:element ref="dc:subject" minOccurs="0" maxOccurs="1"/>
+        <xsd:element ref="dc:description" minOccurs="0" maxOccurs="1"/>
+        <xsd:element name="keywords" minOccurs="0" maxOccurs="1" type="xsd:string"/>
+        <xsd:element ref="dc:language" minOccurs="0" maxOccurs="1"/>
+        <xsd:element name="category" minOccurs="0" maxOccurs="1" type="xsd:string"/>
+        <xsd:element name="version" minOccurs="0" maxOccurs="1" type="xsd:string"/>
+        <xsd:element name="revision" minOccurs="0" maxOccurs="1" type="xsd:string">
+          <xsd:annotation>
+            <xsd:documentation>
+                        This value indicates the number of saves or revisions. The application is responsible for updating this value after each revision.
+                    </xsd:documentation>
+          </xsd:annotation>
+        </xsd:element>
+        <xsd:element name="lastModifiedBy" minOccurs="0" maxOccurs="1" type="xsd:string"/>
+        <xsd:element ref="dcterms:modified" minOccurs="0" maxOccurs="1"/>
+        <xsd:element name="contentStatus" minOccurs="0" maxOccurs="1" type="xsd:string"/>
+      </xsd:all>
+    </xsd:complexType>
+  </xsd:schema>
+  <xs:schema xmlns:pc="http://schemas.microsoft.com/office/infopath/2007/PartnerControls" xmlns:xs="http://www.w3.org/2001/XMLSchema" targetNamespace="http://schemas.microsoft.com/office/infopath/2007/PartnerControls" elementFormDefault="qualified" attributeFormDefault="unqualified">
+    <xs:element name="Person">
+      <xs:complexType>
+        <xs:sequence>
+          <xs:element ref="pc:DisplayName" minOccurs="0"/>
+          <xs:element ref="pc:AccountId" minOccurs="0"/>
+          <xs:element ref="pc:AccountType" minOccurs="0"/>
+        </xs:sequence>
+      </xs:complexType>
+    </xs:element>
+    <xs:element name="DisplayName" type="xs:string"/>
+    <xs:element name="AccountId" type="xs:string"/>
+    <xs:element name="AccountType" type="xs:string"/>
+    <xs:element name="BDCAssociatedEntity">
+      <xs:complexType>
+        <xs:sequence>
+          <xs:element ref="pc:BDCEntity" minOccurs="0" maxOccurs="unbounded"/>
+        </xs:sequence>
+        <xs:attribute ref="pc:EntityNamespace"/>
+        <xs:attribute ref="pc:EntityName"/>
+        <xs:attribute ref="pc:SystemInstanceName"/>
+        <xs:attribute ref="pc:AssociationName"/>
+      </xs:complexType>
+    </xs:element>
+    <xs:attribute name="EntityNamespace" type="xs:string"/>
+    <xs:attribute name="EntityName" type="xs:string"/>
+    <xs:attribute name="SystemInstanceName" type="xs:string"/>
+    <xs:attribute name="AssociationName" type="xs:string"/>
+    <xs:element name="BDCEntity">
+      <xs:complexType>
+        <xs:sequence>
+          <xs:element ref="pc:EntityDisplayName" minOccurs="0"/>
+          <xs:element ref="pc:EntityInstanceReference" minOccurs="0"/>
+          <xs:element ref="pc:EntityId1" minOccurs="0"/>
+          <xs:element ref="pc:EntityId2" minOccurs="0"/>
+          <xs:element ref="pc:EntityId3" minOccurs="0"/>
+          <xs:element ref="pc:EntityId4" minOccurs="0"/>
+          <xs:element ref="pc:EntityId5" minOccurs="0"/>
+        </xs:sequence>
+      </xs:complexType>
+    </xs:element>
+    <xs:element name="EntityDisplayName" type="xs:string"/>
+    <xs:element name="EntityInstanceReference" type="xs:string"/>
+    <xs:element name="EntityId1" type="xs:string"/>
+    <xs:element name="EntityId2" type="xs:string"/>
+    <xs:element name="EntityId3" type="xs:string"/>
+    <xs:element name="EntityId4" type="xs:string"/>
+    <xs:element name="EntityId5" type="xs:string"/>
+    <xs:element name="Terms">
+      <xs:complexType>
+        <xs:sequence>
+          <xs:element ref="pc:TermInfo" minOccurs="0" maxOccurs="unbounded"/>
+        </xs:sequence>
+      </xs:complexType>
+    </xs:element>
+    <xs:element name="TermInfo">
+      <xs:complexType>
+        <xs:sequence>
+          <xs:element ref="pc:TermName" minOccurs="0"/>
+          <xs:element ref="pc:TermId" minOccurs="0"/>
+        </xs:sequence>
+      </xs:complexType>
+    </xs:element>
+    <xs:element name="TermName" type="xs:string"/>
+    <xs:element name="TermId" type="xs:string"/>
+  </xs:schema>
+</ct:contentTypeSchema>
 </file>
 
 <file path=customXml/item2.xml><?xml version="1.0" encoding="utf-8"?>
@@ -9143,1049 +11501,28 @@
 </file>
 
 <file path=customXml/item3.xml><?xml version="1.0" encoding="utf-8"?>
-<ct:contentTypeSchema xmlns:ct="http://schemas.microsoft.com/office/2006/metadata/contentType" xmlns:ma="http://schemas.microsoft.com/office/2006/metadata/properties/metaAttributes" ct:_="" ma:_="" ma:contentTypeName="TemplateFile" ma:contentTypeID="0x0101006EDDDB5EE6D98C44930B742096920B300400F5B6D36B3EF94B4E9A635CDF2A18F5B8" ma:contentTypeVersion="72" ma:contentTypeDescription="Create a new document." ma:contentTypeScope="" ma:versionID="a23e56308344d904b51738559c3d67c9">
-  <xsd:schema xmlns:xsd="http://www.w3.org/2001/XMLSchema" xmlns:xs="http://www.w3.org/2001/XMLSchema" xmlns:p="http://schemas.microsoft.com/office/2006/metadata/properties" xmlns:ns2="4873beb7-5857-4685-be1f-d57550cc96cc" targetNamespace="http://schemas.microsoft.com/office/2006/metadata/properties" ma:root="true" ma:fieldsID="cd0908cc4600e77bf5da051303e00c8d" ns2:_="">
-    <xsd:import namespace="4873beb7-5857-4685-be1f-d57550cc96cc"/>
-    <xsd:element name="properties">
-      <xsd:complexType>
-        <xsd:sequence>
-          <xsd:element name="documentManagement">
-            <xsd:complexType>
-              <xsd:all>
-                <xsd:element ref="ns2:AcquiredFrom" minOccurs="0"/>
-                <xsd:element ref="ns2:UACurrentWords" minOccurs="0"/>
-                <xsd:element ref="ns2:TPApplication" minOccurs="0"/>
-                <xsd:element ref="ns2:ApprovalLog" minOccurs="0"/>
-                <xsd:element ref="ns2:ApprovalStatus" minOccurs="0"/>
-                <xsd:element ref="ns2:AssetStart" minOccurs="0"/>
-                <xsd:element ref="ns2:AssetExpire" minOccurs="0"/>
-                <xsd:element ref="ns2:AssetId" minOccurs="0"/>
-                <xsd:element ref="ns2:IsSearchable" minOccurs="0"/>
-                <xsd:element ref="ns2:AssetType" minOccurs="0"/>
-                <xsd:element ref="ns2:APAuthor" minOccurs="0"/>
-                <xsd:element ref="ns2:AverageRating" minOccurs="0"/>
-                <xsd:element ref="ns2:BlockPublish" minOccurs="0"/>
-                <xsd:element ref="ns2:BugNumber" minOccurs="0"/>
-                <xsd:element ref="ns2:CampaignTagsTaxHTField0" minOccurs="0"/>
-                <xsd:element ref="ns2:TPClientViewer" minOccurs="0"/>
-                <xsd:element ref="ns2:ClipArtFilename" minOccurs="0"/>
-                <xsd:element ref="ns2:TPCommandLine" minOccurs="0"/>
-                <xsd:element ref="ns2:TPComponent" minOccurs="0"/>
-                <xsd:element ref="ns2:ContentItem" minOccurs="0"/>
-                <xsd:element ref="ns2:CrawlForDependencies" minOccurs="0"/>
-                <xsd:element ref="ns2:CSXHash" minOccurs="0"/>
-                <xsd:element ref="ns2:CSXSubmissionMarket" minOccurs="0"/>
-                <xsd:element ref="ns2:CSXUpdate" minOccurs="0"/>
-                <xsd:element ref="ns2:IntlLangReviewDate" minOccurs="0"/>
-                <xsd:element ref="ns2:IsDeleted" minOccurs="0"/>
-                <xsd:element ref="ns2:APDescription" minOccurs="0"/>
-                <xsd:element ref="ns2:DirectSourceMarket" minOccurs="0"/>
-                <xsd:element ref="ns2:Downloads" minOccurs="0"/>
-                <xsd:element ref="ns2:DSATActionTaken" minOccurs="0"/>
-                <xsd:element ref="ns2:APEditor" minOccurs="0"/>
-                <xsd:element ref="ns2:EditorialStatus" minOccurs="0"/>
-                <xsd:element ref="ns2:EditorialTags" minOccurs="0"/>
-                <xsd:element ref="ns2:TPExecutable" minOccurs="0"/>
-                <xsd:element ref="ns2:FeatureTagsTaxHTField0" minOccurs="0"/>
-                <xsd:element ref="ns2:TPFriendlyName" minOccurs="0"/>
-                <xsd:element ref="ns2:FriendlyTitle" minOccurs="0"/>
-                <xsd:element ref="ns2:PrimaryImageGen" minOccurs="0"/>
-                <xsd:element ref="ns2:HandoffToMSDN" minOccurs="0"/>
-                <xsd:element ref="ns2:InProjectListLookup" minOccurs="0"/>
-                <xsd:element ref="ns2:TPInstallLocation" minOccurs="0"/>
-                <xsd:element ref="ns2:InternalTagsTaxHTField0" minOccurs="0"/>
-                <xsd:element ref="ns2:IntlLangReview" minOccurs="0"/>
-                <xsd:element ref="ns2:IntlLangReviewer" minOccurs="0"/>
-                <xsd:element ref="ns2:MarketSpecific" minOccurs="0"/>
-                <xsd:element ref="ns2:LastCompleteVersionLookup" minOccurs="0"/>
-                <xsd:element ref="ns2:LastHandOff" minOccurs="0"/>
-                <xsd:element ref="ns2:LastModifiedDateTime" minOccurs="0"/>
-                <xsd:element ref="ns2:LastPreviewErrorLookup" minOccurs="0"/>
-                <xsd:element ref="ns2:LastPreviewResultLookup" minOccurs="0"/>
-                <xsd:element ref="ns2:LastPreviewAttemptDateLookup" minOccurs="0"/>
-                <xsd:element ref="ns2:LastPreviewedByLookup" minOccurs="0"/>
-                <xsd:element ref="ns2:LastPreviewTimeLookup" minOccurs="0"/>
-                <xsd:element ref="ns2:LastPreviewVersionLookup" minOccurs="0"/>
-                <xsd:element ref="ns2:LastPublishErrorLookup" minOccurs="0"/>
-                <xsd:element ref="ns2:LastPublishResultLookup" minOccurs="0"/>
-                <xsd:element ref="ns2:LastPublishAttemptDateLookup" minOccurs="0"/>
-                <xsd:element ref="ns2:LastPublishedByLookup" minOccurs="0"/>
-                <xsd:element ref="ns2:LastPublishTimeLookup" minOccurs="0"/>
-                <xsd:element ref="ns2:LastPublishVersionLookup" minOccurs="0"/>
-                <xsd:element ref="ns2:TPLaunchHelpLinkType" minOccurs="0"/>
-                <xsd:element ref="ns2:LegacyData" minOccurs="0"/>
-                <xsd:element ref="ns2:TPLaunchHelpLink" minOccurs="0"/>
-                <xsd:element ref="ns2:LocComments" minOccurs="0"/>
-                <xsd:element ref="ns2:LocLastLocAttemptVersionLookup" minOccurs="0"/>
-                <xsd:element ref="ns2:LocLastLocAttemptVersionTypeLookup" minOccurs="0"/>
-                <xsd:element ref="ns2:LocManualTestRequired" minOccurs="0"/>
-                <xsd:element ref="ns2:LocMarketGroupTiers2" minOccurs="0"/>
-                <xsd:element ref="ns2:LocNewPublishedVersionLookup" minOccurs="0"/>
-                <xsd:element ref="ns2:LocOverallHandbackStatusLookup" minOccurs="0"/>
-                <xsd:element ref="ns2:LocOverallLocStatusLookup" minOccurs="0"/>
-                <xsd:element ref="ns2:LocOverallPreviewStatusLookup" minOccurs="0"/>
-                <xsd:element ref="ns2:LocOverallPublishStatusLookup" minOccurs="0"/>
-                <xsd:element ref="ns2:IntlLocPriority" minOccurs="0"/>
-                <xsd:element ref="ns2:LocProcessedForHandoffsLookup" minOccurs="0"/>
-                <xsd:element ref="ns2:LocProcessedForMarketsLookup" minOccurs="0"/>
-                <xsd:element ref="ns2:LocPublishedDependentAssetsLookup" minOccurs="0"/>
-                <xsd:element ref="ns2:LocPublishedLinkedAssetsLookup" minOccurs="0"/>
-                <xsd:element ref="ns2:LocRecommendedHandoff" minOccurs="0"/>
-                <xsd:element ref="ns2:LocalizationTagsTaxHTField0" minOccurs="0"/>
-                <xsd:element ref="ns2:MachineTranslated" minOccurs="0"/>
-                <xsd:element ref="ns2:Manager" minOccurs="0"/>
-                <xsd:element ref="ns2:Markets" minOccurs="0"/>
-                <xsd:element ref="ns2:Milestone" minOccurs="0"/>
-                <xsd:element ref="ns2:TPNamespace" minOccurs="0"/>
-                <xsd:element ref="ns2:NumericId" minOccurs="0"/>
-                <xsd:element ref="ns2:NumOfRatingsLookup" minOccurs="0"/>
-                <xsd:element ref="ns2:OOCacheId" minOccurs="0"/>
-                <xsd:element ref="ns2:OpenTemplate" minOccurs="0"/>
-                <xsd:element ref="ns2:OriginAsset" minOccurs="0"/>
-                <xsd:element ref="ns2:OriginalRelease" minOccurs="0"/>
-                <xsd:element ref="ns2:OriginalSourceMarket" minOccurs="0"/>
-                <xsd:element ref="ns2:OutputCachingOn" minOccurs="0"/>
-                <xsd:element ref="ns2:ParentAssetId" minOccurs="0"/>
-                <xsd:element ref="ns2:PlannedPubDate" minOccurs="0"/>
-                <xsd:element ref="ns2:PolicheckWords" minOccurs="0"/>
-                <xsd:element ref="ns2:BusinessGroup" minOccurs="0"/>
-                <xsd:element ref="ns2:UAProjectedTotalWords" minOccurs="0"/>
-                <xsd:element ref="ns2:Provider" minOccurs="0"/>
-                <xsd:element ref="ns2:Providers" minOccurs="0"/>
-                <xsd:element ref="ns2:PublishStatusLookup" minOccurs="0"/>
-                <xsd:element ref="ns2:PublishTargets" minOccurs="0"/>
-                <xsd:element ref="ns2:RecommendationsModifier" minOccurs="0"/>
-                <xsd:element ref="ns2:ArtSampleDocs" minOccurs="0"/>
-                <xsd:element ref="ns2:ScenarioTagsTaxHTField0" minOccurs="0"/>
-                <xsd:element ref="ns2:ShowIn" minOccurs="0"/>
-                <xsd:element ref="ns2:SourceTitle" minOccurs="0"/>
-                <xsd:element ref="ns2:CSXSubmissionDate" minOccurs="0"/>
-                <xsd:element ref="ns2:SubmitterId" minOccurs="0"/>
-                <xsd:element ref="ns2:TaxCatchAll" minOccurs="0"/>
-                <xsd:element ref="ns2:TaxCatchAllLabel" minOccurs="0"/>
-                <xsd:element ref="ns2:TemplateStatus" minOccurs="0"/>
-                <xsd:element ref="ns2:TemplateTemplateType" minOccurs="0"/>
-                <xsd:element ref="ns2:ThumbnailAssetId" minOccurs="0"/>
-                <xsd:element ref="ns2:TimesCloned" minOccurs="0"/>
-                <xsd:element ref="ns2:TrustLevel" minOccurs="0"/>
-                <xsd:element ref="ns2:UALocComments" minOccurs="0"/>
-                <xsd:element ref="ns2:UALocRecommendation" minOccurs="0"/>
-                <xsd:element ref="ns2:UANotes" minOccurs="0"/>
-                <xsd:element ref="ns2:TPAppVersion" minOccurs="0"/>
-                <xsd:element ref="ns2:VoteCount" minOccurs="0"/>
-              </xsd:all>
-            </xsd:complexType>
-          </xsd:element>
-        </xsd:sequence>
-      </xsd:complexType>
-    </xsd:element>
-  </xsd:schema>
-  <xsd:schema xmlns:xsd="http://www.w3.org/2001/XMLSchema" xmlns:xs="http://www.w3.org/2001/XMLSchema" xmlns:dms="http://schemas.microsoft.com/office/2006/documentManagement/types" xmlns:pc="http://schemas.microsoft.com/office/infopath/2007/PartnerControls" targetNamespace="4873beb7-5857-4685-be1f-d57550cc96cc" elementFormDefault="qualified">
-    <xsd:import namespace="http://schemas.microsoft.com/office/2006/documentManagement/types"/>
-    <xsd:import namespace="http://schemas.microsoft.com/office/infopath/2007/PartnerControls"/>
-    <xsd:element name="AcquiredFrom" ma:index="1" nillable="true" ma:displayName="Acquired From" ma:default="Internal MS" ma:internalName="AcquiredFrom" ma:readOnly="false">
-      <xsd:simpleType>
-        <xsd:restriction base="dms:Choice">
-          <xsd:enumeration value="Internal MS"/>
-          <xsd:enumeration value="Community"/>
-          <xsd:enumeration value="MVP"/>
-          <xsd:enumeration value="Publisher"/>
-          <xsd:enumeration value="Partner"/>
-          <xsd:enumeration value="None"/>
-        </xsd:restriction>
-      </xsd:simpleType>
-    </xsd:element>
-    <xsd:element name="UACurrentWords" ma:index="2" nillable="true" ma:displayName="Actual Word Count" ma:default="" ma:internalName="UACurrentWords" ma:readOnly="false">
-      <xsd:simpleType>
-        <xsd:restriction base="dms:Unknown"/>
-      </xsd:simpleType>
-    </xsd:element>
-    <xsd:element name="TPApplication" ma:index="3" nillable="true" ma:displayName="Application to Open Template With" ma:default="" ma:internalName="TPApplication">
-      <xsd:simpleType>
-        <xsd:restriction base="dms:Text"/>
-      </xsd:simpleType>
-    </xsd:element>
-    <xsd:element name="ApprovalLog" ma:index="4" nillable="true" ma:displayName="Approval Log" ma:default="" ma:hidden="true" ma:internalName="ApprovalLog" ma:readOnly="false">
-      <xsd:simpleType>
-        <xsd:restriction base="dms:Note"/>
-      </xsd:simpleType>
-    </xsd:element>
-    <xsd:element name="ApprovalStatus" ma:index="5" nillable="true" ma:displayName="Approval Status" ma:default="InProgress" ma:internalName="ApprovalStatus" ma:readOnly="false">
-      <xsd:simpleType>
-        <xsd:restriction base="dms:Choice">
-          <xsd:enumeration value="InProgress"/>
-          <xsd:enumeration value="Rejected"/>
-          <xsd:enumeration value="Questionable"/>
-          <xsd:enumeration value="ApprovedAutomatic"/>
-          <xsd:enumeration value="ApprovedManual"/>
-          <xsd:enumeration value="On Hold"/>
-          <xsd:enumeration value="Needs Review"/>
-          <xsd:enumeration value="A Violation"/>
-          <xsd:enumeration value="Unpublished Violation"/>
-        </xsd:restriction>
-      </xsd:simpleType>
-    </xsd:element>
-    <xsd:element name="AssetStart" ma:index="6" nillable="true" ma:displayName="Asset Begin Date" ma:default="[Today]" ma:internalName="AssetStart" ma:readOnly="false">
-      <xsd:simpleType>
-        <xsd:restriction base="dms:DateTime"/>
-      </xsd:simpleType>
-    </xsd:element>
-    <xsd:element name="AssetExpire" ma:index="7" nillable="true" ma:displayName="Asset End Date" ma:default="2029-01-01T08:00:00Z" ma:format="DateTime" ma:internalName="AssetExpire" ma:readOnly="false">
-      <xsd:simpleType>
-        <xsd:restriction base="dms:DateTime"/>
-      </xsd:simpleType>
-    </xsd:element>
-    <xsd:element name="AssetId" ma:index="8" nillable="true" ma:displayName="Asset ID" ma:default="" ma:indexed="true" ma:internalName="AssetId" ma:readOnly="false">
-      <xsd:simpleType>
-        <xsd:restriction base="dms:Text">
-          <xsd:maxLength value="255"/>
-        </xsd:restriction>
-      </xsd:simpleType>
-    </xsd:element>
-    <xsd:element name="IsSearchable" ma:index="9" nillable="true" ma:displayName="Asset Searchable?" ma:default="true" ma:internalName="IsSearchable" ma:readOnly="false">
-      <xsd:simpleType>
-        <xsd:restriction base="dms:Boolean"/>
-      </xsd:simpleType>
-    </xsd:element>
-    <xsd:element name="AssetType" ma:index="10" nillable="true" ma:displayName="Asset Type" ma:default="" ma:internalName="AssetType" ma:readOnly="false">
-      <xsd:simpleType>
-        <xsd:restriction base="dms:Unknown"/>
-      </xsd:simpleType>
-    </xsd:element>
-    <xsd:element name="APAuthor" ma:index="11" nillable="true" ma:displayName="Author" ma:default="" ma:list="UserInfo" ma:internalName="APAuthor" ma:readOnly="false">
-      <xsd:complexType>
-        <xsd:complexContent>
-          <xsd:extension base="dms:User">
-            <xsd:sequence>
-              <xsd:element name="UserInfo" minOccurs="0" maxOccurs="unbounded">
-                <xsd:complexType>
-                  <xsd:sequence>
-                    <xsd:element name="DisplayName" type="xsd:string" minOccurs="0"/>
-                    <xsd:element name="AccountId" type="dms:UserId" minOccurs="0" nillable="true"/>
-                    <xsd:element name="AccountType" type="xsd:string" minOccurs="0"/>
-                  </xsd:sequence>
-                </xsd:complexType>
-              </xsd:element>
-            </xsd:sequence>
-          </xsd:extension>
-        </xsd:complexContent>
-      </xsd:complexType>
-    </xsd:element>
-    <xsd:element name="AverageRating" ma:index="12" nillable="true" ma:displayName="Average Rating" ma:internalName="AverageRating" ma:readOnly="false">
-      <xsd:simpleType>
-        <xsd:restriction base="dms:Text"/>
-      </xsd:simpleType>
-    </xsd:element>
-    <xsd:element name="BlockPublish" ma:index="13" nillable="true" ma:displayName="Block from Publishing?" ma:default="" ma:internalName="BlockPublish" ma:readOnly="false">
-      <xsd:simpleType>
-        <xsd:restriction base="dms:Boolean"/>
-      </xsd:simpleType>
-    </xsd:element>
-    <xsd:element name="BugNumber" ma:index="14" nillable="true" ma:displayName="Bug Number" ma:default="" ma:internalName="BugNumber" ma:readOnly="false">
-      <xsd:simpleType>
-        <xsd:restriction base="dms:Text"/>
-      </xsd:simpleType>
-    </xsd:element>
-    <xsd:element name="CampaignTagsTaxHTField0" ma:index="16" nillable="true" ma:taxonomy="true" ma:internalName="CampaignTagsTaxHTField0" ma:taxonomyFieldName="CampaignTags" ma:displayName="Campaigns" ma:readOnly="false" ma:default="" ma:fieldId="{1df42cc3-2301-4f11-a52a-6ead923c29ed}" ma:taxonomyMulti="true" ma:sspId="8f79753a-75d3-41f5-8ca3-40b843941b4f" ma:termSetId="ca0e50d4-faa1-44ce-961e-bb1441c60e66" ma:anchorId="00000000-0000-0000-0000-000000000000" ma:open="false" ma:isKeyword="false">
-      <xsd:complexType>
-        <xsd:sequence>
-          <xsd:element ref="pc:Terms" minOccurs="0" maxOccurs="1"/>
-        </xsd:sequence>
-      </xsd:complexType>
-    </xsd:element>
-    <xsd:element name="TPClientViewer" ma:index="17" nillable="true" ma:displayName="Client Viewer" ma:default="" ma:internalName="TPClientViewer">
-      <xsd:simpleType>
-        <xsd:restriction base="dms:Text"/>
-      </xsd:simpleType>
-    </xsd:element>
-    <xsd:element name="ClipArtFilename" ma:index="18" nillable="true" ma:displayName="Clip Art Name" ma:default="" ma:internalName="ClipArtFilename" ma:readOnly="false">
-      <xsd:simpleType>
-        <xsd:restriction base="dms:Text"/>
-      </xsd:simpleType>
-    </xsd:element>
-    <xsd:element name="TPCommandLine" ma:index="19" nillable="true" ma:displayName="Command Line" ma:default="" ma:internalName="TPCommandLine">
-      <xsd:simpleType>
-        <xsd:restriction base="dms:Text"/>
-      </xsd:simpleType>
-    </xsd:element>
-    <xsd:element name="TPComponent" ma:index="20" nillable="true" ma:displayName="Component" ma:default="" ma:internalName="TPComponent">
-      <xsd:simpleType>
-        <xsd:restriction base="dms:Text"/>
-      </xsd:simpleType>
-    </xsd:element>
-    <xsd:element name="ContentItem" ma:index="21" nillable="true" ma:displayName="Content Item" ma:default="" ma:hidden="true" ma:internalName="ContentItem" ma:readOnly="false">
-      <xsd:simpleType>
-        <xsd:restriction base="dms:Unknown"/>
-      </xsd:simpleType>
-    </xsd:element>
-    <xsd:element name="CrawlForDependencies" ma:index="23" nillable="true" ma:displayName="Crawl for Dependencies?" ma:default="true" ma:internalName="CrawlForDependencies" ma:readOnly="false">
-      <xsd:simpleType>
-        <xsd:restriction base="dms:Boolean"/>
-      </xsd:simpleType>
-    </xsd:element>
-    <xsd:element name="CSXHash" ma:index="26" nillable="true" ma:displayName="CSX Hash" ma:default="" ma:indexed="true" ma:internalName="CSXHash" ma:readOnly="false">
-      <xsd:simpleType>
-        <xsd:restriction base="dms:Text"/>
-      </xsd:simpleType>
-    </xsd:element>
-    <xsd:element name="CSXSubmissionMarket" ma:index="27" nillable="true" ma:displayName="CSX Submission Market" ma:default="" ma:list="{2FBD1B11-2ACE-4FDC-B5A3-635D4ADF6F1B}" ma:internalName="CSXSubmissionMarket" ma:readOnly="false" ma:showField="MarketName" ma:web="4873beb7-5857-4685-be1f-d57550cc96cc">
-      <xsd:simpleType>
-        <xsd:restriction base="dms:Lookup"/>
-      </xsd:simpleType>
-    </xsd:element>
-    <xsd:element name="CSXUpdate" ma:index="28" nillable="true" ma:displayName="CSX Updated?" ma:default="false" ma:internalName="CSXUpdate" ma:readOnly="false">
-      <xsd:simpleType>
-        <xsd:restriction base="dms:Boolean"/>
-      </xsd:simpleType>
-    </xsd:element>
-    <xsd:element name="IntlLangReviewDate" ma:index="29" nillable="true" ma:displayName="Date to Complete Intl QA" ma:default="" ma:internalName="IntlLangReviewDate" ma:readOnly="false">
-      <xsd:simpleType>
-        <xsd:restriction base="dms:DateTime"/>
-      </xsd:simpleType>
-    </xsd:element>
-    <xsd:element name="IsDeleted" ma:index="30" nillable="true" ma:displayName="Deleted?" ma:default="" ma:internalName="IsDeleted" ma:readOnly="false">
-      <xsd:simpleType>
-        <xsd:restriction base="dms:Boolean"/>
-      </xsd:simpleType>
-    </xsd:element>
-    <xsd:element name="APDescription" ma:index="31" nillable="true" ma:displayName="Description" ma:default="" ma:internalName="APDescription" ma:readOnly="false">
-      <xsd:simpleType>
-        <xsd:restriction base="dms:Note"/>
-      </xsd:simpleType>
-    </xsd:element>
-    <xsd:element name="DirectSourceMarket" ma:index="32" nillable="true" ma:displayName="Direct Source Market Group" ma:default="" ma:internalName="DirectSourceMarket" ma:readOnly="false">
-      <xsd:simpleType>
-        <xsd:restriction base="dms:Text"/>
-      </xsd:simpleType>
-    </xsd:element>
-    <xsd:element name="Downloads" ma:index="33" nillable="true" ma:displayName="Downloads" ma:default="0" ma:hidden="true" ma:internalName="Downloads" ma:readOnly="false">
-      <xsd:simpleType>
-        <xsd:restriction base="dms:Unknown"/>
-      </xsd:simpleType>
-    </xsd:element>
-    <xsd:element name="DSATActionTaken" ma:index="34" nillable="true" ma:displayName="DSAT Action Taken" ma:default="" ma:internalName="DSATActionTaken" ma:readOnly="false">
-      <xsd:simpleType>
-        <xsd:restriction base="dms:Choice">
-          <xsd:enumeration value="Best Bets"/>
-          <xsd:enumeration value="Expire"/>
-          <xsd:enumeration value="Hide"/>
-          <xsd:enumeration value="None"/>
-        </xsd:restriction>
-      </xsd:simpleType>
-    </xsd:element>
-    <xsd:element name="APEditor" ma:index="35" nillable="true" ma:displayName="Editor" ma:default="" ma:list="UserInfo" ma:internalName="APEditor" ma:readOnly="false">
-      <xsd:complexType>
-        <xsd:complexContent>
-          <xsd:extension base="dms:User">
-            <xsd:sequence>
-              <xsd:element name="UserInfo" minOccurs="0" maxOccurs="unbounded">
-                <xsd:complexType>
-                  <xsd:sequence>
-                    <xsd:element name="DisplayName" type="xsd:string" minOccurs="0"/>
-                    <xsd:element name="AccountId" type="dms:UserId" minOccurs="0" nillable="true"/>
-                    <xsd:element name="AccountType" type="xsd:string" minOccurs="0"/>
-                  </xsd:sequence>
-                </xsd:complexType>
-              </xsd:element>
-            </xsd:sequence>
-          </xsd:extension>
-        </xsd:complexContent>
-      </xsd:complexType>
-    </xsd:element>
-    <xsd:element name="EditorialStatus" ma:index="36" nillable="true" ma:displayName="Editorial Status" ma:default="" ma:internalName="EditorialStatus" ma:readOnly="false">
-      <xsd:simpleType>
-        <xsd:restriction base="dms:Unknown"/>
-      </xsd:simpleType>
-    </xsd:element>
-    <xsd:element name="EditorialTags" ma:index="37" nillable="true" ma:displayName="Editorial Tags" ma:default="" ma:internalName="EditorialTags">
-      <xsd:simpleType>
-        <xsd:restriction base="dms:Unknown"/>
-      </xsd:simpleType>
-    </xsd:element>
-    <xsd:element name="TPExecutable" ma:index="38" nillable="true" ma:displayName="Executable" ma:default="" ma:internalName="TPExecutable">
-      <xsd:simpleType>
-        <xsd:restriction base="dms:Text"/>
-      </xsd:simpleType>
-    </xsd:element>
-    <xsd:element name="FeatureTagsTaxHTField0" ma:index="40" nillable="true" ma:taxonomy="true" ma:internalName="FeatureTagsTaxHTField0" ma:taxonomyFieldName="FeatureTags" ma:displayName="Features" ma:readOnly="false" ma:default="" ma:fieldId="{7fc0d542-15c6-4882-a8e3-13bca44403fb}" ma:taxonomyMulti="true" ma:sspId="8f79753a-75d3-41f5-8ca3-40b843941b4f" ma:termSetId="f1ab6845-967d-4854-a0ba-4ec07f0f8113" ma:anchorId="00000000-0000-0000-0000-000000000000" ma:open="false" ma:isKeyword="false">
-      <xsd:complexType>
-        <xsd:sequence>
-          <xsd:element ref="pc:Terms" minOccurs="0" maxOccurs="1"/>
-        </xsd:sequence>
-      </xsd:complexType>
-    </xsd:element>
-    <xsd:element name="TPFriendlyName" ma:index="41" nillable="true" ma:displayName="Friendly Name" ma:default="" ma:internalName="TPFriendlyName">
-      <xsd:simpleType>
-        <xsd:restriction base="dms:Text"/>
-      </xsd:simpleType>
-    </xsd:element>
-    <xsd:element name="FriendlyTitle" ma:index="42" nillable="true" ma:displayName="Friendly Title" ma:default="" ma:description="Shorter title to be used when displaying search results" ma:internalName="FriendlyTitle" ma:readOnly="false">
-      <xsd:simpleType>
-        <xsd:restriction base="dms:Text"/>
-      </xsd:simpleType>
-    </xsd:element>
-    <xsd:element name="PrimaryImageGen" ma:index="43" nillable="true" ma:displayName="Generate Images?" ma:default="true" ma:internalName="PrimaryImageGen">
-      <xsd:simpleType>
-        <xsd:restriction base="dms:Boolean"/>
-      </xsd:simpleType>
-    </xsd:element>
-    <xsd:element name="HandoffToMSDN" ma:index="44" nillable="true" ma:displayName="Handoff To MSDN Date" ma:default="" ma:internalName="HandoffToMSDN" ma:readOnly="false">
-      <xsd:simpleType>
-        <xsd:restriction base="dms:DateTime"/>
-      </xsd:simpleType>
-    </xsd:element>
-    <xsd:element name="InProjectListLookup" ma:index="45" nillable="true" ma:displayName="InProjectListLookup" ma:list="{9E343742-310B-4684-A24C-1D137CB4B230}" ma:internalName="InProjectListLookup" ma:readOnly="true" ma:showField="InProjectList" ma:web="4873beb7-5857-4685-be1f-d57550cc96cc">
-      <xsd:complexType>
-        <xsd:complexContent>
-          <xsd:extension base="dms:MultiChoiceLookup">
-            <xsd:sequence>
-              <xsd:element name="Value" type="dms:Lookup" maxOccurs="unbounded" minOccurs="0" nillable="true"/>
-            </xsd:sequence>
-          </xsd:extension>
-        </xsd:complexContent>
-      </xsd:complexType>
-    </xsd:element>
-    <xsd:element name="TPInstallLocation" ma:index="46" nillable="true" ma:displayName="Install Location" ma:default="" ma:internalName="TPInstallLocation">
-      <xsd:simpleType>
-        <xsd:restriction base="dms:Text"/>
-      </xsd:simpleType>
-    </xsd:element>
-    <xsd:element name="InternalTagsTaxHTField0" ma:index="48" nillable="true" ma:taxonomy="true" ma:internalName="InternalTagsTaxHTField0" ma:taxonomyFieldName="InternalTags" ma:displayName="Internal Tags" ma:readOnly="false" ma:default="" ma:fieldId="{1490b8a4-2706-41ec-b5e3-73176dccf34e}" ma:taxonomyMulti="true" ma:sspId="8f79753a-75d3-41f5-8ca3-40b843941b4f" ma:termSetId="82b6639e-f7fc-4c18-ad2d-003a6e707765" ma:anchorId="00000000-0000-0000-0000-000000000000" ma:open="false" ma:isKeyword="false">
-      <xsd:complexType>
-        <xsd:sequence>
-          <xsd:element ref="pc:Terms" minOccurs="0" maxOccurs="1"/>
-        </xsd:sequence>
-      </xsd:complexType>
-    </xsd:element>
-    <xsd:element name="IntlLangReview" ma:index="49" nillable="true" ma:displayName="Intl Lang QA Review Required?" ma:default="" ma:internalName="IntlLangReview" ma:readOnly="false">
-      <xsd:simpleType>
-        <xsd:restriction base="dms:Boolean"/>
-      </xsd:simpleType>
-    </xsd:element>
-    <xsd:element name="IntlLangReviewer" ma:index="50" nillable="true" ma:displayName="Intl Lang QA Reviewer" ma:default="" ma:internalName="IntlLangReviewer" ma:readOnly="false">
-      <xsd:simpleType>
-        <xsd:restriction base="dms:Text"/>
-      </xsd:simpleType>
-    </xsd:element>
-    <xsd:element name="MarketSpecific" ma:index="51" nillable="true" ma:displayName="Is Market Specific?" ma:default="" ma:internalName="MarketSpecific" ma:readOnly="false">
-      <xsd:simpleType>
-        <xsd:restriction base="dms:Boolean"/>
-      </xsd:simpleType>
-    </xsd:element>
-    <xsd:element name="LastCompleteVersionLookup" ma:index="52" nillable="true" ma:displayName="Last Complete Version Lookup" ma:default="" ma:list="{9E343742-310B-4684-A24C-1D137CB4B230}" ma:internalName="LastCompleteVersionLookup" ma:readOnly="true" ma:showField="LastCompleteVersion" ma:web="4873beb7-5857-4685-be1f-d57550cc96cc">
-      <xsd:complexType>
-        <xsd:complexContent>
-          <xsd:extension base="dms:MultiChoiceLookup">
-            <xsd:sequence>
-              <xsd:element name="Value" type="dms:Lookup" maxOccurs="unbounded" minOccurs="0" nillable="true"/>
-            </xsd:sequence>
-          </xsd:extension>
-        </xsd:complexContent>
-      </xsd:complexType>
-    </xsd:element>
-    <xsd:element name="LastHandOff" ma:index="53" nillable="true" ma:displayName="Last Hand-off" ma:default="" ma:internalName="LastHandOff" ma:readOnly="false">
-      <xsd:simpleType>
-        <xsd:restriction base="dms:DateTime"/>
-      </xsd:simpleType>
-    </xsd:element>
-    <xsd:element name="LastModifiedDateTime" ma:index="54" nillable="true" ma:displayName="Last Modified Date" ma:default="" ma:internalName="LastModifiedDateTime" ma:readOnly="false">
-      <xsd:simpleType>
-        <xsd:restriction base="dms:DateTime"/>
-      </xsd:simpleType>
-    </xsd:element>
-    <xsd:element name="LastPreviewErrorLookup" ma:index="55" nillable="true" ma:displayName="Last Preview Attempt Error" ma:default="" ma:list="{9E343742-310B-4684-A24C-1D137CB4B230}" ma:internalName="LastPreviewErrorLookup" ma:readOnly="true" ma:showField="LastPreviewError" ma:web="4873beb7-5857-4685-be1f-d57550cc96cc">
-      <xsd:complexType>
-        <xsd:complexContent>
-          <xsd:extension base="dms:MultiChoiceLookup">
-            <xsd:sequence>
-              <xsd:element name="Value" type="dms:Lookup" maxOccurs="unbounded" minOccurs="0" nillable="true"/>
-            </xsd:sequence>
-          </xsd:extension>
-        </xsd:complexContent>
-      </xsd:complexType>
-    </xsd:element>
-    <xsd:element name="LastPreviewResultLookup" ma:index="56" nillable="true" ma:displayName="Last Preview Attempt Result" ma:default="" ma:list="{9E343742-310B-4684-A24C-1D137CB4B230}" ma:internalName="LastPreviewResultLookup" ma:readOnly="true" ma:showField="LastPreviewResult" ma:web="4873beb7-5857-4685-be1f-d57550cc96cc">
-      <xsd:complexType>
-        <xsd:complexContent>
-          <xsd:extension base="dms:MultiChoiceLookup">
-            <xsd:sequence>
-              <xsd:element name="Value" type="dms:Lookup" maxOccurs="unbounded" minOccurs="0" nillable="true"/>
-            </xsd:sequence>
-          </xsd:extension>
-        </xsd:complexContent>
-      </xsd:complexType>
-    </xsd:element>
-    <xsd:element name="LastPreviewAttemptDateLookup" ma:index="57" nillable="true" ma:displayName="Last Preview Attempted On" ma:default="" ma:list="{9E343742-310B-4684-A24C-1D137CB4B230}" ma:internalName="LastPreviewAttemptDateLookup" ma:readOnly="true" ma:showField="LastPreviewAttemptDate" ma:web="4873beb7-5857-4685-be1f-d57550cc96cc">
-      <xsd:complexType>
-        <xsd:complexContent>
-          <xsd:extension base="dms:MultiChoiceLookup">
-            <xsd:sequence>
-              <xsd:element name="Value" type="dms:Lookup" maxOccurs="unbounded" minOccurs="0" nillable="true"/>
-            </xsd:sequence>
-          </xsd:extension>
-        </xsd:complexContent>
-      </xsd:complexType>
-    </xsd:element>
-    <xsd:element name="LastPreviewedByLookup" ma:index="58" nillable="true" ma:displayName="Last Previewed By" ma:default="" ma:list="{9E343742-310B-4684-A24C-1D137CB4B230}" ma:internalName="LastPreviewedByLookup" ma:readOnly="true" ma:showField="LastPreviewedBy" ma:web="4873beb7-5857-4685-be1f-d57550cc96cc">
-      <xsd:complexType>
-        <xsd:complexContent>
-          <xsd:extension base="dms:MultiChoiceLookup">
-            <xsd:sequence>
-              <xsd:element name="Value" type="dms:Lookup" maxOccurs="unbounded" minOccurs="0" nillable="true"/>
-            </xsd:sequence>
-          </xsd:extension>
-        </xsd:complexContent>
-      </xsd:complexType>
-    </xsd:element>
-    <xsd:element name="LastPreviewTimeLookup" ma:index="59" nillable="true" ma:displayName="Last Previewed Date" ma:default="" ma:list="{9E343742-310B-4684-A24C-1D137CB4B230}" ma:internalName="LastPreviewTimeLookup" ma:readOnly="true" ma:showField="LastPreviewTime" ma:web="4873beb7-5857-4685-be1f-d57550cc96cc">
-      <xsd:complexType>
-        <xsd:complexContent>
-          <xsd:extension base="dms:MultiChoiceLookup">
-            <xsd:sequence>
-              <xsd:element name="Value" type="dms:Lookup" maxOccurs="unbounded" minOccurs="0" nillable="true"/>
-            </xsd:sequence>
-          </xsd:extension>
-        </xsd:complexContent>
-      </xsd:complexType>
-    </xsd:element>
-    <xsd:element name="LastPreviewVersionLookup" ma:index="60" nillable="true" ma:displayName="Last Previewed Version" ma:default="" ma:list="{9E343742-310B-4684-A24C-1D137CB4B230}" ma:internalName="LastPreviewVersionLookup" ma:readOnly="true" ma:showField="LastPreviewVersion" ma:web="4873beb7-5857-4685-be1f-d57550cc96cc">
-      <xsd:complexType>
-        <xsd:complexContent>
-          <xsd:extension base="dms:MultiChoiceLookup">
-            <xsd:sequence>
-              <xsd:element name="Value" type="dms:Lookup" maxOccurs="unbounded" minOccurs="0" nillable="true"/>
-            </xsd:sequence>
-          </xsd:extension>
-        </xsd:complexContent>
-      </xsd:complexType>
-    </xsd:element>
-    <xsd:element name="LastPublishErrorLookup" ma:index="61" nillable="true" ma:displayName="Last Publish Attempt Error" ma:default="" ma:list="{9E343742-310B-4684-A24C-1D137CB4B230}" ma:internalName="LastPublishErrorLookup" ma:readOnly="true" ma:showField="LastPublishError" ma:web="4873beb7-5857-4685-be1f-d57550cc96cc">
-      <xsd:complexType>
-        <xsd:complexContent>
-          <xsd:extension base="dms:MultiChoiceLookup">
-            <xsd:sequence>
-              <xsd:element name="Value" type="dms:Lookup" maxOccurs="unbounded" minOccurs="0" nillable="true"/>
-            </xsd:sequence>
-          </xsd:extension>
-        </xsd:complexContent>
-      </xsd:complexType>
-    </xsd:element>
-    <xsd:element name="LastPublishResultLookup" ma:index="62" nillable="true" ma:displayName="Last Publish Attempt Result" ma:default="" ma:list="{9E343742-310B-4684-A24C-1D137CB4B230}" ma:internalName="LastPublishResultLookup" ma:readOnly="true" ma:showField="LastPublishResult" ma:web="4873beb7-5857-4685-be1f-d57550cc96cc">
-      <xsd:complexType>
-        <xsd:complexContent>
-          <xsd:extension base="dms:MultiChoiceLookup">
-            <xsd:sequence>
-              <xsd:element name="Value" type="dms:Lookup" maxOccurs="unbounded" minOccurs="0" nillable="true"/>
-            </xsd:sequence>
-          </xsd:extension>
-        </xsd:complexContent>
-      </xsd:complexType>
-    </xsd:element>
-    <xsd:element name="LastPublishAttemptDateLookup" ma:index="63" nillable="true" ma:displayName="Last Publish Attempted On" ma:default="" ma:list="{9E343742-310B-4684-A24C-1D137CB4B230}" ma:internalName="LastPublishAttemptDateLookup" ma:readOnly="true" ma:showField="LastPublishAttemptDate" ma:web="4873beb7-5857-4685-be1f-d57550cc96cc">
-      <xsd:complexType>
-        <xsd:complexContent>
-          <xsd:extension base="dms:MultiChoiceLookup">
-            <xsd:sequence>
-              <xsd:element name="Value" type="dms:Lookup" maxOccurs="unbounded" minOccurs="0" nillable="true"/>
-            </xsd:sequence>
-          </xsd:extension>
-        </xsd:complexContent>
-      </xsd:complexType>
-    </xsd:element>
-    <xsd:element name="LastPublishedByLookup" ma:index="64" nillable="true" ma:displayName="Last Published By" ma:default="" ma:list="{9E343742-310B-4684-A24C-1D137CB4B230}" ma:internalName="LastPublishedByLookup" ma:readOnly="true" ma:showField="LastPublishedBy" ma:web="4873beb7-5857-4685-be1f-d57550cc96cc">
-      <xsd:complexType>
-        <xsd:complexContent>
-          <xsd:extension base="dms:MultiChoiceLookup">
-            <xsd:sequence>
-              <xsd:element name="Value" type="dms:Lookup" maxOccurs="unbounded" minOccurs="0" nillable="true"/>
-            </xsd:sequence>
-          </xsd:extension>
-        </xsd:complexContent>
-      </xsd:complexType>
-    </xsd:element>
-    <xsd:element name="LastPublishTimeLookup" ma:index="65" nillable="true" ma:displayName="Last Published Date" ma:default="" ma:list="{9E343742-310B-4684-A24C-1D137CB4B230}" ma:internalName="LastPublishTimeLookup" ma:readOnly="true" ma:showField="LastPublishTime" ma:web="4873beb7-5857-4685-be1f-d57550cc96cc">
-      <xsd:complexType>
-        <xsd:complexContent>
-          <xsd:extension base="dms:MultiChoiceLookup">
-            <xsd:sequence>
-              <xsd:element name="Value" type="dms:Lookup" maxOccurs="unbounded" minOccurs="0" nillable="true"/>
-            </xsd:sequence>
-          </xsd:extension>
-        </xsd:complexContent>
-      </xsd:complexType>
-    </xsd:element>
-    <xsd:element name="LastPublishVersionLookup" ma:index="66" nillable="true" ma:displayName="Last Published Version" ma:default="" ma:list="{9E343742-310B-4684-A24C-1D137CB4B230}" ma:internalName="LastPublishVersionLookup" ma:readOnly="true" ma:showField="LastPublishVersion" ma:web="4873beb7-5857-4685-be1f-d57550cc96cc">
-      <xsd:complexType>
-        <xsd:complexContent>
-          <xsd:extension base="dms:MultiChoiceLookup">
-            <xsd:sequence>
-              <xsd:element name="Value" type="dms:Lookup" maxOccurs="unbounded" minOccurs="0" nillable="true"/>
-            </xsd:sequence>
-          </xsd:extension>
-        </xsd:complexContent>
-      </xsd:complexType>
-    </xsd:element>
-    <xsd:element name="TPLaunchHelpLinkType" ma:index="67" nillable="true" ma:displayName="Launch Help Link Type" ma:default="Template" ma:internalName="TPLaunchHelpLinkType">
-      <xsd:simpleType>
-        <xsd:restriction base="dms:Choice">
-          <xsd:enumeration value="Template"/>
-          <xsd:enumeration value="Training"/>
-          <xsd:enumeration value="URL"/>
-          <xsd:enumeration value="None"/>
-        </xsd:restriction>
-      </xsd:simpleType>
-    </xsd:element>
-    <xsd:element name="LegacyData" ma:index="68" nillable="true" ma:displayName="Legacy Data" ma:default="" ma:internalName="LegacyData" ma:readOnly="false">
-      <xsd:simpleType>
-        <xsd:restriction base="dms:Note"/>
-      </xsd:simpleType>
-    </xsd:element>
-    <xsd:element name="TPLaunchHelpLink" ma:index="69" nillable="true" ma:displayName="Link to Launch Help Topic" ma:default="" ma:internalName="TPLaunchHelpLink">
-      <xsd:simpleType>
-        <xsd:restriction base="dms:Text"/>
-      </xsd:simpleType>
-    </xsd:element>
-    <xsd:element name="LocComments" ma:index="70" nillable="true" ma:displayName="Loc Approval Comments" ma:default="" ma:internalName="LocComments" ma:readOnly="false">
-      <xsd:simpleType>
-        <xsd:restriction base="dms:Note"/>
-      </xsd:simpleType>
-    </xsd:element>
-    <xsd:element name="LocLastLocAttemptVersionLookup" ma:index="71" nillable="true" ma:displayName="Loc Last Loc Attempt Version" ma:default="" ma:list="{7DD1DCEC-E449-43D3-891F-7DC62F62AD21}" ma:internalName="LocLastLocAttemptVersionLookup" ma:readOnly="false" ma:showField="LastLocAttemptVersion" ma:web="4873beb7-5857-4685-be1f-d57550cc96cc">
-      <xsd:simpleType>
-        <xsd:restriction base="dms:Lookup"/>
-      </xsd:simpleType>
-    </xsd:element>
-    <xsd:element name="LocLastLocAttemptVersionTypeLookup" ma:index="72" nillable="true" ma:displayName="Loc Last Loc Attempt Version Type" ma:default="" ma:list="{7DD1DCEC-E449-43D3-891F-7DC62F62AD21}" ma:internalName="LocLastLocAttemptVersionTypeLookup" ma:readOnly="true" ma:showField="LastLocAttemptVersionType" ma:web="4873beb7-5857-4685-be1f-d57550cc96cc">
-      <xsd:simpleType>
-        <xsd:restriction base="dms:Lookup"/>
-      </xsd:simpleType>
-    </xsd:element>
-    <xsd:element name="LocManualTestRequired" ma:index="73" nillable="true" ma:displayName="Loc Manual Test Required" ma:default="" ma:internalName="LocManualTestRequired" ma:readOnly="false">
-      <xsd:simpleType>
-        <xsd:restriction base="dms:Boolean"/>
-      </xsd:simpleType>
-    </xsd:element>
-    <xsd:element name="LocMarketGroupTiers2" ma:index="74" nillable="true" ma:displayName="Loc Market Group Tiers" ma:internalName="LocMarketGroupTiers2" ma:readOnly="false">
-      <xsd:simpleType>
-        <xsd:restriction base="dms:Unknown"/>
-      </xsd:simpleType>
-    </xsd:element>
-    <xsd:element name="LocNewPublishedVersionLookup" ma:index="75" nillable="true" ma:displayName="Loc New Published Version Lookup" ma:default="" ma:list="{7DD1DCEC-E449-43D3-891F-7DC62F62AD21}" ma:internalName="LocNewPublishedVersionLookup" ma:readOnly="true" ma:showField="NewPublishedVersion" ma:web="4873beb7-5857-4685-be1f-d57550cc96cc">
-      <xsd:simpleType>
-        <xsd:restriction base="dms:Lookup"/>
-      </xsd:simpleType>
-    </xsd:element>
-    <xsd:element name="LocOverallHandbackStatusLookup" ma:index="76" nillable="true" ma:displayName="Loc Overall Handback Status" ma:default="" ma:list="{7DD1DCEC-E449-43D3-891F-7DC62F62AD21}" ma:internalName="LocOverallHandbackStatusLookup" ma:readOnly="true" ma:showField="OverallHandbackStatus" ma:web="4873beb7-5857-4685-be1f-d57550cc96cc">
-      <xsd:simpleType>
-        <xsd:restriction base="dms:Lookup"/>
-      </xsd:simpleType>
-    </xsd:element>
-    <xsd:element name="LocOverallLocStatusLookup" ma:index="77" nillable="true" ma:displayName="Loc Overall Localize Status" ma:default="" ma:list="{7DD1DCEC-E449-43D3-891F-7DC62F62AD21}" ma:internalName="LocOverallLocStatusLookup" ma:readOnly="true" ma:showField="OverallLocStatus" ma:web="4873beb7-5857-4685-be1f-d57550cc96cc">
-      <xsd:simpleType>
-        <xsd:restriction base="dms:Lookup"/>
-      </xsd:simpleType>
-    </xsd:element>
-    <xsd:element name="LocOverallPreviewStatusLookup" ma:index="78" nillable="true" ma:displayName="Loc Overall Preview Status" ma:default="" ma:list="{7DD1DCEC-E449-43D3-891F-7DC62F62AD21}" ma:internalName="LocOverallPreviewStatusLookup" ma:readOnly="true" ma:showField="OverallPreviewStatus" ma:web="4873beb7-5857-4685-be1f-d57550cc96cc">
-      <xsd:simpleType>
-        <xsd:restriction base="dms:Lookup"/>
-      </xsd:simpleType>
-    </xsd:element>
-    <xsd:element name="LocOverallPublishStatusLookup" ma:index="79" nillable="true" ma:displayName="Loc Overall Publish Status" ma:default="" ma:list="{7DD1DCEC-E449-43D3-891F-7DC62F62AD21}" ma:internalName="LocOverallPublishStatusLookup" ma:readOnly="true" ma:showField="OverallPublishStatus" ma:web="4873beb7-5857-4685-be1f-d57550cc96cc">
-      <xsd:simpleType>
-        <xsd:restriction base="dms:Lookup"/>
-      </xsd:simpleType>
-    </xsd:element>
-    <xsd:element name="IntlLocPriority" ma:index="80" nillable="true" ma:displayName="Loc Priority" ma:default="" ma:internalName="IntlLocPriority" ma:readOnly="false">
-      <xsd:simpleType>
-        <xsd:restriction base="dms:Unknown"/>
-      </xsd:simpleType>
-    </xsd:element>
-    <xsd:element name="LocProcessedForHandoffsLookup" ma:index="81" nillable="true" ma:displayName="Loc Processed For Handoffs" ma:default="" ma:list="{7DD1DCEC-E449-43D3-891F-7DC62F62AD21}" ma:internalName="LocProcessedForHandoffsLookup" ma:readOnly="true" ma:showField="ProcessedForHandoffs" ma:web="4873beb7-5857-4685-be1f-d57550cc96cc">
-      <xsd:simpleType>
-        <xsd:restriction base="dms:Lookup"/>
-      </xsd:simpleType>
-    </xsd:element>
-    <xsd:element name="LocProcessedForMarketsLookup" ma:index="82" nillable="true" ma:displayName="Loc Processed For Markets" ma:default="" ma:list="{7DD1DCEC-E449-43D3-891F-7DC62F62AD21}" ma:internalName="LocProcessedForMarketsLookup" ma:readOnly="true" ma:showField="ProcessedForMarkets" ma:web="4873beb7-5857-4685-be1f-d57550cc96cc">
-      <xsd:simpleType>
-        <xsd:restriction base="dms:Lookup"/>
-      </xsd:simpleType>
-    </xsd:element>
-    <xsd:element name="LocPublishedDependentAssetsLookup" ma:index="83" nillable="true" ma:displayName="Loc Published Dependent Assets" ma:default="" ma:list="{7DD1DCEC-E449-43D3-891F-7DC62F62AD21}" ma:internalName="LocPublishedDependentAssetsLookup" ma:readOnly="true" ma:showField="PublishedDependentAssets" ma:web="4873beb7-5857-4685-be1f-d57550cc96cc">
-      <xsd:simpleType>
-        <xsd:restriction base="dms:Lookup"/>
-      </xsd:simpleType>
-    </xsd:element>
-    <xsd:element name="LocPublishedLinkedAssetsLookup" ma:index="84" nillable="true" ma:displayName="Loc Published Linked Assets" ma:default="" ma:list="{7DD1DCEC-E449-43D3-891F-7DC62F62AD21}" ma:internalName="LocPublishedLinkedAssetsLookup" ma:readOnly="true" ma:showField="PublishedLinkedAssets" ma:web="4873beb7-5857-4685-be1f-d57550cc96cc">
-      <xsd:simpleType>
-        <xsd:restriction base="dms:Lookup"/>
-      </xsd:simpleType>
-    </xsd:element>
-    <xsd:element name="LocRecommendedHandoff" ma:index="85" nillable="true" ma:displayName="Loc Recommended Handoff" ma:default="" ma:indexed="true" ma:internalName="LocRecommendedHandoff" ma:readOnly="false">
-      <xsd:simpleType>
-        <xsd:restriction base="dms:Text"/>
-      </xsd:simpleType>
-    </xsd:element>
-    <xsd:element name="LocalizationTagsTaxHTField0" ma:index="87" nillable="true" ma:taxonomy="true" ma:internalName="LocalizationTagsTaxHTField0" ma:taxonomyFieldName="LocalizationTags" ma:displayName="Localization Tags" ma:readOnly="false" ma:default="" ma:fieldId="{00f02cb3-2c7c-424a-9c61-10e9b6878429}" ma:taxonomyMulti="true" ma:sspId="8f79753a-75d3-41f5-8ca3-40b843941b4f" ma:termSetId="5b7703a5-8e8b-4b58-8b31-1cea35331da3" ma:anchorId="00000000-0000-0000-0000-000000000000" ma:open="false" ma:isKeyword="false">
-      <xsd:complexType>
-        <xsd:sequence>
-          <xsd:element ref="pc:Terms" minOccurs="0" maxOccurs="1"/>
-        </xsd:sequence>
-      </xsd:complexType>
-    </xsd:element>
-    <xsd:element name="MachineTranslated" ma:index="88" nillable="true" ma:displayName="Machine Translated" ma:default="" ma:internalName="MachineTranslated" ma:readOnly="false">
-      <xsd:simpleType>
-        <xsd:restriction base="dms:Boolean"/>
-      </xsd:simpleType>
-    </xsd:element>
-    <xsd:element name="Manager" ma:index="89" nillable="true" ma:displayName="Manager" ma:hidden="true" ma:internalName="Manager" ma:readOnly="false">
-      <xsd:simpleType>
-        <xsd:restriction base="dms:Text"/>
-      </xsd:simpleType>
-    </xsd:element>
-    <xsd:element name="Markets" ma:index="90" nillable="true" ma:displayName="Markets" ma:default="" ma:description="Leave blank to show in all markets" ma:list="{2FBD1B11-2ACE-4FDC-B5A3-635D4ADF6F1B}" ma:internalName="Markets" ma:readOnly="false" ma:showField="MarketName" ma:web="4873beb7-5857-4685-be1f-d57550cc96cc">
-      <xsd:complexType>
-        <xsd:complexContent>
-          <xsd:extension base="dms:MultiChoiceLookup">
-            <xsd:sequence>
-              <xsd:element name="Value" type="dms:Lookup" maxOccurs="unbounded" minOccurs="0" nillable="true"/>
-            </xsd:sequence>
-          </xsd:extension>
-        </xsd:complexContent>
-      </xsd:complexType>
-    </xsd:element>
-    <xsd:element name="Milestone" ma:index="91" nillable="true" ma:displayName="Milestone" ma:default="" ma:internalName="Milestone" ma:readOnly="false">
-      <xsd:simpleType>
-        <xsd:restriction base="dms:Unknown"/>
-      </xsd:simpleType>
-    </xsd:element>
-    <xsd:element name="TPNamespace" ma:index="94" nillable="true" ma:displayName="Namespace" ma:default="" ma:internalName="TPNamespace">
-      <xsd:simpleType>
-        <xsd:restriction base="dms:Text"/>
-      </xsd:simpleType>
-    </xsd:element>
-    <xsd:element name="NumericId" ma:index="95" nillable="true" ma:displayName="Numeric ID" ma:default="" ma:indexed="true" ma:internalName="NumericId" ma:readOnly="false">
-      <xsd:simpleType>
-        <xsd:restriction base="dms:Number"/>
-      </xsd:simpleType>
-    </xsd:element>
-    <xsd:element name="NumOfRatingsLookup" ma:index="96" nillable="true" ma:displayName="NumOfRatings" ma:default="" ma:list="{9E343742-310B-4684-A24C-1D137CB4B230}" ma:internalName="NumOfRatingsLookup" ma:readOnly="true" ma:showField="NumOfRatings" ma:web="4873beb7-5857-4685-be1f-d57550cc96cc">
-      <xsd:complexType>
-        <xsd:complexContent>
-          <xsd:extension base="dms:MultiChoiceLookup">
-            <xsd:sequence>
-              <xsd:element name="Value" type="dms:Lookup" maxOccurs="unbounded" minOccurs="0" nillable="true"/>
-            </xsd:sequence>
-          </xsd:extension>
-        </xsd:complexContent>
-      </xsd:complexType>
-    </xsd:element>
-    <xsd:element name="OOCacheId" ma:index="97" nillable="true" ma:displayName="OOCacheId" ma:internalName="OOCacheId" ma:readOnly="false">
-      <xsd:simpleType>
-        <xsd:restriction base="dms:Text"/>
-      </xsd:simpleType>
-    </xsd:element>
-    <xsd:element name="OpenTemplate" ma:index="98" nillable="true" ma:displayName="Open Template" ma:default="true" ma:internalName="OpenTemplate">
-      <xsd:simpleType>
-        <xsd:restriction base="dms:Boolean"/>
-      </xsd:simpleType>
-    </xsd:element>
-    <xsd:element name="OriginAsset" ma:index="99" nillable="true" ma:displayName="Origin Asset" ma:default="" ma:internalName="OriginAsset" ma:readOnly="false">
-      <xsd:simpleType>
-        <xsd:restriction base="dms:Text"/>
-      </xsd:simpleType>
-    </xsd:element>
-    <xsd:element name="OriginalRelease" ma:index="100" nillable="true" ma:displayName="Original Release" ma:default="15" ma:internalName="OriginalRelease" ma:readOnly="false">
-      <xsd:simpleType>
-        <xsd:restriction base="dms:Choice">
-          <xsd:enumeration value="14"/>
-          <xsd:enumeration value="15"/>
-          <xsd:enumeration value="16"/>
-        </xsd:restriction>
-      </xsd:simpleType>
-    </xsd:element>
-    <xsd:element name="OriginalSourceMarket" ma:index="101" nillable="true" ma:displayName="Original Source Market Group" ma:default="" ma:internalName="OriginalSourceMarket" ma:readOnly="false">
-      <xsd:simpleType>
-        <xsd:restriction base="dms:Text"/>
-      </xsd:simpleType>
-    </xsd:element>
-    <xsd:element name="OutputCachingOn" ma:index="102" nillable="true" ma:displayName="Output Caching" ma:default="true" ma:hidden="true" ma:internalName="OutputCachingOn" ma:readOnly="false">
-      <xsd:simpleType>
-        <xsd:restriction base="dms:Boolean"/>
-      </xsd:simpleType>
-    </xsd:element>
-    <xsd:element name="ParentAssetId" ma:index="103" nillable="true" ma:displayName="Parent Asset Id" ma:default="" ma:internalName="ParentAssetId" ma:readOnly="false">
-      <xsd:simpleType>
-        <xsd:restriction base="dms:Text"/>
-      </xsd:simpleType>
-    </xsd:element>
-    <xsd:element name="PlannedPubDate" ma:index="104" nillable="true" ma:displayName="Planned Publish Date" ma:default="" ma:indexed="true" ma:internalName="PlannedPubDate" ma:readOnly="false">
-      <xsd:simpleType>
-        <xsd:restriction base="dms:DateTime"/>
-      </xsd:simpleType>
-    </xsd:element>
-    <xsd:element name="PolicheckWords" ma:index="105" nillable="true" ma:displayName="Policheck Words" ma:default="" ma:internalName="PolicheckWords" ma:readOnly="false">
-      <xsd:simpleType>
-        <xsd:restriction base="dms:Text"/>
-      </xsd:simpleType>
-    </xsd:element>
-    <xsd:element name="BusinessGroup" ma:index="106" nillable="true" ma:displayName="Product Division Owner" ma:default="" ma:internalName="BusinessGroup" ma:readOnly="false">
-      <xsd:simpleType>
-        <xsd:restriction base="dms:Unknown"/>
-      </xsd:simpleType>
-    </xsd:element>
-    <xsd:element name="UAProjectedTotalWords" ma:index="107" nillable="true" ma:displayName="Projected Word Count" ma:default="" ma:internalName="UAProjectedTotalWords" ma:readOnly="false">
-      <xsd:simpleType>
-        <xsd:restriction base="dms:Unknown"/>
-      </xsd:simpleType>
-    </xsd:element>
-    <xsd:element name="Provider" ma:index="108" nillable="true" ma:displayName="Provider" ma:default="" ma:internalName="Provider" ma:readOnly="false">
-      <xsd:simpleType>
-        <xsd:restriction base="dms:Unknown"/>
-      </xsd:simpleType>
-    </xsd:element>
-    <xsd:element name="Providers" ma:index="109" nillable="true" ma:displayName="Providers" ma:default="" ma:internalName="Providers">
-      <xsd:simpleType>
-        <xsd:restriction base="dms:Unknown"/>
-      </xsd:simpleType>
-    </xsd:element>
-    <xsd:element name="PublishStatusLookup" ma:index="110" nillable="true" ma:displayName="Publish Status" ma:default="" ma:list="{9E343742-310B-4684-A24C-1D137CB4B230}" ma:internalName="PublishStatusLookup" ma:readOnly="false" ma:showField="PublishStatus" ma:web="4873beb7-5857-4685-be1f-d57550cc96cc">
-      <xsd:complexType>
-        <xsd:complexContent>
-          <xsd:extension base="dms:MultiChoiceLookup">
-            <xsd:sequence>
-              <xsd:element name="Value" type="dms:Lookup" maxOccurs="unbounded" minOccurs="0" nillable="true"/>
-            </xsd:sequence>
-          </xsd:extension>
-        </xsd:complexContent>
-      </xsd:complexType>
-    </xsd:element>
-    <xsd:element name="PublishTargets" ma:index="111" nillable="true" ma:displayName="Publish Target" ma:default="OfficeOnlineVNext" ma:internalName="PublishTargets" ma:readOnly="false">
-      <xsd:simpleType>
-        <xsd:restriction base="dms:Unknown"/>
-      </xsd:simpleType>
-    </xsd:element>
-    <xsd:element name="RecommendationsModifier" ma:index="112" nillable="true" ma:displayName="Recommendations Modifier" ma:default="" ma:internalName="RecommendationsModifier" ma:readOnly="false">
-      <xsd:simpleType>
-        <xsd:restriction base="dms:Number"/>
-      </xsd:simpleType>
-    </xsd:element>
-    <xsd:element name="ArtSampleDocs" ma:index="113" nillable="true" ma:displayName="Sample Docs" ma:default="" ma:hidden="true" ma:internalName="ArtSampleDocs" ma:readOnly="false">
-      <xsd:simpleType>
-        <xsd:restriction base="dms:Text"/>
-      </xsd:simpleType>
-    </xsd:element>
-    <xsd:element name="ScenarioTagsTaxHTField0" ma:index="115" nillable="true" ma:taxonomy="true" ma:internalName="ScenarioTagsTaxHTField0" ma:taxonomyFieldName="ScenarioTags" ma:displayName="Scenarios" ma:readOnly="false" ma:default="" ma:fieldId="{93aef74d-6c78-4815-8310-51477dceeccc}" ma:taxonomyMulti="true" ma:sspId="8f79753a-75d3-41f5-8ca3-40b843941b4f" ma:termSetId="4b7d5f16-e2f2-4fc0-bab3-6e8b931e57d6" ma:anchorId="00000000-0000-0000-0000-000000000000" ma:open="false" ma:isKeyword="false">
-      <xsd:complexType>
-        <xsd:sequence>
-          <xsd:element ref="pc:Terms" minOccurs="0" maxOccurs="1"/>
-        </xsd:sequence>
-      </xsd:complexType>
-    </xsd:element>
-    <xsd:element name="ShowIn" ma:index="117" nillable="true" ma:displayName="Show In" ma:default="Show everywhere" ma:internalName="ShowIn" ma:readOnly="false">
-      <xsd:simpleType>
-        <xsd:restriction base="dms:Choice">
-          <xsd:enumeration value="Hide on web"/>
-          <xsd:enumeration value="On Web no search"/>
-          <xsd:enumeration value="Show everywhere"/>
-          <xsd:enumeration value="Special use only"/>
-        </xsd:restriction>
-      </xsd:simpleType>
-    </xsd:element>
-    <xsd:element name="SourceTitle" ma:index="118" nillable="true" ma:displayName="Source Title" ma:default="" ma:indexed="true" ma:internalName="SourceTitle" ma:readOnly="false">
-      <xsd:simpleType>
-        <xsd:restriction base="dms:Text"/>
-      </xsd:simpleType>
-    </xsd:element>
-    <xsd:element name="CSXSubmissionDate" ma:index="119" nillable="true" ma:displayName="Submission Date" ma:default="" ma:internalName="CSXSubmissionDate" ma:readOnly="false">
-      <xsd:simpleType>
-        <xsd:restriction base="dms:DateTime"/>
-      </xsd:simpleType>
-    </xsd:element>
-    <xsd:element name="SubmitterId" ma:index="120" nillable="true" ma:displayName="Submitter ID" ma:default="" ma:internalName="SubmitterId" ma:readOnly="false">
-      <xsd:simpleType>
-        <xsd:restriction base="dms:Text"/>
-      </xsd:simpleType>
-    </xsd:element>
-    <xsd:element name="TaxCatchAll" ma:index="121" nillable="true" ma:displayName="Taxonomy Catch All Column" ma:hidden="true" ma:list="{530f955b-6704-4601-bd83-f81d87f1e440}" ma:internalName="TaxCatchAll" ma:showField="CatchAllData" ma:web="4873beb7-5857-4685-be1f-d57550cc96cc">
-      <xsd:complexType>
-        <xsd:complexContent>
-          <xsd:extension base="dms:MultiChoiceLookup">
-            <xsd:sequence>
-              <xsd:element name="Value" type="dms:Lookup" maxOccurs="unbounded" minOccurs="0" nillable="true"/>
-            </xsd:sequence>
-          </xsd:extension>
-        </xsd:complexContent>
-      </xsd:complexType>
-    </xsd:element>
-    <xsd:element name="TaxCatchAllLabel" ma:index="122" nillable="true" ma:displayName="Taxonomy Catch All Column1" ma:hidden="true" ma:list="{530f955b-6704-4601-bd83-f81d87f1e440}" ma:internalName="TaxCatchAllLabel" ma:readOnly="true" ma:showField="CatchAllDataLabel" ma:web="4873beb7-5857-4685-be1f-d57550cc96cc">
-      <xsd:complexType>
-        <xsd:complexContent>
-          <xsd:extension base="dms:MultiChoiceLookup">
-            <xsd:sequence>
-              <xsd:element name="Value" type="dms:Lookup" maxOccurs="unbounded" minOccurs="0" nillable="true"/>
-            </xsd:sequence>
-          </xsd:extension>
-        </xsd:complexContent>
-      </xsd:complexType>
-    </xsd:element>
-    <xsd:element name="TemplateStatus" ma:index="123" nillable="true" ma:displayName="Template Status" ma:default="" ma:internalName="TemplateStatus">
-      <xsd:simpleType>
-        <xsd:restriction base="dms:Unknown"/>
-      </xsd:simpleType>
-    </xsd:element>
-    <xsd:element name="TemplateTemplateType" ma:index="124" nillable="true" ma:displayName="Template Type" ma:default="" ma:internalName="TemplateTemplateType">
-      <xsd:simpleType>
-        <xsd:restriction base="dms:Unknown"/>
-      </xsd:simpleType>
-    </xsd:element>
-    <xsd:element name="ThumbnailAssetId" ma:index="125" nillable="true" ma:displayName="Thumbnail Image Asset" ma:default="" ma:internalName="ThumbnailAssetId" ma:readOnly="false">
-      <xsd:simpleType>
-        <xsd:restriction base="dms:Text"/>
-      </xsd:simpleType>
-    </xsd:element>
-    <xsd:element name="TimesCloned" ma:index="126" nillable="true" ma:displayName="Times Cloned" ma:default="" ma:internalName="TimesCloned" ma:readOnly="false">
-      <xsd:simpleType>
-        <xsd:restriction base="dms:Number"/>
-      </xsd:simpleType>
-    </xsd:element>
-    <xsd:element name="TrustLevel" ma:index="128" nillable="true" ma:displayName="Trust Level" ma:default="1 Microsoft Managed Content" ma:internalName="TrustLevel" ma:readOnly="false">
-      <xsd:simpleType>
-        <xsd:restriction base="dms:Unknown"/>
-      </xsd:simpleType>
-    </xsd:element>
-    <xsd:element name="UALocComments" ma:index="129" nillable="true" ma:displayName="UA Loc Comments" ma:default="" ma:internalName="UALocComments" ma:readOnly="false">
-      <xsd:simpleType>
-        <xsd:restriction base="dms:Note"/>
-      </xsd:simpleType>
-    </xsd:element>
-    <xsd:element name="UALocRecommendation" ma:index="130" nillable="true" ma:displayName="UA Loc Recommendation" ma:default="Localize" ma:internalName="UALocRecommendation" ma:readOnly="false">
-      <xsd:simpleType>
-        <xsd:restriction base="dms:Choice">
-          <xsd:enumeration value="Localize"/>
-          <xsd:enumeration value="Never Localize"/>
-          <xsd:enumeration value="Priority Localize"/>
-        </xsd:restriction>
-      </xsd:simpleType>
-    </xsd:element>
-    <xsd:element name="UANotes" ma:index="131" nillable="true" ma:displayName="UA Notes" ma:default="" ma:internalName="UANotes" ma:readOnly="false">
-      <xsd:simpleType>
-        <xsd:restriction base="dms:Note"/>
-      </xsd:simpleType>
-    </xsd:element>
-    <xsd:element name="TPAppVersion" ma:index="132" nillable="true" ma:displayName="Version" ma:default="" ma:internalName="TPAppVersion">
-      <xsd:simpleType>
-        <xsd:restriction base="dms:Text"/>
-      </xsd:simpleType>
-    </xsd:element>
-    <xsd:element name="VoteCount" ma:index="133" nillable="true" ma:displayName="Vote Count" ma:default="" ma:internalName="VoteCount" ma:readOnly="false">
-      <xsd:simpleType>
-        <xsd:restriction base="dms:Unknown"/>
-      </xsd:simpleType>
-    </xsd:element>
-  </xsd:schema>
-  <xsd:schema xmlns="http://schemas.openxmlformats.org/package/2006/metadata/core-properties" xmlns:xsd="http://www.w3.org/2001/XMLSchema" xmlns:xsi="http://www.w3.org/2001/XMLSchema-instance" xmlns:dc="http://purl.org/dc/elements/1.1/" xmlns:dcterms="http://purl.org/dc/terms/" xmlns:odoc="http://schemas.microsoft.com/internal/obd" targetNamespace="http://schemas.openxmlformats.org/package/2006/metadata/core-properties" elementFormDefault="qualified" attributeFormDefault="unqualified" blockDefault="#all">
-    <xsd:import namespace="http://purl.org/dc/elements/1.1/" schemaLocation="http://dublincore.org/schemas/xmls/qdc/2003/04/02/dc.xsd"/>
-    <xsd:import namespace="http://purl.org/dc/terms/" schemaLocation="http://dublincore.org/schemas/xmls/qdc/2003/04/02/dcterms.xsd"/>
-    <xsd:element name="coreProperties" type="CT_coreProperties"/>
-    <xsd:complexType name="CT_coreProperties">
-      <xsd:all>
-        <xsd:element ref="dc:creator" minOccurs="0" maxOccurs="1"/>
-        <xsd:element ref="dcterms:created" minOccurs="0" maxOccurs="1"/>
-        <xsd:element ref="dc:identifier" minOccurs="0" maxOccurs="1"/>
-        <xsd:element name="contentType" minOccurs="0" maxOccurs="1" type="xsd:string" ma:index="22" ma:displayName="Content Type"/>
-        <xsd:element ref="dc:title" minOccurs="0" maxOccurs="1" ma:index="127" ma:displayName="Title"/>
-        <xsd:element ref="dc:subject" minOccurs="0" maxOccurs="1"/>
-        <xsd:element ref="dc:description" minOccurs="0" maxOccurs="1"/>
-        <xsd:element name="keywords" minOccurs="0" maxOccurs="1" type="xsd:string"/>
-        <xsd:element ref="dc:language" minOccurs="0" maxOccurs="1"/>
-        <xsd:element name="category" minOccurs="0" maxOccurs="1" type="xsd:string"/>
-        <xsd:element name="version" minOccurs="0" maxOccurs="1" type="xsd:string"/>
-        <xsd:element name="revision" minOccurs="0" maxOccurs="1" type="xsd:string">
-          <xsd:annotation>
-            <xsd:documentation>
-                        This value indicates the number of saves or revisions. The application is responsible for updating this value after each revision.
-                    </xsd:documentation>
-          </xsd:annotation>
-        </xsd:element>
-        <xsd:element name="lastModifiedBy" minOccurs="0" maxOccurs="1" type="xsd:string"/>
-        <xsd:element ref="dcterms:modified" minOccurs="0" maxOccurs="1"/>
-        <xsd:element name="contentStatus" minOccurs="0" maxOccurs="1" type="xsd:string"/>
-      </xsd:all>
-    </xsd:complexType>
-  </xsd:schema>
-  <xs:schema xmlns:pc="http://schemas.microsoft.com/office/infopath/2007/PartnerControls" xmlns:xs="http://www.w3.org/2001/XMLSchema" targetNamespace="http://schemas.microsoft.com/office/infopath/2007/PartnerControls" elementFormDefault="qualified" attributeFormDefault="unqualified">
-    <xs:element name="Person">
-      <xs:complexType>
-        <xs:sequence>
-          <xs:element ref="pc:DisplayName" minOccurs="0"/>
-          <xs:element ref="pc:AccountId" minOccurs="0"/>
-          <xs:element ref="pc:AccountType" minOccurs="0"/>
-        </xs:sequence>
-      </xs:complexType>
-    </xs:element>
-    <xs:element name="DisplayName" type="xs:string"/>
-    <xs:element name="AccountId" type="xs:string"/>
-    <xs:element name="AccountType" type="xs:string"/>
-    <xs:element name="BDCAssociatedEntity">
-      <xs:complexType>
-        <xs:sequence>
-          <xs:element ref="pc:BDCEntity" minOccurs="0" maxOccurs="unbounded"/>
-        </xs:sequence>
-        <xs:attribute ref="pc:EntityNamespace"/>
-        <xs:attribute ref="pc:EntityName"/>
-        <xs:attribute ref="pc:SystemInstanceName"/>
-        <xs:attribute ref="pc:AssociationName"/>
-      </xs:complexType>
-    </xs:element>
-    <xs:attribute name="EntityNamespace" type="xs:string"/>
-    <xs:attribute name="EntityName" type="xs:string"/>
-    <xs:attribute name="SystemInstanceName" type="xs:string"/>
-    <xs:attribute name="AssociationName" type="xs:string"/>
-    <xs:element name="BDCEntity">
-      <xs:complexType>
-        <xs:sequence>
-          <xs:element ref="pc:EntityDisplayName" minOccurs="0"/>
-          <xs:element ref="pc:EntityInstanceReference" minOccurs="0"/>
-          <xs:element ref="pc:EntityId1" minOccurs="0"/>
-          <xs:element ref="pc:EntityId2" minOccurs="0"/>
-          <xs:element ref="pc:EntityId3" minOccurs="0"/>
-          <xs:element ref="pc:EntityId4" minOccurs="0"/>
-          <xs:element ref="pc:EntityId5" minOccurs="0"/>
-        </xs:sequence>
-      </xs:complexType>
-    </xs:element>
-    <xs:element name="EntityDisplayName" type="xs:string"/>
-    <xs:element name="EntityInstanceReference" type="xs:string"/>
-    <xs:element name="EntityId1" type="xs:string"/>
-    <xs:element name="EntityId2" type="xs:string"/>
-    <xs:element name="EntityId3" type="xs:string"/>
-    <xs:element name="EntityId4" type="xs:string"/>
-    <xs:element name="EntityId5" type="xs:string"/>
-    <xs:element name="Terms">
-      <xs:complexType>
-        <xs:sequence>
-          <xs:element ref="pc:TermInfo" minOccurs="0" maxOccurs="unbounded"/>
-        </xs:sequence>
-      </xs:complexType>
-    </xs:element>
-    <xs:element name="TermInfo">
-      <xs:complexType>
-        <xs:sequence>
-          <xs:element ref="pc:TermName" minOccurs="0"/>
-          <xs:element ref="pc:TermId" minOccurs="0"/>
-        </xs:sequence>
-      </xs:complexType>
-    </xs:element>
-    <xs:element name="TermName" type="xs:string"/>
-    <xs:element name="TermId" type="xs:string"/>
-  </xs:schema>
-</ct:contentTypeSchema>
+<?mso-contentType ?>
+<FormTemplates xmlns="http://schemas.microsoft.com/sharepoint/v3/contenttype/forms">
+  <Display>DocumentLibraryForm</Display>
+  <Edit>AssetEditForm</Edit>
+  <New>DocumentLibraryForm</New>
+</FormTemplates>
 </file>
 
 <file path=customXml/itemProps1.xml><?xml version="1.0" encoding="utf-8"?>
-<ds:datastoreItem xmlns:ds="http://schemas.openxmlformats.org/officeDocument/2006/customXml" ds:itemID="{3836F65B-1B07-41EE-A0E8-BC6EF3855225}">
+<ds:datastoreItem xmlns:ds="http://schemas.openxmlformats.org/officeDocument/2006/customXml" ds:itemID="{A09BF4D4-EF60-4196-BFC3-9462D607978C}">
   <ds:schemaRefs>
-    <ds:schemaRef ds:uri="http://schemas.microsoft.com/sharepoint/v3/contenttype/forms"/>
+    <ds:schemaRef ds:uri="http://schemas.microsoft.com/office/2006/metadata/contentType"/>
+    <ds:schemaRef ds:uri="http://schemas.microsoft.com/office/2006/metadata/properties/metaAttributes"/>
+    <ds:schemaRef ds:uri="http://www.w3.org/2001/XMLSchema"/>
+    <ds:schemaRef ds:uri="http://schemas.microsoft.com/office/2006/metadata/properties"/>
+    <ds:schemaRef ds:uri="4873beb7-5857-4685-be1f-d57550cc96cc"/>
+    <ds:schemaRef ds:uri="http://schemas.microsoft.com/office/2006/documentManagement/types"/>
+    <ds:schemaRef ds:uri="http://schemas.microsoft.com/office/infopath/2007/PartnerControls"/>
+    <ds:schemaRef ds:uri="http://schemas.openxmlformats.org/package/2006/metadata/core-properties"/>
+    <ds:schemaRef ds:uri="http://purl.org/dc/elements/1.1/"/>
+    <ds:schemaRef ds:uri="http://purl.org/dc/terms/"/>
+    <ds:schemaRef ds:uri="http://schemas.microsoft.com/internal/obd"/>
   </ds:schemaRefs>
 </ds:datastoreItem>
 </file>
@@ -10207,19 +11544,9 @@
 </file>
 
 <file path=customXml/itemProps3.xml><?xml version="1.0" encoding="utf-8"?>
-<ds:datastoreItem xmlns:ds="http://schemas.openxmlformats.org/officeDocument/2006/customXml" ds:itemID="{A09BF4D4-EF60-4196-BFC3-9462D607978C}">
+<ds:datastoreItem xmlns:ds="http://schemas.openxmlformats.org/officeDocument/2006/customXml" ds:itemID="{3836F65B-1B07-41EE-A0E8-BC6EF3855225}">
   <ds:schemaRefs>
-    <ds:schemaRef ds:uri="http://schemas.microsoft.com/office/2006/metadata/contentType"/>
-    <ds:schemaRef ds:uri="http://schemas.microsoft.com/office/2006/metadata/properties/metaAttributes"/>
-    <ds:schemaRef ds:uri="http://www.w3.org/2001/XMLSchema"/>
-    <ds:schemaRef ds:uri="http://schemas.microsoft.com/office/2006/metadata/properties"/>
-    <ds:schemaRef ds:uri="4873beb7-5857-4685-be1f-d57550cc96cc"/>
-    <ds:schemaRef ds:uri="http://schemas.microsoft.com/office/2006/documentManagement/types"/>
-    <ds:schemaRef ds:uri="http://schemas.microsoft.com/office/infopath/2007/PartnerControls"/>
-    <ds:schemaRef ds:uri="http://schemas.openxmlformats.org/package/2006/metadata/core-properties"/>
-    <ds:schemaRef ds:uri="http://purl.org/dc/elements/1.1/"/>
-    <ds:schemaRef ds:uri="http://purl.org/dc/terms/"/>
-    <ds:schemaRef ds:uri="http://schemas.microsoft.com/internal/obd"/>
+    <ds:schemaRef ds:uri="http://schemas.microsoft.com/sharepoint/v3/contenttype/forms"/>
   </ds:schemaRefs>
 </ds:datastoreItem>
 </file>
--- a/Text2Json.pptx
+++ b/Text2Json.pptx
@@ -5,26 +5,30 @@
     <p:sldMasterId id="2147483660" r:id="rId4"/>
   </p:sldMasterIdLst>
   <p:notesMasterIdLst>
-    <p:notesMasterId r:id="rId19"/>
+    <p:notesMasterId r:id="rId23"/>
   </p:notesMasterIdLst>
   <p:handoutMasterIdLst>
-    <p:handoutMasterId r:id="rId20"/>
+    <p:handoutMasterId r:id="rId24"/>
   </p:handoutMasterIdLst>
   <p:sldIdLst>
     <p:sldId id="257" r:id="rId5"/>
     <p:sldId id="268" r:id="rId6"/>
-    <p:sldId id="272" r:id="rId7"/>
-    <p:sldId id="273" r:id="rId8"/>
-    <p:sldId id="279" r:id="rId9"/>
-    <p:sldId id="274" r:id="rId10"/>
-    <p:sldId id="280" r:id="rId11"/>
-    <p:sldId id="281" r:id="rId12"/>
-    <p:sldId id="259" r:id="rId13"/>
-    <p:sldId id="275" r:id="rId14"/>
-    <p:sldId id="276" r:id="rId15"/>
-    <p:sldId id="277" r:id="rId16"/>
-    <p:sldId id="282" r:id="rId17"/>
-    <p:sldId id="278" r:id="rId18"/>
+    <p:sldId id="283" r:id="rId7"/>
+    <p:sldId id="259" r:id="rId8"/>
+    <p:sldId id="287" r:id="rId9"/>
+    <p:sldId id="288" r:id="rId10"/>
+    <p:sldId id="290" r:id="rId11"/>
+    <p:sldId id="272" r:id="rId12"/>
+    <p:sldId id="273" r:id="rId13"/>
+    <p:sldId id="284" r:id="rId14"/>
+    <p:sldId id="279" r:id="rId15"/>
+    <p:sldId id="274" r:id="rId16"/>
+    <p:sldId id="280" r:id="rId17"/>
+    <p:sldId id="281" r:id="rId18"/>
+    <p:sldId id="286" r:id="rId19"/>
+    <p:sldId id="282" r:id="rId20"/>
+    <p:sldId id="285" r:id="rId21"/>
+    <p:sldId id="278" r:id="rId22"/>
   </p:sldIdLst>
   <p:sldSz cx="12188825" cy="6858000"/>
   <p:notesSz cx="6858000" cy="9144000"/>
@@ -249,7 +253,7 @@
                 <a:cs typeface="Tahoma" panose="020B0604030504040204" pitchFamily="34" charset="0"/>
               </a:rPr>
               <a:pPr algn="l" rtl="1"/>
-              <a:t>25 אפריל 17</a:t>
+              <a:t>30 אפריל 17</a:t>
             </a:fld>
             <a:endParaRPr lang="he-IL" dirty="0">
               <a:latin typeface="Tahoma" panose="020B0604030504040204" pitchFamily="34" charset="0"/>
@@ -442,7 +446,7 @@
             <a:fld id="{D36D18A6-F058-41A1-B5F6-5F38D058AE5A}" type="datetime8">
               <a:rPr lang="he-IL" smtClean="0"/>
               <a:pPr/>
-              <a:t>25 אפריל 17</a:t>
+              <a:t>30 אפריל 17</a:t>
             </a:fld>
             <a:endParaRPr lang="he-IL" dirty="0"/>
           </a:p>
@@ -808,6 +812,362 @@
 </p:notes>
 </file>
 
+<file path=ppt/notesSlides/notesSlide10.xml><?xml version="1.0" encoding="utf-8"?>
+<p:notes xmlns:a="http://schemas.openxmlformats.org/drawingml/2006/main" xmlns:r="http://schemas.openxmlformats.org/officeDocument/2006/relationships" xmlns:p="http://schemas.openxmlformats.org/presentationml/2006/main">
+  <p:cSld>
+    <p:spTree>
+      <p:nvGrpSpPr>
+        <p:cNvPr id="1" name=""/>
+        <p:cNvGrpSpPr/>
+        <p:nvPr/>
+      </p:nvGrpSpPr>
+      <p:grpSpPr>
+        <a:xfrm>
+          <a:off x="0" y="0"/>
+          <a:ext cx="0" cy="0"/>
+          <a:chOff x="0" y="0"/>
+          <a:chExt cx="0" cy="0"/>
+        </a:xfrm>
+      </p:grpSpPr>
+      <p:sp>
+        <p:nvSpPr>
+          <p:cNvPr id="2" name="מציין מיקום של תמונת שקופית 1"/>
+          <p:cNvSpPr>
+            <a:spLocks noGrp="1" noRot="1" noChangeAspect="1"/>
+          </p:cNvSpPr>
+          <p:nvPr>
+            <p:ph type="sldImg"/>
+          </p:nvPr>
+        </p:nvSpPr>
+        <p:spPr/>
+      </p:sp>
+      <p:sp>
+        <p:nvSpPr>
+          <p:cNvPr id="3" name="מציין מיקום של הערות 2"/>
+          <p:cNvSpPr>
+            <a:spLocks noGrp="1"/>
+          </p:cNvSpPr>
+          <p:nvPr>
+            <p:ph type="body" idx="1"/>
+          </p:nvPr>
+        </p:nvSpPr>
+        <p:spPr/>
+        <p:txBody>
+          <a:bodyPr/>
+          <a:lstStyle/>
+          <a:p>
+            <a:endParaRPr lang="he-IL" noProof="0" dirty="0">
+              <a:latin typeface="Tahoma" panose="020B0604030504040204" pitchFamily="34" charset="0"/>
+              <a:ea typeface="Tahoma" panose="020B0604030504040204" pitchFamily="34" charset="0"/>
+              <a:cs typeface="Tahoma" panose="020B0604030504040204" pitchFamily="34" charset="0"/>
+            </a:endParaRPr>
+          </a:p>
+        </p:txBody>
+      </p:sp>
+      <p:sp>
+        <p:nvSpPr>
+          <p:cNvPr id="4" name="מציין מיקום של מספר שקופית 3"/>
+          <p:cNvSpPr>
+            <a:spLocks noGrp="1"/>
+          </p:cNvSpPr>
+          <p:nvPr>
+            <p:ph type="sldNum" sz="quarter" idx="10"/>
+          </p:nvPr>
+        </p:nvSpPr>
+        <p:spPr/>
+        <p:txBody>
+          <a:bodyPr/>
+          <a:lstStyle/>
+          <a:p>
+            <a:pPr rtl="1"/>
+            <a:fld id="{3EBA5BD7-F043-4D1B-AA17-CD412FC534DE}" type="slidenum">
+              <a:rPr lang="he-IL" smtClean="0"/>
+              <a:t>13</a:t>
+            </a:fld>
+            <a:endParaRPr lang="he-IL" dirty="0"/>
+          </a:p>
+        </p:txBody>
+      </p:sp>
+    </p:spTree>
+    <p:extLst>
+      <p:ext uri="{BB962C8B-B14F-4D97-AF65-F5344CB8AC3E}">
+        <p14:creationId xmlns:p14="http://schemas.microsoft.com/office/powerpoint/2010/main" val="2600801702"/>
+      </p:ext>
+    </p:extLst>
+  </p:cSld>
+  <p:clrMapOvr>
+    <a:masterClrMapping/>
+  </p:clrMapOvr>
+</p:notes>
+</file>
+
+<file path=ppt/notesSlides/notesSlide11.xml><?xml version="1.0" encoding="utf-8"?>
+<p:notes xmlns:a="http://schemas.openxmlformats.org/drawingml/2006/main" xmlns:r="http://schemas.openxmlformats.org/officeDocument/2006/relationships" xmlns:p="http://schemas.openxmlformats.org/presentationml/2006/main">
+  <p:cSld>
+    <p:spTree>
+      <p:nvGrpSpPr>
+        <p:cNvPr id="1" name=""/>
+        <p:cNvGrpSpPr/>
+        <p:nvPr/>
+      </p:nvGrpSpPr>
+      <p:grpSpPr>
+        <a:xfrm>
+          <a:off x="0" y="0"/>
+          <a:ext cx="0" cy="0"/>
+          <a:chOff x="0" y="0"/>
+          <a:chExt cx="0" cy="0"/>
+        </a:xfrm>
+      </p:grpSpPr>
+      <p:sp>
+        <p:nvSpPr>
+          <p:cNvPr id="2" name="מציין מיקום של תמונת שקופית 1"/>
+          <p:cNvSpPr>
+            <a:spLocks noGrp="1" noRot="1" noChangeAspect="1"/>
+          </p:cNvSpPr>
+          <p:nvPr>
+            <p:ph type="sldImg"/>
+          </p:nvPr>
+        </p:nvSpPr>
+        <p:spPr/>
+      </p:sp>
+      <p:sp>
+        <p:nvSpPr>
+          <p:cNvPr id="3" name="מציין מיקום של הערות 2"/>
+          <p:cNvSpPr>
+            <a:spLocks noGrp="1"/>
+          </p:cNvSpPr>
+          <p:nvPr>
+            <p:ph type="body" idx="1"/>
+          </p:nvPr>
+        </p:nvSpPr>
+        <p:spPr/>
+        <p:txBody>
+          <a:bodyPr/>
+          <a:lstStyle/>
+          <a:p>
+            <a:endParaRPr lang="he-IL" noProof="0" dirty="0">
+              <a:latin typeface="Tahoma" panose="020B0604030504040204" pitchFamily="34" charset="0"/>
+              <a:ea typeface="Tahoma" panose="020B0604030504040204" pitchFamily="34" charset="0"/>
+              <a:cs typeface="Tahoma" panose="020B0604030504040204" pitchFamily="34" charset="0"/>
+            </a:endParaRPr>
+          </a:p>
+        </p:txBody>
+      </p:sp>
+      <p:sp>
+        <p:nvSpPr>
+          <p:cNvPr id="4" name="מציין מיקום של מספר שקופית 3"/>
+          <p:cNvSpPr>
+            <a:spLocks noGrp="1"/>
+          </p:cNvSpPr>
+          <p:nvPr>
+            <p:ph type="sldNum" sz="quarter" idx="10"/>
+          </p:nvPr>
+        </p:nvSpPr>
+        <p:spPr/>
+        <p:txBody>
+          <a:bodyPr/>
+          <a:lstStyle/>
+          <a:p>
+            <a:pPr rtl="1"/>
+            <a:fld id="{3EBA5BD7-F043-4D1B-AA17-CD412FC534DE}" type="slidenum">
+              <a:rPr lang="he-IL" smtClean="0"/>
+              <a:t>15</a:t>
+            </a:fld>
+            <a:endParaRPr lang="he-IL" dirty="0"/>
+          </a:p>
+        </p:txBody>
+      </p:sp>
+    </p:spTree>
+    <p:extLst>
+      <p:ext uri="{BB962C8B-B14F-4D97-AF65-F5344CB8AC3E}">
+        <p14:creationId xmlns:p14="http://schemas.microsoft.com/office/powerpoint/2010/main" val="2075214304"/>
+      </p:ext>
+    </p:extLst>
+  </p:cSld>
+  <p:clrMapOvr>
+    <a:masterClrMapping/>
+  </p:clrMapOvr>
+</p:notes>
+</file>
+
+<file path=ppt/notesSlides/notesSlide12.xml><?xml version="1.0" encoding="utf-8"?>
+<p:notes xmlns:a="http://schemas.openxmlformats.org/drawingml/2006/main" xmlns:r="http://schemas.openxmlformats.org/officeDocument/2006/relationships" xmlns:p="http://schemas.openxmlformats.org/presentationml/2006/main">
+  <p:cSld>
+    <p:spTree>
+      <p:nvGrpSpPr>
+        <p:cNvPr id="1" name=""/>
+        <p:cNvGrpSpPr/>
+        <p:nvPr/>
+      </p:nvGrpSpPr>
+      <p:grpSpPr>
+        <a:xfrm>
+          <a:off x="0" y="0"/>
+          <a:ext cx="0" cy="0"/>
+          <a:chOff x="0" y="0"/>
+          <a:chExt cx="0" cy="0"/>
+        </a:xfrm>
+      </p:grpSpPr>
+      <p:sp>
+        <p:nvSpPr>
+          <p:cNvPr id="2" name="מציין מיקום של תמונת שקופית 1"/>
+          <p:cNvSpPr>
+            <a:spLocks noGrp="1" noRot="1" noChangeAspect="1"/>
+          </p:cNvSpPr>
+          <p:nvPr>
+            <p:ph type="sldImg"/>
+          </p:nvPr>
+        </p:nvSpPr>
+        <p:spPr/>
+      </p:sp>
+      <p:sp>
+        <p:nvSpPr>
+          <p:cNvPr id="3" name="מציין מיקום של הערות 2"/>
+          <p:cNvSpPr>
+            <a:spLocks noGrp="1"/>
+          </p:cNvSpPr>
+          <p:nvPr>
+            <p:ph type="body" idx="1"/>
+          </p:nvPr>
+        </p:nvSpPr>
+        <p:spPr/>
+        <p:txBody>
+          <a:bodyPr/>
+          <a:lstStyle/>
+          <a:p>
+            <a:endParaRPr lang="he-IL" noProof="0" dirty="0">
+              <a:latin typeface="Tahoma" panose="020B0604030504040204" pitchFamily="34" charset="0"/>
+              <a:ea typeface="Tahoma" panose="020B0604030504040204" pitchFamily="34" charset="0"/>
+              <a:cs typeface="Tahoma" panose="020B0604030504040204" pitchFamily="34" charset="0"/>
+            </a:endParaRPr>
+          </a:p>
+        </p:txBody>
+      </p:sp>
+      <p:sp>
+        <p:nvSpPr>
+          <p:cNvPr id="4" name="מציין מיקום של מספר שקופית 3"/>
+          <p:cNvSpPr>
+            <a:spLocks noGrp="1"/>
+          </p:cNvSpPr>
+          <p:nvPr>
+            <p:ph type="sldNum" sz="quarter" idx="10"/>
+          </p:nvPr>
+        </p:nvSpPr>
+        <p:spPr/>
+        <p:txBody>
+          <a:bodyPr/>
+          <a:lstStyle/>
+          <a:p>
+            <a:pPr rtl="1"/>
+            <a:fld id="{3EBA5BD7-F043-4D1B-AA17-CD412FC534DE}" type="slidenum">
+              <a:rPr lang="he-IL" smtClean="0"/>
+              <a:t>16</a:t>
+            </a:fld>
+            <a:endParaRPr lang="he-IL" dirty="0"/>
+          </a:p>
+        </p:txBody>
+      </p:sp>
+    </p:spTree>
+    <p:extLst>
+      <p:ext uri="{BB962C8B-B14F-4D97-AF65-F5344CB8AC3E}">
+        <p14:creationId xmlns:p14="http://schemas.microsoft.com/office/powerpoint/2010/main" val="1822354863"/>
+      </p:ext>
+    </p:extLst>
+  </p:cSld>
+  <p:clrMapOvr>
+    <a:masterClrMapping/>
+  </p:clrMapOvr>
+</p:notes>
+</file>
+
+<file path=ppt/notesSlides/notesSlide13.xml><?xml version="1.0" encoding="utf-8"?>
+<p:notes xmlns:a="http://schemas.openxmlformats.org/drawingml/2006/main" xmlns:r="http://schemas.openxmlformats.org/officeDocument/2006/relationships" xmlns:p="http://schemas.openxmlformats.org/presentationml/2006/main">
+  <p:cSld>
+    <p:spTree>
+      <p:nvGrpSpPr>
+        <p:cNvPr id="1" name=""/>
+        <p:cNvGrpSpPr/>
+        <p:nvPr/>
+      </p:nvGrpSpPr>
+      <p:grpSpPr>
+        <a:xfrm>
+          <a:off x="0" y="0"/>
+          <a:ext cx="0" cy="0"/>
+          <a:chOff x="0" y="0"/>
+          <a:chExt cx="0" cy="0"/>
+        </a:xfrm>
+      </p:grpSpPr>
+      <p:sp>
+        <p:nvSpPr>
+          <p:cNvPr id="2" name="מציין מיקום של תמונת שקופית 1"/>
+          <p:cNvSpPr>
+            <a:spLocks noGrp="1" noRot="1" noChangeAspect="1"/>
+          </p:cNvSpPr>
+          <p:nvPr>
+            <p:ph type="sldImg"/>
+          </p:nvPr>
+        </p:nvSpPr>
+        <p:spPr/>
+      </p:sp>
+      <p:sp>
+        <p:nvSpPr>
+          <p:cNvPr id="3" name="מציין מיקום של הערות 2"/>
+          <p:cNvSpPr>
+            <a:spLocks noGrp="1"/>
+          </p:cNvSpPr>
+          <p:nvPr>
+            <p:ph type="body" idx="1"/>
+          </p:nvPr>
+        </p:nvSpPr>
+        <p:spPr/>
+        <p:txBody>
+          <a:bodyPr/>
+          <a:lstStyle/>
+          <a:p>
+            <a:endParaRPr lang="he-IL" noProof="0" dirty="0">
+              <a:latin typeface="Tahoma" panose="020B0604030504040204" pitchFamily="34" charset="0"/>
+              <a:ea typeface="Tahoma" panose="020B0604030504040204" pitchFamily="34" charset="0"/>
+              <a:cs typeface="Tahoma" panose="020B0604030504040204" pitchFamily="34" charset="0"/>
+            </a:endParaRPr>
+          </a:p>
+        </p:txBody>
+      </p:sp>
+      <p:sp>
+        <p:nvSpPr>
+          <p:cNvPr id="4" name="מציין מיקום של מספר שקופית 3"/>
+          <p:cNvSpPr>
+            <a:spLocks noGrp="1"/>
+          </p:cNvSpPr>
+          <p:nvPr>
+            <p:ph type="sldNum" sz="quarter" idx="10"/>
+          </p:nvPr>
+        </p:nvSpPr>
+        <p:spPr/>
+        <p:txBody>
+          <a:bodyPr/>
+          <a:lstStyle/>
+          <a:p>
+            <a:pPr rtl="1"/>
+            <a:fld id="{3EBA5BD7-F043-4D1B-AA17-CD412FC534DE}" type="slidenum">
+              <a:rPr lang="he-IL" smtClean="0"/>
+              <a:t>17</a:t>
+            </a:fld>
+            <a:endParaRPr lang="he-IL" dirty="0"/>
+          </a:p>
+        </p:txBody>
+      </p:sp>
+    </p:spTree>
+    <p:extLst>
+      <p:ext uri="{BB962C8B-B14F-4D97-AF65-F5344CB8AC3E}">
+        <p14:creationId xmlns:p14="http://schemas.microsoft.com/office/powerpoint/2010/main" val="3574786139"/>
+      </p:ext>
+    </p:extLst>
+  </p:cSld>
+  <p:clrMapOvr>
+    <a:masterClrMapping/>
+  </p:clrMapOvr>
+</p:notes>
+</file>
+
 <file path=ppt/notesSlides/notesSlide2.xml><?xml version="1.0" encoding="utf-8"?>
 <p:notes xmlns:a="http://schemas.openxmlformats.org/drawingml/2006/main" xmlns:r="http://schemas.openxmlformats.org/officeDocument/2006/relationships" xmlns:p="http://schemas.openxmlformats.org/presentationml/2006/main">
   <p:cSld>
@@ -976,7 +1336,7 @@
     </p:spTree>
     <p:extLst>
       <p:ext uri="{BB962C8B-B14F-4D97-AF65-F5344CB8AC3E}">
-        <p14:creationId xmlns:p14="http://schemas.microsoft.com/office/powerpoint/2010/main" val="487218427"/>
+        <p14:creationId xmlns:p14="http://schemas.microsoft.com/office/powerpoint/2010/main" val="2842184477"/>
       </p:ext>
     </p:extLst>
   </p:cSld>
@@ -1065,7 +1425,7 @@
     </p:spTree>
     <p:extLst>
       <p:ext uri="{BB962C8B-B14F-4D97-AF65-F5344CB8AC3E}">
-        <p14:creationId xmlns:p14="http://schemas.microsoft.com/office/powerpoint/2010/main" val="216776116"/>
+        <p14:creationId xmlns:p14="http://schemas.microsoft.com/office/powerpoint/2010/main" val="2790573086"/>
       </p:ext>
     </p:extLst>
   </p:cSld>
@@ -1145,7 +1505,7 @@
             <a:pPr rtl="1"/>
             <a:fld id="{3EBA5BD7-F043-4D1B-AA17-CD412FC534DE}" type="slidenum">
               <a:rPr lang="he-IL" smtClean="0"/>
-              <a:t>5</a:t>
+              <a:t>8</a:t>
             </a:fld>
             <a:endParaRPr lang="he-IL" dirty="0"/>
           </a:p>
@@ -1154,7 +1514,7 @@
     </p:spTree>
     <p:extLst>
       <p:ext uri="{BB962C8B-B14F-4D97-AF65-F5344CB8AC3E}">
-        <p14:creationId xmlns:p14="http://schemas.microsoft.com/office/powerpoint/2010/main" val="2829970736"/>
+        <p14:creationId xmlns:p14="http://schemas.microsoft.com/office/powerpoint/2010/main" val="487218427"/>
       </p:ext>
     </p:extLst>
   </p:cSld>
@@ -1234,7 +1594,7 @@
             <a:pPr rtl="1"/>
             <a:fld id="{3EBA5BD7-F043-4D1B-AA17-CD412FC534DE}" type="slidenum">
               <a:rPr lang="he-IL" smtClean="0"/>
-              <a:t>6</a:t>
+              <a:t>9</a:t>
             </a:fld>
             <a:endParaRPr lang="he-IL" dirty="0"/>
           </a:p>
@@ -1243,7 +1603,7 @@
     </p:spTree>
     <p:extLst>
       <p:ext uri="{BB962C8B-B14F-4D97-AF65-F5344CB8AC3E}">
-        <p14:creationId xmlns:p14="http://schemas.microsoft.com/office/powerpoint/2010/main" val="103823260"/>
+        <p14:creationId xmlns:p14="http://schemas.microsoft.com/office/powerpoint/2010/main" val="216776116"/>
       </p:ext>
     </p:extLst>
   </p:cSld>
@@ -1323,7 +1683,7 @@
             <a:pPr rtl="1"/>
             <a:fld id="{3EBA5BD7-F043-4D1B-AA17-CD412FC534DE}" type="slidenum">
               <a:rPr lang="he-IL" smtClean="0"/>
-              <a:t>7</a:t>
+              <a:t>10</a:t>
             </a:fld>
             <a:endParaRPr lang="he-IL" dirty="0"/>
           </a:p>
@@ -1332,7 +1692,7 @@
     </p:spTree>
     <p:extLst>
       <p:ext uri="{BB962C8B-B14F-4D97-AF65-F5344CB8AC3E}">
-        <p14:creationId xmlns:p14="http://schemas.microsoft.com/office/powerpoint/2010/main" val="2600801702"/>
+        <p14:creationId xmlns:p14="http://schemas.microsoft.com/office/powerpoint/2010/main" val="3288308019"/>
       </p:ext>
     </p:extLst>
   </p:cSld>
@@ -1412,7 +1772,7 @@
             <a:pPr rtl="1"/>
             <a:fld id="{3EBA5BD7-F043-4D1B-AA17-CD412FC534DE}" type="slidenum">
               <a:rPr lang="he-IL" smtClean="0"/>
-              <a:t>9</a:t>
+              <a:t>11</a:t>
             </a:fld>
             <a:endParaRPr lang="he-IL" dirty="0"/>
           </a:p>
@@ -1421,7 +1781,7 @@
     </p:spTree>
     <p:extLst>
       <p:ext uri="{BB962C8B-B14F-4D97-AF65-F5344CB8AC3E}">
-        <p14:creationId xmlns:p14="http://schemas.microsoft.com/office/powerpoint/2010/main" val="2790573086"/>
+        <p14:creationId xmlns:p14="http://schemas.microsoft.com/office/powerpoint/2010/main" val="2829970736"/>
       </p:ext>
     </p:extLst>
   </p:cSld>
@@ -1501,7 +1861,7 @@
             <a:pPr rtl="1"/>
             <a:fld id="{3EBA5BD7-F043-4D1B-AA17-CD412FC534DE}" type="slidenum">
               <a:rPr lang="he-IL" smtClean="0"/>
-              <a:t>13</a:t>
+              <a:t>12</a:t>
             </a:fld>
             <a:endParaRPr lang="he-IL" dirty="0"/>
           </a:p>
@@ -1510,7 +1870,7 @@
     </p:spTree>
     <p:extLst>
       <p:ext uri="{BB962C8B-B14F-4D97-AF65-F5344CB8AC3E}">
-        <p14:creationId xmlns:p14="http://schemas.microsoft.com/office/powerpoint/2010/main" val="1822354863"/>
+        <p14:creationId xmlns:p14="http://schemas.microsoft.com/office/powerpoint/2010/main" val="103823260"/>
       </p:ext>
     </p:extLst>
   </p:cSld>
@@ -2306,7 +2666,7 @@
             <a:fld id="{EE734A5D-85F8-4CEA-8555-40F0628EC813}" type="datetime8">
               <a:rPr lang="he-IL" smtClean="0"/>
               <a:pPr/>
-              <a:t>25 אפריל 17</a:t>
+              <a:t>30 אפריל 17</a:t>
             </a:fld>
             <a:endParaRPr lang="he-IL" dirty="0"/>
           </a:p>
@@ -2527,7 +2887,7 @@
             <a:fld id="{1119843A-5965-4066-8F77-17C9F5971B42}" type="datetime8">
               <a:rPr lang="he-IL" smtClean="0"/>
               <a:pPr/>
-              <a:t>25 אפריל 17</a:t>
+              <a:t>30 אפריל 17</a:t>
             </a:fld>
             <a:endParaRPr lang="he-IL" dirty="0"/>
           </a:p>
@@ -2743,7 +3103,7 @@
             <a:fld id="{C182BE10-A012-478F-970D-02B33AB60D30}" type="datetime8">
               <a:rPr lang="he-IL" smtClean="0"/>
               <a:pPr/>
-              <a:t>25 אפריל 17</a:t>
+              <a:t>30 אפריל 17</a:t>
             </a:fld>
             <a:endParaRPr lang="he-IL" dirty="0"/>
           </a:p>
@@ -2949,7 +3309,7 @@
             <a:fld id="{3A869A44-3F56-4F54-851E-D9BA2BFA2D93}" type="datetime8">
               <a:rPr lang="he-IL" smtClean="0"/>
               <a:pPr/>
-              <a:t>25 אפריל 17</a:t>
+              <a:t>30 אפריל 17</a:t>
             </a:fld>
             <a:endParaRPr lang="he-IL" dirty="0"/>
           </a:p>
@@ -3389,7 +3749,7 @@
             <a:fld id="{DD0C3948-2FFE-4251-B2D0-00A3090E8774}" type="datetime8">
               <a:rPr lang="he-IL" smtClean="0"/>
               <a:pPr/>
-              <a:t>25 אפריל 17</a:t>
+              <a:t>30 אפריל 17</a:t>
             </a:fld>
             <a:endParaRPr lang="he-IL" dirty="0"/>
           </a:p>
@@ -3701,7 +4061,7 @@
             <a:fld id="{601DD720-C7C4-4F5E-BF2F-F38FF18DE6CB}" type="datetime8">
               <a:rPr lang="he-IL" smtClean="0"/>
               <a:pPr/>
-              <a:t>25 אפריל 17</a:t>
+              <a:t>30 אפריל 17</a:t>
             </a:fld>
             <a:endParaRPr lang="he-IL" dirty="0"/>
           </a:p>
@@ -4165,7 +4525,7 @@
             <a:fld id="{7B38CB8E-D5B9-4AD4-89B7-927A08FC54C4}" type="datetime8">
               <a:rPr lang="he-IL" smtClean="0"/>
               <a:pPr/>
-              <a:t>25 אפריל 17</a:t>
+              <a:t>30 אפריל 17</a:t>
             </a:fld>
             <a:endParaRPr lang="he-IL" dirty="0"/>
           </a:p>
@@ -4303,7 +4663,7 @@
             <a:fld id="{3363B414-CCC6-4B2F-9B9E-496E849E2F49}" type="datetime8">
               <a:rPr lang="he-IL" smtClean="0"/>
               <a:pPr/>
-              <a:t>25 אפריל 17</a:t>
+              <a:t>30 אפריל 17</a:t>
             </a:fld>
             <a:endParaRPr lang="he-IL" dirty="0"/>
           </a:p>
@@ -4417,7 +4777,7 @@
             <a:fld id="{28B2DB12-7FB4-4139-911D-01C2854CADD1}" type="datetime8">
               <a:rPr lang="he-IL" smtClean="0"/>
               <a:pPr/>
-              <a:t>25 אפריל 17</a:t>
+              <a:t>30 אפריל 17</a:t>
             </a:fld>
             <a:endParaRPr lang="he-IL" dirty="0"/>
           </a:p>
@@ -4724,7 +5084,7 @@
             <a:fld id="{B9926EAD-8A3F-4654-BFDC-4787BF188C03}" type="datetime8">
               <a:rPr lang="he-IL" smtClean="0"/>
               <a:pPr/>
-              <a:t>25 אפריל 17</a:t>
+              <a:t>30 אפריל 17</a:t>
             </a:fld>
             <a:endParaRPr lang="he-IL" dirty="0"/>
           </a:p>
@@ -5021,7 +5381,7 @@
             <a:fld id="{7CF51E49-901D-4930-8C53-00BD23E56F80}" type="datetime8">
               <a:rPr lang="he-IL" smtClean="0"/>
               <a:pPr/>
-              <a:t>25 אפריל 17</a:t>
+              <a:t>30 אפריל 17</a:t>
             </a:fld>
             <a:endParaRPr lang="he-IL" dirty="0"/>
           </a:p>
@@ -5659,7 +6019,7 @@
             <a:fld id="{9EA7507E-11BB-4C1E-A24E-B80FE17FB488}" type="datetime8">
               <a:rPr lang="he-IL" smtClean="0"/>
               <a:pPr/>
-              <a:t>25 אפריל 17</a:t>
+              <a:t>30 אפריל 17</a:t>
             </a:fld>
             <a:endParaRPr lang="he-IL" dirty="0"/>
           </a:p>
@@ -6318,23 +6678,115 @@
           <a:chExt cx="0" cy="0"/>
         </a:xfrm>
       </p:grpSpPr>
+      <p:sp>
+        <p:nvSpPr>
+          <p:cNvPr id="13" name="כותרת 12"/>
+          <p:cNvSpPr>
+            <a:spLocks noGrp="1"/>
+          </p:cNvSpPr>
+          <p:nvPr>
+            <p:ph type="title"/>
+          </p:nvPr>
+        </p:nvSpPr>
+        <p:spPr/>
+        <p:txBody>
+          <a:bodyPr rtlCol="1"/>
+          <a:lstStyle/>
+          <a:p>
+            <a:pPr algn="l" rtl="1"/>
+            <a:r>
+              <a:rPr lang="en-US" b="1" dirty="0" smtClean="0"/>
+              <a:t>Register Matchers</a:t>
+            </a:r>
+            <a:endParaRPr lang="he-IL" b="1" dirty="0"/>
+          </a:p>
+        </p:txBody>
+      </p:sp>
+      <p:sp>
+        <p:nvSpPr>
+          <p:cNvPr id="14" name="מציין מיקום תוכן 13"/>
+          <p:cNvSpPr>
+            <a:spLocks noGrp="1"/>
+          </p:cNvSpPr>
+          <p:nvPr>
+            <p:ph idx="1"/>
+          </p:nvPr>
+        </p:nvSpPr>
+        <p:spPr/>
+        <p:txBody>
+          <a:bodyPr rtlCol="1"/>
+          <a:lstStyle/>
+          <a:p>
+            <a:pPr marL="0" indent="0" algn="l" rtl="0">
+              <a:buNone/>
+            </a:pPr>
+            <a:r>
+              <a:rPr lang="en-US" dirty="0" smtClean="0">
+                <a:solidFill>
+                  <a:srgbClr val="008080"/>
+                </a:solidFill>
+              </a:rPr>
+              <a:t>Line</a:t>
+            </a:r>
+            <a:r>
+              <a:rPr lang="en-US" dirty="0" smtClean="0"/>
+              <a:t> </a:t>
+            </a:r>
+            <a:r>
+              <a:rPr lang="en-US" dirty="0"/>
+              <a:t>- A class with a set of functions for examining the text. Use it to </a:t>
+            </a:r>
+            <a:r>
+              <a:rPr lang="en-US" dirty="0" smtClean="0"/>
+              <a:t>write </a:t>
+            </a:r>
+            <a:r>
+              <a:rPr lang="en-US" dirty="0"/>
+              <a:t>the matching </a:t>
+            </a:r>
+            <a:r>
+              <a:rPr lang="en-US" dirty="0" smtClean="0"/>
+              <a:t>rule i.e. </a:t>
+            </a:r>
+            <a:r>
+              <a:rPr lang="en-US" dirty="0" err="1" smtClean="0"/>
+              <a:t>line.contains</a:t>
+            </a:r>
+            <a:r>
+              <a:rPr lang="en-US" dirty="0" smtClean="0"/>
+              <a:t>(“hello”)</a:t>
+            </a:r>
+            <a:endParaRPr lang="en-US" dirty="0"/>
+          </a:p>
+          <a:p>
+            <a:pPr marL="0" indent="0" algn="l" rtl="0">
+              <a:buNone/>
+            </a:pPr>
+            <a:endParaRPr lang="he-IL" dirty="0">
+              <a:latin typeface="Tahoma" panose="020B0604030504040204" pitchFamily="34" charset="0"/>
+              <a:ea typeface="Tahoma" panose="020B0604030504040204" pitchFamily="34" charset="0"/>
+              <a:cs typeface="Tahoma" panose="020B0604030504040204" pitchFamily="34" charset="0"/>
+            </a:endParaRPr>
+          </a:p>
+        </p:txBody>
+      </p:sp>
       <p:pic>
         <p:nvPicPr>
-          <p:cNvPr id="4" name="תמונה 3"/>
+          <p:cNvPr id="2" name="תמונה 1"/>
           <p:cNvPicPr>
             <a:picLocks noChangeAspect="1"/>
           </p:cNvPicPr>
           <p:nvPr/>
         </p:nvPicPr>
         <p:blipFill rotWithShape="1">
-          <a:blip r:embed="rId2"/>
-          <a:srcRect l="973" b="20737"/>
+          <a:blip r:embed="rId3"/>
+          <a:srcRect b="15573"/>
           <a:stretch/>
         </p:blipFill>
         <p:spPr>
           <a:xfrm>
-            <a:off x="150812" y="152400"/>
-            <a:ext cx="7753350" cy="3276600"/>
+            <a:off x="760411" y="2667000"/>
+            <a:ext cx="4396789" cy="3657600"/>
           </a:xfrm>
           <a:prstGeom prst="rect">
             <a:avLst/>
@@ -6343,7 +6795,423 @@
       </p:pic>
       <p:pic>
         <p:nvPicPr>
-          <p:cNvPr id="5" name="תמונה 4"/>
+          <p:cNvPr id="4098" name="Picture 2" descr="Related image"/>
+          <p:cNvPicPr>
+            <a:picLocks noChangeAspect="1" noChangeArrowheads="1"/>
+          </p:cNvPicPr>
+          <p:nvPr/>
+        </p:nvPicPr>
+        <p:blipFill>
+          <a:blip r:embed="rId4" cstate="print">
+            <a:extLst>
+              <a:ext uri="{28A0092B-C50C-407E-A947-70E740481C1C}">
+                <a14:useLocalDpi xmlns:a14="http://schemas.microsoft.com/office/drawing/2010/main" val="0"/>
+              </a:ext>
+            </a:extLst>
+          </a:blip>
+          <a:srcRect/>
+          <a:stretch>
+            <a:fillRect/>
+          </a:stretch>
+        </p:blipFill>
+        <p:spPr bwMode="auto">
+          <a:xfrm>
+            <a:off x="9622098" y="4876800"/>
+            <a:ext cx="1447800" cy="1447800"/>
+          </a:xfrm>
+          <a:prstGeom prst="rect">
+            <a:avLst/>
+          </a:prstGeom>
+          <a:noFill/>
+          <a:extLst>
+            <a:ext uri="{909E8E84-426E-40DD-AFC4-6F175D3DCCD1}">
+              <a14:hiddenFill xmlns:a14="http://schemas.microsoft.com/office/drawing/2010/main">
+                <a:solidFill>
+                  <a:srgbClr val="FFFFFF"/>
+                </a:solidFill>
+              </a14:hiddenFill>
+            </a:ext>
+          </a:extLst>
+        </p:spPr>
+      </p:pic>
+    </p:spTree>
+    <p:extLst>
+      <p:ext uri="{BB962C8B-B14F-4D97-AF65-F5344CB8AC3E}">
+        <p14:creationId xmlns:p14="http://schemas.microsoft.com/office/powerpoint/2010/main" val="1343664175"/>
+      </p:ext>
+    </p:extLst>
+  </p:cSld>
+  <p:clrMapOvr>
+    <a:masterClrMapping/>
+  </p:clrMapOvr>
+  <mc:AlternateContent xmlns:mc="http://schemas.openxmlformats.org/markup-compatibility/2006" xmlns:p14="http://schemas.microsoft.com/office/powerpoint/2010/main">
+    <mc:Choice Requires="p14">
+      <p:transition spd="med" p14:dur="700">
+        <p:fade/>
+      </p:transition>
+    </mc:Choice>
+    <mc:Fallback xmlns="">
+      <p:transition spd="med">
+        <p:fade/>
+      </p:transition>
+    </mc:Fallback>
+  </mc:AlternateContent>
+  <p:timing>
+    <p:tnLst>
+      <p:par>
+        <p:cTn id="1" dur="indefinite" restart="never" nodeType="tmRoot"/>
+      </p:par>
+    </p:tnLst>
+  </p:timing>
+</p:sld>
+</file>
+
+<file path=ppt/slides/slide11.xml><?xml version="1.0" encoding="utf-8"?>
+<p:sld xmlns:a="http://schemas.openxmlformats.org/drawingml/2006/main" xmlns:r="http://schemas.openxmlformats.org/officeDocument/2006/relationships" xmlns:p="http://schemas.openxmlformats.org/presentationml/2006/main">
+  <p:cSld>
+    <p:spTree>
+      <p:nvGrpSpPr>
+        <p:cNvPr id="1" name=""/>
+        <p:cNvGrpSpPr/>
+        <p:nvPr/>
+      </p:nvGrpSpPr>
+      <p:grpSpPr>
+        <a:xfrm>
+          <a:off x="0" y="0"/>
+          <a:ext cx="0" cy="0"/>
+          <a:chOff x="0" y="0"/>
+          <a:chExt cx="0" cy="0"/>
+        </a:xfrm>
+      </p:grpSpPr>
+      <p:sp>
+        <p:nvSpPr>
+          <p:cNvPr id="13" name="כותרת 12"/>
+          <p:cNvSpPr>
+            <a:spLocks noGrp="1"/>
+          </p:cNvSpPr>
+          <p:nvPr>
+            <p:ph type="title"/>
+          </p:nvPr>
+        </p:nvSpPr>
+        <p:spPr/>
+        <p:txBody>
+          <a:bodyPr rtlCol="1"/>
+          <a:lstStyle/>
+          <a:p>
+            <a:pPr algn="l" rtl="1"/>
+            <a:r>
+              <a:rPr lang="en-US" b="1" dirty="0" smtClean="0"/>
+              <a:t>Some of the functions provided by the Line class</a:t>
+            </a:r>
+            <a:endParaRPr lang="he-IL" b="1" dirty="0"/>
+          </a:p>
+        </p:txBody>
+      </p:sp>
+      <p:sp>
+        <p:nvSpPr>
+          <p:cNvPr id="14" name="מציין מיקום תוכן 13"/>
+          <p:cNvSpPr>
+            <a:spLocks noGrp="1"/>
+          </p:cNvSpPr>
+          <p:nvPr>
+            <p:ph idx="1"/>
+          </p:nvPr>
+        </p:nvSpPr>
+        <p:spPr/>
+        <p:txBody>
+          <a:bodyPr rtlCol="1"/>
+          <a:lstStyle/>
+          <a:p>
+            <a:pPr algn="l" rtl="0"/>
+            <a:r>
+              <a:rPr lang="en-US" dirty="0" smtClean="0"/>
+              <a:t>Get line</a:t>
+            </a:r>
+          </a:p>
+          <a:p>
+            <a:pPr algn="l" rtl="0"/>
+            <a:r>
+              <a:rPr lang="en-US" dirty="0" smtClean="0"/>
+              <a:t>Begins with</a:t>
+            </a:r>
+          </a:p>
+          <a:p>
+            <a:pPr algn="l" rtl="0"/>
+            <a:r>
+              <a:rPr lang="en-US" dirty="0" smtClean="0"/>
+              <a:t>Ends with</a:t>
+            </a:r>
+          </a:p>
+          <a:p>
+            <a:pPr algn="l" rtl="0"/>
+            <a:r>
+              <a:rPr lang="en-US" dirty="0" smtClean="0"/>
+              <a:t>Contains</a:t>
+            </a:r>
+          </a:p>
+          <a:p>
+            <a:pPr algn="l" rtl="0"/>
+            <a:r>
+              <a:rPr lang="en-US" dirty="0" smtClean="0"/>
+              <a:t>Word count</a:t>
+            </a:r>
+          </a:p>
+          <a:p>
+            <a:pPr algn="l" rtl="0"/>
+            <a:r>
+              <a:rPr lang="en-US" dirty="0" smtClean="0"/>
+              <a:t>Extract</a:t>
+            </a:r>
+          </a:p>
+          <a:p>
+            <a:pPr algn="l" rtl="0"/>
+            <a:r>
+              <a:rPr lang="en-US" dirty="0" smtClean="0"/>
+              <a:t>Get first word</a:t>
+            </a:r>
+          </a:p>
+          <a:p>
+            <a:pPr marL="514350" indent="-514350" algn="l" rtl="0">
+              <a:buAutoNum type="arabicPeriod"/>
+            </a:pPr>
+            <a:endParaRPr lang="en-US" dirty="0" smtClean="0"/>
+          </a:p>
+          <a:p>
+            <a:pPr marL="0" indent="0" algn="l" rtl="0">
+              <a:buNone/>
+            </a:pPr>
+            <a:endParaRPr lang="en-US" dirty="0" smtClean="0"/>
+          </a:p>
+          <a:p>
+            <a:pPr marL="514350" indent="-514350" algn="l" rtl="0">
+              <a:buAutoNum type="arabicPeriod"/>
+            </a:pPr>
+            <a:endParaRPr lang="en-US" dirty="0" smtClean="0"/>
+          </a:p>
+          <a:p>
+            <a:pPr marL="0" indent="0" algn="l" rtl="0">
+              <a:buNone/>
+            </a:pPr>
+            <a:endParaRPr lang="he-IL" dirty="0">
+              <a:latin typeface="Tahoma" panose="020B0604030504040204" pitchFamily="34" charset="0"/>
+              <a:ea typeface="Tahoma" panose="020B0604030504040204" pitchFamily="34" charset="0"/>
+              <a:cs typeface="Tahoma" panose="020B0604030504040204" pitchFamily="34" charset="0"/>
+            </a:endParaRPr>
+          </a:p>
+        </p:txBody>
+      </p:sp>
+      <p:pic>
+        <p:nvPicPr>
+          <p:cNvPr id="3074" name="Picture 2" descr="Image result for parser icon"/>
+          <p:cNvPicPr>
+            <a:picLocks noChangeAspect="1" noChangeArrowheads="1"/>
+          </p:cNvPicPr>
+          <p:nvPr/>
+        </p:nvPicPr>
+        <p:blipFill>
+          <a:blip r:embed="rId3">
+            <a:extLst>
+              <a:ext uri="{28A0092B-C50C-407E-A947-70E740481C1C}">
+                <a14:useLocalDpi xmlns:a14="http://schemas.microsoft.com/office/drawing/2010/main" val="0"/>
+              </a:ext>
+            </a:extLst>
+          </a:blip>
+          <a:srcRect/>
+          <a:stretch>
+            <a:fillRect/>
+          </a:stretch>
+        </p:blipFill>
+        <p:spPr bwMode="auto">
+          <a:xfrm>
+            <a:off x="9752012" y="4800600"/>
+            <a:ext cx="1676400" cy="1676400"/>
+          </a:xfrm>
+          <a:prstGeom prst="rect">
+            <a:avLst/>
+          </a:prstGeom>
+          <a:noFill/>
+          <a:extLst>
+            <a:ext uri="{909E8E84-426E-40DD-AFC4-6F175D3DCCD1}">
+              <a14:hiddenFill xmlns:a14="http://schemas.microsoft.com/office/drawing/2010/main">
+                <a:solidFill>
+                  <a:srgbClr val="FFFFFF"/>
+                </a:solidFill>
+              </a14:hiddenFill>
+            </a:ext>
+          </a:extLst>
+        </p:spPr>
+      </p:pic>
+    </p:spTree>
+    <p:extLst>
+      <p:ext uri="{BB962C8B-B14F-4D97-AF65-F5344CB8AC3E}">
+        <p14:creationId xmlns:p14="http://schemas.microsoft.com/office/powerpoint/2010/main" val="698322799"/>
+      </p:ext>
+    </p:extLst>
+  </p:cSld>
+  <p:clrMapOvr>
+    <a:masterClrMapping/>
+  </p:clrMapOvr>
+  <mc:AlternateContent xmlns:mc="http://schemas.openxmlformats.org/markup-compatibility/2006" xmlns:p14="http://schemas.microsoft.com/office/powerpoint/2010/main">
+    <mc:Choice Requires="p14">
+      <p:transition spd="med" p14:dur="700">
+        <p:fade/>
+      </p:transition>
+    </mc:Choice>
+    <mc:Fallback xmlns="">
+      <p:transition spd="med">
+        <p:fade/>
+      </p:transition>
+    </mc:Fallback>
+  </mc:AlternateContent>
+  <p:timing>
+    <p:tnLst>
+      <p:par>
+        <p:cTn id="1" dur="indefinite" restart="never" nodeType="tmRoot"/>
+      </p:par>
+    </p:tnLst>
+  </p:timing>
+</p:sld>
+</file>
+
+<file path=ppt/slides/slide12.xml><?xml version="1.0" encoding="utf-8"?>
+<p:sld xmlns:a="http://schemas.openxmlformats.org/drawingml/2006/main" xmlns:r="http://schemas.openxmlformats.org/officeDocument/2006/relationships" xmlns:p="http://schemas.openxmlformats.org/presentationml/2006/main">
+  <p:cSld>
+    <p:spTree>
+      <p:nvGrpSpPr>
+        <p:cNvPr id="1" name=""/>
+        <p:cNvGrpSpPr/>
+        <p:nvPr/>
+      </p:nvGrpSpPr>
+      <p:grpSpPr>
+        <a:xfrm>
+          <a:off x="0" y="0"/>
+          <a:ext cx="0" cy="0"/>
+          <a:chOff x="0" y="0"/>
+          <a:chExt cx="0" cy="0"/>
+        </a:xfrm>
+      </p:grpSpPr>
+      <p:sp>
+        <p:nvSpPr>
+          <p:cNvPr id="13" name="כותרת 12"/>
+          <p:cNvSpPr>
+            <a:spLocks noGrp="1"/>
+          </p:cNvSpPr>
+          <p:nvPr>
+            <p:ph type="title"/>
+          </p:nvPr>
+        </p:nvSpPr>
+        <p:spPr/>
+        <p:txBody>
+          <a:bodyPr rtlCol="1"/>
+          <a:lstStyle/>
+          <a:p>
+            <a:pPr algn="l" rtl="1"/>
+            <a:r>
+              <a:rPr lang="en-US" b="1" dirty="0" smtClean="0"/>
+              <a:t>On Line Match</a:t>
+            </a:r>
+            <a:endParaRPr lang="he-IL" b="1" dirty="0"/>
+          </a:p>
+        </p:txBody>
+      </p:sp>
+      <p:sp>
+        <p:nvSpPr>
+          <p:cNvPr id="14" name="מציין מיקום תוכן 13"/>
+          <p:cNvSpPr>
+            <a:spLocks noGrp="1"/>
+          </p:cNvSpPr>
+          <p:nvPr>
+            <p:ph idx="1"/>
+          </p:nvPr>
+        </p:nvSpPr>
+        <p:spPr/>
+        <p:txBody>
+          <a:bodyPr rtlCol="1"/>
+          <a:lstStyle/>
+          <a:p>
+            <a:pPr marL="514350" indent="-514350" algn="l" rtl="0">
+              <a:buFont typeface="Arial" pitchFamily="34" charset="0"/>
+              <a:buAutoNum type="arabicPeriod"/>
+            </a:pPr>
+            <a:r>
+              <a:rPr lang="en-US" dirty="0" smtClean="0"/>
+              <a:t>A call </a:t>
+            </a:r>
+            <a:r>
+              <a:rPr lang="en-US" dirty="0" smtClean="0"/>
+              <a:t>back </a:t>
+            </a:r>
+            <a:r>
+              <a:rPr lang="en-US" dirty="0" smtClean="0"/>
+              <a:t>function called by the program </a:t>
+            </a:r>
+            <a:r>
+              <a:rPr lang="en-US" dirty="0" smtClean="0"/>
+              <a:t>upon </a:t>
+            </a:r>
+            <a:r>
+              <a:rPr lang="en-US" dirty="0" smtClean="0"/>
+              <a:t>matching a matcher as defined in the Register </a:t>
+            </a:r>
+            <a:r>
+              <a:rPr lang="en-US" dirty="0"/>
+              <a:t>M</a:t>
+            </a:r>
+            <a:r>
+              <a:rPr lang="en-US" dirty="0" smtClean="0"/>
+              <a:t>atchers phase </a:t>
+            </a:r>
+            <a:endParaRPr lang="en-US" dirty="0" smtClean="0"/>
+          </a:p>
+          <a:p>
+            <a:pPr marL="514350" indent="-514350" algn="l" rtl="0">
+              <a:buFont typeface="Arial" pitchFamily="34" charset="0"/>
+              <a:buAutoNum type="arabicPeriod"/>
+            </a:pPr>
+            <a:r>
+              <a:rPr lang="en-US" dirty="0" err="1" smtClean="0"/>
+              <a:t>JsonObject</a:t>
+            </a:r>
+            <a:r>
+              <a:rPr lang="en-US" dirty="0" smtClean="0"/>
+              <a:t> – A class for easily writing to a </a:t>
+            </a:r>
+            <a:r>
+              <a:rPr lang="en-US" dirty="0" err="1" smtClean="0"/>
+              <a:t>json</a:t>
+            </a:r>
+            <a:r>
+              <a:rPr lang="en-US" dirty="0" smtClean="0"/>
+              <a:t> file </a:t>
+            </a:r>
+          </a:p>
+          <a:p>
+            <a:pPr marL="0" indent="0" algn="l" rtl="0">
+              <a:buNone/>
+            </a:pPr>
+            <a:endParaRPr lang="en-US" dirty="0" smtClean="0"/>
+          </a:p>
+          <a:p>
+            <a:pPr marL="514350" indent="-514350" algn="l" rtl="0">
+              <a:buAutoNum type="arabicPeriod"/>
+            </a:pPr>
+            <a:endParaRPr lang="en-US" dirty="0" smtClean="0"/>
+          </a:p>
+          <a:p>
+            <a:pPr marL="0" indent="0" algn="l" rtl="0">
+              <a:buNone/>
+            </a:pPr>
+            <a:endParaRPr lang="he-IL" dirty="0">
+              <a:latin typeface="Tahoma" panose="020B0604030504040204" pitchFamily="34" charset="0"/>
+              <a:ea typeface="Tahoma" panose="020B0604030504040204" pitchFamily="34" charset="0"/>
+              <a:cs typeface="Tahoma" panose="020B0604030504040204" pitchFamily="34" charset="0"/>
+            </a:endParaRPr>
+          </a:p>
+        </p:txBody>
+      </p:sp>
+      <p:pic>
+        <p:nvPicPr>
+          <p:cNvPr id="3" name="תמונה 2"/>
           <p:cNvPicPr>
             <a:picLocks noChangeAspect="1"/>
           </p:cNvPicPr>
@@ -6357,26 +7225,1578 @@
         </p:blipFill>
         <p:spPr>
           <a:xfrm>
-            <a:off x="4265612" y="3657600"/>
-            <a:ext cx="7781925" cy="3067050"/>
+            <a:off x="1293812" y="3276600"/>
+            <a:ext cx="6645194" cy="3200400"/>
           </a:xfrm>
           <a:prstGeom prst="rect">
             <a:avLst/>
           </a:prstGeom>
         </p:spPr>
       </p:pic>
-      <p:sp>
-        <p:nvSpPr>
-          <p:cNvPr id="6" name="חץ מכופף 5"/>
+    </p:spTree>
+    <p:extLst>
+      <p:ext uri="{BB962C8B-B14F-4D97-AF65-F5344CB8AC3E}">
+        <p14:creationId xmlns:p14="http://schemas.microsoft.com/office/powerpoint/2010/main" val="834813226"/>
+      </p:ext>
+    </p:extLst>
+  </p:cSld>
+  <p:clrMapOvr>
+    <a:masterClrMapping/>
+  </p:clrMapOvr>
+  <mc:AlternateContent xmlns:mc="http://schemas.openxmlformats.org/markup-compatibility/2006" xmlns:p14="http://schemas.microsoft.com/office/powerpoint/2010/main">
+    <mc:Choice Requires="p14">
+      <p:transition spd="med" p14:dur="700">
+        <p:fade/>
+      </p:transition>
+    </mc:Choice>
+    <mc:Fallback xmlns="">
+      <p:transition spd="med">
+        <p:fade/>
+      </p:transition>
+    </mc:Fallback>
+  </mc:AlternateContent>
+  <p:timing>
+    <p:tnLst>
+      <p:par>
+        <p:cTn id="1" dur="indefinite" restart="never" nodeType="tmRoot"/>
+      </p:par>
+    </p:tnLst>
+  </p:timing>
+</p:sld>
+</file>
+
+<file path=ppt/slides/slide13.xml><?xml version="1.0" encoding="utf-8"?>
+<p:sld xmlns:a="http://schemas.openxmlformats.org/drawingml/2006/main" xmlns:r="http://schemas.openxmlformats.org/officeDocument/2006/relationships" xmlns:p="http://schemas.openxmlformats.org/presentationml/2006/main">
+  <p:cSld>
+    <p:spTree>
+      <p:nvGrpSpPr>
+        <p:cNvPr id="1" name=""/>
+        <p:cNvGrpSpPr/>
+        <p:nvPr/>
+      </p:nvGrpSpPr>
+      <p:grpSpPr>
+        <a:xfrm>
+          <a:off x="0" y="0"/>
+          <a:ext cx="0" cy="0"/>
+          <a:chOff x="0" y="0"/>
+          <a:chExt cx="0" cy="0"/>
+        </a:xfrm>
+      </p:grpSpPr>
+      <p:sp>
+        <p:nvSpPr>
+          <p:cNvPr id="13" name="כותרת 12"/>
+          <p:cNvSpPr>
+            <a:spLocks noGrp="1"/>
+          </p:cNvSpPr>
+          <p:nvPr>
+            <p:ph type="title"/>
+          </p:nvPr>
+        </p:nvSpPr>
+        <p:spPr/>
+        <p:txBody>
+          <a:bodyPr rtlCol="1"/>
+          <a:lstStyle/>
+          <a:p>
+            <a:pPr algn="l" rtl="1"/>
+            <a:r>
+              <a:rPr lang="en-US" b="1" dirty="0" smtClean="0"/>
+              <a:t>Some of the functions provided by the </a:t>
+            </a:r>
+            <a:r>
+              <a:rPr lang="en-US" b="1" dirty="0" err="1" smtClean="0"/>
+              <a:t>json</a:t>
+            </a:r>
+            <a:r>
+              <a:rPr lang="en-US" b="1" dirty="0" smtClean="0"/>
+              <a:t> object class</a:t>
+            </a:r>
+            <a:endParaRPr lang="he-IL" b="1" dirty="0"/>
+          </a:p>
+        </p:txBody>
+      </p:sp>
+      <p:sp>
+        <p:nvSpPr>
+          <p:cNvPr id="14" name="מציין מיקום תוכן 13"/>
+          <p:cNvSpPr>
+            <a:spLocks noGrp="1"/>
+          </p:cNvSpPr>
+          <p:nvPr>
+            <p:ph idx="1"/>
+          </p:nvPr>
+        </p:nvSpPr>
+        <p:spPr/>
+        <p:txBody>
+          <a:bodyPr rtlCol="1">
+            <a:normAutofit/>
+          </a:bodyPr>
+          <a:lstStyle/>
+          <a:p>
+            <a:pPr algn="l" rtl="0"/>
+            <a:r>
+              <a:rPr lang="en-US" dirty="0" smtClean="0"/>
+              <a:t>Add – write a new </a:t>
+            </a:r>
+            <a:r>
+              <a:rPr lang="en-US" dirty="0" err="1" smtClean="0"/>
+              <a:t>json</a:t>
+            </a:r>
+            <a:r>
+              <a:rPr lang="en-US" dirty="0" smtClean="0"/>
+              <a:t> key and value pair to the current </a:t>
+            </a:r>
+            <a:r>
+              <a:rPr lang="en-US" dirty="0" err="1" smtClean="0"/>
+              <a:t>json</a:t>
+            </a:r>
+            <a:r>
+              <a:rPr lang="en-US" dirty="0" smtClean="0"/>
+              <a:t> object</a:t>
+            </a:r>
+            <a:endParaRPr lang="en-US" dirty="0" smtClean="0"/>
+          </a:p>
+          <a:p>
+            <a:pPr algn="l" rtl="0"/>
+            <a:r>
+              <a:rPr lang="en-US" dirty="0" smtClean="0"/>
+              <a:t>Append – append string to a value of a pair with a given key</a:t>
+            </a:r>
+            <a:endParaRPr lang="en-US" dirty="0" smtClean="0"/>
+          </a:p>
+          <a:p>
+            <a:pPr algn="l" rtl="0"/>
+            <a:r>
+              <a:rPr lang="en-US" dirty="0" smtClean="0"/>
+              <a:t>Flush – write the </a:t>
+            </a:r>
+            <a:r>
+              <a:rPr lang="en-US" dirty="0" err="1" smtClean="0"/>
+              <a:t>json</a:t>
+            </a:r>
+            <a:r>
+              <a:rPr lang="en-US" dirty="0" smtClean="0"/>
+              <a:t> object to the file and open a new one</a:t>
+            </a:r>
+            <a:endParaRPr lang="en-US" dirty="0" smtClean="0"/>
+          </a:p>
+          <a:p>
+            <a:pPr marL="0" indent="0" algn="l" rtl="0">
+              <a:buNone/>
+            </a:pPr>
+            <a:endParaRPr lang="en-US" dirty="0" smtClean="0"/>
+          </a:p>
+          <a:p>
+            <a:pPr marL="514350" indent="-514350" algn="l" rtl="0">
+              <a:buAutoNum type="arabicPeriod"/>
+            </a:pPr>
+            <a:endParaRPr lang="en-US" dirty="0" smtClean="0"/>
+          </a:p>
+          <a:p>
+            <a:pPr marL="0" indent="0" algn="l" rtl="0">
+              <a:buNone/>
+            </a:pPr>
+            <a:endParaRPr lang="he-IL" dirty="0">
+              <a:latin typeface="Tahoma" panose="020B0604030504040204" pitchFamily="34" charset="0"/>
+              <a:ea typeface="Tahoma" panose="020B0604030504040204" pitchFamily="34" charset="0"/>
+              <a:cs typeface="Tahoma" panose="020B0604030504040204" pitchFamily="34" charset="0"/>
+            </a:endParaRPr>
+          </a:p>
+        </p:txBody>
+      </p:sp>
+      <p:pic>
+        <p:nvPicPr>
+          <p:cNvPr id="4" name="Picture 6" descr="Image result for parsing icon"/>
+          <p:cNvPicPr>
+            <a:picLocks noChangeAspect="1" noChangeArrowheads="1"/>
+          </p:cNvPicPr>
+          <p:nvPr/>
+        </p:nvPicPr>
+        <p:blipFill>
+          <a:blip r:embed="rId3">
+            <a:extLst>
+              <a:ext uri="{28A0092B-C50C-407E-A947-70E740481C1C}">
+                <a14:useLocalDpi xmlns:a14="http://schemas.microsoft.com/office/drawing/2010/main" val="0"/>
+              </a:ext>
+            </a:extLst>
+          </a:blip>
+          <a:srcRect/>
+          <a:stretch>
+            <a:fillRect/>
+          </a:stretch>
+        </p:blipFill>
+        <p:spPr bwMode="auto">
+          <a:xfrm>
+            <a:off x="9447212" y="5029200"/>
+            <a:ext cx="1905000" cy="1428750"/>
+          </a:xfrm>
+          <a:prstGeom prst="rect">
+            <a:avLst/>
+          </a:prstGeom>
+          <a:noFill/>
+          <a:extLst>
+            <a:ext uri="{909E8E84-426E-40DD-AFC4-6F175D3DCCD1}">
+              <a14:hiddenFill xmlns:a14="http://schemas.microsoft.com/office/drawing/2010/main">
+                <a:solidFill>
+                  <a:srgbClr val="FFFFFF"/>
+                </a:solidFill>
+              </a14:hiddenFill>
+            </a:ext>
+          </a:extLst>
+        </p:spPr>
+      </p:pic>
+    </p:spTree>
+    <p:extLst>
+      <p:ext uri="{BB962C8B-B14F-4D97-AF65-F5344CB8AC3E}">
+        <p14:creationId xmlns:p14="http://schemas.microsoft.com/office/powerpoint/2010/main" val="2047596920"/>
+      </p:ext>
+    </p:extLst>
+  </p:cSld>
+  <p:clrMapOvr>
+    <a:masterClrMapping/>
+  </p:clrMapOvr>
+  <mc:AlternateContent xmlns:mc="http://schemas.openxmlformats.org/markup-compatibility/2006" xmlns:p14="http://schemas.microsoft.com/office/powerpoint/2010/main">
+    <mc:Choice Requires="p14">
+      <p:transition spd="med" p14:dur="700">
+        <p:fade/>
+      </p:transition>
+    </mc:Choice>
+    <mc:Fallback xmlns="">
+      <p:transition spd="med">
+        <p:fade/>
+      </p:transition>
+    </mc:Fallback>
+  </mc:AlternateContent>
+  <p:timing>
+    <p:tnLst>
+      <p:par>
+        <p:cTn id="1" dur="indefinite" restart="never" nodeType="tmRoot"/>
+      </p:par>
+    </p:tnLst>
+  </p:timing>
+</p:sld>
+</file>
+
+<file path=ppt/slides/slide14.xml><?xml version="1.0" encoding="utf-8"?>
+<p:sld xmlns:a="http://schemas.openxmlformats.org/drawingml/2006/main" xmlns:r="http://schemas.openxmlformats.org/officeDocument/2006/relationships" xmlns:p="http://schemas.openxmlformats.org/presentationml/2006/main">
+  <p:cSld>
+    <p:spTree>
+      <p:nvGrpSpPr>
+        <p:cNvPr id="1" name=""/>
+        <p:cNvGrpSpPr/>
+        <p:nvPr/>
+      </p:nvGrpSpPr>
+      <p:grpSpPr>
+        <a:xfrm>
+          <a:off x="0" y="0"/>
+          <a:ext cx="0" cy="0"/>
+          <a:chOff x="0" y="0"/>
+          <a:chExt cx="0" cy="0"/>
+        </a:xfrm>
+      </p:grpSpPr>
+      <p:pic>
+        <p:nvPicPr>
+          <p:cNvPr id="4" name="תמונה 3"/>
+          <p:cNvPicPr>
+            <a:picLocks noChangeAspect="1"/>
+          </p:cNvPicPr>
+          <p:nvPr/>
+        </p:nvPicPr>
+        <p:blipFill>
+          <a:blip r:embed="rId2"/>
+          <a:stretch>
+            <a:fillRect/>
+          </a:stretch>
+        </p:blipFill>
+        <p:spPr>
+          <a:xfrm>
+            <a:off x="3579812" y="75936"/>
+            <a:ext cx="4724400" cy="6705864"/>
+          </a:xfrm>
+          <a:prstGeom prst="rect">
+            <a:avLst/>
+          </a:prstGeom>
+        </p:spPr>
+      </p:pic>
+      <p:pic>
+        <p:nvPicPr>
+          <p:cNvPr id="2050" name="Picture 2" descr="Image result for example icon"/>
+          <p:cNvPicPr>
+            <a:picLocks noChangeAspect="1" noChangeArrowheads="1"/>
+          </p:cNvPicPr>
+          <p:nvPr/>
+        </p:nvPicPr>
+        <p:blipFill>
+          <a:blip r:embed="rId3" cstate="print">
+            <a:extLst>
+              <a:ext uri="{BEBA8EAE-BF5A-486C-A8C5-ECC9F3942E4B}">
+                <a14:imgProps xmlns:a14="http://schemas.microsoft.com/office/drawing/2010/main">
+                  <a14:imgLayer r:embed="rId4">
+                    <a14:imgEffect>
+                      <a14:sharpenSoften amount="38000"/>
+                    </a14:imgEffect>
+                    <a14:imgEffect>
+                      <a14:brightnessContrast bright="-44000"/>
+                    </a14:imgEffect>
+                  </a14:imgLayer>
+                </a14:imgProps>
+              </a:ext>
+              <a:ext uri="{28A0092B-C50C-407E-A947-70E740481C1C}">
+                <a14:useLocalDpi xmlns:a14="http://schemas.microsoft.com/office/drawing/2010/main" val="0"/>
+              </a:ext>
+            </a:extLst>
+          </a:blip>
+          <a:srcRect/>
+          <a:stretch>
+            <a:fillRect/>
+          </a:stretch>
+        </p:blipFill>
+        <p:spPr bwMode="auto">
+          <a:xfrm>
+            <a:off x="9904412" y="5029200"/>
+            <a:ext cx="1295400" cy="1295400"/>
+          </a:xfrm>
+          <a:prstGeom prst="rect">
+            <a:avLst/>
+          </a:prstGeom>
+          <a:noFill/>
+          <a:extLst>
+            <a:ext uri="{909E8E84-426E-40DD-AFC4-6F175D3DCCD1}">
+              <a14:hiddenFill xmlns:a14="http://schemas.microsoft.com/office/drawing/2010/main">
+                <a:solidFill>
+                  <a:srgbClr val="FFFFFF"/>
+                </a:solidFill>
+              </a14:hiddenFill>
+            </a:ext>
+          </a:extLst>
+        </p:spPr>
+      </p:pic>
+    </p:spTree>
+    <p:extLst>
+      <p:ext uri="{BB962C8B-B14F-4D97-AF65-F5344CB8AC3E}">
+        <p14:creationId xmlns:p14="http://schemas.microsoft.com/office/powerpoint/2010/main" val="4025278764"/>
+      </p:ext>
+    </p:extLst>
+  </p:cSld>
+  <p:clrMapOvr>
+    <a:masterClrMapping/>
+  </p:clrMapOvr>
+  <mc:AlternateContent xmlns:mc="http://schemas.openxmlformats.org/markup-compatibility/2006" xmlns:p14="http://schemas.microsoft.com/office/powerpoint/2010/main">
+    <mc:Choice Requires="p14">
+      <p:transition spd="med" p14:dur="700">
+        <p:fade/>
+      </p:transition>
+    </mc:Choice>
+    <mc:Fallback xmlns="">
+      <p:transition spd="med">
+        <p:fade/>
+      </p:transition>
+    </mc:Fallback>
+  </mc:AlternateContent>
+  <p:timing>
+    <p:tnLst>
+      <p:par>
+        <p:cTn id="1" dur="indefinite" restart="never" nodeType="tmRoot"/>
+      </p:par>
+    </p:tnLst>
+  </p:timing>
+</p:sld>
+</file>
+
+<file path=ppt/slides/slide15.xml><?xml version="1.0" encoding="utf-8"?>
+<p:sld xmlns:a="http://schemas.openxmlformats.org/drawingml/2006/main" xmlns:r="http://schemas.openxmlformats.org/officeDocument/2006/relationships" xmlns:p="http://schemas.openxmlformats.org/presentationml/2006/main">
+  <p:cSld>
+    <p:spTree>
+      <p:nvGrpSpPr>
+        <p:cNvPr id="1" name=""/>
+        <p:cNvGrpSpPr/>
+        <p:nvPr/>
+      </p:nvGrpSpPr>
+      <p:grpSpPr>
+        <a:xfrm>
+          <a:off x="0" y="0"/>
+          <a:ext cx="0" cy="0"/>
+          <a:chOff x="0" y="0"/>
+          <a:chExt cx="0" cy="0"/>
+        </a:xfrm>
+      </p:grpSpPr>
+      <p:sp>
+        <p:nvSpPr>
+          <p:cNvPr id="13" name="כותרת 12"/>
+          <p:cNvSpPr>
+            <a:spLocks noGrp="1"/>
+          </p:cNvSpPr>
+          <p:nvPr>
+            <p:ph type="title"/>
+          </p:nvPr>
+        </p:nvSpPr>
+        <p:spPr/>
+        <p:txBody>
+          <a:bodyPr rtlCol="1"/>
+          <a:lstStyle/>
+          <a:p>
+            <a:pPr algn="l" rtl="1"/>
+            <a:r>
+              <a:rPr lang="en-US" b="1" dirty="0" smtClean="0"/>
+              <a:t>Testing and Debugging</a:t>
+            </a:r>
+            <a:endParaRPr lang="he-IL" b="1" dirty="0"/>
+          </a:p>
+        </p:txBody>
+      </p:sp>
+      <p:sp>
+        <p:nvSpPr>
+          <p:cNvPr id="14" name="מציין מיקום תוכן 13"/>
+          <p:cNvSpPr>
+            <a:spLocks noGrp="1"/>
+          </p:cNvSpPr>
+          <p:nvPr>
+            <p:ph idx="1"/>
+          </p:nvPr>
+        </p:nvSpPr>
+        <p:spPr/>
+        <p:txBody>
+          <a:bodyPr rtlCol="1">
+            <a:normAutofit lnSpcReduction="10000"/>
+          </a:bodyPr>
+          <a:lstStyle/>
+          <a:p>
+            <a:pPr algn="l" rtl="0"/>
+            <a:r>
+              <a:rPr lang="en-US" dirty="0" smtClean="0"/>
+              <a:t>Test with Junit</a:t>
+            </a:r>
+          </a:p>
+          <a:p>
+            <a:pPr algn="l" rtl="0"/>
+            <a:r>
+              <a:rPr lang="en-US" dirty="0" smtClean="0"/>
+              <a:t>“Spill” all </a:t>
+            </a:r>
+            <a:r>
+              <a:rPr lang="en-US" dirty="0" err="1"/>
+              <a:t>j</a:t>
+            </a:r>
+            <a:r>
+              <a:rPr lang="en-US" dirty="0" err="1" smtClean="0"/>
+              <a:t>son</a:t>
+            </a:r>
+            <a:r>
+              <a:rPr lang="en-US" dirty="0" smtClean="0"/>
+              <a:t> objects into an array</a:t>
+            </a:r>
+          </a:p>
+          <a:p>
+            <a:pPr algn="l" rtl="0"/>
+            <a:r>
+              <a:rPr lang="en-US" dirty="0" smtClean="0"/>
+              <a:t>Assert test the number of expected objects – Used to identify abnormalities</a:t>
+            </a:r>
+          </a:p>
+          <a:p>
+            <a:pPr algn="l" rtl="0"/>
+            <a:r>
+              <a:rPr lang="en-US" dirty="0" smtClean="0"/>
+              <a:t>Add prints to the program to locate the missing/added object/s</a:t>
+            </a:r>
+          </a:p>
+          <a:p>
+            <a:pPr algn="l" rtl="0"/>
+            <a:r>
+              <a:rPr lang="en-US" dirty="0" smtClean="0"/>
+              <a:t>Sample some objects in the array and assert their attributes are as expected</a:t>
+            </a:r>
+          </a:p>
+          <a:p>
+            <a:pPr algn="l" rtl="0"/>
+            <a:r>
+              <a:rPr lang="en-US" dirty="0" smtClean="0"/>
+              <a:t>Examples can be found in the project </a:t>
+            </a:r>
+            <a:r>
+              <a:rPr lang="en-US" dirty="0" err="1" smtClean="0"/>
+              <a:t>git</a:t>
+            </a:r>
+            <a:endParaRPr lang="en-US" dirty="0" smtClean="0"/>
+          </a:p>
+          <a:p>
+            <a:pPr algn="l" rtl="0"/>
+            <a:endParaRPr lang="en-US" dirty="0" smtClean="0"/>
+          </a:p>
+          <a:p>
+            <a:pPr algn="l" rtl="0"/>
+            <a:endParaRPr lang="en-US" dirty="0" smtClean="0"/>
+          </a:p>
+          <a:p>
+            <a:pPr algn="l" rtl="0"/>
+            <a:endParaRPr lang="en-US" dirty="0" smtClean="0"/>
+          </a:p>
+          <a:p>
+            <a:pPr algn="l" rtl="0"/>
+            <a:endParaRPr lang="en-US" dirty="0" smtClean="0"/>
+          </a:p>
+          <a:p>
+            <a:pPr marL="514350" indent="-514350" algn="l" rtl="0">
+              <a:buAutoNum type="arabicPeriod"/>
+            </a:pPr>
+            <a:endParaRPr lang="en-US" dirty="0" smtClean="0"/>
+          </a:p>
+          <a:p>
+            <a:pPr marL="0" indent="0" algn="l" rtl="0">
+              <a:buNone/>
+            </a:pPr>
+            <a:endParaRPr lang="he-IL" dirty="0">
+              <a:latin typeface="Tahoma" panose="020B0604030504040204" pitchFamily="34" charset="0"/>
+              <a:ea typeface="Tahoma" panose="020B0604030504040204" pitchFamily="34" charset="0"/>
+              <a:cs typeface="Tahoma" panose="020B0604030504040204" pitchFamily="34" charset="0"/>
+            </a:endParaRPr>
+          </a:p>
+        </p:txBody>
+      </p:sp>
+      <p:pic>
+        <p:nvPicPr>
+          <p:cNvPr id="1026" name="Picture 2" descr="Image result for testing"/>
+          <p:cNvPicPr>
+            <a:picLocks noChangeAspect="1" noChangeArrowheads="1"/>
+          </p:cNvPicPr>
+          <p:nvPr/>
+        </p:nvPicPr>
+        <p:blipFill>
+          <a:blip r:embed="rId3">
+            <a:extLst>
+              <a:ext uri="{28A0092B-C50C-407E-A947-70E740481C1C}">
+                <a14:useLocalDpi xmlns:a14="http://schemas.microsoft.com/office/drawing/2010/main" val="0"/>
+              </a:ext>
+            </a:extLst>
+          </a:blip>
+          <a:srcRect/>
+          <a:stretch>
+            <a:fillRect/>
+          </a:stretch>
+        </p:blipFill>
+        <p:spPr bwMode="auto">
+          <a:xfrm>
+            <a:off x="9371012" y="4897596"/>
+            <a:ext cx="2088468" cy="1579404"/>
+          </a:xfrm>
+          <a:prstGeom prst="rect">
+            <a:avLst/>
+          </a:prstGeom>
+          <a:noFill/>
+          <a:extLst>
+            <a:ext uri="{909E8E84-426E-40DD-AFC4-6F175D3DCCD1}">
+              <a14:hiddenFill xmlns:a14="http://schemas.microsoft.com/office/drawing/2010/main">
+                <a:solidFill>
+                  <a:srgbClr val="FFFFFF"/>
+                </a:solidFill>
+              </a14:hiddenFill>
+            </a:ext>
+          </a:extLst>
+        </p:spPr>
+      </p:pic>
+    </p:spTree>
+    <p:extLst>
+      <p:ext uri="{BB962C8B-B14F-4D97-AF65-F5344CB8AC3E}">
+        <p14:creationId xmlns:p14="http://schemas.microsoft.com/office/powerpoint/2010/main" val="2511803372"/>
+      </p:ext>
+    </p:extLst>
+  </p:cSld>
+  <p:clrMapOvr>
+    <a:masterClrMapping/>
+  </p:clrMapOvr>
+  <mc:AlternateContent xmlns:mc="http://schemas.openxmlformats.org/markup-compatibility/2006" xmlns:p14="http://schemas.microsoft.com/office/powerpoint/2010/main">
+    <mc:Choice Requires="p14">
+      <p:transition spd="med" p14:dur="700">
+        <p:fade/>
+      </p:transition>
+    </mc:Choice>
+    <mc:Fallback xmlns="">
+      <p:transition spd="med">
+        <p:fade/>
+      </p:transition>
+    </mc:Fallback>
+  </mc:AlternateContent>
+  <p:timing>
+    <p:tnLst>
+      <p:par>
+        <p:cTn id="1" dur="indefinite" restart="never" nodeType="tmRoot"/>
+      </p:par>
+    </p:tnLst>
+  </p:timing>
+</p:sld>
+</file>
+
+<file path=ppt/slides/slide16.xml><?xml version="1.0" encoding="utf-8"?>
+<p:sld xmlns:a="http://schemas.openxmlformats.org/drawingml/2006/main" xmlns:r="http://schemas.openxmlformats.org/officeDocument/2006/relationships" xmlns:p="http://schemas.openxmlformats.org/presentationml/2006/main">
+  <p:cSld>
+    <p:spTree>
+      <p:nvGrpSpPr>
+        <p:cNvPr id="1" name=""/>
+        <p:cNvGrpSpPr/>
+        <p:nvPr/>
+      </p:nvGrpSpPr>
+      <p:grpSpPr>
+        <a:xfrm>
+          <a:off x="0" y="0"/>
+          <a:ext cx="0" cy="0"/>
+          <a:chOff x="0" y="0"/>
+          <a:chExt cx="0" cy="0"/>
+        </a:xfrm>
+      </p:grpSpPr>
+      <p:sp>
+        <p:nvSpPr>
+          <p:cNvPr id="13" name="כותרת 12"/>
+          <p:cNvSpPr>
+            <a:spLocks noGrp="1"/>
+          </p:cNvSpPr>
+          <p:nvPr>
+            <p:ph type="title"/>
+          </p:nvPr>
+        </p:nvSpPr>
+        <p:spPr/>
+        <p:txBody>
+          <a:bodyPr rtlCol="1"/>
+          <a:lstStyle/>
+          <a:p>
+            <a:pPr algn="l" rtl="1"/>
+            <a:r>
+              <a:rPr lang="en-US" b="1" dirty="0" smtClean="0"/>
+              <a:t>Working process</a:t>
+            </a:r>
+            <a:endParaRPr lang="he-IL" b="1" dirty="0"/>
+          </a:p>
+        </p:txBody>
+      </p:sp>
+      <p:sp>
+        <p:nvSpPr>
+          <p:cNvPr id="14" name="מציין מיקום תוכן 13"/>
+          <p:cNvSpPr>
+            <a:spLocks noGrp="1"/>
+          </p:cNvSpPr>
+          <p:nvPr>
+            <p:ph idx="1"/>
+          </p:nvPr>
+        </p:nvSpPr>
+        <p:spPr/>
+        <p:txBody>
+          <a:bodyPr rtlCol="1">
+            <a:normAutofit/>
+          </a:bodyPr>
+          <a:lstStyle/>
+          <a:p>
+            <a:pPr algn="l" rtl="0"/>
+            <a:r>
+              <a:rPr lang="en-US" dirty="0" smtClean="0"/>
+              <a:t>“Feel the ground”: created a specific parser before creating the tool</a:t>
+            </a:r>
+          </a:p>
+          <a:p>
+            <a:pPr algn="l" rtl="0"/>
+            <a:r>
+              <a:rPr lang="en-US" dirty="0" smtClean="0"/>
+              <a:t>Insights: encoding, Hebrew </a:t>
+            </a:r>
+            <a:r>
+              <a:rPr lang="en-US" dirty="0" err="1" smtClean="0"/>
+              <a:t>nikud</a:t>
+            </a:r>
+            <a:r>
+              <a:rPr lang="en-US" dirty="0" smtClean="0"/>
+              <a:t>, </a:t>
+            </a:r>
+            <a:r>
+              <a:rPr lang="en-US" dirty="0" err="1" smtClean="0"/>
+              <a:t>Gson</a:t>
+            </a:r>
+            <a:r>
+              <a:rPr lang="en-US" dirty="0" smtClean="0"/>
+              <a:t> library and more…</a:t>
+            </a:r>
+          </a:p>
+          <a:p>
+            <a:pPr algn="l" rtl="0"/>
+            <a:r>
+              <a:rPr lang="en-US" dirty="0" smtClean="0"/>
+              <a:t>Created a general parser – the Parser class</a:t>
+            </a:r>
+          </a:p>
+          <a:p>
+            <a:pPr algn="l" rtl="0"/>
+            <a:r>
+              <a:rPr lang="en-US" dirty="0" smtClean="0"/>
+              <a:t>Started parsing </a:t>
+            </a:r>
+            <a:r>
+              <a:rPr lang="en-US" dirty="0" err="1" smtClean="0"/>
+              <a:t>jewish</a:t>
+            </a:r>
+            <a:r>
+              <a:rPr lang="en-US" dirty="0" smtClean="0"/>
+              <a:t> books</a:t>
+            </a:r>
+          </a:p>
+          <a:p>
+            <a:pPr algn="l" rtl="0"/>
+            <a:r>
+              <a:rPr lang="en-US" dirty="0" smtClean="0"/>
+              <a:t>Simultaneously created helping tools for the general parser and utilities specifically for the </a:t>
+            </a:r>
+            <a:r>
+              <a:rPr lang="en-US" dirty="0" err="1" smtClean="0"/>
+              <a:t>jewish</a:t>
+            </a:r>
+            <a:r>
+              <a:rPr lang="en-US" dirty="0" smtClean="0"/>
+              <a:t> bookshelf parsing. </a:t>
+            </a:r>
+          </a:p>
+          <a:p>
+            <a:pPr algn="l" rtl="0"/>
+            <a:r>
+              <a:rPr lang="en-US" dirty="0" smtClean="0"/>
+              <a:t>Dealt with changes along the way</a:t>
+            </a:r>
+          </a:p>
+          <a:p>
+            <a:pPr marL="0" indent="0" algn="l" rtl="0">
+              <a:buNone/>
+            </a:pPr>
+            <a:endParaRPr lang="en-US" dirty="0" smtClean="0"/>
+          </a:p>
+          <a:p>
+            <a:pPr marL="514350" indent="-514350" algn="l" rtl="0">
+              <a:buAutoNum type="arabicPeriod"/>
+            </a:pPr>
+            <a:endParaRPr lang="en-US" dirty="0" smtClean="0"/>
+          </a:p>
+          <a:p>
+            <a:pPr marL="0" indent="0" algn="l" rtl="0">
+              <a:buNone/>
+            </a:pPr>
+            <a:endParaRPr lang="he-IL" dirty="0">
+              <a:latin typeface="Tahoma" panose="020B0604030504040204" pitchFamily="34" charset="0"/>
+              <a:ea typeface="Tahoma" panose="020B0604030504040204" pitchFamily="34" charset="0"/>
+              <a:cs typeface="Tahoma" panose="020B0604030504040204" pitchFamily="34" charset="0"/>
+            </a:endParaRPr>
+          </a:p>
+        </p:txBody>
+      </p:sp>
+      <p:pic>
+        <p:nvPicPr>
+          <p:cNvPr id="3076" name="Picture 4" descr="Image result for difficult icon"/>
+          <p:cNvPicPr>
+            <a:picLocks noChangeAspect="1" noChangeArrowheads="1"/>
+          </p:cNvPicPr>
+          <p:nvPr/>
+        </p:nvPicPr>
+        <p:blipFill>
+          <a:blip r:embed="rId3" cstate="print">
+            <a:extLst>
+              <a:ext uri="{28A0092B-C50C-407E-A947-70E740481C1C}">
+                <a14:useLocalDpi xmlns:a14="http://schemas.microsoft.com/office/drawing/2010/main" val="0"/>
+              </a:ext>
+            </a:extLst>
+          </a:blip>
+          <a:srcRect/>
+          <a:stretch>
+            <a:fillRect/>
+          </a:stretch>
+        </p:blipFill>
+        <p:spPr bwMode="auto">
+          <a:xfrm>
+            <a:off x="9547224" y="5029200"/>
+            <a:ext cx="1728788" cy="1728788"/>
+          </a:xfrm>
+          <a:prstGeom prst="rect">
+            <a:avLst/>
+          </a:prstGeom>
+          <a:noFill/>
+          <a:extLst>
+            <a:ext uri="{909E8E84-426E-40DD-AFC4-6F175D3DCCD1}">
+              <a14:hiddenFill xmlns:a14="http://schemas.microsoft.com/office/drawing/2010/main">
+                <a:solidFill>
+                  <a:srgbClr val="FFFFFF"/>
+                </a:solidFill>
+              </a14:hiddenFill>
+            </a:ext>
+          </a:extLst>
+        </p:spPr>
+      </p:pic>
+    </p:spTree>
+    <p:extLst>
+      <p:ext uri="{BB962C8B-B14F-4D97-AF65-F5344CB8AC3E}">
+        <p14:creationId xmlns:p14="http://schemas.microsoft.com/office/powerpoint/2010/main" val="1474945440"/>
+      </p:ext>
+    </p:extLst>
+  </p:cSld>
+  <p:clrMapOvr>
+    <a:masterClrMapping/>
+  </p:clrMapOvr>
+  <mc:AlternateContent xmlns:mc="http://schemas.openxmlformats.org/markup-compatibility/2006" xmlns:p14="http://schemas.microsoft.com/office/powerpoint/2010/main">
+    <mc:Choice Requires="p14">
+      <p:transition spd="med" p14:dur="700">
+        <p:fade/>
+      </p:transition>
+    </mc:Choice>
+    <mc:Fallback xmlns="">
+      <p:transition spd="med">
+        <p:fade/>
+      </p:transition>
+    </mc:Fallback>
+  </mc:AlternateContent>
+  <p:timing>
+    <p:tnLst>
+      <p:par>
+        <p:cTn id="1" dur="indefinite" restart="never" nodeType="tmRoot"/>
+      </p:par>
+    </p:tnLst>
+  </p:timing>
+</p:sld>
+</file>
+
+<file path=ppt/slides/slide17.xml><?xml version="1.0" encoding="utf-8"?>
+<p:sld xmlns:a="http://schemas.openxmlformats.org/drawingml/2006/main" xmlns:r="http://schemas.openxmlformats.org/officeDocument/2006/relationships" xmlns:p="http://schemas.openxmlformats.org/presentationml/2006/main">
+  <p:cSld>
+    <p:spTree>
+      <p:nvGrpSpPr>
+        <p:cNvPr id="1" name=""/>
+        <p:cNvGrpSpPr/>
+        <p:nvPr/>
+      </p:nvGrpSpPr>
+      <p:grpSpPr>
+        <a:xfrm>
+          <a:off x="0" y="0"/>
+          <a:ext cx="0" cy="0"/>
+          <a:chOff x="0" y="0"/>
+          <a:chExt cx="0" cy="0"/>
+        </a:xfrm>
+      </p:grpSpPr>
+      <p:sp>
+        <p:nvSpPr>
+          <p:cNvPr id="13" name="כותרת 12"/>
+          <p:cNvSpPr>
+            <a:spLocks noGrp="1"/>
+          </p:cNvSpPr>
+          <p:nvPr>
+            <p:ph type="title"/>
+          </p:nvPr>
+        </p:nvSpPr>
+        <p:spPr/>
+        <p:txBody>
+          <a:bodyPr rtlCol="1"/>
+          <a:lstStyle/>
+          <a:p>
+            <a:pPr algn="l" rtl="1"/>
+            <a:r>
+              <a:rPr lang="en-US" b="1" dirty="0" smtClean="0"/>
+              <a:t>Challenges and Difficulties</a:t>
+            </a:r>
+            <a:endParaRPr lang="he-IL" b="1" dirty="0"/>
+          </a:p>
+        </p:txBody>
+      </p:sp>
+      <p:sp>
+        <p:nvSpPr>
+          <p:cNvPr id="14" name="מציין מיקום תוכן 13"/>
+          <p:cNvSpPr>
+            <a:spLocks noGrp="1"/>
+          </p:cNvSpPr>
+          <p:nvPr>
+            <p:ph idx="1"/>
+          </p:nvPr>
+        </p:nvSpPr>
+        <p:spPr/>
+        <p:txBody>
+          <a:bodyPr rtlCol="1">
+            <a:normAutofit/>
+          </a:bodyPr>
+          <a:lstStyle/>
+          <a:p>
+            <a:pPr algn="l" rtl="0"/>
+            <a:r>
+              <a:rPr lang="en-US" dirty="0" smtClean="0"/>
+              <a:t>Data quality – the raw text was mostly consistent but abnormalities were present and hard to locate</a:t>
+            </a:r>
+          </a:p>
+          <a:p>
+            <a:pPr algn="l" rtl="0"/>
+            <a:r>
+              <a:rPr lang="en-US" dirty="0" smtClean="0"/>
+              <a:t>Used Software engineering technics that were unfamiliar to us at first</a:t>
+            </a:r>
+          </a:p>
+          <a:p>
+            <a:pPr algn="l" rtl="0"/>
+            <a:r>
+              <a:rPr lang="en-US" dirty="0" smtClean="0"/>
+              <a:t>Dynamic requirements – the other groups in the project used the results produced by the Text2Json. As the project evolved the requirements from the other tools’ input changed and the Text2Json had to be adapted</a:t>
+            </a:r>
+          </a:p>
+          <a:p>
+            <a:pPr algn="l" rtl="0"/>
+            <a:endParaRPr lang="en-US" dirty="0" smtClean="0"/>
+          </a:p>
+          <a:p>
+            <a:pPr algn="l" rtl="0"/>
+            <a:endParaRPr lang="en-US" dirty="0" smtClean="0"/>
+          </a:p>
+          <a:p>
+            <a:pPr algn="l" rtl="0"/>
+            <a:endParaRPr lang="en-US" dirty="0" smtClean="0"/>
+          </a:p>
+          <a:p>
+            <a:pPr algn="l" rtl="0"/>
+            <a:endParaRPr lang="en-US" dirty="0" smtClean="0"/>
+          </a:p>
+          <a:p>
+            <a:pPr marL="514350" indent="-514350" algn="l" rtl="0">
+              <a:buAutoNum type="arabicPeriod"/>
+            </a:pPr>
+            <a:endParaRPr lang="en-US" dirty="0" smtClean="0"/>
+          </a:p>
+          <a:p>
+            <a:pPr marL="0" indent="0" algn="l" rtl="0">
+              <a:buNone/>
+            </a:pPr>
+            <a:endParaRPr lang="he-IL" dirty="0">
+              <a:latin typeface="Tahoma" panose="020B0604030504040204" pitchFamily="34" charset="0"/>
+              <a:ea typeface="Tahoma" panose="020B0604030504040204" pitchFamily="34" charset="0"/>
+              <a:cs typeface="Tahoma" panose="020B0604030504040204" pitchFamily="34" charset="0"/>
+            </a:endParaRPr>
+          </a:p>
+        </p:txBody>
+      </p:sp>
+      <p:pic>
+        <p:nvPicPr>
+          <p:cNvPr id="4098" name="Picture 2" descr="Image result for difficult icon"/>
+          <p:cNvPicPr>
+            <a:picLocks noChangeAspect="1" noChangeArrowheads="1"/>
+          </p:cNvPicPr>
+          <p:nvPr/>
+        </p:nvPicPr>
+        <p:blipFill>
+          <a:blip r:embed="rId3">
+            <a:extLst>
+              <a:ext uri="{28A0092B-C50C-407E-A947-70E740481C1C}">
+                <a14:useLocalDpi xmlns:a14="http://schemas.microsoft.com/office/drawing/2010/main" val="0"/>
+              </a:ext>
+            </a:extLst>
+          </a:blip>
+          <a:srcRect/>
+          <a:stretch>
+            <a:fillRect/>
+          </a:stretch>
+        </p:blipFill>
+        <p:spPr bwMode="auto">
+          <a:xfrm>
+            <a:off x="9675812" y="5105400"/>
+            <a:ext cx="1447800" cy="1447800"/>
+          </a:xfrm>
+          <a:prstGeom prst="rect">
+            <a:avLst/>
+          </a:prstGeom>
+          <a:noFill/>
+          <a:extLst>
+            <a:ext uri="{909E8E84-426E-40DD-AFC4-6F175D3DCCD1}">
+              <a14:hiddenFill xmlns:a14="http://schemas.microsoft.com/office/drawing/2010/main">
+                <a:solidFill>
+                  <a:srgbClr val="FFFFFF"/>
+                </a:solidFill>
+              </a14:hiddenFill>
+            </a:ext>
+          </a:extLst>
+        </p:spPr>
+      </p:pic>
+    </p:spTree>
+    <p:extLst>
+      <p:ext uri="{BB962C8B-B14F-4D97-AF65-F5344CB8AC3E}">
+        <p14:creationId xmlns:p14="http://schemas.microsoft.com/office/powerpoint/2010/main" val="4166090880"/>
+      </p:ext>
+    </p:extLst>
+  </p:cSld>
+  <p:clrMapOvr>
+    <a:masterClrMapping/>
+  </p:clrMapOvr>
+  <mc:AlternateContent xmlns:mc="http://schemas.openxmlformats.org/markup-compatibility/2006" xmlns:p14="http://schemas.microsoft.com/office/powerpoint/2010/main">
+    <mc:Choice Requires="p14">
+      <p:transition spd="med" p14:dur="700">
+        <p:fade/>
+      </p:transition>
+    </mc:Choice>
+    <mc:Fallback xmlns="">
+      <p:transition spd="med">
+        <p:fade/>
+      </p:transition>
+    </mc:Fallback>
+  </mc:AlternateContent>
+  <p:timing>
+    <p:tnLst>
+      <p:par>
+        <p:cTn id="1" dur="indefinite" restart="never" nodeType="tmRoot"/>
+      </p:par>
+    </p:tnLst>
+  </p:timing>
+</p:sld>
+</file>
+
+<file path=ppt/slides/slide18.xml><?xml version="1.0" encoding="utf-8"?>
+<p:sld xmlns:a="http://schemas.openxmlformats.org/drawingml/2006/main" xmlns:r="http://schemas.openxmlformats.org/officeDocument/2006/relationships" xmlns:p="http://schemas.openxmlformats.org/presentationml/2006/main">
+  <p:cSld>
+    <p:spTree>
+      <p:nvGrpSpPr>
+        <p:cNvPr id="1" name=""/>
+        <p:cNvGrpSpPr/>
+        <p:nvPr/>
+      </p:nvGrpSpPr>
+      <p:grpSpPr>
+        <a:xfrm>
+          <a:off x="0" y="0"/>
+          <a:ext cx="0" cy="0"/>
+          <a:chOff x="0" y="0"/>
+          <a:chExt cx="0" cy="0"/>
+        </a:xfrm>
+      </p:grpSpPr>
+      <p:sp>
+        <p:nvSpPr>
+          <p:cNvPr id="2" name="כותרת 1"/>
+          <p:cNvSpPr>
+            <a:spLocks noGrp="1"/>
+          </p:cNvSpPr>
+          <p:nvPr>
+            <p:ph type="title"/>
+          </p:nvPr>
+        </p:nvSpPr>
+        <p:spPr>
+          <a:xfrm>
+            <a:off x="1674812" y="2057400"/>
+            <a:ext cx="9142412" cy="2667000"/>
+          </a:xfrm>
+        </p:spPr>
+        <p:txBody>
+          <a:bodyPr>
+            <a:normAutofit/>
+          </a:bodyPr>
+          <a:lstStyle/>
+          <a:p>
+            <a:pPr algn="l" rtl="0"/>
+            <a:r>
+              <a:rPr lang="en-US" sz="3200" dirty="0" smtClean="0"/>
+              <a:t>THANK YOU!</a:t>
+            </a:r>
+            <a:br>
+              <a:rPr lang="en-US" sz="3200" dirty="0" smtClean="0"/>
+            </a:br>
+            <a:r>
+              <a:rPr lang="en-US" sz="3200" dirty="0" smtClean="0"/>
+              <a:t/>
+            </a:r>
+            <a:br>
+              <a:rPr lang="en-US" sz="3200" dirty="0" smtClean="0"/>
+            </a:br>
+            <a:r>
+              <a:rPr lang="en-US" sz="3200" dirty="0"/>
+              <a:t/>
+            </a:r>
+            <a:br>
+              <a:rPr lang="en-US" sz="3200" dirty="0"/>
+            </a:br>
+            <a:r>
+              <a:rPr lang="en-US" sz="3200" dirty="0" smtClean="0"/>
+              <a:t>For </a:t>
+            </a:r>
+            <a:r>
+              <a:rPr lang="en-US" sz="3200" dirty="0"/>
+              <a:t>m</a:t>
+            </a:r>
+            <a:r>
+              <a:rPr lang="en-US" sz="3200" dirty="0" smtClean="0"/>
+              <a:t>ore information: </a:t>
+            </a:r>
+            <a:r>
+              <a:rPr lang="en-US" sz="3200" dirty="0" smtClean="0">
+                <a:hlinkClick r:id="rId2"/>
+              </a:rPr>
+              <a:t>https</a:t>
+            </a:r>
+            <a:r>
+              <a:rPr lang="en-US" sz="3200" dirty="0">
+                <a:hlinkClick r:id="rId2"/>
+              </a:rPr>
+              <a:t>://github.com/TechnionTDK/jbs-text2json</a:t>
+            </a:r>
+            <a:endParaRPr lang="he-IL" sz="3200" dirty="0"/>
+          </a:p>
+        </p:txBody>
+      </p:sp>
+      <p:pic>
+        <p:nvPicPr>
+          <p:cNvPr id="2050" name="Picture 2" descr="Image result for thank you for your time presentation"/>
+          <p:cNvPicPr>
+            <a:picLocks noChangeAspect="1" noChangeArrowheads="1"/>
+          </p:cNvPicPr>
+          <p:nvPr/>
+        </p:nvPicPr>
+        <p:blipFill rotWithShape="1">
+          <a:blip r:embed="rId3">
+            <a:extLst>
+              <a:ext uri="{28A0092B-C50C-407E-A947-70E740481C1C}">
+                <a14:useLocalDpi xmlns:a14="http://schemas.microsoft.com/office/drawing/2010/main" val="0"/>
+              </a:ext>
+            </a:extLst>
+          </a:blip>
+          <a:srcRect t="4666" r="6000" b="10000"/>
+          <a:stretch/>
+        </p:blipFill>
+        <p:spPr bwMode="auto">
+          <a:xfrm>
+            <a:off x="6704012" y="685800"/>
+            <a:ext cx="3581400" cy="2438400"/>
+          </a:xfrm>
+          <a:prstGeom prst="rect">
+            <a:avLst/>
+          </a:prstGeom>
+          <a:noFill/>
+          <a:extLst>
+            <a:ext uri="{909E8E84-426E-40DD-AFC4-6F175D3DCCD1}">
+              <a14:hiddenFill xmlns:a14="http://schemas.microsoft.com/office/drawing/2010/main">
+                <a:solidFill>
+                  <a:srgbClr val="FFFFFF"/>
+                </a:solidFill>
+              </a14:hiddenFill>
+            </a:ext>
+          </a:extLst>
+        </p:spPr>
+      </p:pic>
+    </p:spTree>
+    <p:extLst>
+      <p:ext uri="{BB962C8B-B14F-4D97-AF65-F5344CB8AC3E}">
+        <p14:creationId xmlns:p14="http://schemas.microsoft.com/office/powerpoint/2010/main" val="2191021414"/>
+      </p:ext>
+    </p:extLst>
+  </p:cSld>
+  <p:clrMapOvr>
+    <a:masterClrMapping/>
+  </p:clrMapOvr>
+  <mc:AlternateContent xmlns:mc="http://schemas.openxmlformats.org/markup-compatibility/2006" xmlns:p14="http://schemas.microsoft.com/office/powerpoint/2010/main">
+    <mc:Choice Requires="p14">
+      <p:transition spd="med" p14:dur="700">
+        <p:fade/>
+      </p:transition>
+    </mc:Choice>
+    <mc:Fallback xmlns="">
+      <p:transition spd="med">
+        <p:fade/>
+      </p:transition>
+    </mc:Fallback>
+  </mc:AlternateContent>
+  <p:timing>
+    <p:tnLst>
+      <p:par>
+        <p:cTn id="1" dur="indefinite" restart="never" nodeType="tmRoot"/>
+      </p:par>
+    </p:tnLst>
+  </p:timing>
+</p:sld>
+</file>
+
+<file path=ppt/slides/slide2.xml><?xml version="1.0" encoding="utf-8"?>
+<p:sld xmlns:a="http://schemas.openxmlformats.org/drawingml/2006/main" xmlns:r="http://schemas.openxmlformats.org/officeDocument/2006/relationships" xmlns:p="http://schemas.openxmlformats.org/presentationml/2006/main">
+  <p:cSld>
+    <p:spTree>
+      <p:nvGrpSpPr>
+        <p:cNvPr id="1" name=""/>
+        <p:cNvGrpSpPr/>
+        <p:nvPr/>
+      </p:nvGrpSpPr>
+      <p:grpSpPr>
+        <a:xfrm>
+          <a:off x="0" y="0"/>
+          <a:ext cx="0" cy="0"/>
+          <a:chOff x="0" y="0"/>
+          <a:chExt cx="0" cy="0"/>
+        </a:xfrm>
+      </p:grpSpPr>
+      <p:sp>
+        <p:nvSpPr>
+          <p:cNvPr id="13" name="כותרת 12"/>
+          <p:cNvSpPr>
+            <a:spLocks noGrp="1"/>
+          </p:cNvSpPr>
+          <p:nvPr>
+            <p:ph type="title"/>
+          </p:nvPr>
+        </p:nvSpPr>
+        <p:spPr/>
+        <p:txBody>
+          <a:bodyPr rtlCol="1">
+            <a:normAutofit/>
+          </a:bodyPr>
+          <a:lstStyle/>
+          <a:p>
+            <a:pPr algn="l" rtl="1"/>
+            <a:r>
+              <a:rPr lang="en-US" sz="4000" b="1" dirty="0" smtClean="0"/>
+              <a:t>OVERVIEW</a:t>
+            </a:r>
+            <a:endParaRPr lang="he-IL" sz="4000" b="1" dirty="0"/>
+          </a:p>
+        </p:txBody>
+      </p:sp>
+      <p:sp>
+        <p:nvSpPr>
+          <p:cNvPr id="14" name="מציין מיקום תוכן 13"/>
+          <p:cNvSpPr>
+            <a:spLocks noGrp="1"/>
+          </p:cNvSpPr>
+          <p:nvPr>
+            <p:ph idx="1"/>
+          </p:nvPr>
+        </p:nvSpPr>
+        <p:spPr/>
+        <p:txBody>
+          <a:bodyPr rtlCol="1"/>
+          <a:lstStyle/>
+          <a:p>
+            <a:pPr algn="l" rtl="0"/>
+            <a:r>
+              <a:rPr lang="en-US" dirty="0" smtClean="0">
+                <a:latin typeface="Tahoma" panose="020B0604030504040204" pitchFamily="34" charset="0"/>
+                <a:ea typeface="Tahoma" panose="020B0604030504040204" pitchFamily="34" charset="0"/>
+                <a:cs typeface="Tahoma" panose="020B0604030504040204" pitchFamily="34" charset="0"/>
+              </a:rPr>
+              <a:t>T</a:t>
+            </a:r>
+            <a:r>
+              <a:rPr lang="en-US" dirty="0" smtClean="0"/>
+              <a:t>ext2Json is a general parsing tool for developers</a:t>
+            </a:r>
+          </a:p>
+          <a:p>
+            <a:pPr algn="l" rtl="0"/>
+            <a:r>
+              <a:rPr lang="en-US" dirty="0" smtClean="0"/>
+              <a:t>Using Text2Json a programmer can almost effortlessly convert any text file to an easy-to-work-with </a:t>
+            </a:r>
+            <a:r>
+              <a:rPr lang="en-US" dirty="0" err="1" smtClean="0"/>
+              <a:t>json</a:t>
+            </a:r>
+            <a:r>
+              <a:rPr lang="en-US" dirty="0" smtClean="0"/>
+              <a:t> format file </a:t>
+            </a:r>
+            <a:endParaRPr lang="he-IL" dirty="0">
+              <a:latin typeface="Tahoma" panose="020B0604030504040204" pitchFamily="34" charset="0"/>
+              <a:ea typeface="Tahoma" panose="020B0604030504040204" pitchFamily="34" charset="0"/>
+              <a:cs typeface="Tahoma" panose="020B0604030504040204" pitchFamily="34" charset="0"/>
+            </a:endParaRPr>
+          </a:p>
+          <a:p>
+            <a:pPr algn="l" rtl="0"/>
+            <a:r>
+              <a:rPr lang="en-US" dirty="0" smtClean="0"/>
+              <a:t>The library was developed as part of the JBS project in the </a:t>
+            </a:r>
+            <a:r>
+              <a:rPr lang="en-US" dirty="0" err="1" smtClean="0"/>
+              <a:t>Technions</a:t>
+            </a:r>
+            <a:r>
+              <a:rPr lang="en-US" dirty="0" smtClean="0"/>
+              <a:t> TDK lab</a:t>
+            </a:r>
+            <a:endParaRPr lang="he-IL" dirty="0">
+              <a:latin typeface="Tahoma" panose="020B0604030504040204" pitchFamily="34" charset="0"/>
+              <a:ea typeface="Tahoma" panose="020B0604030504040204" pitchFamily="34" charset="0"/>
+              <a:cs typeface="Tahoma" panose="020B0604030504040204" pitchFamily="34" charset="0"/>
+            </a:endParaRPr>
+          </a:p>
+          <a:p>
+            <a:pPr algn="l" rtl="0"/>
+            <a:r>
+              <a:rPr lang="en-US" dirty="0" smtClean="0">
+                <a:latin typeface="Tahoma" panose="020B0604030504040204" pitchFamily="34" charset="0"/>
+                <a:ea typeface="Tahoma" panose="020B0604030504040204" pitchFamily="34" charset="0"/>
+                <a:cs typeface="Tahoma" panose="020B0604030504040204" pitchFamily="34" charset="0"/>
+              </a:rPr>
+              <a:t>W</a:t>
+            </a:r>
+            <a:r>
+              <a:rPr lang="en-US" dirty="0" smtClean="0"/>
+              <a:t>ith the help of this tool dozens of </a:t>
+            </a:r>
+            <a:r>
+              <a:rPr lang="en-US" dirty="0" err="1" smtClean="0"/>
+              <a:t>jewish</a:t>
+            </a:r>
+            <a:r>
+              <a:rPr lang="en-US" dirty="0" smtClean="0"/>
+              <a:t> books were “translated” to </a:t>
+            </a:r>
+            <a:r>
+              <a:rPr lang="en-US" dirty="0" err="1" smtClean="0"/>
+              <a:t>json</a:t>
+            </a:r>
+            <a:r>
+              <a:rPr lang="en-US" dirty="0" smtClean="0"/>
+              <a:t> format and used in the project to create a semantic web database of the </a:t>
+            </a:r>
+            <a:r>
+              <a:rPr lang="en-US" dirty="0" err="1" smtClean="0"/>
+              <a:t>jewish</a:t>
+            </a:r>
+            <a:r>
+              <a:rPr lang="en-US" dirty="0" smtClean="0"/>
+              <a:t> books</a:t>
+            </a:r>
+            <a:endParaRPr lang="he-IL" dirty="0">
+              <a:latin typeface="Tahoma" panose="020B0604030504040204" pitchFamily="34" charset="0"/>
+              <a:ea typeface="Tahoma" panose="020B0604030504040204" pitchFamily="34" charset="0"/>
+              <a:cs typeface="Tahoma" panose="020B0604030504040204" pitchFamily="34" charset="0"/>
+            </a:endParaRPr>
+          </a:p>
+        </p:txBody>
+      </p:sp>
+    </p:spTree>
+    <p:extLst>
+      <p:ext uri="{BB962C8B-B14F-4D97-AF65-F5344CB8AC3E}">
+        <p14:creationId xmlns:p14="http://schemas.microsoft.com/office/powerpoint/2010/main" val="3529114326"/>
+      </p:ext>
+    </p:extLst>
+  </p:cSld>
+  <p:clrMapOvr>
+    <a:masterClrMapping/>
+  </p:clrMapOvr>
+  <mc:AlternateContent xmlns:mc="http://schemas.openxmlformats.org/markup-compatibility/2006" xmlns:p14="http://schemas.microsoft.com/office/powerpoint/2010/main">
+    <mc:Choice Requires="p14">
+      <p:transition spd="med" p14:dur="700">
+        <p:fade/>
+      </p:transition>
+    </mc:Choice>
+    <mc:Fallback xmlns="">
+      <p:transition spd="med">
+        <p:fade/>
+      </p:transition>
+    </mc:Fallback>
+  </mc:AlternateContent>
+  <p:timing>
+    <p:tnLst>
+      <p:par>
+        <p:cTn id="1" dur="indefinite" restart="never" nodeType="tmRoot"/>
+      </p:par>
+    </p:tnLst>
+  </p:timing>
+</p:sld>
+</file>
+
+<file path=ppt/slides/slide3.xml><?xml version="1.0" encoding="utf-8"?>
+<p:sld xmlns:a="http://schemas.openxmlformats.org/drawingml/2006/main" xmlns:r="http://schemas.openxmlformats.org/officeDocument/2006/relationships" xmlns:p="http://schemas.openxmlformats.org/presentationml/2006/main">
+  <p:cSld>
+    <p:spTree>
+      <p:nvGrpSpPr>
+        <p:cNvPr id="1" name=""/>
+        <p:cNvGrpSpPr/>
+        <p:nvPr/>
+      </p:nvGrpSpPr>
+      <p:grpSpPr>
+        <a:xfrm>
+          <a:off x="0" y="0"/>
+          <a:ext cx="0" cy="0"/>
+          <a:chOff x="0" y="0"/>
+          <a:chExt cx="0" cy="0"/>
+        </a:xfrm>
+      </p:grpSpPr>
+      <p:sp>
+        <p:nvSpPr>
+          <p:cNvPr id="13" name="כותרת 12"/>
+          <p:cNvSpPr>
+            <a:spLocks noGrp="1"/>
+          </p:cNvSpPr>
+          <p:nvPr>
+            <p:ph type="title"/>
+          </p:nvPr>
+        </p:nvSpPr>
+        <p:spPr/>
+        <p:txBody>
+          <a:bodyPr rtlCol="1"/>
+          <a:lstStyle/>
+          <a:p>
+            <a:pPr algn="l" rtl="1"/>
+            <a:r>
+              <a:rPr lang="en-US" b="1" dirty="0" smtClean="0"/>
+              <a:t>Motivation</a:t>
+            </a:r>
+            <a:endParaRPr lang="he-IL" b="1" dirty="0">
+              <a:latin typeface="Tahoma" panose="020B0604030504040204" pitchFamily="34" charset="0"/>
+              <a:ea typeface="Tahoma" panose="020B0604030504040204" pitchFamily="34" charset="0"/>
+              <a:cs typeface="Tahoma" panose="020B0604030504040204" pitchFamily="34" charset="0"/>
+            </a:endParaRPr>
+          </a:p>
+        </p:txBody>
+      </p:sp>
+      <p:sp>
+        <p:nvSpPr>
+          <p:cNvPr id="14" name="מציין מיקום תוכן 13"/>
+          <p:cNvSpPr>
+            <a:spLocks noGrp="1"/>
+          </p:cNvSpPr>
+          <p:nvPr>
+            <p:ph idx="1"/>
+          </p:nvPr>
+        </p:nvSpPr>
+        <p:spPr/>
+        <p:txBody>
+          <a:bodyPr rtlCol="1"/>
+          <a:lstStyle/>
+          <a:p>
+            <a:pPr marL="0" indent="0" algn="l" rtl="0">
+              <a:buNone/>
+            </a:pPr>
+            <a:r>
+              <a:rPr lang="en-US" dirty="0" smtClean="0"/>
+              <a:t>Extracting information from a raw text file is very hard, especially when doing so repeatedly with big text files.</a:t>
+            </a:r>
+          </a:p>
+          <a:p>
+            <a:pPr marL="0" indent="0" algn="l" rtl="0">
+              <a:buNone/>
+            </a:pPr>
+            <a:r>
+              <a:rPr lang="en-US" dirty="0" smtClean="0"/>
+              <a:t>This is exactly the case in the JBS project. </a:t>
+            </a:r>
+          </a:p>
+          <a:p>
+            <a:pPr marL="0" indent="0" algn="l" rtl="0">
+              <a:buNone/>
+            </a:pPr>
+            <a:r>
+              <a:rPr lang="en-US" dirty="0" smtClean="0"/>
+              <a:t>Rearranging the text in a structural form with metadata combined is necessary for every phase of the project.</a:t>
+            </a:r>
+          </a:p>
+          <a:p>
+            <a:pPr marL="0" indent="0" algn="l" rtl="0">
+              <a:buNone/>
+            </a:pPr>
+            <a:r>
+              <a:rPr lang="en-US" dirty="0" smtClean="0"/>
+              <a:t>For that reason we developed the Text2Json tool. With it every text file can easily be converted to a </a:t>
+            </a:r>
+            <a:r>
+              <a:rPr lang="en-US" dirty="0" err="1" smtClean="0"/>
+              <a:t>json</a:t>
+            </a:r>
+            <a:r>
+              <a:rPr lang="en-US" dirty="0" smtClean="0"/>
+              <a:t> file. </a:t>
+            </a:r>
+          </a:p>
+          <a:p>
+            <a:pPr marL="514350" indent="-514350" algn="l" rtl="0">
+              <a:buAutoNum type="arabicPeriod"/>
+            </a:pPr>
+            <a:endParaRPr lang="he-IL" dirty="0">
+              <a:latin typeface="Tahoma" panose="020B0604030504040204" pitchFamily="34" charset="0"/>
+              <a:ea typeface="Tahoma" panose="020B0604030504040204" pitchFamily="34" charset="0"/>
+              <a:cs typeface="Tahoma" panose="020B0604030504040204" pitchFamily="34" charset="0"/>
+            </a:endParaRPr>
+          </a:p>
+        </p:txBody>
+      </p:sp>
+      <p:pic>
+        <p:nvPicPr>
+          <p:cNvPr id="1026" name="Picture 2" descr="Image result for json"/>
+          <p:cNvPicPr>
+            <a:picLocks noChangeAspect="1" noChangeArrowheads="1"/>
+          </p:cNvPicPr>
+          <p:nvPr/>
+        </p:nvPicPr>
+        <p:blipFill>
+          <a:blip r:embed="rId3" cstate="print">
+            <a:extLst>
+              <a:ext uri="{28A0092B-C50C-407E-A947-70E740481C1C}">
+                <a14:useLocalDpi xmlns:a14="http://schemas.microsoft.com/office/drawing/2010/main" val="0"/>
+              </a:ext>
+            </a:extLst>
+          </a:blip>
+          <a:srcRect/>
+          <a:stretch>
+            <a:fillRect/>
+          </a:stretch>
+        </p:blipFill>
+        <p:spPr bwMode="auto">
+          <a:xfrm>
+            <a:off x="10135555" y="4874258"/>
+            <a:ext cx="1600200" cy="1600200"/>
+          </a:xfrm>
+          <a:prstGeom prst="rect">
+            <a:avLst/>
+          </a:prstGeom>
+          <a:noFill/>
+          <a:extLst>
+            <a:ext uri="{909E8E84-426E-40DD-AFC4-6F175D3DCCD1}">
+              <a14:hiddenFill xmlns:a14="http://schemas.microsoft.com/office/drawing/2010/main">
+                <a:solidFill>
+                  <a:srgbClr val="FFFFFF"/>
+                </a:solidFill>
+              </a14:hiddenFill>
+            </a:ext>
+          </a:extLst>
+        </p:spPr>
+      </p:pic>
+      <p:pic>
+        <p:nvPicPr>
+          <p:cNvPr id="1028" name="Picture 4" descr="Image result for txt"/>
+          <p:cNvPicPr>
+            <a:picLocks noChangeAspect="1" noChangeArrowheads="1"/>
+          </p:cNvPicPr>
+          <p:nvPr/>
+        </p:nvPicPr>
+        <p:blipFill>
+          <a:blip r:embed="rId4" cstate="print">
+            <a:biLevel thresh="75000"/>
+            <a:extLst>
+              <a:ext uri="{28A0092B-C50C-407E-A947-70E740481C1C}">
+                <a14:useLocalDpi xmlns:a14="http://schemas.microsoft.com/office/drawing/2010/main" val="0"/>
+              </a:ext>
+            </a:extLst>
+          </a:blip>
+          <a:srcRect/>
+          <a:stretch>
+            <a:fillRect/>
+          </a:stretch>
+        </p:blipFill>
+        <p:spPr bwMode="auto">
+          <a:xfrm>
+            <a:off x="7798379" y="4904367"/>
+            <a:ext cx="1572633" cy="1572633"/>
+          </a:xfrm>
+          <a:prstGeom prst="rect">
+            <a:avLst/>
+          </a:prstGeom>
+          <a:noFill/>
+          <a:extLst>
+            <a:ext uri="{909E8E84-426E-40DD-AFC4-6F175D3DCCD1}">
+              <a14:hiddenFill xmlns:a14="http://schemas.microsoft.com/office/drawing/2010/main">
+                <a:solidFill>
+                  <a:srgbClr val="FFFFFF"/>
+                </a:solidFill>
+              </a14:hiddenFill>
+            </a:ext>
+          </a:extLst>
+        </p:spPr>
+      </p:pic>
+      <p:sp>
+        <p:nvSpPr>
+          <p:cNvPr id="2" name="חץ ימינה 1"/>
           <p:cNvSpPr/>
           <p:nvPr/>
         </p:nvSpPr>
         <p:spPr>
-          <a:xfrm rot="5400000">
-            <a:off x="8075612" y="1676400"/>
-            <a:ext cx="1828800" cy="1524000"/>
+          <a:xfrm>
+            <a:off x="9412538" y="5638800"/>
+            <a:ext cx="568074" cy="348818"/>
           </a:xfrm>
-          <a:prstGeom prst="bentArrow">
+          <a:prstGeom prst="rightArrow">
             <a:avLst/>
           </a:prstGeom>
         </p:spPr>
@@ -6401,14 +8821,198 @@
           <a:lstStyle/>
           <a:p>
             <a:pPr algn="ctr"/>
-            <a:endParaRPr lang="he-IL" sz="2800">
-              <a:solidFill>
-                <a:schemeClr val="tx1"/>
-              </a:solidFill>
-            </a:endParaRPr>
-          </a:p>
-        </p:txBody>
-      </p:sp>
+            <a:endParaRPr lang="he-IL" sz="2800"/>
+          </a:p>
+        </p:txBody>
+      </p:sp>
+    </p:spTree>
+    <p:extLst>
+      <p:ext uri="{BB962C8B-B14F-4D97-AF65-F5344CB8AC3E}">
+        <p14:creationId xmlns:p14="http://schemas.microsoft.com/office/powerpoint/2010/main" val="3604793875"/>
+      </p:ext>
+    </p:extLst>
+  </p:cSld>
+  <p:clrMapOvr>
+    <a:masterClrMapping/>
+  </p:clrMapOvr>
+  <mc:AlternateContent xmlns:mc="http://schemas.openxmlformats.org/markup-compatibility/2006" xmlns:p14="http://schemas.microsoft.com/office/powerpoint/2010/main">
+    <mc:Choice Requires="p14">
+      <p:transition spd="med" p14:dur="700">
+        <p:fade/>
+      </p:transition>
+    </mc:Choice>
+    <mc:Fallback xmlns="">
+      <p:transition spd="med">
+        <p:fade/>
+      </p:transition>
+    </mc:Fallback>
+  </mc:AlternateContent>
+  <p:timing>
+    <p:tnLst>
+      <p:par>
+        <p:cTn id="1" dur="indefinite" restart="never" nodeType="tmRoot"/>
+      </p:par>
+    </p:tnLst>
+  </p:timing>
+</p:sld>
+</file>
+
+<file path=ppt/slides/slide4.xml><?xml version="1.0" encoding="utf-8"?>
+<p:sld xmlns:a="http://schemas.openxmlformats.org/drawingml/2006/main" xmlns:r="http://schemas.openxmlformats.org/officeDocument/2006/relationships" xmlns:p="http://schemas.openxmlformats.org/presentationml/2006/main">
+  <p:cSld>
+    <p:spTree>
+      <p:nvGrpSpPr>
+        <p:cNvPr id="1" name=""/>
+        <p:cNvGrpSpPr/>
+        <p:nvPr/>
+      </p:nvGrpSpPr>
+      <p:grpSpPr>
+        <a:xfrm>
+          <a:off x="0" y="0"/>
+          <a:ext cx="0" cy="0"/>
+          <a:chOff x="0" y="0"/>
+          <a:chExt cx="0" cy="0"/>
+        </a:xfrm>
+      </p:grpSpPr>
+      <p:sp>
+        <p:nvSpPr>
+          <p:cNvPr id="4" name="כותרת 3"/>
+          <p:cNvSpPr>
+            <a:spLocks noGrp="1"/>
+          </p:cNvSpPr>
+          <p:nvPr>
+            <p:ph type="title"/>
+          </p:nvPr>
+        </p:nvSpPr>
+        <p:spPr/>
+        <p:txBody>
+          <a:bodyPr rtlCol="1">
+            <a:normAutofit/>
+          </a:bodyPr>
+          <a:lstStyle/>
+          <a:p>
+            <a:pPr algn="l" rtl="1"/>
+            <a:r>
+              <a:rPr lang="en-US" sz="8000" b="1" dirty="0" smtClean="0"/>
+              <a:t>Some results</a:t>
+            </a:r>
+            <a:endParaRPr lang="he-IL" sz="8000" b="1" dirty="0"/>
+          </a:p>
+        </p:txBody>
+      </p:sp>
+      <p:pic>
+        <p:nvPicPr>
+          <p:cNvPr id="5122" name="Picture 2" descr="Image result for ‫תנך‬‎"/>
+          <p:cNvPicPr>
+            <a:picLocks noChangeAspect="1" noChangeArrowheads="1"/>
+          </p:cNvPicPr>
+          <p:nvPr/>
+        </p:nvPicPr>
+        <p:blipFill>
+          <a:blip r:embed="rId3" cstate="print">
+            <a:extLst>
+              <a:ext uri="{28A0092B-C50C-407E-A947-70E740481C1C}">
+                <a14:useLocalDpi xmlns:a14="http://schemas.microsoft.com/office/drawing/2010/main" val="0"/>
+              </a:ext>
+            </a:extLst>
+          </a:blip>
+          <a:srcRect/>
+          <a:stretch>
+            <a:fillRect/>
+          </a:stretch>
+        </p:blipFill>
+        <p:spPr bwMode="auto">
+          <a:xfrm>
+            <a:off x="6763952" y="838200"/>
+            <a:ext cx="3750060" cy="1676400"/>
+          </a:xfrm>
+          <a:prstGeom prst="rect">
+            <a:avLst/>
+          </a:prstGeom>
+          <a:noFill/>
+          <a:extLst>
+            <a:ext uri="{909E8E84-426E-40DD-AFC4-6F175D3DCCD1}">
+              <a14:hiddenFill xmlns:a14="http://schemas.microsoft.com/office/drawing/2010/main">
+                <a:solidFill>
+                  <a:srgbClr val="FFFFFF"/>
+                </a:solidFill>
+              </a14:hiddenFill>
+            </a:ext>
+          </a:extLst>
+        </p:spPr>
+      </p:pic>
+    </p:spTree>
+    <p:extLst>
+      <p:ext uri="{BB962C8B-B14F-4D97-AF65-F5344CB8AC3E}">
+        <p14:creationId xmlns:p14="http://schemas.microsoft.com/office/powerpoint/2010/main" val="4264977537"/>
+      </p:ext>
+    </p:extLst>
+  </p:cSld>
+  <p:clrMapOvr>
+    <a:masterClrMapping/>
+  </p:clrMapOvr>
+  <mc:AlternateContent xmlns:mc="http://schemas.openxmlformats.org/markup-compatibility/2006" xmlns:p14="http://schemas.microsoft.com/office/powerpoint/2010/main">
+    <mc:Choice Requires="p14">
+      <p:transition spd="med" p14:dur="700">
+        <p:fade/>
+      </p:transition>
+    </mc:Choice>
+    <mc:Fallback xmlns="">
+      <p:transition spd="med">
+        <p:fade/>
+      </p:transition>
+    </mc:Fallback>
+  </mc:AlternateContent>
+  <p:timing>
+    <p:tnLst>
+      <p:par>
+        <p:cTn id="1" dur="indefinite" restart="never" nodeType="tmRoot"/>
+      </p:par>
+    </p:tnLst>
+  </p:timing>
+</p:sld>
+</file>
+
+<file path=ppt/slides/slide5.xml><?xml version="1.0" encoding="utf-8"?>
+<p:sld xmlns:a="http://schemas.openxmlformats.org/drawingml/2006/main" xmlns:r="http://schemas.openxmlformats.org/officeDocument/2006/relationships" xmlns:p="http://schemas.openxmlformats.org/presentationml/2006/main">
+  <p:cSld>
+    <p:spTree>
+      <p:nvGrpSpPr>
+        <p:cNvPr id="1" name=""/>
+        <p:cNvGrpSpPr/>
+        <p:nvPr/>
+      </p:nvGrpSpPr>
+      <p:grpSpPr>
+        <a:xfrm>
+          <a:off x="0" y="0"/>
+          <a:ext cx="0" cy="0"/>
+          <a:chOff x="0" y="0"/>
+          <a:chExt cx="0" cy="0"/>
+        </a:xfrm>
+      </p:grpSpPr>
+      <p:pic>
+        <p:nvPicPr>
+          <p:cNvPr id="4" name="תמונה 3"/>
+          <p:cNvPicPr>
+            <a:picLocks noChangeAspect="1"/>
+          </p:cNvPicPr>
+          <p:nvPr/>
+        </p:nvPicPr>
+        <p:blipFill rotWithShape="1">
+          <a:blip r:embed="rId2"/>
+          <a:srcRect l="973" b="20737"/>
+          <a:stretch/>
+        </p:blipFill>
+        <p:spPr>
+          <a:xfrm>
+            <a:off x="74612" y="76200"/>
+            <a:ext cx="7573040" cy="3200400"/>
+          </a:xfrm>
+          <a:prstGeom prst="rect">
+            <a:avLst/>
+          </a:prstGeom>
+        </p:spPr>
+      </p:pic>
       <p:sp>
         <p:nvSpPr>
           <p:cNvPr id="7" name="כותרת משנה 4"/>
@@ -6673,7 +9277,7 @@
           <p:nvPr/>
         </p:nvPicPr>
         <p:blipFill>
-          <a:blip r:embed="rId4" cstate="print">
+          <a:blip r:embed="rId3" cstate="print">
             <a:extLst>
               <a:ext uri="{28A0092B-C50C-407E-A947-70E740481C1C}">
                 <a14:useLocalDpi xmlns:a14="http://schemas.microsoft.com/office/drawing/2010/main" val="0"/>
@@ -6705,10 +9309,74 @@
           </a:extLst>
         </p:spPr>
       </p:pic>
+      <p:pic>
+        <p:nvPicPr>
+          <p:cNvPr id="2" name="תמונה 1"/>
+          <p:cNvPicPr>
+            <a:picLocks noChangeAspect="1"/>
+          </p:cNvPicPr>
+          <p:nvPr/>
+        </p:nvPicPr>
+        <p:blipFill>
+          <a:blip r:embed="rId4"/>
+          <a:stretch>
+            <a:fillRect/>
+          </a:stretch>
+        </p:blipFill>
+        <p:spPr>
+          <a:xfrm>
+            <a:off x="7694613" y="71160"/>
+            <a:ext cx="4409504" cy="6769778"/>
+          </a:xfrm>
+          <a:prstGeom prst="rect">
+            <a:avLst/>
+          </a:prstGeom>
+        </p:spPr>
+      </p:pic>
+      <p:sp>
+        <p:nvSpPr>
+          <p:cNvPr id="3" name="חץ מכופף למעלה 2"/>
+          <p:cNvSpPr/>
+          <p:nvPr/>
+        </p:nvSpPr>
+        <p:spPr>
+          <a:xfrm rot="5400000">
+            <a:off x="5599112" y="3619500"/>
+            <a:ext cx="1676400" cy="1752600"/>
+          </a:xfrm>
+          <a:prstGeom prst="bentUpArrow">
+            <a:avLst/>
+          </a:prstGeom>
+        </p:spPr>
+        <p:style>
+          <a:lnRef idx="2">
+            <a:schemeClr val="accent1">
+              <a:shade val="50000"/>
+            </a:schemeClr>
+          </a:lnRef>
+          <a:fillRef idx="1">
+            <a:schemeClr val="accent1"/>
+          </a:fillRef>
+          <a:effectRef idx="0">
+            <a:schemeClr val="accent1"/>
+          </a:effectRef>
+          <a:fontRef idx="minor">
+            <a:schemeClr val="lt1"/>
+          </a:fontRef>
+        </p:style>
+        <p:txBody>
+          <a:bodyPr rtlCol="0" anchor="ctr"/>
+          <a:lstStyle/>
+          <a:p>
+            <a:pPr algn="ctr"/>
+            <a:endParaRPr lang="he-IL" sz="2800"/>
+          </a:p>
+        </p:txBody>
+      </p:sp>
     </p:spTree>
     <p:extLst>
       <p:ext uri="{BB962C8B-B14F-4D97-AF65-F5344CB8AC3E}">
-        <p14:creationId xmlns:p14="http://schemas.microsoft.com/office/powerpoint/2010/main" val="1454056062"/>
+        <p14:creationId xmlns:p14="http://schemas.microsoft.com/office/powerpoint/2010/main" val="3968580045"/>
       </p:ext>
     </p:extLst>
   </p:cSld>
@@ -6737,7 +9405,7 @@
 </p:sld>
 </file>
 
-<file path=ppt/slides/slide11.xml><?xml version="1.0" encoding="utf-8"?>
+<file path=ppt/slides/slide6.xml><?xml version="1.0" encoding="utf-8"?>
 <p:sld xmlns:a="http://schemas.openxmlformats.org/drawingml/2006/main" xmlns:r="http://schemas.openxmlformats.org/officeDocument/2006/relationships" xmlns:p="http://schemas.openxmlformats.org/presentationml/2006/main">
   <p:cSld>
     <p:spTree>
@@ -6754,98 +9422,6 @@
           <a:chExt cx="0" cy="0"/>
         </a:xfrm>
       </p:grpSpPr>
-      <p:sp>
-        <p:nvSpPr>
-          <p:cNvPr id="6" name="חץ מכופף 5"/>
-          <p:cNvSpPr/>
-          <p:nvPr/>
-        </p:nvSpPr>
-        <p:spPr>
-          <a:xfrm rot="5400000">
-            <a:off x="8075612" y="1676400"/>
-            <a:ext cx="1828800" cy="1524000"/>
-          </a:xfrm>
-          <a:prstGeom prst="bentArrow">
-            <a:avLst/>
-          </a:prstGeom>
-        </p:spPr>
-        <p:style>
-          <a:lnRef idx="2">
-            <a:schemeClr val="accent1">
-              <a:shade val="50000"/>
-            </a:schemeClr>
-          </a:lnRef>
-          <a:fillRef idx="1">
-            <a:schemeClr val="accent1"/>
-          </a:fillRef>
-          <a:effectRef idx="0">
-            <a:schemeClr val="accent1"/>
-          </a:effectRef>
-          <a:fontRef idx="minor">
-            <a:schemeClr val="lt1"/>
-          </a:fontRef>
-        </p:style>
-        <p:txBody>
-          <a:bodyPr rtlCol="0" anchor="ctr"/>
-          <a:lstStyle/>
-          <a:p>
-            <a:pPr algn="ctr"/>
-            <a:endParaRPr lang="he-IL" sz="2800">
-              <a:solidFill>
-                <a:schemeClr val="tx1"/>
-              </a:solidFill>
-            </a:endParaRPr>
-          </a:p>
-        </p:txBody>
-      </p:sp>
-      <p:pic>
-        <p:nvPicPr>
-          <p:cNvPr id="2" name="תמונה 1"/>
-          <p:cNvPicPr>
-            <a:picLocks noChangeAspect="1"/>
-          </p:cNvPicPr>
-          <p:nvPr/>
-        </p:nvPicPr>
-        <p:blipFill>
-          <a:blip r:embed="rId2"/>
-          <a:stretch>
-            <a:fillRect/>
-          </a:stretch>
-        </p:blipFill>
-        <p:spPr>
-          <a:xfrm>
-            <a:off x="303212" y="533400"/>
-            <a:ext cx="7772400" cy="2619375"/>
-          </a:xfrm>
-          <a:prstGeom prst="rect">
-            <a:avLst/>
-          </a:prstGeom>
-        </p:spPr>
-      </p:pic>
-      <p:pic>
-        <p:nvPicPr>
-          <p:cNvPr id="3" name="תמונה 2"/>
-          <p:cNvPicPr>
-            <a:picLocks noChangeAspect="1"/>
-          </p:cNvPicPr>
-          <p:nvPr/>
-        </p:nvPicPr>
-        <p:blipFill>
-          <a:blip r:embed="rId3"/>
-          <a:stretch>
-            <a:fillRect/>
-          </a:stretch>
-        </p:blipFill>
-        <p:spPr>
-          <a:xfrm>
-            <a:off x="4224894" y="3733800"/>
-            <a:ext cx="7829550" cy="2476500"/>
-          </a:xfrm>
-          <a:prstGeom prst="rect">
-            <a:avLst/>
-          </a:prstGeom>
-        </p:spPr>
-      </p:pic>
       <p:sp>
         <p:nvSpPr>
           <p:cNvPr id="8" name="כותרת משנה 4"/>
@@ -7110,7 +9686,7 @@
           <p:nvPr/>
         </p:nvPicPr>
         <p:blipFill rotWithShape="1">
-          <a:blip r:embed="rId4" cstate="print">
+          <a:blip r:embed="rId2" cstate="print">
             <a:extLst>
               <a:ext uri="{28A0092B-C50C-407E-A947-70E740481C1C}">
                 <a14:useLocalDpi xmlns:a14="http://schemas.microsoft.com/office/drawing/2010/main" val="0"/>
@@ -7140,10 +9716,102 @@
           </a:extLst>
         </p:spPr>
       </p:pic>
+      <p:pic>
+        <p:nvPicPr>
+          <p:cNvPr id="4" name="תמונה 3"/>
+          <p:cNvPicPr>
+            <a:picLocks noChangeAspect="1"/>
+          </p:cNvPicPr>
+          <p:nvPr/>
+        </p:nvPicPr>
+        <p:blipFill>
+          <a:blip r:embed="rId3"/>
+          <a:stretch>
+            <a:fillRect/>
+          </a:stretch>
+        </p:blipFill>
+        <p:spPr>
+          <a:xfrm>
+            <a:off x="7371322" y="123825"/>
+            <a:ext cx="4676216" cy="6619875"/>
+          </a:xfrm>
+          <a:prstGeom prst="rect">
+            <a:avLst/>
+          </a:prstGeom>
+        </p:spPr>
+      </p:pic>
+      <p:pic>
+        <p:nvPicPr>
+          <p:cNvPr id="5" name="תמונה 4"/>
+          <p:cNvPicPr>
+            <a:picLocks noChangeAspect="1"/>
+          </p:cNvPicPr>
+          <p:nvPr/>
+        </p:nvPicPr>
+        <p:blipFill>
+          <a:blip r:embed="rId4"/>
+          <a:stretch>
+            <a:fillRect/>
+          </a:stretch>
+        </p:blipFill>
+        <p:spPr>
+          <a:xfrm>
+            <a:off x="74612" y="152400"/>
+            <a:ext cx="7097045" cy="3786763"/>
+          </a:xfrm>
+          <a:prstGeom prst="rect">
+            <a:avLst/>
+          </a:prstGeom>
+        </p:spPr>
+      </p:pic>
+      <p:sp>
+        <p:nvSpPr>
+          <p:cNvPr id="9" name="חץ מכופף למעלה 8"/>
+          <p:cNvSpPr/>
+          <p:nvPr/>
+        </p:nvSpPr>
+        <p:spPr>
+          <a:xfrm rot="5400000">
+            <a:off x="5141912" y="4229100"/>
+            <a:ext cx="1676400" cy="1752600"/>
+          </a:xfrm>
+          <a:prstGeom prst="bentUpArrow">
+            <a:avLst>
+              <a:gd name="adj1" fmla="val 23526"/>
+              <a:gd name="adj2" fmla="val 26474"/>
+              <a:gd name="adj3" fmla="val 28440"/>
+            </a:avLst>
+          </a:prstGeom>
+        </p:spPr>
+        <p:style>
+          <a:lnRef idx="2">
+            <a:schemeClr val="accent1">
+              <a:shade val="50000"/>
+            </a:schemeClr>
+          </a:lnRef>
+          <a:fillRef idx="1">
+            <a:schemeClr val="accent1"/>
+          </a:fillRef>
+          <a:effectRef idx="0">
+            <a:schemeClr val="accent1"/>
+          </a:effectRef>
+          <a:fontRef idx="minor">
+            <a:schemeClr val="lt1"/>
+          </a:fontRef>
+        </p:style>
+        <p:txBody>
+          <a:bodyPr rtlCol="0" anchor="ctr"/>
+          <a:lstStyle/>
+          <a:p>
+            <a:pPr algn="ctr"/>
+            <a:endParaRPr lang="he-IL" sz="2800"/>
+          </a:p>
+        </p:txBody>
+      </p:sp>
     </p:spTree>
     <p:extLst>
       <p:ext uri="{BB962C8B-B14F-4D97-AF65-F5344CB8AC3E}">
-        <p14:creationId xmlns:p14="http://schemas.microsoft.com/office/powerpoint/2010/main" val="1840175446"/>
+        <p14:creationId xmlns:p14="http://schemas.microsoft.com/office/powerpoint/2010/main" val="124544011"/>
       </p:ext>
     </p:extLst>
   </p:cSld>
@@ -7172,7 +9840,7 @@
 </p:sld>
 </file>
 
-<file path=ppt/slides/slide12.xml><?xml version="1.0" encoding="utf-8"?>
+<file path=ppt/slides/slide7.xml><?xml version="1.0" encoding="utf-8"?>
 <p:sld xmlns:a="http://schemas.openxmlformats.org/drawingml/2006/main" xmlns:r="http://schemas.openxmlformats.org/officeDocument/2006/relationships" xmlns:p="http://schemas.openxmlformats.org/presentationml/2006/main">
   <p:cSld>
     <p:spTree>
@@ -7189,50 +9857,6 @@
           <a:chExt cx="0" cy="0"/>
         </a:xfrm>
       </p:grpSpPr>
-      <p:sp>
-        <p:nvSpPr>
-          <p:cNvPr id="6" name="חץ מכופף 5"/>
-          <p:cNvSpPr/>
-          <p:nvPr/>
-        </p:nvSpPr>
-        <p:spPr>
-          <a:xfrm rot="5400000">
-            <a:off x="8075612" y="1676400"/>
-            <a:ext cx="1828800" cy="1524000"/>
-          </a:xfrm>
-          <a:prstGeom prst="bentArrow">
-            <a:avLst/>
-          </a:prstGeom>
-        </p:spPr>
-        <p:style>
-          <a:lnRef idx="2">
-            <a:schemeClr val="accent1">
-              <a:shade val="50000"/>
-            </a:schemeClr>
-          </a:lnRef>
-          <a:fillRef idx="1">
-            <a:schemeClr val="accent1"/>
-          </a:fillRef>
-          <a:effectRef idx="0">
-            <a:schemeClr val="accent1"/>
-          </a:effectRef>
-          <a:fontRef idx="minor">
-            <a:schemeClr val="lt1"/>
-          </a:fontRef>
-        </p:style>
-        <p:txBody>
-          <a:bodyPr rtlCol="0" anchor="ctr"/>
-          <a:lstStyle/>
-          <a:p>
-            <a:pPr algn="ctr"/>
-            <a:endParaRPr lang="he-IL" sz="2800">
-              <a:solidFill>
-                <a:schemeClr val="tx1"/>
-              </a:solidFill>
-            </a:endParaRPr>
-          </a:p>
-        </p:txBody>
-      </p:sp>
       <p:sp>
         <p:nvSpPr>
           <p:cNvPr id="8" name="כותרת משנה 4"/>
@@ -7488,396 +10112,29 @@
           </a:p>
         </p:txBody>
       </p:sp>
-      <p:sp>
-        <p:nvSpPr>
-          <p:cNvPr id="7" name="כותרת 12"/>
-          <p:cNvSpPr>
-            <a:spLocks noGrp="1"/>
-          </p:cNvSpPr>
-          <p:nvPr>
-            <p:ph type="title"/>
-          </p:nvPr>
-        </p:nvSpPr>
-        <p:spPr>
-          <a:xfrm>
-            <a:off x="760412" y="457200"/>
-            <a:ext cx="10360501" cy="1223963"/>
-          </a:xfrm>
-        </p:spPr>
-        <p:txBody>
-          <a:bodyPr rtlCol="1">
-            <a:normAutofit/>
-          </a:bodyPr>
-          <a:lstStyle/>
-          <a:p>
-            <a:pPr algn="l" rtl="1"/>
-            <a:r>
-              <a:rPr lang="en-US" sz="4400" b="1" dirty="0" err="1" smtClean="0"/>
-              <a:t>Json</a:t>
-            </a:r>
-            <a:r>
-              <a:rPr lang="en-US" sz="4400" b="1" dirty="0" smtClean="0"/>
-              <a:t> file for package data</a:t>
-            </a:r>
-            <a:endParaRPr lang="he-IL" sz="4400" b="1" dirty="0"/>
-          </a:p>
-        </p:txBody>
-      </p:sp>
       <p:pic>
         <p:nvPicPr>
-          <p:cNvPr id="4" name="תמונה 3"/>
-          <p:cNvPicPr>
-            <a:picLocks noChangeAspect="1"/>
-          </p:cNvPicPr>
-          <p:nvPr/>
-        </p:nvPicPr>
-        <p:blipFill>
-          <a:blip r:embed="rId2"/>
-          <a:stretch>
-            <a:fillRect/>
-          </a:stretch>
-        </p:blipFill>
-        <p:spPr>
-          <a:xfrm>
-            <a:off x="4189412" y="3733800"/>
-            <a:ext cx="7705725" cy="1085850"/>
-          </a:xfrm>
-          <a:prstGeom prst="rect">
-            <a:avLst/>
-          </a:prstGeom>
-        </p:spPr>
-      </p:pic>
-    </p:spTree>
-    <p:extLst>
-      <p:ext uri="{BB962C8B-B14F-4D97-AF65-F5344CB8AC3E}">
-        <p14:creationId xmlns:p14="http://schemas.microsoft.com/office/powerpoint/2010/main" val="2262477100"/>
-      </p:ext>
-    </p:extLst>
-  </p:cSld>
-  <p:clrMapOvr>
-    <a:masterClrMapping/>
-  </p:clrMapOvr>
-  <mc:AlternateContent xmlns:mc="http://schemas.openxmlformats.org/markup-compatibility/2006" xmlns:p14="http://schemas.microsoft.com/office/powerpoint/2010/main">
-    <mc:Choice Requires="p14">
-      <p:transition spd="med" p14:dur="700">
-        <p:fade/>
-      </p:transition>
-    </mc:Choice>
-    <mc:Fallback xmlns="">
-      <p:transition spd="med">
-        <p:fade/>
-      </p:transition>
-    </mc:Fallback>
-  </mc:AlternateContent>
-  <p:timing>
-    <p:tnLst>
-      <p:par>
-        <p:cTn id="1" dur="indefinite" restart="never" nodeType="tmRoot"/>
-      </p:par>
-    </p:tnLst>
-  </p:timing>
-</p:sld>
-</file>
-
-<file path=ppt/slides/slide13.xml><?xml version="1.0" encoding="utf-8"?>
-<p:sld xmlns:a="http://schemas.openxmlformats.org/drawingml/2006/main" xmlns:r="http://schemas.openxmlformats.org/officeDocument/2006/relationships" xmlns:p="http://schemas.openxmlformats.org/presentationml/2006/main">
-  <p:cSld>
-    <p:spTree>
-      <p:nvGrpSpPr>
-        <p:cNvPr id="1" name=""/>
-        <p:cNvGrpSpPr/>
-        <p:nvPr/>
-      </p:nvGrpSpPr>
-      <p:grpSpPr>
-        <a:xfrm>
-          <a:off x="0" y="0"/>
-          <a:ext cx="0" cy="0"/>
-          <a:chOff x="0" y="0"/>
-          <a:chExt cx="0" cy="0"/>
-        </a:xfrm>
-      </p:grpSpPr>
-      <p:sp>
-        <p:nvSpPr>
-          <p:cNvPr id="13" name="כותרת 12"/>
-          <p:cNvSpPr>
-            <a:spLocks noGrp="1"/>
-          </p:cNvSpPr>
-          <p:nvPr>
-            <p:ph type="title"/>
-          </p:nvPr>
-        </p:nvSpPr>
-        <p:spPr/>
-        <p:txBody>
-          <a:bodyPr rtlCol="1"/>
-          <a:lstStyle/>
-          <a:p>
-            <a:pPr algn="l" rtl="1"/>
-            <a:r>
-              <a:rPr lang="en-US" b="1" dirty="0" smtClean="0"/>
-              <a:t>Working process</a:t>
-            </a:r>
-            <a:endParaRPr lang="he-IL" b="1" dirty="0"/>
-          </a:p>
-        </p:txBody>
-      </p:sp>
-      <p:sp>
-        <p:nvSpPr>
-          <p:cNvPr id="14" name="מציין מיקום תוכן 13"/>
-          <p:cNvSpPr>
-            <a:spLocks noGrp="1"/>
-          </p:cNvSpPr>
-          <p:nvPr>
-            <p:ph idx="1"/>
-          </p:nvPr>
-        </p:nvSpPr>
-        <p:spPr/>
-        <p:txBody>
-          <a:bodyPr rtlCol="1">
-            <a:normAutofit/>
-          </a:bodyPr>
-          <a:lstStyle/>
-          <a:p>
-            <a:pPr algn="l" rtl="0"/>
-            <a:r>
-              <a:rPr lang="en-US" dirty="0" smtClean="0"/>
-              <a:t>“Feel the ground”: created a specific parser before creating the tool</a:t>
-            </a:r>
-          </a:p>
-          <a:p>
-            <a:pPr algn="l" rtl="0"/>
-            <a:r>
-              <a:rPr lang="en-US" dirty="0" smtClean="0"/>
-              <a:t>Insights: encoding, Hebrew </a:t>
-            </a:r>
-            <a:r>
-              <a:rPr lang="en-US" dirty="0" err="1" smtClean="0"/>
-              <a:t>nikud</a:t>
-            </a:r>
-            <a:r>
-              <a:rPr lang="en-US" dirty="0" smtClean="0"/>
-              <a:t>, </a:t>
-            </a:r>
-            <a:r>
-              <a:rPr lang="en-US" dirty="0" err="1" smtClean="0"/>
-              <a:t>Gson</a:t>
-            </a:r>
-            <a:r>
-              <a:rPr lang="en-US" dirty="0" smtClean="0"/>
-              <a:t> library and more…</a:t>
-            </a:r>
-          </a:p>
-          <a:p>
-            <a:pPr algn="l" rtl="0"/>
-            <a:r>
-              <a:rPr lang="en-US" dirty="0" smtClean="0"/>
-              <a:t>Created a general parser – the Parser class</a:t>
-            </a:r>
-          </a:p>
-          <a:p>
-            <a:pPr algn="l" rtl="0"/>
-            <a:r>
-              <a:rPr lang="en-US" dirty="0" smtClean="0"/>
-              <a:t>Started parsing </a:t>
-            </a:r>
-            <a:r>
-              <a:rPr lang="en-US" dirty="0" err="1" smtClean="0"/>
-              <a:t>jewish</a:t>
-            </a:r>
-            <a:r>
-              <a:rPr lang="en-US" dirty="0" smtClean="0"/>
-              <a:t> books</a:t>
-            </a:r>
-          </a:p>
-          <a:p>
-            <a:pPr algn="l" rtl="0"/>
-            <a:r>
-              <a:rPr lang="en-US" dirty="0" smtClean="0"/>
-              <a:t>Simultaneously created helping tools for the general parser and utilities specifically for the </a:t>
-            </a:r>
-            <a:r>
-              <a:rPr lang="en-US" dirty="0" err="1" smtClean="0"/>
-              <a:t>jewish</a:t>
-            </a:r>
-            <a:r>
-              <a:rPr lang="en-US" dirty="0" smtClean="0"/>
-              <a:t> bookshelf parsing. </a:t>
-            </a:r>
-          </a:p>
-          <a:p>
-            <a:pPr algn="l" rtl="0"/>
-            <a:r>
-              <a:rPr lang="en-US" dirty="0" smtClean="0"/>
-              <a:t>Dealt with changes along the way</a:t>
-            </a:r>
-          </a:p>
-          <a:p>
-            <a:pPr marL="0" indent="0" algn="l" rtl="0">
-              <a:buNone/>
-            </a:pPr>
-            <a:endParaRPr lang="en-US" dirty="0" smtClean="0"/>
-          </a:p>
-          <a:p>
-            <a:pPr marL="514350" indent="-514350" algn="l" rtl="0">
-              <a:buAutoNum type="arabicPeriod"/>
-            </a:pPr>
-            <a:endParaRPr lang="en-US" dirty="0" smtClean="0"/>
-          </a:p>
-          <a:p>
-            <a:pPr marL="0" indent="0" algn="l" rtl="0">
-              <a:buNone/>
-            </a:pPr>
-            <a:endParaRPr lang="he-IL" dirty="0">
-              <a:latin typeface="Tahoma" panose="020B0604030504040204" pitchFamily="34" charset="0"/>
-              <a:ea typeface="Tahoma" panose="020B0604030504040204" pitchFamily="34" charset="0"/>
-              <a:cs typeface="Tahoma" panose="020B0604030504040204" pitchFamily="34" charset="0"/>
-            </a:endParaRPr>
-          </a:p>
-        </p:txBody>
-      </p:sp>
-    </p:spTree>
-    <p:extLst>
-      <p:ext uri="{BB962C8B-B14F-4D97-AF65-F5344CB8AC3E}">
-        <p14:creationId xmlns:p14="http://schemas.microsoft.com/office/powerpoint/2010/main" val="1474945440"/>
-      </p:ext>
-    </p:extLst>
-  </p:cSld>
-  <p:clrMapOvr>
-    <a:masterClrMapping/>
-  </p:clrMapOvr>
-  <mc:AlternateContent xmlns:mc="http://schemas.openxmlformats.org/markup-compatibility/2006" xmlns:p14="http://schemas.microsoft.com/office/powerpoint/2010/main">
-    <mc:Choice Requires="p14">
-      <p:transition spd="med" p14:dur="700">
-        <p:fade/>
-      </p:transition>
-    </mc:Choice>
-    <mc:Fallback xmlns="">
-      <p:transition spd="med">
-        <p:fade/>
-      </p:transition>
-    </mc:Fallback>
-  </mc:AlternateContent>
-  <p:timing>
-    <p:tnLst>
-      <p:par>
-        <p:cTn id="1" dur="indefinite" restart="never" nodeType="tmRoot"/>
-      </p:par>
-    </p:tnLst>
-  </p:timing>
-</p:sld>
-</file>
-
-<file path=ppt/slides/slide14.xml><?xml version="1.0" encoding="utf-8"?>
-<p:sld xmlns:a="http://schemas.openxmlformats.org/drawingml/2006/main" xmlns:r="http://schemas.openxmlformats.org/officeDocument/2006/relationships" xmlns:p="http://schemas.openxmlformats.org/presentationml/2006/main">
-  <p:cSld>
-    <p:spTree>
-      <p:nvGrpSpPr>
-        <p:cNvPr id="1" name=""/>
-        <p:cNvGrpSpPr/>
-        <p:nvPr/>
-      </p:nvGrpSpPr>
-      <p:grpSpPr>
-        <a:xfrm>
-          <a:off x="0" y="0"/>
-          <a:ext cx="0" cy="0"/>
-          <a:chOff x="0" y="0"/>
-          <a:chExt cx="0" cy="0"/>
-        </a:xfrm>
-      </p:grpSpPr>
-      <p:sp>
-        <p:nvSpPr>
-          <p:cNvPr id="2" name="כותרת 1"/>
-          <p:cNvSpPr>
-            <a:spLocks noGrp="1"/>
-          </p:cNvSpPr>
-          <p:nvPr>
-            <p:ph type="title"/>
-          </p:nvPr>
-        </p:nvSpPr>
-        <p:spPr>
-          <a:xfrm>
-            <a:off x="1674812" y="2057400"/>
-            <a:ext cx="9142412" cy="2667000"/>
-          </a:xfrm>
-        </p:spPr>
-        <p:txBody>
-          <a:bodyPr>
-            <a:normAutofit/>
-          </a:bodyPr>
-          <a:lstStyle/>
-          <a:p>
-            <a:pPr algn="l" rtl="0"/>
-            <a:r>
-              <a:rPr lang="en-US" sz="3200" dirty="0" smtClean="0"/>
-              <a:t>THANK YOU!</a:t>
-            </a:r>
-            <a:br>
-              <a:rPr lang="en-US" sz="3200" dirty="0" smtClean="0"/>
-            </a:br>
-            <a:r>
-              <a:rPr lang="en-US" sz="3200" dirty="0" smtClean="0"/>
-              <a:t/>
-            </a:r>
-            <a:br>
-              <a:rPr lang="en-US" sz="3200" dirty="0" smtClean="0"/>
-            </a:br>
-            <a:r>
-              <a:rPr lang="en-US" sz="3200" dirty="0"/>
-              <a:t/>
-            </a:r>
-            <a:br>
-              <a:rPr lang="en-US" sz="3200" dirty="0"/>
-            </a:br>
-            <a:r>
-              <a:rPr lang="en-US" sz="3200" dirty="0" smtClean="0"/>
-              <a:t>For </a:t>
-            </a:r>
-            <a:r>
-              <a:rPr lang="en-US" sz="3200" dirty="0"/>
-              <a:t>m</a:t>
-            </a:r>
-            <a:r>
-              <a:rPr lang="en-US" sz="3200" dirty="0" smtClean="0"/>
-              <a:t>ore information: </a:t>
-            </a:r>
-            <a:r>
-              <a:rPr lang="en-US" sz="3200" dirty="0" smtClean="0">
-                <a:hlinkClick r:id="rId2"/>
-              </a:rPr>
-              <a:t>https</a:t>
-            </a:r>
-            <a:r>
-              <a:rPr lang="en-US" sz="3200" dirty="0">
-                <a:hlinkClick r:id="rId2"/>
-              </a:rPr>
-              <a:t>://github.com/TechnionTDK/jbs-text2json</a:t>
-            </a:r>
-            <a:endParaRPr lang="he-IL" sz="3200" dirty="0"/>
-          </a:p>
-        </p:txBody>
-      </p:sp>
-      <p:pic>
-        <p:nvPicPr>
-          <p:cNvPr id="2050" name="Picture 2" descr="Image result for thank you for your time presentation"/>
+          <p:cNvPr id="8194" name="Picture 2" descr="Image result for ‫תלמוד בבלי‬‎"/>
           <p:cNvPicPr>
             <a:picLocks noChangeAspect="1" noChangeArrowheads="1"/>
           </p:cNvPicPr>
           <p:nvPr/>
         </p:nvPicPr>
         <p:blipFill rotWithShape="1">
-          <a:blip r:embed="rId3">
+          <a:blip r:embed="rId2" cstate="print">
             <a:extLst>
               <a:ext uri="{28A0092B-C50C-407E-A947-70E740481C1C}">
                 <a14:useLocalDpi xmlns:a14="http://schemas.microsoft.com/office/drawing/2010/main" val="0"/>
               </a:ext>
             </a:extLst>
           </a:blip>
-          <a:srcRect t="4666" r="6000" b="10000"/>
+          <a:srcRect l="37295" t="17516" r="36156" b="16408"/>
           <a:stretch/>
         </p:blipFill>
         <p:spPr bwMode="auto">
           <a:xfrm>
-            <a:off x="6704012" y="685800"/>
-            <a:ext cx="3581400" cy="2438400"/>
+            <a:off x="150812" y="5676900"/>
+            <a:ext cx="762000" cy="1066800"/>
           </a:xfrm>
           <a:prstGeom prst="rect">
             <a:avLst/>
@@ -7894,461 +10151,23 @@
           </a:extLst>
         </p:spPr>
       </p:pic>
-    </p:spTree>
-    <p:extLst>
-      <p:ext uri="{BB962C8B-B14F-4D97-AF65-F5344CB8AC3E}">
-        <p14:creationId xmlns:p14="http://schemas.microsoft.com/office/powerpoint/2010/main" val="2191021414"/>
-      </p:ext>
-    </p:extLst>
-  </p:cSld>
-  <p:clrMapOvr>
-    <a:masterClrMapping/>
-  </p:clrMapOvr>
-  <mc:AlternateContent xmlns:mc="http://schemas.openxmlformats.org/markup-compatibility/2006" xmlns:p14="http://schemas.microsoft.com/office/powerpoint/2010/main">
-    <mc:Choice Requires="p14">
-      <p:transition spd="med" p14:dur="700">
-        <p:fade/>
-      </p:transition>
-    </mc:Choice>
-    <mc:Fallback xmlns="">
-      <p:transition spd="med">
-        <p:fade/>
-      </p:transition>
-    </mc:Fallback>
-  </mc:AlternateContent>
-  <p:timing>
-    <p:tnLst>
-      <p:par>
-        <p:cTn id="1" dur="indefinite" restart="never" nodeType="tmRoot"/>
-      </p:par>
-    </p:tnLst>
-  </p:timing>
-</p:sld>
-</file>
-
-<file path=ppt/slides/slide2.xml><?xml version="1.0" encoding="utf-8"?>
-<p:sld xmlns:a="http://schemas.openxmlformats.org/drawingml/2006/main" xmlns:r="http://schemas.openxmlformats.org/officeDocument/2006/relationships" xmlns:p="http://schemas.openxmlformats.org/presentationml/2006/main">
-  <p:cSld>
-    <p:spTree>
-      <p:nvGrpSpPr>
-        <p:cNvPr id="1" name=""/>
-        <p:cNvGrpSpPr/>
-        <p:nvPr/>
-      </p:nvGrpSpPr>
-      <p:grpSpPr>
-        <a:xfrm>
-          <a:off x="0" y="0"/>
-          <a:ext cx="0" cy="0"/>
-          <a:chOff x="0" y="0"/>
-          <a:chExt cx="0" cy="0"/>
-        </a:xfrm>
-      </p:grpSpPr>
-      <p:sp>
-        <p:nvSpPr>
-          <p:cNvPr id="13" name="כותרת 12"/>
-          <p:cNvSpPr>
-            <a:spLocks noGrp="1"/>
-          </p:cNvSpPr>
-          <p:nvPr>
-            <p:ph type="title"/>
-          </p:nvPr>
-        </p:nvSpPr>
-        <p:spPr/>
-        <p:txBody>
-          <a:bodyPr rtlCol="1">
-            <a:normAutofit/>
-          </a:bodyPr>
-          <a:lstStyle/>
-          <a:p>
-            <a:pPr algn="l" rtl="1"/>
-            <a:r>
-              <a:rPr lang="en-US" sz="4000" b="1" dirty="0" smtClean="0"/>
-              <a:t>OVERVIEW</a:t>
-            </a:r>
-            <a:endParaRPr lang="he-IL" sz="4000" b="1" dirty="0"/>
-          </a:p>
-        </p:txBody>
-      </p:sp>
-      <p:sp>
-        <p:nvSpPr>
-          <p:cNvPr id="14" name="מציין מיקום תוכן 13"/>
-          <p:cNvSpPr>
-            <a:spLocks noGrp="1"/>
-          </p:cNvSpPr>
-          <p:nvPr>
-            <p:ph idx="1"/>
-          </p:nvPr>
-        </p:nvSpPr>
-        <p:spPr/>
-        <p:txBody>
-          <a:bodyPr rtlCol="1"/>
-          <a:lstStyle/>
-          <a:p>
-            <a:pPr algn="l" rtl="0"/>
-            <a:r>
-              <a:rPr lang="en-US" dirty="0" smtClean="0">
-                <a:latin typeface="Tahoma" panose="020B0604030504040204" pitchFamily="34" charset="0"/>
-                <a:ea typeface="Tahoma" panose="020B0604030504040204" pitchFamily="34" charset="0"/>
-                <a:cs typeface="Tahoma" panose="020B0604030504040204" pitchFamily="34" charset="0"/>
-              </a:rPr>
-              <a:t>T</a:t>
-            </a:r>
-            <a:r>
-              <a:rPr lang="en-US" dirty="0" smtClean="0"/>
-              <a:t>ext2Json is a general parsing tool for developers</a:t>
-            </a:r>
-          </a:p>
-          <a:p>
-            <a:pPr algn="l" rtl="0"/>
-            <a:r>
-              <a:rPr lang="en-US" dirty="0" smtClean="0"/>
-              <a:t>Using Text2Json a programmer can almost effortlessly convert any text file to an easy-to-work-with </a:t>
-            </a:r>
-            <a:r>
-              <a:rPr lang="en-US" dirty="0" err="1" smtClean="0"/>
-              <a:t>json</a:t>
-            </a:r>
-            <a:r>
-              <a:rPr lang="en-US" dirty="0" smtClean="0"/>
-              <a:t> format file </a:t>
-            </a:r>
-            <a:endParaRPr lang="he-IL" dirty="0">
-              <a:latin typeface="Tahoma" panose="020B0604030504040204" pitchFamily="34" charset="0"/>
-              <a:ea typeface="Tahoma" panose="020B0604030504040204" pitchFamily="34" charset="0"/>
-              <a:cs typeface="Tahoma" panose="020B0604030504040204" pitchFamily="34" charset="0"/>
-            </a:endParaRPr>
-          </a:p>
-          <a:p>
-            <a:pPr algn="l" rtl="0"/>
-            <a:r>
-              <a:rPr lang="en-US" dirty="0" smtClean="0"/>
-              <a:t>The library was developed as part of the JBS project in the </a:t>
-            </a:r>
-            <a:r>
-              <a:rPr lang="en-US" dirty="0" err="1" smtClean="0"/>
-              <a:t>Technions</a:t>
-            </a:r>
-            <a:r>
-              <a:rPr lang="en-US" dirty="0" smtClean="0"/>
-              <a:t> TDK lab</a:t>
-            </a:r>
-            <a:endParaRPr lang="he-IL" dirty="0">
-              <a:latin typeface="Tahoma" panose="020B0604030504040204" pitchFamily="34" charset="0"/>
-              <a:ea typeface="Tahoma" panose="020B0604030504040204" pitchFamily="34" charset="0"/>
-              <a:cs typeface="Tahoma" panose="020B0604030504040204" pitchFamily="34" charset="0"/>
-            </a:endParaRPr>
-          </a:p>
-          <a:p>
-            <a:pPr algn="l" rtl="0"/>
-            <a:r>
-              <a:rPr lang="en-US" dirty="0" smtClean="0">
-                <a:latin typeface="Tahoma" panose="020B0604030504040204" pitchFamily="34" charset="0"/>
-                <a:ea typeface="Tahoma" panose="020B0604030504040204" pitchFamily="34" charset="0"/>
-                <a:cs typeface="Tahoma" panose="020B0604030504040204" pitchFamily="34" charset="0"/>
-              </a:rPr>
-              <a:t>W</a:t>
-            </a:r>
-            <a:r>
-              <a:rPr lang="en-US" dirty="0" smtClean="0"/>
-              <a:t>ith the help of this tool dozens of </a:t>
-            </a:r>
-            <a:r>
-              <a:rPr lang="en-US" dirty="0" err="1" smtClean="0"/>
-              <a:t>jewish</a:t>
-            </a:r>
-            <a:r>
-              <a:rPr lang="en-US" dirty="0" smtClean="0"/>
-              <a:t> books were “translated” to </a:t>
-            </a:r>
-            <a:r>
-              <a:rPr lang="en-US" dirty="0" err="1" smtClean="0"/>
-              <a:t>json</a:t>
-            </a:r>
-            <a:r>
-              <a:rPr lang="en-US" dirty="0" smtClean="0"/>
-              <a:t> format and used in the project to create a semantic web database of the </a:t>
-            </a:r>
-            <a:r>
-              <a:rPr lang="en-US" dirty="0" err="1" smtClean="0"/>
-              <a:t>jewish</a:t>
-            </a:r>
-            <a:r>
-              <a:rPr lang="en-US" dirty="0" smtClean="0"/>
-              <a:t> books</a:t>
-            </a:r>
-            <a:endParaRPr lang="he-IL" dirty="0">
-              <a:latin typeface="Tahoma" panose="020B0604030504040204" pitchFamily="34" charset="0"/>
-              <a:ea typeface="Tahoma" panose="020B0604030504040204" pitchFamily="34" charset="0"/>
-              <a:cs typeface="Tahoma" panose="020B0604030504040204" pitchFamily="34" charset="0"/>
-            </a:endParaRPr>
-          </a:p>
-        </p:txBody>
-      </p:sp>
-    </p:spTree>
-    <p:extLst>
-      <p:ext uri="{BB962C8B-B14F-4D97-AF65-F5344CB8AC3E}">
-        <p14:creationId xmlns:p14="http://schemas.microsoft.com/office/powerpoint/2010/main" val="3529114326"/>
-      </p:ext>
-    </p:extLst>
-  </p:cSld>
-  <p:clrMapOvr>
-    <a:masterClrMapping/>
-  </p:clrMapOvr>
-  <mc:AlternateContent xmlns:mc="http://schemas.openxmlformats.org/markup-compatibility/2006" xmlns:p14="http://schemas.microsoft.com/office/powerpoint/2010/main">
-    <mc:Choice Requires="p14">
-      <p:transition spd="med" p14:dur="700">
-        <p:fade/>
-      </p:transition>
-    </mc:Choice>
-    <mc:Fallback xmlns="">
-      <p:transition spd="med">
-        <p:fade/>
-      </p:transition>
-    </mc:Fallback>
-  </mc:AlternateContent>
-  <p:timing>
-    <p:tnLst>
-      <p:par>
-        <p:cTn id="1" dur="indefinite" restart="never" nodeType="tmRoot"/>
-      </p:par>
-    </p:tnLst>
-  </p:timing>
-</p:sld>
-</file>
-
-<file path=ppt/slides/slide3.xml><?xml version="1.0" encoding="utf-8"?>
-<p:sld xmlns:a="http://schemas.openxmlformats.org/drawingml/2006/main" xmlns:r="http://schemas.openxmlformats.org/officeDocument/2006/relationships" xmlns:p="http://schemas.openxmlformats.org/presentationml/2006/main">
-  <p:cSld>
-    <p:spTree>
-      <p:nvGrpSpPr>
-        <p:cNvPr id="1" name=""/>
-        <p:cNvGrpSpPr/>
-        <p:nvPr/>
-      </p:nvGrpSpPr>
-      <p:grpSpPr>
-        <a:xfrm>
-          <a:off x="0" y="0"/>
-          <a:ext cx="0" cy="0"/>
-          <a:chOff x="0" y="0"/>
-          <a:chExt cx="0" cy="0"/>
-        </a:xfrm>
-      </p:grpSpPr>
-      <p:sp>
-        <p:nvSpPr>
-          <p:cNvPr id="13" name="כותרת 12"/>
-          <p:cNvSpPr>
-            <a:spLocks noGrp="1"/>
-          </p:cNvSpPr>
-          <p:nvPr>
-            <p:ph type="title"/>
-          </p:nvPr>
-        </p:nvSpPr>
-        <p:spPr/>
-        <p:txBody>
-          <a:bodyPr rtlCol="1"/>
-          <a:lstStyle/>
-          <a:p>
-            <a:pPr algn="l" rtl="1"/>
-            <a:r>
-              <a:rPr lang="en-US" b="1" dirty="0" smtClean="0">
-                <a:latin typeface="Tahoma" panose="020B0604030504040204" pitchFamily="34" charset="0"/>
-                <a:ea typeface="Tahoma" panose="020B0604030504040204" pitchFamily="34" charset="0"/>
-                <a:cs typeface="Tahoma" panose="020B0604030504040204" pitchFamily="34" charset="0"/>
-              </a:rPr>
-              <a:t>USING Text2Json</a:t>
-            </a:r>
-            <a:endParaRPr lang="he-IL" b="1" dirty="0">
-              <a:latin typeface="Tahoma" panose="020B0604030504040204" pitchFamily="34" charset="0"/>
-              <a:ea typeface="Tahoma" panose="020B0604030504040204" pitchFamily="34" charset="0"/>
-              <a:cs typeface="Tahoma" panose="020B0604030504040204" pitchFamily="34" charset="0"/>
-            </a:endParaRPr>
-          </a:p>
-        </p:txBody>
-      </p:sp>
-      <p:sp>
-        <p:nvSpPr>
-          <p:cNvPr id="14" name="מציין מיקום תוכן 13"/>
-          <p:cNvSpPr>
-            <a:spLocks noGrp="1"/>
-          </p:cNvSpPr>
-          <p:nvPr>
-            <p:ph idx="1"/>
-          </p:nvPr>
-        </p:nvSpPr>
-        <p:spPr/>
-        <p:txBody>
-          <a:bodyPr rtlCol="1"/>
-          <a:lstStyle/>
-          <a:p>
-            <a:pPr marL="514350" indent="-514350" algn="l" rtl="0">
-              <a:buAutoNum type="arabicPeriod"/>
-            </a:pPr>
-            <a:r>
-              <a:rPr lang="en-US" dirty="0" smtClean="0"/>
-              <a:t>Create a new parser inheriting from the parser class</a:t>
-            </a:r>
-          </a:p>
-          <a:p>
-            <a:pPr marL="514350" indent="-514350" algn="l" rtl="0">
-              <a:buAutoNum type="arabicPeriod"/>
-            </a:pPr>
-            <a:r>
-              <a:rPr lang="en-US" dirty="0" smtClean="0"/>
-              <a:t>Define pattern matchers</a:t>
-            </a:r>
-          </a:p>
-          <a:p>
-            <a:pPr marL="514350" indent="-514350" algn="l" rtl="0">
-              <a:buAutoNum type="arabicPeriod"/>
-            </a:pPr>
-            <a:r>
-              <a:rPr lang="en-US" dirty="0" smtClean="0"/>
-              <a:t>Define actions to be taken upon match</a:t>
-            </a:r>
-          </a:p>
-          <a:p>
-            <a:pPr marL="514350" indent="-514350" algn="l" rtl="0">
-              <a:buAutoNum type="arabicPeriod"/>
-            </a:pPr>
-            <a:endParaRPr lang="en-US" dirty="0" smtClean="0"/>
-          </a:p>
-          <a:p>
-            <a:pPr marL="514350" indent="-514350" algn="l" rtl="0">
-              <a:buAutoNum type="arabicPeriod"/>
-            </a:pPr>
-            <a:endParaRPr lang="en-US" dirty="0" smtClean="0"/>
-          </a:p>
-          <a:p>
-            <a:pPr marL="514350" indent="-514350" algn="l" rtl="0">
-              <a:buAutoNum type="arabicPeriod"/>
-            </a:pPr>
-            <a:endParaRPr lang="he-IL" dirty="0">
-              <a:latin typeface="Tahoma" panose="020B0604030504040204" pitchFamily="34" charset="0"/>
-              <a:ea typeface="Tahoma" panose="020B0604030504040204" pitchFamily="34" charset="0"/>
-              <a:cs typeface="Tahoma" panose="020B0604030504040204" pitchFamily="34" charset="0"/>
-            </a:endParaRPr>
-          </a:p>
-        </p:txBody>
-      </p:sp>
-      <p:pic>
-        <p:nvPicPr>
-          <p:cNvPr id="3" name="תמונה 2"/>
-          <p:cNvPicPr>
-            <a:picLocks noChangeAspect="1"/>
-          </p:cNvPicPr>
-          <p:nvPr/>
-        </p:nvPicPr>
-        <p:blipFill rotWithShape="1">
-          <a:blip r:embed="rId3"/>
-          <a:srcRect b="35109"/>
-          <a:stretch/>
-        </p:blipFill>
-        <p:spPr>
-          <a:xfrm>
-            <a:off x="1293811" y="3581400"/>
-            <a:ext cx="5668615" cy="2209799"/>
-          </a:xfrm>
-          <a:prstGeom prst="rect">
-            <a:avLst/>
-          </a:prstGeom>
-        </p:spPr>
-      </p:pic>
-      <p:pic>
-        <p:nvPicPr>
-          <p:cNvPr id="1026" name="Picture 2" descr="Image result for json"/>
-          <p:cNvPicPr>
-            <a:picLocks noChangeAspect="1" noChangeArrowheads="1"/>
-          </p:cNvPicPr>
-          <p:nvPr/>
-        </p:nvPicPr>
-        <p:blipFill>
-          <a:blip r:embed="rId4" cstate="print">
-            <a:extLst>
-              <a:ext uri="{28A0092B-C50C-407E-A947-70E740481C1C}">
-                <a14:useLocalDpi xmlns:a14="http://schemas.microsoft.com/office/drawing/2010/main" val="0"/>
-              </a:ext>
-            </a:extLst>
-          </a:blip>
-          <a:srcRect/>
-          <a:stretch>
-            <a:fillRect/>
-          </a:stretch>
-        </p:blipFill>
-        <p:spPr bwMode="auto">
-          <a:xfrm>
-            <a:off x="9980612" y="4018648"/>
-            <a:ext cx="1747837" cy="1747837"/>
-          </a:xfrm>
-          <a:prstGeom prst="rect">
-            <a:avLst/>
-          </a:prstGeom>
-          <a:noFill/>
-          <a:extLst>
-            <a:ext uri="{909E8E84-426E-40DD-AFC4-6F175D3DCCD1}">
-              <a14:hiddenFill xmlns:a14="http://schemas.microsoft.com/office/drawing/2010/main">
-                <a:solidFill>
-                  <a:srgbClr val="FFFFFF"/>
-                </a:solidFill>
-              </a14:hiddenFill>
-            </a:ext>
-          </a:extLst>
-        </p:spPr>
-      </p:pic>
-      <p:pic>
-        <p:nvPicPr>
-          <p:cNvPr id="1028" name="Picture 4" descr="Image result for txt"/>
-          <p:cNvPicPr>
-            <a:picLocks noChangeAspect="1" noChangeArrowheads="1"/>
-          </p:cNvPicPr>
-          <p:nvPr/>
-        </p:nvPicPr>
-        <p:blipFill>
-          <a:blip r:embed="rId5" cstate="print">
-            <a:biLevel thresh="75000"/>
-            <a:extLst>
-              <a:ext uri="{28A0092B-C50C-407E-A947-70E740481C1C}">
-                <a14:useLocalDpi xmlns:a14="http://schemas.microsoft.com/office/drawing/2010/main" val="0"/>
-              </a:ext>
-            </a:extLst>
-          </a:blip>
-          <a:srcRect/>
-          <a:stretch>
-            <a:fillRect/>
-          </a:stretch>
-        </p:blipFill>
-        <p:spPr bwMode="auto">
-          <a:xfrm>
-            <a:off x="7237412" y="4048758"/>
-            <a:ext cx="1717727" cy="1717727"/>
-          </a:xfrm>
-          <a:prstGeom prst="rect">
-            <a:avLst/>
-          </a:prstGeom>
-          <a:noFill/>
-          <a:extLst>
-            <a:ext uri="{909E8E84-426E-40DD-AFC4-6F175D3DCCD1}">
-              <a14:hiddenFill xmlns:a14="http://schemas.microsoft.com/office/drawing/2010/main">
-                <a:solidFill>
-                  <a:srgbClr val="FFFFFF"/>
-                </a:solidFill>
-              </a14:hiddenFill>
-            </a:ext>
-          </a:extLst>
-        </p:spPr>
-      </p:pic>
-      <p:sp>
-        <p:nvSpPr>
-          <p:cNvPr id="2" name="חץ ימינה 1"/>
+      <p:sp>
+        <p:nvSpPr>
+          <p:cNvPr id="9" name="חץ מכופף למעלה 8"/>
           <p:cNvSpPr/>
           <p:nvPr/>
         </p:nvSpPr>
         <p:spPr>
-          <a:xfrm>
-            <a:off x="9066212" y="4800600"/>
-            <a:ext cx="685800" cy="381000"/>
+          <a:xfrm rot="5400000">
+            <a:off x="5141912" y="4229100"/>
+            <a:ext cx="1676400" cy="1752600"/>
           </a:xfrm>
-          <a:prstGeom prst="rightArrow">
-            <a:avLst/>
+          <a:prstGeom prst="bentUpArrow">
+            <a:avLst>
+              <a:gd name="adj1" fmla="val 23526"/>
+              <a:gd name="adj2" fmla="val 26474"/>
+              <a:gd name="adj3" fmla="val 28440"/>
+            </a:avLst>
           </a:prstGeom>
         </p:spPr>
         <p:style>
@@ -8376,58 +10195,9 @@
           </a:p>
         </p:txBody>
       </p:sp>
-    </p:spTree>
-    <p:extLst>
-      <p:ext uri="{BB962C8B-B14F-4D97-AF65-F5344CB8AC3E}">
-        <p14:creationId xmlns:p14="http://schemas.microsoft.com/office/powerpoint/2010/main" val="928119428"/>
-      </p:ext>
-    </p:extLst>
-  </p:cSld>
-  <p:clrMapOvr>
-    <a:masterClrMapping/>
-  </p:clrMapOvr>
-  <mc:AlternateContent xmlns:mc="http://schemas.openxmlformats.org/markup-compatibility/2006" xmlns:p14="http://schemas.microsoft.com/office/powerpoint/2010/main">
-    <mc:Choice Requires="p14">
-      <p:transition spd="med" p14:dur="700">
-        <p:fade/>
-      </p:transition>
-    </mc:Choice>
-    <mc:Fallback xmlns="">
-      <p:transition spd="med">
-        <p:fade/>
-      </p:transition>
-    </mc:Fallback>
-  </mc:AlternateContent>
-  <p:timing>
-    <p:tnLst>
-      <p:par>
-        <p:cTn id="1" dur="indefinite" restart="never" nodeType="tmRoot"/>
-      </p:par>
-    </p:tnLst>
-  </p:timing>
-</p:sld>
-</file>
-
-<file path=ppt/slides/slide4.xml><?xml version="1.0" encoding="utf-8"?>
-<p:sld xmlns:a="http://schemas.openxmlformats.org/drawingml/2006/main" xmlns:r="http://schemas.openxmlformats.org/officeDocument/2006/relationships" xmlns:p="http://schemas.openxmlformats.org/presentationml/2006/main">
-  <p:cSld>
-    <p:spTree>
-      <p:nvGrpSpPr>
-        <p:cNvPr id="1" name=""/>
-        <p:cNvGrpSpPr/>
-        <p:nvPr/>
-      </p:nvGrpSpPr>
-      <p:grpSpPr>
-        <a:xfrm>
-          <a:off x="0" y="0"/>
-          <a:ext cx="0" cy="0"/>
-          <a:chOff x="0" y="0"/>
-          <a:chExt cx="0" cy="0"/>
-        </a:xfrm>
-      </p:grpSpPr>
-      <p:sp>
-        <p:nvSpPr>
-          <p:cNvPr id="13" name="כותרת 12"/>
+      <p:sp>
+        <p:nvSpPr>
+          <p:cNvPr id="7" name="כותרת 12"/>
           <p:cNvSpPr>
             <a:spLocks noGrp="1"/>
           </p:cNvSpPr>
@@ -8435,90 +10205,28 @@
             <p:ph type="title"/>
           </p:nvPr>
         </p:nvSpPr>
-        <p:spPr/>
-        <p:txBody>
-          <a:bodyPr rtlCol="1"/>
+        <p:spPr>
+          <a:xfrm>
+            <a:off x="379412" y="1774607"/>
+            <a:ext cx="10360501" cy="1223963"/>
+          </a:xfrm>
+        </p:spPr>
+        <p:txBody>
+          <a:bodyPr rtlCol="1">
+            <a:normAutofit/>
+          </a:bodyPr>
           <a:lstStyle/>
           <a:p>
             <a:pPr algn="l" rtl="1"/>
             <a:r>
-              <a:rPr lang="en-US" b="1" dirty="0" smtClean="0"/>
-              <a:t>Register Matchers</a:t>
-            </a:r>
-            <a:endParaRPr lang="he-IL" b="1" dirty="0"/>
-          </a:p>
-        </p:txBody>
-      </p:sp>
-      <p:sp>
-        <p:nvSpPr>
-          <p:cNvPr id="14" name="מציין מיקום תוכן 13"/>
-          <p:cNvSpPr>
-            <a:spLocks noGrp="1"/>
-          </p:cNvSpPr>
-          <p:nvPr>
-            <p:ph idx="1"/>
-          </p:nvPr>
-        </p:nvSpPr>
-        <p:spPr/>
-        <p:txBody>
-          <a:bodyPr rtlCol="1"/>
-          <a:lstStyle/>
-          <a:p>
-            <a:pPr marL="514350" indent="-514350" algn="l" rtl="0">
-              <a:buFont typeface="Arial" pitchFamily="34" charset="0"/>
-              <a:buAutoNum type="arabicPeriod"/>
-            </a:pPr>
-            <a:r>
-              <a:rPr lang="en-US" dirty="0" err="1" smtClean="0"/>
-              <a:t>LineMatcher</a:t>
-            </a:r>
-            <a:r>
-              <a:rPr lang="en-US" dirty="0" smtClean="0"/>
-              <a:t> </a:t>
-            </a:r>
-            <a:r>
-              <a:rPr lang="en-US" dirty="0" smtClean="0"/>
-              <a:t>- interface </a:t>
-            </a:r>
-            <a:r>
-              <a:rPr lang="en-US" dirty="0"/>
-              <a:t>for </a:t>
-            </a:r>
-            <a:r>
-              <a:rPr lang="en-US" dirty="0" smtClean="0"/>
-              <a:t>pattern matching.</a:t>
-            </a:r>
-          </a:p>
-          <a:p>
-            <a:pPr marL="514350" indent="-514350" algn="l" rtl="0">
-              <a:buAutoNum type="arabicPeriod"/>
-            </a:pPr>
-            <a:r>
-              <a:rPr lang="en-US" dirty="0" smtClean="0"/>
-              <a:t>Line - A class with a set of functions for examining the text.</a:t>
-            </a:r>
-          </a:p>
-          <a:p>
-            <a:pPr marL="0" indent="0" algn="l" rtl="0">
-              <a:buNone/>
-            </a:pPr>
-            <a:endParaRPr lang="en-US" dirty="0" smtClean="0"/>
-          </a:p>
-          <a:p>
-            <a:pPr marL="514350" indent="-514350" algn="l" rtl="0">
-              <a:buAutoNum type="arabicPeriod"/>
-            </a:pPr>
-            <a:endParaRPr lang="en-US" dirty="0" smtClean="0"/>
-          </a:p>
-          <a:p>
-            <a:pPr marL="0" indent="0" algn="l" rtl="0">
-              <a:buNone/>
-            </a:pPr>
-            <a:endParaRPr lang="he-IL" dirty="0">
-              <a:latin typeface="Tahoma" panose="020B0604030504040204" pitchFamily="34" charset="0"/>
-              <a:ea typeface="Tahoma" panose="020B0604030504040204" pitchFamily="34" charset="0"/>
-              <a:cs typeface="Tahoma" panose="020B0604030504040204" pitchFamily="34" charset="0"/>
-            </a:endParaRPr>
+              <a:rPr lang="en-US" sz="4400" b="1" dirty="0" err="1" smtClean="0"/>
+              <a:t>Json</a:t>
+            </a:r>
+            <a:r>
+              <a:rPr lang="en-US" sz="4400" b="1" dirty="0" smtClean="0"/>
+              <a:t> file for package data</a:t>
+            </a:r>
+            <a:endParaRPr lang="he-IL" sz="4400" b="1" dirty="0"/>
           </a:p>
         </p:txBody>
       </p:sp>
@@ -8532,427 +10240,13 @@
         </p:nvPicPr>
         <p:blipFill rotWithShape="1">
           <a:blip r:embed="rId3"/>
-          <a:srcRect b="15573"/>
+          <a:srcRect b="11703"/>
           <a:stretch/>
         </p:blipFill>
         <p:spPr>
           <a:xfrm>
-            <a:off x="1293811" y="2895600"/>
-            <a:ext cx="4121989" cy="3429000"/>
-          </a:xfrm>
-          <a:prstGeom prst="rect">
-            <a:avLst/>
-          </a:prstGeom>
-        </p:spPr>
-      </p:pic>
-      <p:pic>
-        <p:nvPicPr>
-          <p:cNvPr id="4098" name="Picture 2" descr="Related image"/>
-          <p:cNvPicPr>
-            <a:picLocks noChangeAspect="1" noChangeArrowheads="1"/>
-          </p:cNvPicPr>
-          <p:nvPr/>
-        </p:nvPicPr>
-        <p:blipFill>
-          <a:blip r:embed="rId4" cstate="print">
-            <a:extLst>
-              <a:ext uri="{28A0092B-C50C-407E-A947-70E740481C1C}">
-                <a14:useLocalDpi xmlns:a14="http://schemas.microsoft.com/office/drawing/2010/main" val="0"/>
-              </a:ext>
-            </a:extLst>
-          </a:blip>
-          <a:srcRect/>
-          <a:stretch>
-            <a:fillRect/>
-          </a:stretch>
-        </p:blipFill>
-        <p:spPr bwMode="auto">
-          <a:xfrm>
-            <a:off x="9622098" y="4876800"/>
-            <a:ext cx="1447800" cy="1447800"/>
-          </a:xfrm>
-          <a:prstGeom prst="rect">
-            <a:avLst/>
-          </a:prstGeom>
-          <a:noFill/>
-          <a:extLst>
-            <a:ext uri="{909E8E84-426E-40DD-AFC4-6F175D3DCCD1}">
-              <a14:hiddenFill xmlns:a14="http://schemas.microsoft.com/office/drawing/2010/main">
-                <a:solidFill>
-                  <a:srgbClr val="FFFFFF"/>
-                </a:solidFill>
-              </a14:hiddenFill>
-            </a:ext>
-          </a:extLst>
-        </p:spPr>
-      </p:pic>
-    </p:spTree>
-    <p:extLst>
-      <p:ext uri="{BB962C8B-B14F-4D97-AF65-F5344CB8AC3E}">
-        <p14:creationId xmlns:p14="http://schemas.microsoft.com/office/powerpoint/2010/main" val="333347440"/>
-      </p:ext>
-    </p:extLst>
-  </p:cSld>
-  <p:clrMapOvr>
-    <a:masterClrMapping/>
-  </p:clrMapOvr>
-  <mc:AlternateContent xmlns:mc="http://schemas.openxmlformats.org/markup-compatibility/2006" xmlns:p14="http://schemas.microsoft.com/office/powerpoint/2010/main">
-    <mc:Choice Requires="p14">
-      <p:transition spd="med" p14:dur="700">
-        <p:fade/>
-      </p:transition>
-    </mc:Choice>
-    <mc:Fallback xmlns="">
-      <p:transition spd="med">
-        <p:fade/>
-      </p:transition>
-    </mc:Fallback>
-  </mc:AlternateContent>
-  <p:timing>
-    <p:tnLst>
-      <p:par>
-        <p:cTn id="1" dur="indefinite" restart="never" nodeType="tmRoot"/>
-      </p:par>
-    </p:tnLst>
-  </p:timing>
-</p:sld>
-</file>
-
-<file path=ppt/slides/slide5.xml><?xml version="1.0" encoding="utf-8"?>
-<p:sld xmlns:a="http://schemas.openxmlformats.org/drawingml/2006/main" xmlns:r="http://schemas.openxmlformats.org/officeDocument/2006/relationships" xmlns:p="http://schemas.openxmlformats.org/presentationml/2006/main">
-  <p:cSld>
-    <p:spTree>
-      <p:nvGrpSpPr>
-        <p:cNvPr id="1" name=""/>
-        <p:cNvGrpSpPr/>
-        <p:nvPr/>
-      </p:nvGrpSpPr>
-      <p:grpSpPr>
-        <a:xfrm>
-          <a:off x="0" y="0"/>
-          <a:ext cx="0" cy="0"/>
-          <a:chOff x="0" y="0"/>
-          <a:chExt cx="0" cy="0"/>
-        </a:xfrm>
-      </p:grpSpPr>
-      <p:sp>
-        <p:nvSpPr>
-          <p:cNvPr id="13" name="כותרת 12"/>
-          <p:cNvSpPr>
-            <a:spLocks noGrp="1"/>
-          </p:cNvSpPr>
-          <p:nvPr>
-            <p:ph type="title"/>
-          </p:nvPr>
-        </p:nvSpPr>
-        <p:spPr/>
-        <p:txBody>
-          <a:bodyPr rtlCol="1"/>
-          <a:lstStyle/>
-          <a:p>
-            <a:pPr algn="l" rtl="1"/>
-            <a:r>
-              <a:rPr lang="en-US" b="1" dirty="0" smtClean="0"/>
-              <a:t>Some of the functions provided by the Line class</a:t>
-            </a:r>
-            <a:endParaRPr lang="he-IL" b="1" dirty="0"/>
-          </a:p>
-        </p:txBody>
-      </p:sp>
-      <p:sp>
-        <p:nvSpPr>
-          <p:cNvPr id="14" name="מציין מיקום תוכן 13"/>
-          <p:cNvSpPr>
-            <a:spLocks noGrp="1"/>
-          </p:cNvSpPr>
-          <p:nvPr>
-            <p:ph idx="1"/>
-          </p:nvPr>
-        </p:nvSpPr>
-        <p:spPr/>
-        <p:txBody>
-          <a:bodyPr rtlCol="1"/>
-          <a:lstStyle/>
-          <a:p>
-            <a:pPr algn="l" rtl="0"/>
-            <a:r>
-              <a:rPr lang="en-US" dirty="0" smtClean="0"/>
-              <a:t>Get line</a:t>
-            </a:r>
-          </a:p>
-          <a:p>
-            <a:pPr algn="l" rtl="0"/>
-            <a:r>
-              <a:rPr lang="en-US" dirty="0" smtClean="0"/>
-              <a:t>Begins with</a:t>
-            </a:r>
-          </a:p>
-          <a:p>
-            <a:pPr algn="l" rtl="0"/>
-            <a:r>
-              <a:rPr lang="en-US" dirty="0" smtClean="0"/>
-              <a:t>Ends with</a:t>
-            </a:r>
-          </a:p>
-          <a:p>
-            <a:pPr algn="l" rtl="0"/>
-            <a:r>
-              <a:rPr lang="en-US" dirty="0" smtClean="0"/>
-              <a:t>Contains</a:t>
-            </a:r>
-          </a:p>
-          <a:p>
-            <a:pPr algn="l" rtl="0"/>
-            <a:r>
-              <a:rPr lang="en-US" dirty="0" smtClean="0"/>
-              <a:t>Word count</a:t>
-            </a:r>
-          </a:p>
-          <a:p>
-            <a:pPr algn="l" rtl="0"/>
-            <a:r>
-              <a:rPr lang="en-US" dirty="0" smtClean="0"/>
-              <a:t>Extract</a:t>
-            </a:r>
-          </a:p>
-          <a:p>
-            <a:pPr algn="l" rtl="0"/>
-            <a:r>
-              <a:rPr lang="en-US" dirty="0" smtClean="0"/>
-              <a:t>Get first word</a:t>
-            </a:r>
-          </a:p>
-          <a:p>
-            <a:pPr marL="514350" indent="-514350" algn="l" rtl="0">
-              <a:buAutoNum type="arabicPeriod"/>
-            </a:pPr>
-            <a:endParaRPr lang="en-US" dirty="0" smtClean="0"/>
-          </a:p>
-          <a:p>
-            <a:pPr marL="0" indent="0" algn="l" rtl="0">
-              <a:buNone/>
-            </a:pPr>
-            <a:endParaRPr lang="en-US" dirty="0" smtClean="0"/>
-          </a:p>
-          <a:p>
-            <a:pPr marL="514350" indent="-514350" algn="l" rtl="0">
-              <a:buAutoNum type="arabicPeriod"/>
-            </a:pPr>
-            <a:endParaRPr lang="en-US" dirty="0" smtClean="0"/>
-          </a:p>
-          <a:p>
-            <a:pPr marL="0" indent="0" algn="l" rtl="0">
-              <a:buNone/>
-            </a:pPr>
-            <a:endParaRPr lang="he-IL" dirty="0">
-              <a:latin typeface="Tahoma" panose="020B0604030504040204" pitchFamily="34" charset="0"/>
-              <a:ea typeface="Tahoma" panose="020B0604030504040204" pitchFamily="34" charset="0"/>
-              <a:cs typeface="Tahoma" panose="020B0604030504040204" pitchFamily="34" charset="0"/>
-            </a:endParaRPr>
-          </a:p>
-        </p:txBody>
-      </p:sp>
-      <p:pic>
-        <p:nvPicPr>
-          <p:cNvPr id="3074" name="Picture 2" descr="Image result for parser icon"/>
-          <p:cNvPicPr>
-            <a:picLocks noChangeAspect="1" noChangeArrowheads="1"/>
-          </p:cNvPicPr>
-          <p:nvPr/>
-        </p:nvPicPr>
-        <p:blipFill>
-          <a:blip r:embed="rId3">
-            <a:extLst>
-              <a:ext uri="{28A0092B-C50C-407E-A947-70E740481C1C}">
-                <a14:useLocalDpi xmlns:a14="http://schemas.microsoft.com/office/drawing/2010/main" val="0"/>
-              </a:ext>
-            </a:extLst>
-          </a:blip>
-          <a:srcRect/>
-          <a:stretch>
-            <a:fillRect/>
-          </a:stretch>
-        </p:blipFill>
-        <p:spPr bwMode="auto">
-          <a:xfrm>
-            <a:off x="9752012" y="4800600"/>
-            <a:ext cx="1676400" cy="1676400"/>
-          </a:xfrm>
-          <a:prstGeom prst="rect">
-            <a:avLst/>
-          </a:prstGeom>
-          <a:noFill/>
-          <a:extLst>
-            <a:ext uri="{909E8E84-426E-40DD-AFC4-6F175D3DCCD1}">
-              <a14:hiddenFill xmlns:a14="http://schemas.microsoft.com/office/drawing/2010/main">
-                <a:solidFill>
-                  <a:srgbClr val="FFFFFF"/>
-                </a:solidFill>
-              </a14:hiddenFill>
-            </a:ext>
-          </a:extLst>
-        </p:spPr>
-      </p:pic>
-    </p:spTree>
-    <p:extLst>
-      <p:ext uri="{BB962C8B-B14F-4D97-AF65-F5344CB8AC3E}">
-        <p14:creationId xmlns:p14="http://schemas.microsoft.com/office/powerpoint/2010/main" val="698322799"/>
-      </p:ext>
-    </p:extLst>
-  </p:cSld>
-  <p:clrMapOvr>
-    <a:masterClrMapping/>
-  </p:clrMapOvr>
-  <mc:AlternateContent xmlns:mc="http://schemas.openxmlformats.org/markup-compatibility/2006" xmlns:p14="http://schemas.microsoft.com/office/powerpoint/2010/main">
-    <mc:Choice Requires="p14">
-      <p:transition spd="med" p14:dur="700">
-        <p:fade/>
-      </p:transition>
-    </mc:Choice>
-    <mc:Fallback xmlns="">
-      <p:transition spd="med">
-        <p:fade/>
-      </p:transition>
-    </mc:Fallback>
-  </mc:AlternateContent>
-  <p:timing>
-    <p:tnLst>
-      <p:par>
-        <p:cTn id="1" dur="indefinite" restart="never" nodeType="tmRoot"/>
-      </p:par>
-    </p:tnLst>
-  </p:timing>
-</p:sld>
-</file>
-
-<file path=ppt/slides/slide6.xml><?xml version="1.0" encoding="utf-8"?>
-<p:sld xmlns:a="http://schemas.openxmlformats.org/drawingml/2006/main" xmlns:r="http://schemas.openxmlformats.org/officeDocument/2006/relationships" xmlns:p="http://schemas.openxmlformats.org/presentationml/2006/main">
-  <p:cSld>
-    <p:spTree>
-      <p:nvGrpSpPr>
-        <p:cNvPr id="1" name=""/>
-        <p:cNvGrpSpPr/>
-        <p:nvPr/>
-      </p:nvGrpSpPr>
-      <p:grpSpPr>
-        <a:xfrm>
-          <a:off x="0" y="0"/>
-          <a:ext cx="0" cy="0"/>
-          <a:chOff x="0" y="0"/>
-          <a:chExt cx="0" cy="0"/>
-        </a:xfrm>
-      </p:grpSpPr>
-      <p:sp>
-        <p:nvSpPr>
-          <p:cNvPr id="13" name="כותרת 12"/>
-          <p:cNvSpPr>
-            <a:spLocks noGrp="1"/>
-          </p:cNvSpPr>
-          <p:nvPr>
-            <p:ph type="title"/>
-          </p:nvPr>
-        </p:nvSpPr>
-        <p:spPr/>
-        <p:txBody>
-          <a:bodyPr rtlCol="1"/>
-          <a:lstStyle/>
-          <a:p>
-            <a:pPr algn="l" rtl="1"/>
-            <a:r>
-              <a:rPr lang="en-US" b="1" dirty="0" smtClean="0"/>
-              <a:t>On Line Match</a:t>
-            </a:r>
-            <a:endParaRPr lang="he-IL" b="1" dirty="0"/>
-          </a:p>
-        </p:txBody>
-      </p:sp>
-      <p:sp>
-        <p:nvSpPr>
-          <p:cNvPr id="14" name="מציין מיקום תוכן 13"/>
-          <p:cNvSpPr>
-            <a:spLocks noGrp="1"/>
-          </p:cNvSpPr>
-          <p:nvPr>
-            <p:ph idx="1"/>
-          </p:nvPr>
-        </p:nvSpPr>
-        <p:spPr/>
-        <p:txBody>
-          <a:bodyPr rtlCol="1"/>
-          <a:lstStyle/>
-          <a:p>
-            <a:pPr marL="514350" indent="-514350" algn="l" rtl="0">
-              <a:buFont typeface="Arial" pitchFamily="34" charset="0"/>
-              <a:buAutoNum type="arabicPeriod"/>
-            </a:pPr>
-            <a:r>
-              <a:rPr lang="en-US" dirty="0" err="1" smtClean="0"/>
-              <a:t>JsonObject</a:t>
-            </a:r>
-            <a:r>
-              <a:rPr lang="en-US" dirty="0" smtClean="0"/>
-              <a:t> – A class for easily writing </a:t>
-            </a:r>
-            <a:r>
-              <a:rPr lang="en-US" dirty="0" smtClean="0"/>
-              <a:t>to a </a:t>
-            </a:r>
-            <a:r>
-              <a:rPr lang="en-US" dirty="0" err="1" smtClean="0"/>
-              <a:t>json</a:t>
-            </a:r>
-            <a:r>
-              <a:rPr lang="en-US" dirty="0" smtClean="0"/>
-              <a:t> </a:t>
-            </a:r>
-            <a:r>
-              <a:rPr lang="en-US" dirty="0" smtClean="0"/>
-              <a:t>file </a:t>
-            </a:r>
-            <a:endParaRPr lang="en-US" dirty="0" smtClean="0"/>
-          </a:p>
-          <a:p>
-            <a:pPr marL="0" indent="0" algn="l" rtl="0">
-              <a:buNone/>
-            </a:pPr>
-            <a:endParaRPr lang="en-US" dirty="0" smtClean="0"/>
-          </a:p>
-          <a:p>
-            <a:pPr marL="514350" indent="-514350" algn="l" rtl="0">
-              <a:buAutoNum type="arabicPeriod"/>
-            </a:pPr>
-            <a:endParaRPr lang="en-US" dirty="0" smtClean="0"/>
-          </a:p>
-          <a:p>
-            <a:pPr marL="0" indent="0" algn="l" rtl="0">
-              <a:buNone/>
-            </a:pPr>
-            <a:endParaRPr lang="he-IL" dirty="0">
-              <a:latin typeface="Tahoma" panose="020B0604030504040204" pitchFamily="34" charset="0"/>
-              <a:ea typeface="Tahoma" panose="020B0604030504040204" pitchFamily="34" charset="0"/>
-              <a:cs typeface="Tahoma" panose="020B0604030504040204" pitchFamily="34" charset="0"/>
-            </a:endParaRPr>
-          </a:p>
-        </p:txBody>
-      </p:sp>
-      <p:pic>
-        <p:nvPicPr>
-          <p:cNvPr id="3" name="תמונה 2"/>
-          <p:cNvPicPr>
-            <a:picLocks noChangeAspect="1"/>
-          </p:cNvPicPr>
-          <p:nvPr/>
-        </p:nvPicPr>
-        <p:blipFill>
-          <a:blip r:embed="rId3"/>
-          <a:stretch>
-            <a:fillRect/>
-          </a:stretch>
-        </p:blipFill>
-        <p:spPr>
-          <a:xfrm>
-            <a:off x="1293812" y="3200400"/>
-            <a:ext cx="5438775" cy="2619375"/>
+            <a:off x="8304212" y="76200"/>
+            <a:ext cx="2578576" cy="6740844"/>
           </a:xfrm>
           <a:prstGeom prst="rect">
             <a:avLst/>
@@ -8962,201 +10256,7 @@
     </p:spTree>
     <p:extLst>
       <p:ext uri="{BB962C8B-B14F-4D97-AF65-F5344CB8AC3E}">
-        <p14:creationId xmlns:p14="http://schemas.microsoft.com/office/powerpoint/2010/main" val="834813226"/>
-      </p:ext>
-    </p:extLst>
-  </p:cSld>
-  <p:clrMapOvr>
-    <a:masterClrMapping/>
-  </p:clrMapOvr>
-  <mc:AlternateContent xmlns:mc="http://schemas.openxmlformats.org/markup-compatibility/2006" xmlns:p14="http://schemas.microsoft.com/office/powerpoint/2010/main">
-    <mc:Choice Requires="p14">
-      <p:transition spd="med" p14:dur="700">
-        <p:fade/>
-      </p:transition>
-    </mc:Choice>
-    <mc:Fallback xmlns="">
-      <p:transition spd="med">
-        <p:fade/>
-      </p:transition>
-    </mc:Fallback>
-  </mc:AlternateContent>
-  <p:timing>
-    <p:tnLst>
-      <p:par>
-        <p:cTn id="1" dur="indefinite" restart="never" nodeType="tmRoot"/>
-      </p:par>
-    </p:tnLst>
-  </p:timing>
-</p:sld>
-</file>
-
-<file path=ppt/slides/slide7.xml><?xml version="1.0" encoding="utf-8"?>
-<p:sld xmlns:a="http://schemas.openxmlformats.org/drawingml/2006/main" xmlns:r="http://schemas.openxmlformats.org/officeDocument/2006/relationships" xmlns:p="http://schemas.openxmlformats.org/presentationml/2006/main">
-  <p:cSld>
-    <p:spTree>
-      <p:nvGrpSpPr>
-        <p:cNvPr id="1" name=""/>
-        <p:cNvGrpSpPr/>
-        <p:nvPr/>
-      </p:nvGrpSpPr>
-      <p:grpSpPr>
-        <a:xfrm>
-          <a:off x="0" y="0"/>
-          <a:ext cx="0" cy="0"/>
-          <a:chOff x="0" y="0"/>
-          <a:chExt cx="0" cy="0"/>
-        </a:xfrm>
-      </p:grpSpPr>
-      <p:sp>
-        <p:nvSpPr>
-          <p:cNvPr id="13" name="כותרת 12"/>
-          <p:cNvSpPr>
-            <a:spLocks noGrp="1"/>
-          </p:cNvSpPr>
-          <p:nvPr>
-            <p:ph type="title"/>
-          </p:nvPr>
-        </p:nvSpPr>
-        <p:spPr/>
-        <p:txBody>
-          <a:bodyPr rtlCol="1"/>
-          <a:lstStyle/>
-          <a:p>
-            <a:pPr algn="l" rtl="1"/>
-            <a:r>
-              <a:rPr lang="en-US" b="1" dirty="0" smtClean="0"/>
-              <a:t>Some of the functions provided by the </a:t>
-            </a:r>
-            <a:r>
-              <a:rPr lang="en-US" b="1" dirty="0" err="1" smtClean="0"/>
-              <a:t>json</a:t>
-            </a:r>
-            <a:r>
-              <a:rPr lang="en-US" b="1" dirty="0" smtClean="0"/>
-              <a:t> object class</a:t>
-            </a:r>
-            <a:endParaRPr lang="he-IL" b="1" dirty="0"/>
-          </a:p>
-        </p:txBody>
-      </p:sp>
-      <p:sp>
-        <p:nvSpPr>
-          <p:cNvPr id="14" name="מציין מיקום תוכן 13"/>
-          <p:cNvSpPr>
-            <a:spLocks noGrp="1"/>
-          </p:cNvSpPr>
-          <p:nvPr>
-            <p:ph idx="1"/>
-          </p:nvPr>
-        </p:nvSpPr>
-        <p:spPr/>
-        <p:txBody>
-          <a:bodyPr rtlCol="1">
-            <a:normAutofit/>
-          </a:bodyPr>
-          <a:lstStyle/>
-          <a:p>
-            <a:pPr algn="l" rtl="0"/>
-            <a:r>
-              <a:rPr lang="en-US" dirty="0"/>
-              <a:t>A</a:t>
-            </a:r>
-            <a:r>
-              <a:rPr lang="en-US" dirty="0" smtClean="0"/>
-              <a:t>dd</a:t>
-            </a:r>
-          </a:p>
-          <a:p>
-            <a:pPr algn="l" rtl="0"/>
-            <a:r>
-              <a:rPr lang="en-US" dirty="0" smtClean="0"/>
-              <a:t>Append</a:t>
-            </a:r>
-          </a:p>
-          <a:p>
-            <a:pPr algn="l" rtl="0"/>
-            <a:r>
-              <a:rPr lang="en-US" dirty="0" smtClean="0"/>
-              <a:t>Has key</a:t>
-            </a:r>
-          </a:p>
-          <a:p>
-            <a:pPr algn="l" rtl="0"/>
-            <a:r>
-              <a:rPr lang="en-US" dirty="0" smtClean="0"/>
-              <a:t>Write</a:t>
-            </a:r>
-          </a:p>
-          <a:p>
-            <a:pPr marL="0" indent="0" algn="l" rtl="0">
-              <a:buNone/>
-            </a:pPr>
-            <a:endParaRPr lang="en-US" dirty="0" smtClean="0"/>
-          </a:p>
-          <a:p>
-            <a:pPr marL="514350" indent="-514350" algn="l" rtl="0">
-              <a:buAutoNum type="arabicPeriod"/>
-            </a:pPr>
-            <a:endParaRPr lang="en-US" dirty="0" smtClean="0"/>
-          </a:p>
-          <a:p>
-            <a:pPr marL="0" indent="0" algn="l" rtl="0">
-              <a:buNone/>
-            </a:pPr>
-            <a:endParaRPr lang="he-IL" dirty="0">
-              <a:latin typeface="Tahoma" panose="020B0604030504040204" pitchFamily="34" charset="0"/>
-              <a:ea typeface="Tahoma" panose="020B0604030504040204" pitchFamily="34" charset="0"/>
-              <a:cs typeface="Tahoma" panose="020B0604030504040204" pitchFamily="34" charset="0"/>
-            </a:endParaRPr>
-          </a:p>
-        </p:txBody>
-      </p:sp>
-      <p:pic>
-        <p:nvPicPr>
-          <p:cNvPr id="4" name="Picture 6" descr="Image result for parsing icon"/>
-          <p:cNvPicPr>
-            <a:picLocks noChangeAspect="1" noChangeArrowheads="1"/>
-          </p:cNvPicPr>
-          <p:nvPr/>
-        </p:nvPicPr>
-        <p:blipFill>
-          <a:blip r:embed="rId3">
-            <a:extLst>
-              <a:ext uri="{28A0092B-C50C-407E-A947-70E740481C1C}">
-                <a14:useLocalDpi xmlns:a14="http://schemas.microsoft.com/office/drawing/2010/main" val="0"/>
-              </a:ext>
-            </a:extLst>
-          </a:blip>
-          <a:srcRect/>
-          <a:stretch>
-            <a:fillRect/>
-          </a:stretch>
-        </p:blipFill>
-        <p:spPr bwMode="auto">
-          <a:xfrm>
-            <a:off x="9447212" y="5029200"/>
-            <a:ext cx="1905000" cy="1428750"/>
-          </a:xfrm>
-          <a:prstGeom prst="rect">
-            <a:avLst/>
-          </a:prstGeom>
-          <a:noFill/>
-          <a:extLst>
-            <a:ext uri="{909E8E84-426E-40DD-AFC4-6F175D3DCCD1}">
-              <a14:hiddenFill xmlns:a14="http://schemas.microsoft.com/office/drawing/2010/main">
-                <a:solidFill>
-                  <a:srgbClr val="FFFFFF"/>
-                </a:solidFill>
-              </a14:hiddenFill>
-            </a:ext>
-          </a:extLst>
-        </p:spPr>
-      </p:pic>
-    </p:spTree>
-    <p:extLst>
-      <p:ext uri="{BB962C8B-B14F-4D97-AF65-F5344CB8AC3E}">
-        <p14:creationId xmlns:p14="http://schemas.microsoft.com/office/powerpoint/2010/main" val="2047596920"/>
+        <p14:creationId xmlns:p14="http://schemas.microsoft.com/office/powerpoint/2010/main" val="3177798707"/>
       </p:ext>
     </p:extLst>
   </p:cSld>
@@ -9202,24 +10302,120 @@
           <a:chExt cx="0" cy="0"/>
         </a:xfrm>
       </p:grpSpPr>
+      <p:sp>
+        <p:nvSpPr>
+          <p:cNvPr id="13" name="כותרת 12"/>
+          <p:cNvSpPr>
+            <a:spLocks noGrp="1"/>
+          </p:cNvSpPr>
+          <p:nvPr>
+            <p:ph type="title"/>
+          </p:nvPr>
+        </p:nvSpPr>
+        <p:spPr/>
+        <p:txBody>
+          <a:bodyPr rtlCol="1"/>
+          <a:lstStyle/>
+          <a:p>
+            <a:pPr algn="l" rtl="1"/>
+            <a:r>
+              <a:rPr lang="en-US" b="1" dirty="0" smtClean="0">
+                <a:latin typeface="Tahoma" panose="020B0604030504040204" pitchFamily="34" charset="0"/>
+                <a:ea typeface="Tahoma" panose="020B0604030504040204" pitchFamily="34" charset="0"/>
+                <a:cs typeface="Tahoma" panose="020B0604030504040204" pitchFamily="34" charset="0"/>
+              </a:rPr>
+              <a:t>USING Text2Json</a:t>
+            </a:r>
+            <a:endParaRPr lang="he-IL" b="1" dirty="0">
+              <a:latin typeface="Tahoma" panose="020B0604030504040204" pitchFamily="34" charset="0"/>
+              <a:ea typeface="Tahoma" panose="020B0604030504040204" pitchFamily="34" charset="0"/>
+              <a:cs typeface="Tahoma" panose="020B0604030504040204" pitchFamily="34" charset="0"/>
+            </a:endParaRPr>
+          </a:p>
+        </p:txBody>
+      </p:sp>
+      <p:sp>
+        <p:nvSpPr>
+          <p:cNvPr id="14" name="מציין מיקום תוכן 13"/>
+          <p:cNvSpPr>
+            <a:spLocks noGrp="1"/>
+          </p:cNvSpPr>
+          <p:nvPr>
+            <p:ph idx="1"/>
+          </p:nvPr>
+        </p:nvSpPr>
+        <p:spPr/>
+        <p:txBody>
+          <a:bodyPr rtlCol="1"/>
+          <a:lstStyle/>
+          <a:p>
+            <a:pPr marL="514350" indent="-514350" algn="l" rtl="0">
+              <a:buAutoNum type="arabicPeriod"/>
+            </a:pPr>
+            <a:r>
+              <a:rPr lang="en-US" dirty="0" smtClean="0"/>
+              <a:t>Create a new parser inheriting from the parser class</a:t>
+            </a:r>
+          </a:p>
+          <a:p>
+            <a:pPr marL="514350" indent="-514350" algn="l" rtl="0">
+              <a:buAutoNum type="arabicPeriod"/>
+            </a:pPr>
+            <a:r>
+              <a:rPr lang="en-US" dirty="0" smtClean="0"/>
+              <a:t>Define pattern matchers</a:t>
+            </a:r>
+          </a:p>
+          <a:p>
+            <a:pPr marL="514350" indent="-514350" algn="l" rtl="0">
+              <a:buAutoNum type="arabicPeriod"/>
+            </a:pPr>
+            <a:r>
+              <a:rPr lang="en-US" dirty="0" smtClean="0"/>
+              <a:t>Define actions to be taken upon match</a:t>
+            </a:r>
+          </a:p>
+          <a:p>
+            <a:pPr marL="514350" indent="-514350" algn="l" rtl="0">
+              <a:buAutoNum type="arabicPeriod"/>
+            </a:pPr>
+            <a:endParaRPr lang="en-US" dirty="0" smtClean="0"/>
+          </a:p>
+          <a:p>
+            <a:pPr marL="514350" indent="-514350" algn="l" rtl="0">
+              <a:buAutoNum type="arabicPeriod"/>
+            </a:pPr>
+            <a:endParaRPr lang="en-US" dirty="0" smtClean="0"/>
+          </a:p>
+          <a:p>
+            <a:pPr marL="514350" indent="-514350" algn="l" rtl="0">
+              <a:buAutoNum type="arabicPeriod"/>
+            </a:pPr>
+            <a:endParaRPr lang="he-IL" dirty="0">
+              <a:latin typeface="Tahoma" panose="020B0604030504040204" pitchFamily="34" charset="0"/>
+              <a:ea typeface="Tahoma" panose="020B0604030504040204" pitchFamily="34" charset="0"/>
+              <a:cs typeface="Tahoma" panose="020B0604030504040204" pitchFamily="34" charset="0"/>
+            </a:endParaRPr>
+          </a:p>
+        </p:txBody>
+      </p:sp>
       <p:pic>
         <p:nvPicPr>
-          <p:cNvPr id="4" name="תמונה 3"/>
+          <p:cNvPr id="3" name="תמונה 2"/>
           <p:cNvPicPr>
             <a:picLocks noChangeAspect="1"/>
           </p:cNvPicPr>
           <p:nvPr/>
         </p:nvPicPr>
-        <p:blipFill>
-          <a:blip r:embed="rId2"/>
-          <a:stretch>
-            <a:fillRect/>
-          </a:stretch>
+        <p:blipFill rotWithShape="1">
+          <a:blip r:embed="rId3"/>
+          <a:srcRect b="35109"/>
+          <a:stretch/>
         </p:blipFill>
         <p:spPr>
           <a:xfrm>
-            <a:off x="4189412" y="32951"/>
-            <a:ext cx="4724400" cy="6705864"/>
+            <a:off x="1293811" y="3581400"/>
+            <a:ext cx="7146352" cy="2785866"/>
           </a:xfrm>
           <a:prstGeom prst="rect">
             <a:avLst/>
@@ -9229,7 +10425,7 @@
     </p:spTree>
     <p:extLst>
       <p:ext uri="{BB962C8B-B14F-4D97-AF65-F5344CB8AC3E}">
-        <p14:creationId xmlns:p14="http://schemas.microsoft.com/office/powerpoint/2010/main" val="4025278764"/>
+        <p14:creationId xmlns:p14="http://schemas.microsoft.com/office/powerpoint/2010/main" val="928119428"/>
       </p:ext>
     </p:extLst>
   </p:cSld>
@@ -9277,7 +10473,7 @@
       </p:grpSpPr>
       <p:sp>
         <p:nvSpPr>
-          <p:cNvPr id="4" name="כותרת 3"/>
+          <p:cNvPr id="13" name="כותרת 12"/>
           <p:cNvSpPr>
             <a:spLocks noGrp="1"/>
           </p:cNvSpPr>
@@ -9287,23 +10483,97 @@
         </p:nvSpPr>
         <p:spPr/>
         <p:txBody>
-          <a:bodyPr rtlCol="1">
-            <a:normAutofit/>
-          </a:bodyPr>
+          <a:bodyPr rtlCol="1"/>
           <a:lstStyle/>
           <a:p>
             <a:pPr algn="l" rtl="1"/>
             <a:r>
-              <a:rPr lang="en-US" sz="8000" b="1" dirty="0" smtClean="0"/>
-              <a:t>Some results</a:t>
-            </a:r>
-            <a:endParaRPr lang="he-IL" sz="8000" b="1" dirty="0"/>
+              <a:rPr lang="en-US" b="1" dirty="0" smtClean="0"/>
+              <a:t>Register Matchers</a:t>
+            </a:r>
+            <a:endParaRPr lang="he-IL" b="1" dirty="0"/>
+          </a:p>
+        </p:txBody>
+      </p:sp>
+      <p:sp>
+        <p:nvSpPr>
+          <p:cNvPr id="14" name="מציין מיקום תוכן 13"/>
+          <p:cNvSpPr>
+            <a:spLocks noGrp="1"/>
+          </p:cNvSpPr>
+          <p:nvPr>
+            <p:ph idx="1"/>
+          </p:nvPr>
+        </p:nvSpPr>
+        <p:spPr/>
+        <p:txBody>
+          <a:bodyPr rtlCol="1"/>
+          <a:lstStyle/>
+          <a:p>
+            <a:pPr marL="0" indent="0" algn="l" rtl="0">
+              <a:buNone/>
+            </a:pPr>
+            <a:r>
+              <a:rPr lang="en-US" dirty="0" err="1" smtClean="0">
+                <a:solidFill>
+                  <a:srgbClr val="008080"/>
+                </a:solidFill>
+              </a:rPr>
+              <a:t>LineMatcher</a:t>
+            </a:r>
+            <a:r>
+              <a:rPr lang="en-US" dirty="0" smtClean="0">
+                <a:solidFill>
+                  <a:srgbClr val="008080"/>
+                </a:solidFill>
+              </a:rPr>
+              <a:t> </a:t>
+            </a:r>
+            <a:r>
+              <a:rPr lang="en-US" dirty="0" smtClean="0"/>
+              <a:t>- interface </a:t>
+            </a:r>
+            <a:r>
+              <a:rPr lang="en-US" dirty="0"/>
+              <a:t>for </a:t>
+            </a:r>
+            <a:r>
+              <a:rPr lang="en-US" dirty="0" smtClean="0"/>
+              <a:t>pattern matching. </a:t>
+            </a:r>
+          </a:p>
+          <a:p>
+            <a:pPr marL="0" indent="0" algn="l" rtl="0">
+              <a:buNone/>
+            </a:pPr>
+            <a:r>
+              <a:rPr lang="en-US" dirty="0" smtClean="0"/>
+              <a:t>Define as many matchers as you would like. </a:t>
+            </a:r>
+          </a:p>
+          <a:p>
+            <a:pPr marL="0" indent="0" algn="l" rtl="0">
+              <a:buNone/>
+            </a:pPr>
+            <a:r>
+              <a:rPr lang="en-US" dirty="0" smtClean="0"/>
+              <a:t>Give each one a “type” i.e. PEREK, PASUK </a:t>
+            </a:r>
+          </a:p>
+          <a:p>
+            <a:pPr marL="0" indent="0" algn="l" rtl="0">
+              <a:buNone/>
+            </a:pPr>
+            <a:r>
+              <a:rPr lang="en-US" dirty="0" smtClean="0"/>
+              <a:t>Define a matching expression for each matcher</a:t>
+            </a:r>
           </a:p>
         </p:txBody>
       </p:sp>
       <p:pic>
         <p:nvPicPr>
-          <p:cNvPr id="5122" name="Picture 2" descr="Image result for ‫תנך‬‎"/>
+          <p:cNvPr id="4098" name="Picture 2" descr="Related image"/>
           <p:cNvPicPr>
             <a:picLocks noChangeAspect="1" noChangeArrowheads="1"/>
           </p:cNvPicPr>
@@ -9324,8 +10594,8 @@
         </p:blipFill>
         <p:spPr bwMode="auto">
           <a:xfrm>
-            <a:off x="6763952" y="838200"/>
-            <a:ext cx="3750060" cy="1676400"/>
+            <a:off x="9622098" y="4876800"/>
+            <a:ext cx="1447800" cy="1447800"/>
           </a:xfrm>
           <a:prstGeom prst="rect">
             <a:avLst/>
@@ -9345,7 +10615,7 @@
     </p:spTree>
     <p:extLst>
       <p:ext uri="{BB962C8B-B14F-4D97-AF65-F5344CB8AC3E}">
-        <p14:creationId xmlns:p14="http://schemas.microsoft.com/office/powerpoint/2010/main" val="4264977537"/>
+        <p14:creationId xmlns:p14="http://schemas.microsoft.com/office/powerpoint/2010/main" val="333347440"/>
       </p:ext>
     </p:extLst>
   </p:cSld>
